--- a/atlas/AppendixCharts.pptx
+++ b/atlas/AppendixCharts.pptx
@@ -19,7 +19,7 @@
     <p:sldId id="876" r:id="rId7"/>
     <p:sldId id="880" r:id="rId8"/>
     <p:sldId id="881" r:id="rId9"/>
-    <p:sldId id="882" r:id="rId10"/>
+    <p:sldId id="884" r:id="rId10"/>
     <p:sldId id="878" r:id="rId11"/>
     <p:sldId id="879" r:id="rId12"/>
   </p:sldIdLst>
@@ -189,7 +189,7 @@
 </file>
 
 <file path=ppt/charts/chart1.xml><?xml version="1.0" encoding="utf-8"?>
-<c:chartSpace xmlns:c="http://schemas.openxmlformats.org/drawingml/2006/chart" xmlns:a="http://schemas.openxmlformats.org/drawingml/2006/main" xmlns:r="http://schemas.openxmlformats.org/officeDocument/2006/relationships" xmlns:c16r2="http://schemas.microsoft.com/office/drawing/2015/06/chart">
+<c:chartSpace xmlns:c="http://schemas.openxmlformats.org/drawingml/2006/chart" xmlns:a="http://schemas.openxmlformats.org/drawingml/2006/main" xmlns:r="http://schemas.openxmlformats.org/officeDocument/2006/relationships">
   <c:date1904 val="0"/>
   <c:lang val="en-US"/>
   <c:roundedCorners val="0"/>
@@ -258,7 +258,7 @@
               </c:numCache>
             </c:numRef>
           </c:val>
-          <c:extLst>
+          <c:extLst xmlns:c16r2="http://schemas.microsoft.com/office/drawing/2015/06/chart">
             <c:ext xmlns:c16="http://schemas.microsoft.com/office/drawing/2014/chart" uri="{C3380CC4-5D6E-409C-BE32-E72D297353CC}">
               <c16:uniqueId val="{00000000-AA54-4E5A-B780-6B0C36017FC2}"/>
             </c:ext>
@@ -320,7 +320,7 @@
               </c:numCache>
             </c:numRef>
           </c:val>
-          <c:extLst>
+          <c:extLst xmlns:c16r2="http://schemas.microsoft.com/office/drawing/2015/06/chart">
             <c:ext xmlns:c16="http://schemas.microsoft.com/office/drawing/2014/chart" uri="{C3380CC4-5D6E-409C-BE32-E72D297353CC}">
               <c16:uniqueId val="{00000001-AA54-4E5A-B780-6B0C36017FC2}"/>
             </c:ext>
@@ -334,11 +334,11 @@
           <c:showPercent val="0"/>
           <c:showBubbleSize val="0"/>
         </c:dLbls>
-        <c:axId val="48328064"/>
-        <c:axId val="48338048"/>
+        <c:axId val="477941648"/>
+        <c:axId val="477937728"/>
       </c:areaChart>
       <c:catAx>
-        <c:axId val="48328064"/>
+        <c:axId val="477941648"/>
         <c:scaling>
           <c:orientation val="minMax"/>
         </c:scaling>
@@ -348,7 +348,7 @@
         <c:majorTickMark val="out"/>
         <c:minorTickMark val="none"/>
         <c:tickLblPos val="nextTo"/>
-        <c:crossAx val="48338048"/>
+        <c:crossAx val="477937728"/>
         <c:crosses val="autoZero"/>
         <c:auto val="1"/>
         <c:lblAlgn val="ctr"/>
@@ -356,19 +356,45 @@
         <c:noMultiLvlLbl val="0"/>
       </c:catAx>
       <c:valAx>
-        <c:axId val="48338048"/>
+        <c:axId val="477937728"/>
         <c:scaling>
           <c:orientation val="minMax"/>
           <c:max val="100"/>
         </c:scaling>
         <c:delete val="0"/>
         <c:axPos val="l"/>
-        <c:majorGridlines/>
+        <c:majorGridlines>
+          <c:spPr>
+            <a:ln>
+              <a:solidFill>
+                <a:schemeClr val="accent6">
+                  <a:lumMod val="60000"/>
+                  <a:lumOff val="40000"/>
+                </a:schemeClr>
+              </a:solidFill>
+            </a:ln>
+          </c:spPr>
+        </c:majorGridlines>
         <c:numFmt formatCode="General" sourceLinked="1"/>
         <c:majorTickMark val="out"/>
         <c:minorTickMark val="none"/>
         <c:tickLblPos val="nextTo"/>
-        <c:crossAx val="48328064"/>
+        <c:spPr>
+          <a:ln>
+            <a:noFill/>
+          </a:ln>
+        </c:spPr>
+        <c:txPr>
+          <a:bodyPr/>
+          <a:lstStyle/>
+          <a:p>
+            <a:pPr>
+              <a:defRPr sz="2200"/>
+            </a:pPr>
+            <a:endParaRPr lang="en-US"/>
+          </a:p>
+        </c:txPr>
+        <c:crossAx val="477941648"/>
         <c:crosses val="autoZero"/>
         <c:crossBetween val="midCat"/>
         <c:majorUnit val="25"/>
@@ -395,7 +421,7 @@
 </file>
 
 <file path=ppt/charts/chart2.xml><?xml version="1.0" encoding="utf-8"?>
-<c:chartSpace xmlns:c="http://schemas.openxmlformats.org/drawingml/2006/chart" xmlns:a="http://schemas.openxmlformats.org/drawingml/2006/main" xmlns:r="http://schemas.openxmlformats.org/officeDocument/2006/relationships" xmlns:c16r2="http://schemas.microsoft.com/office/drawing/2015/06/chart">
+<c:chartSpace xmlns:c="http://schemas.openxmlformats.org/drawingml/2006/chart" xmlns:a="http://schemas.openxmlformats.org/drawingml/2006/main" xmlns:r="http://schemas.openxmlformats.org/officeDocument/2006/relationships">
   <c:date1904 val="0"/>
   <c:lang val="en-US"/>
   <c:roundedCorners val="0"/>
@@ -449,7 +475,7 @@
               </c:numCache>
             </c:numRef>
           </c:val>
-          <c:extLst>
+          <c:extLst xmlns:c16r2="http://schemas.microsoft.com/office/drawing/2015/06/chart">
             <c:ext xmlns:c16="http://schemas.microsoft.com/office/drawing/2014/chart" uri="{C3380CC4-5D6E-409C-BE32-E72D297353CC}">
               <c16:uniqueId val="{00000000-98DA-4AD5-BDF6-019FFEDAD103}"/>
             </c:ext>
@@ -496,7 +522,7 @@
               </c:numCache>
             </c:numRef>
           </c:val>
-          <c:extLst>
+          <c:extLst xmlns:c16r2="http://schemas.microsoft.com/office/drawing/2015/06/chart">
             <c:ext xmlns:c16="http://schemas.microsoft.com/office/drawing/2014/chart" uri="{C3380CC4-5D6E-409C-BE32-E72D297353CC}">
               <c16:uniqueId val="{00000001-98DA-4AD5-BDF6-019FFEDAD103}"/>
             </c:ext>
@@ -510,11 +536,11 @@
           <c:showPercent val="0"/>
           <c:showBubbleSize val="0"/>
         </c:dLbls>
-        <c:axId val="48399488"/>
-        <c:axId val="48401024"/>
+        <c:axId val="477936944"/>
+        <c:axId val="477936552"/>
       </c:areaChart>
       <c:catAx>
-        <c:axId val="48399488"/>
+        <c:axId val="477936944"/>
         <c:scaling>
           <c:orientation val="minMax"/>
         </c:scaling>
@@ -524,7 +550,7 @@
         <c:majorTickMark val="out"/>
         <c:minorTickMark val="none"/>
         <c:tickLblPos val="nextTo"/>
-        <c:crossAx val="48401024"/>
+        <c:crossAx val="477936552"/>
         <c:crosses val="autoZero"/>
         <c:auto val="1"/>
         <c:lblAlgn val="ctr"/>
@@ -532,19 +558,49 @@
         <c:noMultiLvlLbl val="0"/>
       </c:catAx>
       <c:valAx>
-        <c:axId val="48401024"/>
+        <c:axId val="477936552"/>
         <c:scaling>
           <c:orientation val="minMax"/>
           <c:max val="100"/>
         </c:scaling>
         <c:delete val="0"/>
         <c:axPos val="l"/>
-        <c:majorGridlines/>
+        <c:majorGridlines>
+          <c:spPr>
+            <a:ln>
+              <a:solidFill>
+                <a:schemeClr val="accent6">
+                  <a:lumMod val="60000"/>
+                  <a:lumOff val="40000"/>
+                </a:schemeClr>
+              </a:solidFill>
+            </a:ln>
+          </c:spPr>
+        </c:majorGridlines>
         <c:numFmt formatCode="General" sourceLinked="1"/>
         <c:majorTickMark val="out"/>
         <c:minorTickMark val="none"/>
         <c:tickLblPos val="nextTo"/>
-        <c:crossAx val="48399488"/>
+        <c:spPr>
+          <a:ln>
+            <a:noFill/>
+          </a:ln>
+        </c:spPr>
+        <c:txPr>
+          <a:bodyPr/>
+          <a:lstStyle/>
+          <a:p>
+            <a:pPr>
+              <a:defRPr sz="2200">
+                <a:solidFill>
+                  <a:schemeClr val="bg1"/>
+                </a:solidFill>
+              </a:defRPr>
+            </a:pPr>
+            <a:endParaRPr lang="en-US"/>
+          </a:p>
+        </c:txPr>
+        <c:crossAx val="477936944"/>
         <c:crosses val="autoZero"/>
         <c:crossBetween val="midCat"/>
         <c:majorUnit val="25"/>
@@ -571,7 +627,7 @@
 </file>
 
 <file path=ppt/charts/chart3.xml><?xml version="1.0" encoding="utf-8"?>
-<c:chartSpace xmlns:c="http://schemas.openxmlformats.org/drawingml/2006/chart" xmlns:a="http://schemas.openxmlformats.org/drawingml/2006/main" xmlns:r="http://schemas.openxmlformats.org/officeDocument/2006/relationships" xmlns:c16r2="http://schemas.microsoft.com/office/drawing/2015/06/chart">
+<c:chartSpace xmlns:c="http://schemas.openxmlformats.org/drawingml/2006/chart" xmlns:a="http://schemas.openxmlformats.org/drawingml/2006/main" xmlns:r="http://schemas.openxmlformats.org/officeDocument/2006/relationships">
   <c:date1904 val="0"/>
   <c:lang val="en-US"/>
   <c:roundedCorners val="0"/>
@@ -625,7 +681,7 @@
               </c:numCache>
             </c:numRef>
           </c:val>
-          <c:extLst>
+          <c:extLst xmlns:c16r2="http://schemas.microsoft.com/office/drawing/2015/06/chart">
             <c:ext xmlns:c16="http://schemas.microsoft.com/office/drawing/2014/chart" uri="{C3380CC4-5D6E-409C-BE32-E72D297353CC}">
               <c16:uniqueId val="{00000000-15D1-4886-8E15-404F727AADF7}"/>
             </c:ext>
@@ -672,7 +728,7 @@
               </c:numCache>
             </c:numRef>
           </c:val>
-          <c:extLst>
+          <c:extLst xmlns:c16r2="http://schemas.microsoft.com/office/drawing/2015/06/chart">
             <c:ext xmlns:c16="http://schemas.microsoft.com/office/drawing/2014/chart" uri="{C3380CC4-5D6E-409C-BE32-E72D297353CC}">
               <c16:uniqueId val="{00000001-15D1-4886-8E15-404F727AADF7}"/>
             </c:ext>
@@ -686,11 +742,11 @@
           <c:showPercent val="0"/>
           <c:showBubbleSize val="0"/>
         </c:dLbls>
-        <c:axId val="48593536"/>
-        <c:axId val="48615808"/>
+        <c:axId val="477938512"/>
+        <c:axId val="477942432"/>
       </c:areaChart>
       <c:catAx>
-        <c:axId val="48593536"/>
+        <c:axId val="477938512"/>
         <c:scaling>
           <c:orientation val="minMax"/>
         </c:scaling>
@@ -700,7 +756,7 @@
         <c:majorTickMark val="out"/>
         <c:minorTickMark val="none"/>
         <c:tickLblPos val="nextTo"/>
-        <c:crossAx val="48615808"/>
+        <c:crossAx val="477942432"/>
         <c:crosses val="autoZero"/>
         <c:auto val="1"/>
         <c:lblAlgn val="ctr"/>
@@ -708,19 +764,45 @@
         <c:noMultiLvlLbl val="0"/>
       </c:catAx>
       <c:valAx>
-        <c:axId val="48615808"/>
+        <c:axId val="477942432"/>
         <c:scaling>
           <c:orientation val="minMax"/>
           <c:max val="100"/>
         </c:scaling>
         <c:delete val="0"/>
         <c:axPos val="l"/>
-        <c:majorGridlines/>
+        <c:majorGridlines>
+          <c:spPr>
+            <a:ln>
+              <a:solidFill>
+                <a:schemeClr val="accent6">
+                  <a:lumMod val="60000"/>
+                  <a:lumOff val="40000"/>
+                </a:schemeClr>
+              </a:solidFill>
+            </a:ln>
+          </c:spPr>
+        </c:majorGridlines>
         <c:numFmt formatCode="General" sourceLinked="1"/>
         <c:majorTickMark val="out"/>
         <c:minorTickMark val="none"/>
         <c:tickLblPos val="nextTo"/>
-        <c:crossAx val="48593536"/>
+        <c:spPr>
+          <a:ln>
+            <a:noFill/>
+          </a:ln>
+        </c:spPr>
+        <c:txPr>
+          <a:bodyPr/>
+          <a:lstStyle/>
+          <a:p>
+            <a:pPr>
+              <a:defRPr sz="2200"/>
+            </a:pPr>
+            <a:endParaRPr lang="en-US"/>
+          </a:p>
+        </c:txPr>
+        <c:crossAx val="477938512"/>
         <c:crosses val="autoZero"/>
         <c:crossBetween val="midCat"/>
         <c:majorUnit val="25"/>
@@ -747,7 +829,7 @@
 </file>
 
 <file path=ppt/charts/chart4.xml><?xml version="1.0" encoding="utf-8"?>
-<c:chartSpace xmlns:c="http://schemas.openxmlformats.org/drawingml/2006/chart" xmlns:a="http://schemas.openxmlformats.org/drawingml/2006/main" xmlns:r="http://schemas.openxmlformats.org/officeDocument/2006/relationships" xmlns:c16r2="http://schemas.microsoft.com/office/drawing/2015/06/chart">
+<c:chartSpace xmlns:c="http://schemas.openxmlformats.org/drawingml/2006/chart" xmlns:a="http://schemas.openxmlformats.org/drawingml/2006/main" xmlns:r="http://schemas.openxmlformats.org/officeDocument/2006/relationships">
   <c:date1904 val="0"/>
   <c:lang val="en-US"/>
   <c:roundedCorners val="0"/>
@@ -801,7 +883,7 @@
               </c:numCache>
             </c:numRef>
           </c:val>
-          <c:extLst>
+          <c:extLst xmlns:c16r2="http://schemas.microsoft.com/office/drawing/2015/06/chart">
             <c:ext xmlns:c16="http://schemas.microsoft.com/office/drawing/2014/chart" uri="{C3380CC4-5D6E-409C-BE32-E72D297353CC}">
               <c16:uniqueId val="{00000000-EDCD-4E1F-A002-2D923E9A4BB9}"/>
             </c:ext>
@@ -848,7 +930,7 @@
               </c:numCache>
             </c:numRef>
           </c:val>
-          <c:extLst>
+          <c:extLst xmlns:c16r2="http://schemas.microsoft.com/office/drawing/2015/06/chart">
             <c:ext xmlns:c16="http://schemas.microsoft.com/office/drawing/2014/chart" uri="{C3380CC4-5D6E-409C-BE32-E72D297353CC}">
               <c16:uniqueId val="{00000001-EDCD-4E1F-A002-2D923E9A4BB9}"/>
             </c:ext>
@@ -862,11 +944,11 @@
           <c:showPercent val="0"/>
           <c:showBubbleSize val="0"/>
         </c:dLbls>
-        <c:axId val="48636288"/>
-        <c:axId val="48637824"/>
+        <c:axId val="408453096"/>
+        <c:axId val="408452704"/>
       </c:areaChart>
       <c:catAx>
-        <c:axId val="48636288"/>
+        <c:axId val="408453096"/>
         <c:scaling>
           <c:orientation val="minMax"/>
         </c:scaling>
@@ -876,7 +958,7 @@
         <c:majorTickMark val="out"/>
         <c:minorTickMark val="none"/>
         <c:tickLblPos val="nextTo"/>
-        <c:crossAx val="48637824"/>
+        <c:crossAx val="408452704"/>
         <c:crosses val="autoZero"/>
         <c:auto val="1"/>
         <c:lblAlgn val="ctr"/>
@@ -884,19 +966,49 @@
         <c:noMultiLvlLbl val="0"/>
       </c:catAx>
       <c:valAx>
-        <c:axId val="48637824"/>
+        <c:axId val="408452704"/>
         <c:scaling>
           <c:orientation val="minMax"/>
           <c:max val="100"/>
         </c:scaling>
         <c:delete val="0"/>
         <c:axPos val="l"/>
-        <c:majorGridlines/>
+        <c:majorGridlines>
+          <c:spPr>
+            <a:ln>
+              <a:solidFill>
+                <a:schemeClr val="accent6">
+                  <a:lumMod val="60000"/>
+                  <a:lumOff val="40000"/>
+                </a:schemeClr>
+              </a:solidFill>
+            </a:ln>
+          </c:spPr>
+        </c:majorGridlines>
         <c:numFmt formatCode="General" sourceLinked="1"/>
         <c:majorTickMark val="out"/>
         <c:minorTickMark val="none"/>
         <c:tickLblPos val="nextTo"/>
-        <c:crossAx val="48636288"/>
+        <c:spPr>
+          <a:ln>
+            <a:noFill/>
+          </a:ln>
+        </c:spPr>
+        <c:txPr>
+          <a:bodyPr/>
+          <a:lstStyle/>
+          <a:p>
+            <a:pPr>
+              <a:defRPr sz="2200">
+                <a:solidFill>
+                  <a:schemeClr val="bg1"/>
+                </a:solidFill>
+              </a:defRPr>
+            </a:pPr>
+            <a:endParaRPr lang="en-US"/>
+          </a:p>
+        </c:txPr>
+        <c:crossAx val="408453096"/>
         <c:crosses val="autoZero"/>
         <c:crossBetween val="midCat"/>
         <c:majorUnit val="25"/>
@@ -923,7 +1035,7 @@
 </file>
 
 <file path=ppt/charts/chart5.xml><?xml version="1.0" encoding="utf-8"?>
-<c:chartSpace xmlns:c="http://schemas.openxmlformats.org/drawingml/2006/chart" xmlns:a="http://schemas.openxmlformats.org/drawingml/2006/main" xmlns:r="http://schemas.openxmlformats.org/officeDocument/2006/relationships" xmlns:c16r2="http://schemas.microsoft.com/office/drawing/2015/06/chart">
+<c:chartSpace xmlns:c="http://schemas.openxmlformats.org/drawingml/2006/chart" xmlns:a="http://schemas.openxmlformats.org/drawingml/2006/main" xmlns:r="http://schemas.openxmlformats.org/officeDocument/2006/relationships">
   <c:date1904 val="0"/>
   <c:lang val="en-US"/>
   <c:roundedCorners val="0"/>
@@ -945,8 +1057,8 @@
           <c:yMode val="edge"/>
           <c:x val="6.6772562083585701E-2"/>
           <c:y val="2.7879702537182853E-2"/>
-          <c:w val="0.93322743791641427"/>
-          <c:h val="0.87050262467191597"/>
+          <c:w val="0.92809923278820938"/>
+          <c:h val="0.8501322543015456"/>
         </c:manualLayout>
       </c:layout>
       <c:lineChart>
@@ -974,7 +1086,18 @@
             </a:ln>
           </c:spPr>
           <c:marker>
-            <c:symbol val="none"/>
+            <c:symbol val="circle"/>
+            <c:size val="10"/>
+            <c:spPr>
+              <a:solidFill>
+                <a:schemeClr val="bg1"/>
+              </a:solidFill>
+              <a:ln w="50800">
+                <a:solidFill>
+                  <a:schemeClr val="tx2"/>
+                </a:solidFill>
+              </a:ln>
+            </c:spPr>
           </c:marker>
           <c:cat>
             <c:strRef>
@@ -1021,7 +1144,7 @@
             </c:numRef>
           </c:val>
           <c:smooth val="0"/>
-          <c:extLst>
+          <c:extLst xmlns:c16r2="http://schemas.microsoft.com/office/drawing/2015/06/chart">
             <c:ext xmlns:c16="http://schemas.microsoft.com/office/drawing/2014/chart" uri="{C3380CC4-5D6E-409C-BE32-E72D297353CC}">
               <c16:uniqueId val="{00000000-72E9-403B-9EF6-26FB264A9E30}"/>
             </c:ext>
@@ -1045,7 +1168,18 @@
             <a:ln w="57150"/>
           </c:spPr>
           <c:marker>
-            <c:symbol val="none"/>
+            <c:symbol val="circle"/>
+            <c:size val="10"/>
+            <c:spPr>
+              <a:solidFill>
+                <a:schemeClr val="bg1"/>
+              </a:solidFill>
+              <a:ln w="50800">
+                <a:solidFill>
+                  <a:schemeClr val="accent2"/>
+                </a:solidFill>
+              </a:ln>
+            </c:spPr>
           </c:marker>
           <c:cat>
             <c:strRef>
@@ -1092,7 +1226,7 @@
             </c:numRef>
           </c:val>
           <c:smooth val="0"/>
-          <c:extLst>
+          <c:extLst xmlns:c16r2="http://schemas.microsoft.com/office/drawing/2015/06/chart">
             <c:ext xmlns:c16="http://schemas.microsoft.com/office/drawing/2014/chart" uri="{C3380CC4-5D6E-409C-BE32-E72D297353CC}">
               <c16:uniqueId val="{00000001-72E9-403B-9EF6-26FB264A9E30}"/>
             </c:ext>
@@ -1106,12 +1240,13 @@
           <c:showPercent val="0"/>
           <c:showBubbleSize val="0"/>
         </c:dLbls>
+        <c:marker val="1"/>
         <c:smooth val="0"/>
-        <c:axId val="75025024"/>
-        <c:axId val="99266944"/>
+        <c:axId val="408452312"/>
+        <c:axId val="408451528"/>
       </c:lineChart>
       <c:catAx>
-        <c:axId val="75025024"/>
+        <c:axId val="408452312"/>
         <c:scaling>
           <c:orientation val="minMax"/>
         </c:scaling>
@@ -1121,17 +1256,24 @@
         <c:majorTickMark val="out"/>
         <c:minorTickMark val="none"/>
         <c:tickLblPos val="nextTo"/>
+        <c:spPr>
+          <a:ln>
+            <a:solidFill>
+              <a:schemeClr val="tx1"/>
+            </a:solidFill>
+          </a:ln>
+        </c:spPr>
         <c:txPr>
           <a:bodyPr/>
           <a:lstStyle/>
           <a:p>
             <a:pPr>
-              <a:defRPr sz="1800"/>
+              <a:defRPr sz="2200"/>
             </a:pPr>
             <a:endParaRPr lang="en-US"/>
           </a:p>
         </c:txPr>
-        <c:crossAx val="99266944"/>
+        <c:crossAx val="408451528"/>
         <c:crosses val="autoZero"/>
         <c:auto val="1"/>
         <c:lblAlgn val="ctr"/>
@@ -1139,30 +1281,50 @@
         <c:noMultiLvlLbl val="0"/>
       </c:catAx>
       <c:valAx>
-        <c:axId val="99266944"/>
+        <c:axId val="408451528"/>
         <c:scaling>
           <c:orientation val="minMax"/>
+          <c:max val="15000000000"/>
         </c:scaling>
         <c:delete val="0"/>
         <c:axPos val="l"/>
-        <c:majorGridlines/>
+        <c:majorGridlines>
+          <c:spPr>
+            <a:ln>
+              <a:solidFill>
+                <a:schemeClr val="accent6">
+                  <a:lumMod val="60000"/>
+                  <a:lumOff val="40000"/>
+                </a:schemeClr>
+              </a:solidFill>
+            </a:ln>
+          </c:spPr>
+        </c:majorGridlines>
         <c:numFmt formatCode="General" sourceLinked="0"/>
         <c:majorTickMark val="out"/>
         <c:minorTickMark val="none"/>
         <c:tickLblPos val="nextTo"/>
+        <c:spPr>
+          <a:ln>
+            <a:solidFill>
+              <a:schemeClr val="tx1"/>
+            </a:solidFill>
+          </a:ln>
+        </c:spPr>
         <c:txPr>
           <a:bodyPr/>
           <a:lstStyle/>
           <a:p>
             <a:pPr>
-              <a:defRPr sz="2000"/>
+              <a:defRPr sz="2200"/>
             </a:pPr>
             <a:endParaRPr lang="en-US"/>
           </a:p>
         </c:txPr>
-        <c:crossAx val="75025024"/>
+        <c:crossAx val="408452312"/>
         <c:crosses val="autoZero"/>
         <c:crossBetween val="between"/>
+        <c:majorUnit val="3000000000"/>
         <c:dispUnits>
           <c:builtInUnit val="billions"/>
         </c:dispUnits>
@@ -1189,7 +1351,7 @@
 </file>
 
 <file path=ppt/charts/chart6.xml><?xml version="1.0" encoding="utf-8"?>
-<c:chartSpace xmlns:c="http://schemas.openxmlformats.org/drawingml/2006/chart" xmlns:a="http://schemas.openxmlformats.org/drawingml/2006/main" xmlns:r="http://schemas.openxmlformats.org/officeDocument/2006/relationships" xmlns:c16r2="http://schemas.microsoft.com/office/drawing/2015/06/chart">
+<c:chartSpace xmlns:c="http://schemas.openxmlformats.org/drawingml/2006/chart" xmlns:a="http://schemas.openxmlformats.org/drawingml/2006/main" xmlns:r="http://schemas.openxmlformats.org/officeDocument/2006/relationships">
   <c:date1904 val="0"/>
   <c:lang val="en-US"/>
   <c:roundedCorners val="0"/>
@@ -1210,9 +1372,9 @@
           <c:xMode val="edge"/>
           <c:yMode val="edge"/>
           <c:x val="6.8604684029880902E-2"/>
-          <c:y val="4.1982689414565171E-2"/>
+          <c:y val="1.91666666666667E-2"/>
           <c:w val="0.90831839289319605"/>
-          <c:h val="0.65682485380809208"/>
+          <c:h val="0.68989944143591841"/>
         </c:manualLayout>
       </c:layout>
       <c:barChart>
@@ -1247,16 +1409,16 @@
               <c:strCache>
                 <c:ptCount val="4"/>
                 <c:pt idx="0">
-                  <c:v>FC1-FC2</c:v>
+                  <c:v>Prior to a formal funding commitment</c:v>
                 </c:pt>
                 <c:pt idx="1">
-                  <c:v>FC2-CC1</c:v>
+                  <c:v>Budget commitment – under construction</c:v>
                 </c:pt>
                 <c:pt idx="2">
-                  <c:v>CC1-CC2</c:v>
+                  <c:v>During construction</c:v>
                 </c:pt>
                 <c:pt idx="3">
-                  <c:v>Overall</c:v>
+                  <c:v>Total</c:v>
                 </c:pt>
               </c:strCache>
             </c:strRef>
@@ -1268,17 +1430,17 @@
                 <c:formatCode>0.00</c:formatCode>
                 <c:ptCount val="4"/>
                 <c:pt idx="1">
-                  <c:v>6.4966008494292629</c:v>
+                  <c:v>8.8570235635675392</c:v>
                 </c:pt>
                 <c:pt idx="2">
-                  <c:v>32.650381691156831</c:v>
+                  <c:v>15.252280327531519</c:v>
                 </c:pt>
               </c:numCache>
             </c:numRef>
           </c:val>
-          <c:extLst>
+          <c:extLst xmlns:c16r2="http://schemas.microsoft.com/office/drawing/2015/06/chart">
             <c:ext xmlns:c16="http://schemas.microsoft.com/office/drawing/2014/chart" uri="{C3380CC4-5D6E-409C-BE32-E72D297353CC}">
-              <c16:uniqueId val="{00000000-4C98-4A45-8100-616E13D58101}"/>
+              <c16:uniqueId val="{00000000-56E9-4536-9410-9A28D00DB853}"/>
             </c:ext>
           </c:extLst>
         </c:ser>
@@ -1300,7 +1462,7 @@
             <a:solidFill>
               <a:schemeClr val="bg2"/>
             </a:solidFill>
-            <a:ln>
+            <a:ln w="3175">
               <a:solidFill>
                 <a:srgbClr val="000000"/>
               </a:solidFill>
@@ -1316,16 +1478,16 @@
               <a:solidFill>
                 <a:schemeClr val="accent3"/>
               </a:solidFill>
-              <a:ln>
+              <a:ln w="3175">
                 <a:solidFill>
                   <a:srgbClr val="000000"/>
                 </a:solidFill>
               </a:ln>
               <a:effectLst/>
             </c:spPr>
-            <c:extLst>
+            <c:extLst xmlns:c16r2="http://schemas.microsoft.com/office/drawing/2015/06/chart">
               <c:ext xmlns:c16="http://schemas.microsoft.com/office/drawing/2014/chart" uri="{C3380CC4-5D6E-409C-BE32-E72D297353CC}">
-                <c16:uniqueId val="{00000002-4C98-4A45-8100-616E13D58101}"/>
+                <c16:uniqueId val="{00000002-56E9-4536-9410-9A28D00DB853}"/>
               </c:ext>
             </c:extLst>
           </c:dPt>
@@ -1337,16 +1499,16 @@
               <a:solidFill>
                 <a:schemeClr val="accent2"/>
               </a:solidFill>
-              <a:ln>
+              <a:ln w="3175">
                 <a:solidFill>
                   <a:srgbClr val="000000"/>
                 </a:solidFill>
               </a:ln>
               <a:effectLst/>
             </c:spPr>
-            <c:extLst>
+            <c:extLst xmlns:c16r2="http://schemas.microsoft.com/office/drawing/2015/06/chart">
               <c:ext xmlns:c16="http://schemas.microsoft.com/office/drawing/2014/chart" uri="{C3380CC4-5D6E-409C-BE32-E72D297353CC}">
-                <c16:uniqueId val="{00000004-4C98-4A45-8100-616E13D58101}"/>
+                <c16:uniqueId val="{00000004-56E9-4536-9410-9A28D00DB853}"/>
               </c:ext>
             </c:extLst>
           </c:dPt>
@@ -1356,18 +1518,28 @@
             <c:bubble3D val="0"/>
             <c:spPr>
               <a:solidFill>
-                <a:schemeClr val="accent1"/>
+                <a:schemeClr val="tx2"/>
               </a:solidFill>
-              <a:ln>
+              <a:ln w="3175">
                 <a:solidFill>
                   <a:srgbClr val="000000"/>
                 </a:solidFill>
               </a:ln>
               <a:effectLst/>
             </c:spPr>
-            <c:extLst>
+            <c:extLst xmlns:c16r2="http://schemas.microsoft.com/office/drawing/2015/06/chart">
               <c:ext xmlns:c16="http://schemas.microsoft.com/office/drawing/2014/chart" uri="{C3380CC4-5D6E-409C-BE32-E72D297353CC}">
-                <c16:uniqueId val="{00000006-4C98-4A45-8100-616E13D58101}"/>
+                <c16:uniqueId val="{00000006-56E9-4536-9410-9A28D00DB853}"/>
+              </c:ext>
+            </c:extLst>
+          </c:dPt>
+          <c:dPt>
+            <c:idx val="3"/>
+            <c:invertIfNegative val="0"/>
+            <c:bubble3D val="0"/>
+            <c:extLst xmlns:c16r2="http://schemas.microsoft.com/office/drawing/2015/06/chart">
+              <c:ext xmlns:c16="http://schemas.microsoft.com/office/drawing/2014/chart" uri="{C3380CC4-5D6E-409C-BE32-E72D297353CC}">
+                <c16:uniqueId val="{00000008-56E9-4536-9410-9A28D00DB853}"/>
               </c:ext>
             </c:extLst>
           </c:dPt>
@@ -1386,10 +1558,12 @@
               <c:showSerName val="0"/>
               <c:showPercent val="0"/>
               <c:showBubbleSize val="0"/>
-              <c:extLst>
-                <c:ext xmlns:c15="http://schemas.microsoft.com/office/drawing/2012/chart" uri="{CE6537A1-D6FC-4f65-9D91-7224C49458BB}"/>
+              <c:extLst xmlns:c16r2="http://schemas.microsoft.com/office/drawing/2015/06/chart">
                 <c:ext xmlns:c16="http://schemas.microsoft.com/office/drawing/2014/chart" uri="{C3380CC4-5D6E-409C-BE32-E72D297353CC}">
-                  <c16:uniqueId val="{00000004-4C98-4A45-8100-616E13D58101}"/>
+                  <c16:uniqueId val="{00000004-56E9-4536-9410-9A28D00DB853}"/>
+                </c:ext>
+                <c:ext xmlns:c15="http://schemas.microsoft.com/office/drawing/2012/chart" uri="{CE6537A1-D6FC-4f65-9D91-7224C49458BB}">
+                  <c15:layout/>
                 </c:ext>
               </c:extLst>
             </c:dLbl>
@@ -1401,35 +1575,20 @@
                   <c:y val="-9.1492758384194607E-3"/>
                 </c:manualLayout>
               </c:layout>
-              <c:showLegendKey val="0"/>
-              <c:showVal val="1"/>
-              <c:showCatName val="0"/>
-              <c:showSerName val="0"/>
-              <c:showPercent val="0"/>
-              <c:showBubbleSize val="0"/>
-              <c:extLst>
-                <c:ext xmlns:c15="http://schemas.microsoft.com/office/drawing/2012/chart" uri="{CE6537A1-D6FC-4f65-9D91-7224C49458BB}"/>
-                <c:ext xmlns:c16="http://schemas.microsoft.com/office/drawing/2014/chart" uri="{C3380CC4-5D6E-409C-BE32-E72D297353CC}">
-                  <c16:uniqueId val="{00000006-4C98-4A45-8100-616E13D58101}"/>
-                </c:ext>
-              </c:extLst>
-            </c:dLbl>
-            <c:dLbl>
-              <c:idx val="3"/>
-              <c:layout>
-                <c:manualLayout>
-                  <c:x val="5.2156357367147081E-3"/>
-                  <c:y val="5.0103733467863829E-2"/>
-                </c:manualLayout>
-              </c:layout>
               <c:numFmt formatCode="#,##0" sourceLinked="0"/>
-              <c:spPr/>
+              <c:spPr>
+                <a:noFill/>
+                <a:ln>
+                  <a:noFill/>
+                </a:ln>
+                <a:effectLst/>
+              </c:spPr>
               <c:txPr>
                 <a:bodyPr/>
                 <a:lstStyle/>
                 <a:p>
                   <a:pPr>
-                    <a:defRPr>
+                    <a:defRPr b="1">
                       <a:solidFill>
                         <a:schemeClr val="bg1"/>
                       </a:solidFill>
@@ -1444,46 +1603,57 @@
               <c:showSerName val="0"/>
               <c:showPercent val="0"/>
               <c:showBubbleSize val="0"/>
-              <c:extLst>
-                <c:ext xmlns:c15="http://schemas.microsoft.com/office/drawing/2012/chart" uri="{CE6537A1-D6FC-4f65-9D91-7224C49458BB}"/>
+              <c:extLst xmlns:c16r2="http://schemas.microsoft.com/office/drawing/2015/06/chart">
                 <c:ext xmlns:c16="http://schemas.microsoft.com/office/drawing/2014/chart" uri="{C3380CC4-5D6E-409C-BE32-E72D297353CC}">
-                  <c16:uniqueId val="{00000007-4C98-4A45-8100-616E13D58101}"/>
+                  <c16:uniqueId val="{00000006-56E9-4536-9410-9A28D00DB853}"/>
+                </c:ext>
+                <c:ext xmlns:c15="http://schemas.microsoft.com/office/drawing/2012/chart" uri="{CE6537A1-D6FC-4f65-9D91-7224C49458BB}">
+                  <c15:layout/>
                 </c:ext>
               </c:extLst>
             </c:dLbl>
             <c:dLbl>
-              <c:idx val="4"/>
+              <c:idx val="3"/>
+              <c:layout/>
+              <c:tx>
+                <c:rich>
+                  <a:bodyPr/>
+                  <a:lstStyle/>
+                  <a:p>
+                    <a:pPr>
+                      <a:defRPr b="1"/>
+                    </a:pPr>
+                    <a:fld id="{87F1896A-7F4D-4DF0-A95C-931C46769B42}" type="VALUE">
+                      <a:rPr lang="en-US">
+                        <a:solidFill>
+                          <a:schemeClr val="bg1"/>
+                        </a:solidFill>
+                      </a:rPr>
+                      <a:pPr>
+                        <a:defRPr b="1"/>
+                      </a:pPr>
+                      <a:t>[VALUE]</a:t>
+                    </a:fld>
+                    <a:endParaRPr lang="en-AU"/>
+                  </a:p>
+                </c:rich>
+              </c:tx>
               <c:numFmt formatCode="#,##0" sourceLinked="0"/>
-              <c:spPr>
-                <a:noFill/>
-                <a:ln>
-                  <a:noFill/>
-                </a:ln>
-                <a:effectLst/>
-              </c:spPr>
-              <c:txPr>
-                <a:bodyPr/>
-                <a:lstStyle/>
-                <a:p>
-                  <a:pPr>
-                    <a:defRPr>
-                      <a:solidFill>
-                        <a:schemeClr val="bg1"/>
-                      </a:solidFill>
-                    </a:defRPr>
-                  </a:pPr>
-                  <a:endParaRPr lang="en-US"/>
-                </a:p>
-              </c:txPr>
+              <c:spPr/>
               <c:showLegendKey val="0"/>
               <c:showVal val="1"/>
               <c:showCatName val="0"/>
               <c:showSerName val="0"/>
               <c:showPercent val="0"/>
               <c:showBubbleSize val="0"/>
-              <c:extLst>
+              <c:extLst xmlns:c16r2="http://schemas.microsoft.com/office/drawing/2015/06/chart">
                 <c:ext xmlns:c16="http://schemas.microsoft.com/office/drawing/2014/chart" uri="{C3380CC4-5D6E-409C-BE32-E72D297353CC}">
-                  <c16:uniqueId val="{00000008-4C98-4A45-8100-616E13D58101}"/>
+                  <c16:uniqueId val="{00000008-56E9-4536-9410-9A28D00DB853}"/>
+                </c:ext>
+                <c:ext xmlns:c15="http://schemas.microsoft.com/office/drawing/2012/chart" uri="{CE6537A1-D6FC-4f65-9D91-7224C49458BB}">
+                  <c15:layout/>
+                  <c15:dlblFieldTable/>
+                  <c15:showDataLabelsRange val="0"/>
                 </c:ext>
               </c:extLst>
             </c:dLbl>
@@ -1495,6 +1665,16 @@
               </a:ln>
               <a:effectLst/>
             </c:spPr>
+            <c:txPr>
+              <a:bodyPr/>
+              <a:lstStyle/>
+              <a:p>
+                <a:pPr>
+                  <a:defRPr b="1"/>
+                </a:pPr>
+                <a:endParaRPr lang="en-US"/>
+              </a:p>
+            </c:txPr>
             <c:showLegendKey val="0"/>
             <c:showVal val="1"/>
             <c:showCatName val="0"/>
@@ -1502,8 +1682,9 @@
             <c:showPercent val="0"/>
             <c:showBubbleSize val="0"/>
             <c:showLeaderLines val="0"/>
-            <c:extLst>
+            <c:extLst xmlns:c16r2="http://schemas.microsoft.com/office/drawing/2015/06/chart">
               <c:ext xmlns:c15="http://schemas.microsoft.com/office/drawing/2012/chart" uri="{CE6537A1-D6FC-4f65-9D91-7224C49458BB}">
+                <c15:layout/>
                 <c15:showLeaderLines val="0"/>
               </c:ext>
             </c:extLst>
@@ -1514,16 +1695,16 @@
               <c:strCache>
                 <c:ptCount val="4"/>
                 <c:pt idx="0">
-                  <c:v>FC1-FC2</c:v>
+                  <c:v>Prior to a formal funding commitment</c:v>
                 </c:pt>
                 <c:pt idx="1">
-                  <c:v>FC2-CC1</c:v>
+                  <c:v>Budget commitment – under construction</c:v>
                 </c:pt>
                 <c:pt idx="2">
-                  <c:v>CC1-CC2</c:v>
+                  <c:v>During construction</c:v>
                 </c:pt>
                 <c:pt idx="3">
-                  <c:v>Overall</c:v>
+                  <c:v>Total</c:v>
                 </c:pt>
               </c:strCache>
             </c:strRef>
@@ -1535,104 +1716,23 @@
                 <c:formatCode>0.00</c:formatCode>
                 <c:ptCount val="4"/>
                 <c:pt idx="0">
-                  <c:v>6.4966008494292629</c:v>
+                  <c:v>8.8570235635675392</c:v>
                 </c:pt>
                 <c:pt idx="1">
-                  <c:v>26.153780841727571</c:v>
+                  <c:v>6.3952567639639799</c:v>
                 </c:pt>
                 <c:pt idx="2">
-                  <c:v>19.316629070914402</c:v>
+                  <c:v>9.1433689921326398</c:v>
                 </c:pt>
-                <c:pt idx="3" formatCode="General">
-                  <c:v>51.967010762071233</c:v>
+                <c:pt idx="3">
+                  <c:v>24.395649319664159</c:v>
                 </c:pt>
               </c:numCache>
             </c:numRef>
           </c:val>
-          <c:extLst>
+          <c:extLst xmlns:c16r2="http://schemas.microsoft.com/office/drawing/2015/06/chart">
             <c:ext xmlns:c16="http://schemas.microsoft.com/office/drawing/2014/chart" uri="{C3380CC4-5D6E-409C-BE32-E72D297353CC}">
-              <c16:uniqueId val="{00000009-4C98-4A45-8100-616E13D58101}"/>
-            </c:ext>
-          </c:extLst>
-        </c:ser>
-        <c:ser>
-          <c:idx val="2"/>
-          <c:order val="2"/>
-          <c:tx>
-            <c:strRef>
-              <c:f>Sheet1!$D$1</c:f>
-              <c:strCache>
-                <c:ptCount val="1"/>
-              </c:strCache>
-            </c:strRef>
-          </c:tx>
-          <c:invertIfNegative val="0"/>
-          <c:dPt>
-            <c:idx val="0"/>
-            <c:invertIfNegative val="0"/>
-            <c:bubble3D val="0"/>
-            <c:spPr>
-              <a:solidFill>
-                <a:schemeClr val="accent4">
-                  <a:lumMod val="40000"/>
-                  <a:lumOff val="60000"/>
-                </a:schemeClr>
-              </a:solidFill>
-            </c:spPr>
-            <c:extLst>
-              <c:ext xmlns:c16="http://schemas.microsoft.com/office/drawing/2014/chart" uri="{C3380CC4-5D6E-409C-BE32-E72D297353CC}">
-                <c16:uniqueId val="{0000000B-4C98-4A45-8100-616E13D58101}"/>
-              </c:ext>
-            </c:extLst>
-          </c:dPt>
-          <c:dPt>
-            <c:idx val="1"/>
-            <c:invertIfNegative val="0"/>
-            <c:bubble3D val="0"/>
-            <c:spPr>
-              <a:solidFill>
-                <a:schemeClr val="accent3">
-                  <a:lumMod val="40000"/>
-                  <a:lumOff val="60000"/>
-                </a:schemeClr>
-              </a:solidFill>
-            </c:spPr>
-            <c:extLst>
-              <c:ext xmlns:c16="http://schemas.microsoft.com/office/drawing/2014/chart" uri="{C3380CC4-5D6E-409C-BE32-E72D297353CC}">
-                <c16:uniqueId val="{0000000D-4C98-4A45-8100-616E13D58101}"/>
-              </c:ext>
-            </c:extLst>
-          </c:dPt>
-          <c:dPt>
-            <c:idx val="2"/>
-            <c:invertIfNegative val="0"/>
-            <c:bubble3D val="0"/>
-            <c:spPr>
-              <a:solidFill>
-                <a:schemeClr val="accent2">
-                  <a:lumMod val="60000"/>
-                  <a:lumOff val="40000"/>
-                </a:schemeClr>
-              </a:solidFill>
-            </c:spPr>
-            <c:extLst>
-              <c:ext xmlns:c16="http://schemas.microsoft.com/office/drawing/2014/chart" uri="{C3380CC4-5D6E-409C-BE32-E72D297353CC}">
-                <c16:uniqueId val="{0000000F-4C98-4A45-8100-616E13D58101}"/>
-              </c:ext>
-            </c:extLst>
-          </c:dPt>
-          <c:val>
-            <c:numRef>
-              <c:f>Sheet1!$D$2:$D$5</c:f>
-              <c:numCache>
-                <c:formatCode>General</c:formatCode>
-                <c:ptCount val="4"/>
-              </c:numCache>
-            </c:numRef>
-          </c:val>
-          <c:extLst>
-            <c:ext xmlns:c16="http://schemas.microsoft.com/office/drawing/2014/chart" uri="{C3380CC4-5D6E-409C-BE32-E72D297353CC}">
-              <c16:uniqueId val="{00000010-4C98-4A45-8100-616E13D58101}"/>
+              <c16:uniqueId val="{00000009-56E9-4536-9410-9A28D00DB853}"/>
             </c:ext>
           </c:extLst>
         </c:ser>
@@ -1644,23 +1744,140 @@
           <c:showPercent val="0"/>
           <c:showBubbleSize val="0"/>
         </c:dLbls>
-        <c:gapWidth val="50"/>
+        <c:gapWidth val="180"/>
         <c:overlap val="100"/>
-        <c:axId val="49242112"/>
-        <c:axId val="49243648"/>
+        <c:axId val="735305496"/>
+        <c:axId val="735304320"/>
       </c:barChart>
+      <c:scatterChart>
+        <c:scatterStyle val="lineMarker"/>
+        <c:varyColors val="0"/>
+        <c:ser>
+          <c:idx val="2"/>
+          <c:order val="2"/>
+          <c:tx>
+            <c:v>Error bars</c:v>
+          </c:tx>
+          <c:spPr>
+            <a:ln>
+              <a:noFill/>
+            </a:ln>
+          </c:spPr>
+          <c:marker>
+            <c:symbol val="none"/>
+          </c:marker>
+          <c:dPt>
+            <c:idx val="0"/>
+            <c:bubble3D val="0"/>
+            <c:extLst xmlns:c16r2="http://schemas.microsoft.com/office/drawing/2015/06/chart">
+              <c:ext xmlns:c16="http://schemas.microsoft.com/office/drawing/2014/chart" uri="{C3380CC4-5D6E-409C-BE32-E72D297353CC}">
+                <c16:uniqueId val="{0000000B-56E9-4536-9410-9A28D00DB853}"/>
+              </c:ext>
+            </c:extLst>
+          </c:dPt>
+          <c:dPt>
+            <c:idx val="1"/>
+            <c:bubble3D val="0"/>
+            <c:extLst xmlns:c16r2="http://schemas.microsoft.com/office/drawing/2015/06/chart">
+              <c:ext xmlns:c16="http://schemas.microsoft.com/office/drawing/2014/chart" uri="{C3380CC4-5D6E-409C-BE32-E72D297353CC}">
+                <c16:uniqueId val="{0000000D-56E9-4536-9410-9A28D00DB853}"/>
+              </c:ext>
+            </c:extLst>
+          </c:dPt>
+          <c:dPt>
+            <c:idx val="2"/>
+            <c:bubble3D val="0"/>
+            <c:extLst xmlns:c16r2="http://schemas.microsoft.com/office/drawing/2015/06/chart">
+              <c:ext xmlns:c16="http://schemas.microsoft.com/office/drawing/2014/chart" uri="{C3380CC4-5D6E-409C-BE32-E72D297353CC}">
+                <c16:uniqueId val="{0000000F-56E9-4536-9410-9A28D00DB853}"/>
+              </c:ext>
+            </c:extLst>
+          </c:dPt>
+          <c:errBars>
+            <c:errDir val="x"/>
+            <c:errBarType val="minus"/>
+            <c:errValType val="fixedVal"/>
+            <c:noEndCap val="1"/>
+            <c:val val="0.75000000000000011"/>
+            <c:spPr>
+              <a:ln>
+                <a:prstDash val="dash"/>
+              </a:ln>
+            </c:spPr>
+          </c:errBars>
+          <c:xVal>
+            <c:numRef>
+              <c:f>Sheet1!$D$2:$D$4</c:f>
+              <c:numCache>
+                <c:formatCode>0.00</c:formatCode>
+                <c:ptCount val="3"/>
+                <c:pt idx="0">
+                  <c:v>1.9</c:v>
+                </c:pt>
+                <c:pt idx="1">
+                  <c:v>2.9</c:v>
+                </c:pt>
+                <c:pt idx="2">
+                  <c:v>3.9</c:v>
+                </c:pt>
+              </c:numCache>
+            </c:numRef>
+          </c:xVal>
+          <c:yVal>
+            <c:numRef>
+              <c:f>Sheet1!$E$2:$E$4</c:f>
+              <c:numCache>
+                <c:formatCode>0.00</c:formatCode>
+                <c:ptCount val="3"/>
+                <c:pt idx="0">
+                  <c:v>8.8570235635675392</c:v>
+                </c:pt>
+                <c:pt idx="1">
+                  <c:v>15.252280327531519</c:v>
+                </c:pt>
+                <c:pt idx="2">
+                  <c:v>24.395649319664159</c:v>
+                </c:pt>
+              </c:numCache>
+            </c:numRef>
+          </c:yVal>
+          <c:smooth val="0"/>
+          <c:extLst xmlns:c16r2="http://schemas.microsoft.com/office/drawing/2015/06/chart">
+            <c:ext xmlns:c16="http://schemas.microsoft.com/office/drawing/2014/chart" uri="{C3380CC4-5D6E-409C-BE32-E72D297353CC}">
+              <c16:uniqueId val="{00000010-56E9-4536-9410-9A28D00DB853}"/>
+            </c:ext>
+          </c:extLst>
+        </c:ser>
+        <c:dLbls>
+          <c:showLegendKey val="0"/>
+          <c:showVal val="0"/>
+          <c:showCatName val="0"/>
+          <c:showSerName val="0"/>
+          <c:showPercent val="0"/>
+          <c:showBubbleSize val="0"/>
+        </c:dLbls>
+        <c:axId val="735305496"/>
+        <c:axId val="735304320"/>
+      </c:scatterChart>
       <c:catAx>
-        <c:axId val="49242112"/>
+        <c:axId val="735305496"/>
         <c:scaling>
           <c:orientation val="minMax"/>
         </c:scaling>
-        <c:delete val="1"/>
+        <c:delete val="0"/>
         <c:axPos val="b"/>
         <c:numFmt formatCode="General" sourceLinked="0"/>
-        <c:majorTickMark val="out"/>
+        <c:majorTickMark val="none"/>
         <c:minorTickMark val="none"/>
-        <c:tickLblPos val="nextTo"/>
-        <c:crossAx val="49243648"/>
+        <c:tickLblPos val="none"/>
+        <c:spPr>
+          <a:ln>
+            <a:solidFill>
+              <a:schemeClr val="tx1"/>
+            </a:solidFill>
+          </a:ln>
+        </c:spPr>
+        <c:crossAx val="735304320"/>
         <c:crosses val="autoZero"/>
         <c:auto val="1"/>
         <c:lblAlgn val="ctr"/>
@@ -1668,29 +1885,37 @@
         <c:noMultiLvlLbl val="0"/>
       </c:catAx>
       <c:valAx>
-        <c:axId val="49243648"/>
+        <c:axId val="735304320"/>
         <c:scaling>
           <c:orientation val="minMax"/>
-          <c:max val="60"/>
+          <c:max val="30"/>
         </c:scaling>
         <c:delete val="0"/>
         <c:axPos val="l"/>
-        <c:majorGridlines/>
-        <c:numFmt formatCode="General" sourceLinked="0"/>
+        <c:majorGridlines>
+          <c:spPr>
+            <a:ln>
+              <a:solidFill>
+                <a:schemeClr val="accent6">
+                  <a:lumMod val="60000"/>
+                  <a:lumOff val="40000"/>
+                </a:schemeClr>
+              </a:solidFill>
+            </a:ln>
+          </c:spPr>
+        </c:majorGridlines>
+        <c:numFmt formatCode="#,##0" sourceLinked="0"/>
         <c:majorTickMark val="out"/>
         <c:minorTickMark val="none"/>
         <c:tickLblPos val="nextTo"/>
-        <c:txPr>
-          <a:bodyPr/>
-          <a:lstStyle/>
-          <a:p>
-            <a:pPr>
-              <a:defRPr sz="1800"/>
-            </a:pPr>
-            <a:endParaRPr lang="en-US"/>
-          </a:p>
-        </c:txPr>
-        <c:crossAx val="49242112"/>
+        <c:spPr>
+          <a:ln>
+            <a:solidFill>
+              <a:schemeClr val="tx1"/>
+            </a:solidFill>
+          </a:ln>
+        </c:spPr>
+        <c:crossAx val="735305496"/>
         <c:crosses val="autoZero"/>
         <c:crossBetween val="between"/>
         <c:majorUnit val="10"/>
@@ -1710,7 +1935,7 @@
     <a:lstStyle/>
     <a:p>
       <a:pPr>
-        <a:defRPr sz="1800"/>
+        <a:defRPr sz="2200"/>
       </a:pPr>
       <a:endParaRPr lang="en-US"/>
     </a:p>
@@ -1718,12 +1943,11 @@
   <c:externalData r:id="rId1">
     <c:autoUpdate val="0"/>
   </c:externalData>
-  <c:userShapes r:id="rId2"/>
 </c:chartSpace>
 </file>
 
 <file path=ppt/charts/chart7.xml><?xml version="1.0" encoding="utf-8"?>
-<c:chartSpace xmlns:c="http://schemas.openxmlformats.org/drawingml/2006/chart" xmlns:a="http://schemas.openxmlformats.org/drawingml/2006/main" xmlns:r="http://schemas.openxmlformats.org/officeDocument/2006/relationships" xmlns:c16r2="http://schemas.microsoft.com/office/drawing/2015/06/chart">
+<c:chartSpace xmlns:c="http://schemas.openxmlformats.org/drawingml/2006/chart" xmlns:a="http://schemas.openxmlformats.org/drawingml/2006/main" xmlns:r="http://schemas.openxmlformats.org/officeDocument/2006/relationships">
   <c:date1904 val="0"/>
   <c:lang val="en-US"/>
   <c:roundedCorners val="0"/>
@@ -1743,10 +1967,10 @@
           <c:layoutTarget val="inner"/>
           <c:xMode val="edge"/>
           <c:yMode val="edge"/>
-          <c:x val="6.8604684029880902E-2"/>
-          <c:y val="1.91666666666667E-2"/>
+          <c:x val="5.7558853220270545E-2"/>
+          <c:y val="2.9483504458111588E-2"/>
           <c:w val="0.90831839289319605"/>
-          <c:h val="0.88478729530587841"/>
+          <c:h val="0.76018839311752695"/>
         </c:manualLayout>
       </c:layout>
       <c:barChart>
@@ -1781,13 +2005,13 @@
               <c:strCache>
                 <c:ptCount val="4"/>
                 <c:pt idx="0">
-                  <c:v>Initial announcement - funding commitment</c:v>
+                  <c:v>Prior to a formal funding commitment</c:v>
                 </c:pt>
                 <c:pt idx="1">
-                  <c:v>Funding commitment - contract</c:v>
+                  <c:v>Budget commitment – under construction</c:v>
                 </c:pt>
                 <c:pt idx="2">
-                  <c:v>Contract - completion</c:v>
+                  <c:v>During construction</c:v>
                 </c:pt>
                 <c:pt idx="3">
                   <c:v>Total</c:v>
@@ -1802,17 +2026,17 @@
                 <c:formatCode>0.00</c:formatCode>
                 <c:ptCount val="4"/>
                 <c:pt idx="1">
-                  <c:v>8.8570235635675392</c:v>
+                  <c:v>6.4966008494292629</c:v>
                 </c:pt>
                 <c:pt idx="2">
-                  <c:v>15.252280327531519</c:v>
+                  <c:v>32.650381691156831</c:v>
                 </c:pt>
               </c:numCache>
             </c:numRef>
           </c:val>
-          <c:extLst>
+          <c:extLst xmlns:c16r2="http://schemas.microsoft.com/office/drawing/2015/06/chart">
             <c:ext xmlns:c16="http://schemas.microsoft.com/office/drawing/2014/chart" uri="{C3380CC4-5D6E-409C-BE32-E72D297353CC}">
-              <c16:uniqueId val="{00000000-1A0C-4E68-922B-B9A61731524E}"/>
+              <c16:uniqueId val="{00000000-56E9-4536-9410-9A28D00DB853}"/>
             </c:ext>
           </c:extLst>
         </c:ser>
@@ -1834,7 +2058,7 @@
             <a:solidFill>
               <a:schemeClr val="bg2"/>
             </a:solidFill>
-            <a:ln>
+            <a:ln w="3175">
               <a:solidFill>
                 <a:srgbClr val="000000"/>
               </a:solidFill>
@@ -1850,16 +2074,16 @@
               <a:solidFill>
                 <a:schemeClr val="accent3"/>
               </a:solidFill>
-              <a:ln>
+              <a:ln w="3175">
                 <a:solidFill>
                   <a:srgbClr val="000000"/>
                 </a:solidFill>
               </a:ln>
               <a:effectLst/>
             </c:spPr>
-            <c:extLst>
+            <c:extLst xmlns:c16r2="http://schemas.microsoft.com/office/drawing/2015/06/chart">
               <c:ext xmlns:c16="http://schemas.microsoft.com/office/drawing/2014/chart" uri="{C3380CC4-5D6E-409C-BE32-E72D297353CC}">
-                <c16:uniqueId val="{00000002-1A0C-4E68-922B-B9A61731524E}"/>
+                <c16:uniqueId val="{00000002-56E9-4536-9410-9A28D00DB853}"/>
               </c:ext>
             </c:extLst>
           </c:dPt>
@@ -1871,16 +2095,16 @@
               <a:solidFill>
                 <a:schemeClr val="accent2"/>
               </a:solidFill>
-              <a:ln>
+              <a:ln w="3175">
                 <a:solidFill>
                   <a:srgbClr val="000000"/>
                 </a:solidFill>
               </a:ln>
               <a:effectLst/>
             </c:spPr>
-            <c:extLst>
+            <c:extLst xmlns:c16r2="http://schemas.microsoft.com/office/drawing/2015/06/chart">
               <c:ext xmlns:c16="http://schemas.microsoft.com/office/drawing/2014/chart" uri="{C3380CC4-5D6E-409C-BE32-E72D297353CC}">
-                <c16:uniqueId val="{00000004-1A0C-4E68-922B-B9A61731524E}"/>
+                <c16:uniqueId val="{00000004-56E9-4536-9410-9A28D00DB853}"/>
               </c:ext>
             </c:extLst>
           </c:dPt>
@@ -1890,18 +2114,28 @@
             <c:bubble3D val="0"/>
             <c:spPr>
               <a:solidFill>
-                <a:schemeClr val="accent1"/>
+                <a:schemeClr val="tx2"/>
               </a:solidFill>
-              <a:ln>
+              <a:ln w="3175">
                 <a:solidFill>
                   <a:srgbClr val="000000"/>
                 </a:solidFill>
               </a:ln>
               <a:effectLst/>
             </c:spPr>
-            <c:extLst>
+            <c:extLst xmlns:c16r2="http://schemas.microsoft.com/office/drawing/2015/06/chart">
               <c:ext xmlns:c16="http://schemas.microsoft.com/office/drawing/2014/chart" uri="{C3380CC4-5D6E-409C-BE32-E72D297353CC}">
-                <c16:uniqueId val="{00000006-1A0C-4E68-922B-B9A61731524E}"/>
+                <c16:uniqueId val="{00000006-56E9-4536-9410-9A28D00DB853}"/>
+              </c:ext>
+            </c:extLst>
+          </c:dPt>
+          <c:dPt>
+            <c:idx val="3"/>
+            <c:invertIfNegative val="0"/>
+            <c:bubble3D val="0"/>
+            <c:extLst xmlns:c16r2="http://schemas.microsoft.com/office/drawing/2015/06/chart">
+              <c:ext xmlns:c16="http://schemas.microsoft.com/office/drawing/2014/chart" uri="{C3380CC4-5D6E-409C-BE32-E72D297353CC}">
+                <c16:uniqueId val="{00000008-56E9-4536-9410-9A28D00DB853}"/>
               </c:ext>
             </c:extLst>
           </c:dPt>
@@ -1920,10 +2154,12 @@
               <c:showSerName val="0"/>
               <c:showPercent val="0"/>
               <c:showBubbleSize val="0"/>
-              <c:extLst>
-                <c:ext xmlns:c15="http://schemas.microsoft.com/office/drawing/2012/chart" uri="{CE6537A1-D6FC-4f65-9D91-7224C49458BB}"/>
+              <c:extLst xmlns:c16r2="http://schemas.microsoft.com/office/drawing/2015/06/chart">
                 <c:ext xmlns:c16="http://schemas.microsoft.com/office/drawing/2014/chart" uri="{C3380CC4-5D6E-409C-BE32-E72D297353CC}">
-                  <c16:uniqueId val="{00000004-1A0C-4E68-922B-B9A61731524E}"/>
+                  <c16:uniqueId val="{00000004-56E9-4536-9410-9A28D00DB853}"/>
+                </c:ext>
+                <c:ext xmlns:c15="http://schemas.microsoft.com/office/drawing/2012/chart" uri="{CE6537A1-D6FC-4f65-9D91-7224C49458BB}">
+                  <c15:layout/>
                 </c:ext>
               </c:extLst>
             </c:dLbl>
@@ -1935,29 +2171,20 @@
                   <c:y val="-9.1492758384194607E-3"/>
                 </c:manualLayout>
               </c:layout>
-              <c:showLegendKey val="0"/>
-              <c:showVal val="1"/>
-              <c:showCatName val="0"/>
-              <c:showSerName val="0"/>
-              <c:showPercent val="0"/>
-              <c:showBubbleSize val="0"/>
-              <c:extLst>
-                <c:ext xmlns:c15="http://schemas.microsoft.com/office/drawing/2012/chart" uri="{CE6537A1-D6FC-4f65-9D91-7224C49458BB}"/>
-                <c:ext xmlns:c16="http://schemas.microsoft.com/office/drawing/2014/chart" uri="{C3380CC4-5D6E-409C-BE32-E72D297353CC}">
-                  <c16:uniqueId val="{00000006-1A0C-4E68-922B-B9A61731524E}"/>
-                </c:ext>
-              </c:extLst>
-            </c:dLbl>
-            <c:dLbl>
-              <c:idx val="3"/>
               <c:numFmt formatCode="#,##0" sourceLinked="0"/>
-              <c:spPr/>
+              <c:spPr>
+                <a:noFill/>
+                <a:ln>
+                  <a:noFill/>
+                </a:ln>
+                <a:effectLst/>
+              </c:spPr>
               <c:txPr>
                 <a:bodyPr/>
                 <a:lstStyle/>
                 <a:p>
                   <a:pPr>
-                    <a:defRPr>
+                    <a:defRPr b="1">
                       <a:solidFill>
                         <a:schemeClr val="bg1"/>
                       </a:solidFill>
@@ -1972,45 +2199,57 @@
               <c:showSerName val="0"/>
               <c:showPercent val="0"/>
               <c:showBubbleSize val="0"/>
-              <c:extLst>
+              <c:extLst xmlns:c16r2="http://schemas.microsoft.com/office/drawing/2015/06/chart">
                 <c:ext xmlns:c16="http://schemas.microsoft.com/office/drawing/2014/chart" uri="{C3380CC4-5D6E-409C-BE32-E72D297353CC}">
-                  <c16:uniqueId val="{00000007-1A0C-4E68-922B-B9A61731524E}"/>
+                  <c16:uniqueId val="{00000006-56E9-4536-9410-9A28D00DB853}"/>
+                </c:ext>
+                <c:ext xmlns:c15="http://schemas.microsoft.com/office/drawing/2012/chart" uri="{CE6537A1-D6FC-4f65-9D91-7224C49458BB}">
+                  <c15:layout/>
                 </c:ext>
               </c:extLst>
             </c:dLbl>
             <c:dLbl>
-              <c:idx val="4"/>
+              <c:idx val="3"/>
+              <c:layout/>
+              <c:tx>
+                <c:rich>
+                  <a:bodyPr/>
+                  <a:lstStyle/>
+                  <a:p>
+                    <a:pPr>
+                      <a:defRPr b="1"/>
+                    </a:pPr>
+                    <a:fld id="{87F1896A-7F4D-4DF0-A95C-931C46769B42}" type="VALUE">
+                      <a:rPr lang="en-US">
+                        <a:solidFill>
+                          <a:schemeClr val="bg1"/>
+                        </a:solidFill>
+                      </a:rPr>
+                      <a:pPr>
+                        <a:defRPr b="1"/>
+                      </a:pPr>
+                      <a:t>[VALUE]</a:t>
+                    </a:fld>
+                    <a:endParaRPr lang="en-AU"/>
+                  </a:p>
+                </c:rich>
+              </c:tx>
               <c:numFmt formatCode="#,##0" sourceLinked="0"/>
-              <c:spPr>
-                <a:noFill/>
-                <a:ln>
-                  <a:noFill/>
-                </a:ln>
-                <a:effectLst/>
-              </c:spPr>
-              <c:txPr>
-                <a:bodyPr/>
-                <a:lstStyle/>
-                <a:p>
-                  <a:pPr>
-                    <a:defRPr>
-                      <a:solidFill>
-                        <a:schemeClr val="bg1"/>
-                      </a:solidFill>
-                    </a:defRPr>
-                  </a:pPr>
-                  <a:endParaRPr lang="en-US"/>
-                </a:p>
-              </c:txPr>
+              <c:spPr/>
               <c:showLegendKey val="0"/>
               <c:showVal val="1"/>
               <c:showCatName val="0"/>
               <c:showSerName val="0"/>
               <c:showPercent val="0"/>
               <c:showBubbleSize val="0"/>
-              <c:extLst>
+              <c:extLst xmlns:c16r2="http://schemas.microsoft.com/office/drawing/2015/06/chart">
                 <c:ext xmlns:c16="http://schemas.microsoft.com/office/drawing/2014/chart" uri="{C3380CC4-5D6E-409C-BE32-E72D297353CC}">
-                  <c16:uniqueId val="{00000008-1A0C-4E68-922B-B9A61731524E}"/>
+                  <c16:uniqueId val="{00000008-56E9-4536-9410-9A28D00DB853}"/>
+                </c:ext>
+                <c:ext xmlns:c15="http://schemas.microsoft.com/office/drawing/2012/chart" uri="{CE6537A1-D6FC-4f65-9D91-7224C49458BB}">
+                  <c15:layout/>
+                  <c15:dlblFieldTable/>
+                  <c15:showDataLabelsRange val="0"/>
                 </c:ext>
               </c:extLst>
             </c:dLbl>
@@ -2022,6 +2261,16 @@
               </a:ln>
               <a:effectLst/>
             </c:spPr>
+            <c:txPr>
+              <a:bodyPr/>
+              <a:lstStyle/>
+              <a:p>
+                <a:pPr>
+                  <a:defRPr b="1"/>
+                </a:pPr>
+                <a:endParaRPr lang="en-US"/>
+              </a:p>
+            </c:txPr>
             <c:showLegendKey val="0"/>
             <c:showVal val="1"/>
             <c:showCatName val="0"/>
@@ -2029,8 +2278,9 @@
             <c:showPercent val="0"/>
             <c:showBubbleSize val="0"/>
             <c:showLeaderLines val="0"/>
-            <c:extLst>
+            <c:extLst xmlns:c16r2="http://schemas.microsoft.com/office/drawing/2015/06/chart">
               <c:ext xmlns:c15="http://schemas.microsoft.com/office/drawing/2012/chart" uri="{CE6537A1-D6FC-4f65-9D91-7224C49458BB}">
+                <c15:layout/>
                 <c15:showLeaderLines val="0"/>
               </c:ext>
             </c:extLst>
@@ -2041,13 +2291,13 @@
               <c:strCache>
                 <c:ptCount val="4"/>
                 <c:pt idx="0">
-                  <c:v>Initial announcement - funding commitment</c:v>
+                  <c:v>Prior to a formal funding commitment</c:v>
                 </c:pt>
                 <c:pt idx="1">
-                  <c:v>Funding commitment - contract</c:v>
+                  <c:v>Budget commitment – under construction</c:v>
                 </c:pt>
                 <c:pt idx="2">
-                  <c:v>Contract - completion</c:v>
+                  <c:v>During construction</c:v>
                 </c:pt>
                 <c:pt idx="3">
                   <c:v>Total</c:v>
@@ -2062,104 +2312,23 @@
                 <c:formatCode>0.00</c:formatCode>
                 <c:ptCount val="4"/>
                 <c:pt idx="0">
-                  <c:v>8.8570235635675392</c:v>
+                  <c:v>6.4966008494292629</c:v>
                 </c:pt>
                 <c:pt idx="1">
-                  <c:v>6.3952567639639799</c:v>
+                  <c:v>26.153780841727571</c:v>
                 </c:pt>
                 <c:pt idx="2">
-                  <c:v>9.1433689921326398</c:v>
+                  <c:v>19.316629070914402</c:v>
                 </c:pt>
                 <c:pt idx="3">
-                  <c:v>24.395649319664159</c:v>
+                  <c:v>51.967010762071233</c:v>
                 </c:pt>
               </c:numCache>
             </c:numRef>
           </c:val>
-          <c:extLst>
+          <c:extLst xmlns:c16r2="http://schemas.microsoft.com/office/drawing/2015/06/chart">
             <c:ext xmlns:c16="http://schemas.microsoft.com/office/drawing/2014/chart" uri="{C3380CC4-5D6E-409C-BE32-E72D297353CC}">
-              <c16:uniqueId val="{00000009-1A0C-4E68-922B-B9A61731524E}"/>
-            </c:ext>
-          </c:extLst>
-        </c:ser>
-        <c:ser>
-          <c:idx val="2"/>
-          <c:order val="2"/>
-          <c:tx>
-            <c:strRef>
-              <c:f>Sheet1!$D$1</c:f>
-              <c:strCache>
-                <c:ptCount val="1"/>
-              </c:strCache>
-            </c:strRef>
-          </c:tx>
-          <c:invertIfNegative val="0"/>
-          <c:dPt>
-            <c:idx val="0"/>
-            <c:invertIfNegative val="0"/>
-            <c:bubble3D val="0"/>
-            <c:spPr>
-              <a:solidFill>
-                <a:schemeClr val="accent4">
-                  <a:lumMod val="40000"/>
-                  <a:lumOff val="60000"/>
-                </a:schemeClr>
-              </a:solidFill>
-            </c:spPr>
-            <c:extLst>
-              <c:ext xmlns:c16="http://schemas.microsoft.com/office/drawing/2014/chart" uri="{C3380CC4-5D6E-409C-BE32-E72D297353CC}">
-                <c16:uniqueId val="{0000000B-1A0C-4E68-922B-B9A61731524E}"/>
-              </c:ext>
-            </c:extLst>
-          </c:dPt>
-          <c:dPt>
-            <c:idx val="1"/>
-            <c:invertIfNegative val="0"/>
-            <c:bubble3D val="0"/>
-            <c:spPr>
-              <a:solidFill>
-                <a:schemeClr val="accent3">
-                  <a:lumMod val="40000"/>
-                  <a:lumOff val="60000"/>
-                </a:schemeClr>
-              </a:solidFill>
-            </c:spPr>
-            <c:extLst>
-              <c:ext xmlns:c16="http://schemas.microsoft.com/office/drawing/2014/chart" uri="{C3380CC4-5D6E-409C-BE32-E72D297353CC}">
-                <c16:uniqueId val="{0000000D-1A0C-4E68-922B-B9A61731524E}"/>
-              </c:ext>
-            </c:extLst>
-          </c:dPt>
-          <c:dPt>
-            <c:idx val="2"/>
-            <c:invertIfNegative val="0"/>
-            <c:bubble3D val="0"/>
-            <c:spPr>
-              <a:solidFill>
-                <a:schemeClr val="accent2">
-                  <a:lumMod val="60000"/>
-                  <a:lumOff val="40000"/>
-                </a:schemeClr>
-              </a:solidFill>
-            </c:spPr>
-            <c:extLst>
-              <c:ext xmlns:c16="http://schemas.microsoft.com/office/drawing/2014/chart" uri="{C3380CC4-5D6E-409C-BE32-E72D297353CC}">
-                <c16:uniqueId val="{0000000F-1A0C-4E68-922B-B9A61731524E}"/>
-              </c:ext>
-            </c:extLst>
-          </c:dPt>
-          <c:val>
-            <c:numRef>
-              <c:f>Sheet1!$D$2:$D$5</c:f>
-              <c:numCache>
-                <c:formatCode>General</c:formatCode>
-                <c:ptCount val="4"/>
-              </c:numCache>
-            </c:numRef>
-          </c:val>
-          <c:extLst>
-            <c:ext xmlns:c16="http://schemas.microsoft.com/office/drawing/2014/chart" uri="{C3380CC4-5D6E-409C-BE32-E72D297353CC}">
-              <c16:uniqueId val="{00000010-1A0C-4E68-922B-B9A61731524E}"/>
+              <c16:uniqueId val="{00000009-56E9-4536-9410-9A28D00DB853}"/>
             </c:ext>
           </c:extLst>
         </c:ser>
@@ -2171,23 +2340,140 @@
           <c:showPercent val="0"/>
           <c:showBubbleSize val="0"/>
         </c:dLbls>
-        <c:gapWidth val="50"/>
+        <c:gapWidth val="180"/>
         <c:overlap val="100"/>
-        <c:axId val="76222464"/>
-        <c:axId val="76224000"/>
+        <c:axId val="729082624"/>
+        <c:axId val="729085368"/>
       </c:barChart>
+      <c:scatterChart>
+        <c:scatterStyle val="lineMarker"/>
+        <c:varyColors val="0"/>
+        <c:ser>
+          <c:idx val="2"/>
+          <c:order val="2"/>
+          <c:tx>
+            <c:v>Error bars</c:v>
+          </c:tx>
+          <c:spPr>
+            <a:ln>
+              <a:noFill/>
+            </a:ln>
+          </c:spPr>
+          <c:marker>
+            <c:symbol val="none"/>
+          </c:marker>
+          <c:dPt>
+            <c:idx val="0"/>
+            <c:bubble3D val="0"/>
+            <c:extLst xmlns:c16r2="http://schemas.microsoft.com/office/drawing/2015/06/chart">
+              <c:ext xmlns:c16="http://schemas.microsoft.com/office/drawing/2014/chart" uri="{C3380CC4-5D6E-409C-BE32-E72D297353CC}">
+                <c16:uniqueId val="{0000000B-56E9-4536-9410-9A28D00DB853}"/>
+              </c:ext>
+            </c:extLst>
+          </c:dPt>
+          <c:dPt>
+            <c:idx val="1"/>
+            <c:bubble3D val="0"/>
+            <c:extLst xmlns:c16r2="http://schemas.microsoft.com/office/drawing/2015/06/chart">
+              <c:ext xmlns:c16="http://schemas.microsoft.com/office/drawing/2014/chart" uri="{C3380CC4-5D6E-409C-BE32-E72D297353CC}">
+                <c16:uniqueId val="{0000000D-56E9-4536-9410-9A28D00DB853}"/>
+              </c:ext>
+            </c:extLst>
+          </c:dPt>
+          <c:dPt>
+            <c:idx val="2"/>
+            <c:bubble3D val="0"/>
+            <c:extLst xmlns:c16r2="http://schemas.microsoft.com/office/drawing/2015/06/chart">
+              <c:ext xmlns:c16="http://schemas.microsoft.com/office/drawing/2014/chart" uri="{C3380CC4-5D6E-409C-BE32-E72D297353CC}">
+                <c16:uniqueId val="{0000000F-56E9-4536-9410-9A28D00DB853}"/>
+              </c:ext>
+            </c:extLst>
+          </c:dPt>
+          <c:errBars>
+            <c:errDir val="x"/>
+            <c:errBarType val="minus"/>
+            <c:errValType val="fixedVal"/>
+            <c:noEndCap val="1"/>
+            <c:val val="0.75000000000000011"/>
+            <c:spPr>
+              <a:ln>
+                <a:prstDash val="dash"/>
+              </a:ln>
+            </c:spPr>
+          </c:errBars>
+          <c:xVal>
+            <c:numRef>
+              <c:f>Sheet1!$D$2:$D$4</c:f>
+              <c:numCache>
+                <c:formatCode>0.00</c:formatCode>
+                <c:ptCount val="3"/>
+                <c:pt idx="0">
+                  <c:v>1.9</c:v>
+                </c:pt>
+                <c:pt idx="1">
+                  <c:v>2.9</c:v>
+                </c:pt>
+                <c:pt idx="2">
+                  <c:v>3.9</c:v>
+                </c:pt>
+              </c:numCache>
+            </c:numRef>
+          </c:xVal>
+          <c:yVal>
+            <c:numRef>
+              <c:f>Sheet1!$E$2:$E$4</c:f>
+              <c:numCache>
+                <c:formatCode>0.00</c:formatCode>
+                <c:ptCount val="3"/>
+                <c:pt idx="0">
+                  <c:v>6.4966008494292629</c:v>
+                </c:pt>
+                <c:pt idx="1">
+                  <c:v>32.650381691156831</c:v>
+                </c:pt>
+                <c:pt idx="2">
+                  <c:v>51.967010762071233</c:v>
+                </c:pt>
+              </c:numCache>
+            </c:numRef>
+          </c:yVal>
+          <c:smooth val="0"/>
+          <c:extLst xmlns:c16r2="http://schemas.microsoft.com/office/drawing/2015/06/chart">
+            <c:ext xmlns:c16="http://schemas.microsoft.com/office/drawing/2014/chart" uri="{C3380CC4-5D6E-409C-BE32-E72D297353CC}">
+              <c16:uniqueId val="{00000010-56E9-4536-9410-9A28D00DB853}"/>
+            </c:ext>
+          </c:extLst>
+        </c:ser>
+        <c:dLbls>
+          <c:showLegendKey val="0"/>
+          <c:showVal val="0"/>
+          <c:showCatName val="0"/>
+          <c:showSerName val="0"/>
+          <c:showPercent val="0"/>
+          <c:showBubbleSize val="0"/>
+        </c:dLbls>
+        <c:axId val="729082624"/>
+        <c:axId val="729085368"/>
+      </c:scatterChart>
       <c:catAx>
-        <c:axId val="76222464"/>
+        <c:axId val="729082624"/>
         <c:scaling>
           <c:orientation val="minMax"/>
         </c:scaling>
-        <c:delete val="1"/>
+        <c:delete val="0"/>
         <c:axPos val="b"/>
         <c:numFmt formatCode="General" sourceLinked="0"/>
         <c:majorTickMark val="out"/>
         <c:minorTickMark val="none"/>
         <c:tickLblPos val="nextTo"/>
-        <c:crossAx val="76224000"/>
+        <c:spPr>
+          <a:ln>
+            <a:solidFill>
+              <a:schemeClr val="tx1"/>
+            </a:solidFill>
+          </a:ln>
+        </c:spPr>
+        <c:crossAx val="729085368"/>
         <c:crosses val="autoZero"/>
         <c:auto val="1"/>
         <c:lblAlgn val="ctr"/>
@@ -2195,32 +2481,40 @@
         <c:noMultiLvlLbl val="0"/>
       </c:catAx>
       <c:valAx>
-        <c:axId val="76224000"/>
+        <c:axId val="729085368"/>
         <c:scaling>
           <c:orientation val="minMax"/>
-          <c:max val="30"/>
+          <c:max val="60"/>
         </c:scaling>
         <c:delete val="0"/>
         <c:axPos val="l"/>
-        <c:majorGridlines/>
+        <c:majorGridlines>
+          <c:spPr>
+            <a:ln>
+              <a:solidFill>
+                <a:schemeClr val="accent6">
+                  <a:lumMod val="60000"/>
+                  <a:lumOff val="40000"/>
+                </a:schemeClr>
+              </a:solidFill>
+            </a:ln>
+          </c:spPr>
+        </c:majorGridlines>
         <c:numFmt formatCode="#,##0" sourceLinked="0"/>
         <c:majorTickMark val="out"/>
         <c:minorTickMark val="none"/>
         <c:tickLblPos val="nextTo"/>
-        <c:txPr>
-          <a:bodyPr/>
-          <a:lstStyle/>
-          <a:p>
-            <a:pPr>
-              <a:defRPr sz="1800"/>
-            </a:pPr>
-            <a:endParaRPr lang="en-US"/>
-          </a:p>
-        </c:txPr>
-        <c:crossAx val="76222464"/>
+        <c:spPr>
+          <a:ln>
+            <a:solidFill>
+              <a:schemeClr val="tx1"/>
+            </a:solidFill>
+          </a:ln>
+        </c:spPr>
+        <c:crossAx val="729082624"/>
         <c:crosses val="autoZero"/>
         <c:crossBetween val="between"/>
-        <c:majorUnit val="5"/>
+        <c:majorUnit val="10"/>
       </c:valAx>
       <c:spPr>
         <a:solidFill>
@@ -2237,7 +2531,7 @@
     <a:lstStyle/>
     <a:p>
       <a:pPr>
-        <a:defRPr sz="1800"/>
+        <a:defRPr sz="2200"/>
       </a:pPr>
       <a:endParaRPr lang="en-US"/>
     </a:p>
@@ -2246,610 +2540,6 @@
     <c:autoUpdate val="0"/>
   </c:externalData>
 </c:chartSpace>
-</file>
-
-<file path=ppt/drawings/drawing1.xml><?xml version="1.0" encoding="utf-8"?>
-<c:userShapes xmlns:c="http://schemas.openxmlformats.org/drawingml/2006/chart">
-  <cdr:relSizeAnchor xmlns:cdr="http://schemas.openxmlformats.org/drawingml/2006/chartDrawing">
-    <cdr:from>
-      <cdr:x>0.27802</cdr:x>
-      <cdr:y>0.70919</cdr:y>
-    </cdr:from>
-    <cdr:to>
-      <cdr:x>0.57035</cdr:x>
-      <cdr:y>0.86855</cdr:y>
-    </cdr:to>
-    <cdr:sp macro="" textlink="">
-      <cdr:nvSpPr>
-        <cdr:cNvPr id="3" name="Rectangle 2"/>
-        <cdr:cNvSpPr/>
-      </cdr:nvSpPr>
-      <cdr:spPr>
-        <a:xfrm xmlns:a="http://schemas.openxmlformats.org/drawingml/2006/main">
-          <a:off x="2758344" y="2876163"/>
-          <a:ext cx="2900458" cy="646331"/>
-        </a:xfrm>
-        <a:prstGeom xmlns:a="http://schemas.openxmlformats.org/drawingml/2006/main" prst="rect">
-          <a:avLst/>
-        </a:prstGeom>
-      </cdr:spPr>
-      <cdr:txBody>
-        <a:bodyPr xmlns:a="http://schemas.openxmlformats.org/drawingml/2006/main" wrap="square">
-          <a:spAutoFit/>
-        </a:bodyPr>
-        <a:lstStyle xmlns:a="http://schemas.openxmlformats.org/drawingml/2006/main">
-          <a:defPPr>
-            <a:defRPr lang="en-US"/>
-          </a:defPPr>
-          <a:lvl1pPr algn="l" rtl="0" eaLnBrk="0" fontAlgn="base" hangingPunct="0">
-            <a:spcBef>
-              <a:spcPct val="0"/>
-            </a:spcBef>
-            <a:spcAft>
-              <a:spcPct val="0"/>
-            </a:spcAft>
-            <a:defRPr sz="2400" kern="1200">
-              <a:solidFill>
-                <a:schemeClr val="tx1"/>
-              </a:solidFill>
-              <a:latin typeface="Arial" charset="0"/>
-              <a:ea typeface="ＭＳ Ｐゴシック" pitchFamily="34" charset="-128"/>
-              <a:cs typeface="+mn-cs"/>
-            </a:defRPr>
-          </a:lvl1pPr>
-          <a:lvl2pPr marL="457200" algn="l" rtl="0" eaLnBrk="0" fontAlgn="base" hangingPunct="0">
-            <a:spcBef>
-              <a:spcPct val="0"/>
-            </a:spcBef>
-            <a:spcAft>
-              <a:spcPct val="0"/>
-            </a:spcAft>
-            <a:defRPr sz="2400" kern="1200">
-              <a:solidFill>
-                <a:schemeClr val="tx1"/>
-              </a:solidFill>
-              <a:latin typeface="Arial" charset="0"/>
-              <a:ea typeface="ＭＳ Ｐゴシック" pitchFamily="34" charset="-128"/>
-              <a:cs typeface="+mn-cs"/>
-            </a:defRPr>
-          </a:lvl2pPr>
-          <a:lvl3pPr marL="914400" algn="l" rtl="0" eaLnBrk="0" fontAlgn="base" hangingPunct="0">
-            <a:spcBef>
-              <a:spcPct val="0"/>
-            </a:spcBef>
-            <a:spcAft>
-              <a:spcPct val="0"/>
-            </a:spcAft>
-            <a:defRPr sz="2400" kern="1200">
-              <a:solidFill>
-                <a:schemeClr val="tx1"/>
-              </a:solidFill>
-              <a:latin typeface="Arial" charset="0"/>
-              <a:ea typeface="ＭＳ Ｐゴシック" pitchFamily="34" charset="-128"/>
-              <a:cs typeface="+mn-cs"/>
-            </a:defRPr>
-          </a:lvl3pPr>
-          <a:lvl4pPr marL="1371600" algn="l" rtl="0" eaLnBrk="0" fontAlgn="base" hangingPunct="0">
-            <a:spcBef>
-              <a:spcPct val="0"/>
-            </a:spcBef>
-            <a:spcAft>
-              <a:spcPct val="0"/>
-            </a:spcAft>
-            <a:defRPr sz="2400" kern="1200">
-              <a:solidFill>
-                <a:schemeClr val="tx1"/>
-              </a:solidFill>
-              <a:latin typeface="Arial" charset="0"/>
-              <a:ea typeface="ＭＳ Ｐゴシック" pitchFamily="34" charset="-128"/>
-              <a:cs typeface="+mn-cs"/>
-            </a:defRPr>
-          </a:lvl4pPr>
-          <a:lvl5pPr marL="1828800" algn="l" rtl="0" eaLnBrk="0" fontAlgn="base" hangingPunct="0">
-            <a:spcBef>
-              <a:spcPct val="0"/>
-            </a:spcBef>
-            <a:spcAft>
-              <a:spcPct val="0"/>
-            </a:spcAft>
-            <a:defRPr sz="2400" kern="1200">
-              <a:solidFill>
-                <a:schemeClr val="tx1"/>
-              </a:solidFill>
-              <a:latin typeface="Arial" charset="0"/>
-              <a:ea typeface="ＭＳ Ｐゴシック" pitchFamily="34" charset="-128"/>
-              <a:cs typeface="+mn-cs"/>
-            </a:defRPr>
-          </a:lvl5pPr>
-          <a:lvl6pPr marL="2286000" algn="l" defTabSz="914400" rtl="0" eaLnBrk="1" latinLnBrk="0" hangingPunct="1">
-            <a:defRPr sz="2400" kern="1200">
-              <a:solidFill>
-                <a:schemeClr val="tx1"/>
-              </a:solidFill>
-              <a:latin typeface="Arial" charset="0"/>
-              <a:ea typeface="ＭＳ Ｐゴシック" pitchFamily="34" charset="-128"/>
-              <a:cs typeface="+mn-cs"/>
-            </a:defRPr>
-          </a:lvl6pPr>
-          <a:lvl7pPr marL="2743200" algn="l" defTabSz="914400" rtl="0" eaLnBrk="1" latinLnBrk="0" hangingPunct="1">
-            <a:defRPr sz="2400" kern="1200">
-              <a:solidFill>
-                <a:schemeClr val="tx1"/>
-              </a:solidFill>
-              <a:latin typeface="Arial" charset="0"/>
-              <a:ea typeface="ＭＳ Ｐゴシック" pitchFamily="34" charset="-128"/>
-              <a:cs typeface="+mn-cs"/>
-            </a:defRPr>
-          </a:lvl7pPr>
-          <a:lvl8pPr marL="3200400" algn="l" defTabSz="914400" rtl="0" eaLnBrk="1" latinLnBrk="0" hangingPunct="1">
-            <a:defRPr sz="2400" kern="1200">
-              <a:solidFill>
-                <a:schemeClr val="tx1"/>
-              </a:solidFill>
-              <a:latin typeface="Arial" charset="0"/>
-              <a:ea typeface="ＭＳ Ｐゴシック" pitchFamily="34" charset="-128"/>
-              <a:cs typeface="+mn-cs"/>
-            </a:defRPr>
-          </a:lvl8pPr>
-          <a:lvl9pPr marL="3657600" algn="l" defTabSz="914400" rtl="0" eaLnBrk="1" latinLnBrk="0" hangingPunct="1">
-            <a:defRPr sz="2400" kern="1200">
-              <a:solidFill>
-                <a:schemeClr val="tx1"/>
-              </a:solidFill>
-              <a:latin typeface="Arial" charset="0"/>
-              <a:ea typeface="ＭＳ Ｐゴシック" pitchFamily="34" charset="-128"/>
-              <a:cs typeface="+mn-cs"/>
-            </a:defRPr>
-          </a:lvl9pPr>
-        </a:lstStyle>
-        <a:p xmlns:a="http://schemas.openxmlformats.org/drawingml/2006/main">
-          <a:pPr algn="ctr"/>
-          <a:r>
-            <a:rPr lang="en-AU" sz="1800" dirty="0"/>
-            <a:t>Budget commitment – contract award </a:t>
-          </a:r>
-          <a:endParaRPr lang="en-US" sz="1800" dirty="0"/>
-        </a:p>
-      </cdr:txBody>
-    </cdr:sp>
-  </cdr:relSizeAnchor>
-  <cdr:relSizeAnchor xmlns:cdr="http://schemas.openxmlformats.org/drawingml/2006/chartDrawing">
-    <cdr:from>
-      <cdr:x>0.54332</cdr:x>
-      <cdr:y>0.70919</cdr:y>
-    </cdr:from>
-    <cdr:to>
-      <cdr:x>0.76961</cdr:x>
-      <cdr:y>0.86855</cdr:y>
-    </cdr:to>
-    <cdr:sp macro="" textlink="">
-      <cdr:nvSpPr>
-        <cdr:cNvPr id="4" name="Rectangle 3"/>
-        <cdr:cNvSpPr/>
-      </cdr:nvSpPr>
-      <cdr:spPr>
-        <a:xfrm xmlns:a="http://schemas.openxmlformats.org/drawingml/2006/main">
-          <a:off x="5390536" y="2876163"/>
-          <a:ext cx="2245148" cy="646331"/>
-        </a:xfrm>
-        <a:prstGeom xmlns:a="http://schemas.openxmlformats.org/drawingml/2006/main" prst="rect">
-          <a:avLst/>
-        </a:prstGeom>
-      </cdr:spPr>
-      <cdr:txBody>
-        <a:bodyPr xmlns:a="http://schemas.openxmlformats.org/drawingml/2006/main" wrap="square">
-          <a:spAutoFit/>
-        </a:bodyPr>
-        <a:lstStyle xmlns:a="http://schemas.openxmlformats.org/drawingml/2006/main">
-          <a:defPPr>
-            <a:defRPr lang="en-US"/>
-          </a:defPPr>
-          <a:lvl1pPr algn="l" rtl="0" eaLnBrk="0" fontAlgn="base" hangingPunct="0">
-            <a:spcBef>
-              <a:spcPct val="0"/>
-            </a:spcBef>
-            <a:spcAft>
-              <a:spcPct val="0"/>
-            </a:spcAft>
-            <a:defRPr sz="2400" kern="1200">
-              <a:solidFill>
-                <a:schemeClr val="tx1"/>
-              </a:solidFill>
-              <a:latin typeface="Arial" charset="0"/>
-              <a:ea typeface="ＭＳ Ｐゴシック" pitchFamily="34" charset="-128"/>
-              <a:cs typeface="+mn-cs"/>
-            </a:defRPr>
-          </a:lvl1pPr>
-          <a:lvl2pPr marL="457200" algn="l" rtl="0" eaLnBrk="0" fontAlgn="base" hangingPunct="0">
-            <a:spcBef>
-              <a:spcPct val="0"/>
-            </a:spcBef>
-            <a:spcAft>
-              <a:spcPct val="0"/>
-            </a:spcAft>
-            <a:defRPr sz="2400" kern="1200">
-              <a:solidFill>
-                <a:schemeClr val="tx1"/>
-              </a:solidFill>
-              <a:latin typeface="Arial" charset="0"/>
-              <a:ea typeface="ＭＳ Ｐゴシック" pitchFamily="34" charset="-128"/>
-              <a:cs typeface="+mn-cs"/>
-            </a:defRPr>
-          </a:lvl2pPr>
-          <a:lvl3pPr marL="914400" algn="l" rtl="0" eaLnBrk="0" fontAlgn="base" hangingPunct="0">
-            <a:spcBef>
-              <a:spcPct val="0"/>
-            </a:spcBef>
-            <a:spcAft>
-              <a:spcPct val="0"/>
-            </a:spcAft>
-            <a:defRPr sz="2400" kern="1200">
-              <a:solidFill>
-                <a:schemeClr val="tx1"/>
-              </a:solidFill>
-              <a:latin typeface="Arial" charset="0"/>
-              <a:ea typeface="ＭＳ Ｐゴシック" pitchFamily="34" charset="-128"/>
-              <a:cs typeface="+mn-cs"/>
-            </a:defRPr>
-          </a:lvl3pPr>
-          <a:lvl4pPr marL="1371600" algn="l" rtl="0" eaLnBrk="0" fontAlgn="base" hangingPunct="0">
-            <a:spcBef>
-              <a:spcPct val="0"/>
-            </a:spcBef>
-            <a:spcAft>
-              <a:spcPct val="0"/>
-            </a:spcAft>
-            <a:defRPr sz="2400" kern="1200">
-              <a:solidFill>
-                <a:schemeClr val="tx1"/>
-              </a:solidFill>
-              <a:latin typeface="Arial" charset="0"/>
-              <a:ea typeface="ＭＳ Ｐゴシック" pitchFamily="34" charset="-128"/>
-              <a:cs typeface="+mn-cs"/>
-            </a:defRPr>
-          </a:lvl4pPr>
-          <a:lvl5pPr marL="1828800" algn="l" rtl="0" eaLnBrk="0" fontAlgn="base" hangingPunct="0">
-            <a:spcBef>
-              <a:spcPct val="0"/>
-            </a:spcBef>
-            <a:spcAft>
-              <a:spcPct val="0"/>
-            </a:spcAft>
-            <a:defRPr sz="2400" kern="1200">
-              <a:solidFill>
-                <a:schemeClr val="tx1"/>
-              </a:solidFill>
-              <a:latin typeface="Arial" charset="0"/>
-              <a:ea typeface="ＭＳ Ｐゴシック" pitchFamily="34" charset="-128"/>
-              <a:cs typeface="+mn-cs"/>
-            </a:defRPr>
-          </a:lvl5pPr>
-          <a:lvl6pPr marL="2286000" algn="l" defTabSz="914400" rtl="0" eaLnBrk="1" latinLnBrk="0" hangingPunct="1">
-            <a:defRPr sz="2400" kern="1200">
-              <a:solidFill>
-                <a:schemeClr val="tx1"/>
-              </a:solidFill>
-              <a:latin typeface="Arial" charset="0"/>
-              <a:ea typeface="ＭＳ Ｐゴシック" pitchFamily="34" charset="-128"/>
-              <a:cs typeface="+mn-cs"/>
-            </a:defRPr>
-          </a:lvl6pPr>
-          <a:lvl7pPr marL="2743200" algn="l" defTabSz="914400" rtl="0" eaLnBrk="1" latinLnBrk="0" hangingPunct="1">
-            <a:defRPr sz="2400" kern="1200">
-              <a:solidFill>
-                <a:schemeClr val="tx1"/>
-              </a:solidFill>
-              <a:latin typeface="Arial" charset="0"/>
-              <a:ea typeface="ＭＳ Ｐゴシック" pitchFamily="34" charset="-128"/>
-              <a:cs typeface="+mn-cs"/>
-            </a:defRPr>
-          </a:lvl7pPr>
-          <a:lvl8pPr marL="3200400" algn="l" defTabSz="914400" rtl="0" eaLnBrk="1" latinLnBrk="0" hangingPunct="1">
-            <a:defRPr sz="2400" kern="1200">
-              <a:solidFill>
-                <a:schemeClr val="tx1"/>
-              </a:solidFill>
-              <a:latin typeface="Arial" charset="0"/>
-              <a:ea typeface="ＭＳ Ｐゴシック" pitchFamily="34" charset="-128"/>
-              <a:cs typeface="+mn-cs"/>
-            </a:defRPr>
-          </a:lvl8pPr>
-          <a:lvl9pPr marL="3657600" algn="l" defTabSz="914400" rtl="0" eaLnBrk="1" latinLnBrk="0" hangingPunct="1">
-            <a:defRPr sz="2400" kern="1200">
-              <a:solidFill>
-                <a:schemeClr val="tx1"/>
-              </a:solidFill>
-              <a:latin typeface="Arial" charset="0"/>
-              <a:ea typeface="ＭＳ Ｐゴシック" pitchFamily="34" charset="-128"/>
-              <a:cs typeface="+mn-cs"/>
-            </a:defRPr>
-          </a:lvl9pPr>
-        </a:lstStyle>
-        <a:p xmlns:a="http://schemas.openxmlformats.org/drawingml/2006/main">
-          <a:pPr algn="ctr"/>
-          <a:r>
-            <a:rPr lang="en-AU" sz="1800" dirty="0"/>
-            <a:t>Contract award – completion </a:t>
-          </a:r>
-          <a:endParaRPr lang="en-US" sz="1800" dirty="0"/>
-        </a:p>
-      </cdr:txBody>
-    </cdr:sp>
-  </cdr:relSizeAnchor>
-  <cdr:relSizeAnchor xmlns:cdr="http://schemas.openxmlformats.org/drawingml/2006/chartDrawing">
-    <cdr:from>
-      <cdr:x>0.74755</cdr:x>
-      <cdr:y>0.71551</cdr:y>
-    </cdr:from>
-    <cdr:to>
-      <cdr:x>0.97218</cdr:x>
-      <cdr:y>0.80658</cdr:y>
-    </cdr:to>
-    <cdr:sp macro="" textlink="">
-      <cdr:nvSpPr>
-        <cdr:cNvPr id="5" name="Rectangle 4"/>
-        <cdr:cNvSpPr/>
-      </cdr:nvSpPr>
-      <cdr:spPr>
-        <a:xfrm xmlns:a="http://schemas.openxmlformats.org/drawingml/2006/main">
-          <a:off x="7416824" y="2901806"/>
-          <a:ext cx="2228678" cy="369332"/>
-        </a:xfrm>
-        <a:prstGeom xmlns:a="http://schemas.openxmlformats.org/drawingml/2006/main" prst="rect">
-          <a:avLst/>
-        </a:prstGeom>
-      </cdr:spPr>
-      <cdr:txBody>
-        <a:bodyPr xmlns:a="http://schemas.openxmlformats.org/drawingml/2006/main" wrap="square">
-          <a:spAutoFit/>
-        </a:bodyPr>
-        <a:lstStyle xmlns:a="http://schemas.openxmlformats.org/drawingml/2006/main">
-          <a:defPPr>
-            <a:defRPr lang="en-US"/>
-          </a:defPPr>
-          <a:lvl1pPr algn="l" rtl="0" eaLnBrk="0" fontAlgn="base" hangingPunct="0">
-            <a:spcBef>
-              <a:spcPct val="0"/>
-            </a:spcBef>
-            <a:spcAft>
-              <a:spcPct val="0"/>
-            </a:spcAft>
-            <a:defRPr sz="2400" kern="1200">
-              <a:solidFill>
-                <a:schemeClr val="tx1"/>
-              </a:solidFill>
-              <a:latin typeface="Arial" charset="0"/>
-              <a:ea typeface="ＭＳ Ｐゴシック" pitchFamily="34" charset="-128"/>
-              <a:cs typeface="+mn-cs"/>
-            </a:defRPr>
-          </a:lvl1pPr>
-          <a:lvl2pPr marL="457200" algn="l" rtl="0" eaLnBrk="0" fontAlgn="base" hangingPunct="0">
-            <a:spcBef>
-              <a:spcPct val="0"/>
-            </a:spcBef>
-            <a:spcAft>
-              <a:spcPct val="0"/>
-            </a:spcAft>
-            <a:defRPr sz="2400" kern="1200">
-              <a:solidFill>
-                <a:schemeClr val="tx1"/>
-              </a:solidFill>
-              <a:latin typeface="Arial" charset="0"/>
-              <a:ea typeface="ＭＳ Ｐゴシック" pitchFamily="34" charset="-128"/>
-              <a:cs typeface="+mn-cs"/>
-            </a:defRPr>
-          </a:lvl2pPr>
-          <a:lvl3pPr marL="914400" algn="l" rtl="0" eaLnBrk="0" fontAlgn="base" hangingPunct="0">
-            <a:spcBef>
-              <a:spcPct val="0"/>
-            </a:spcBef>
-            <a:spcAft>
-              <a:spcPct val="0"/>
-            </a:spcAft>
-            <a:defRPr sz="2400" kern="1200">
-              <a:solidFill>
-                <a:schemeClr val="tx1"/>
-              </a:solidFill>
-              <a:latin typeface="Arial" charset="0"/>
-              <a:ea typeface="ＭＳ Ｐゴシック" pitchFamily="34" charset="-128"/>
-              <a:cs typeface="+mn-cs"/>
-            </a:defRPr>
-          </a:lvl3pPr>
-          <a:lvl4pPr marL="1371600" algn="l" rtl="0" eaLnBrk="0" fontAlgn="base" hangingPunct="0">
-            <a:spcBef>
-              <a:spcPct val="0"/>
-            </a:spcBef>
-            <a:spcAft>
-              <a:spcPct val="0"/>
-            </a:spcAft>
-            <a:defRPr sz="2400" kern="1200">
-              <a:solidFill>
-                <a:schemeClr val="tx1"/>
-              </a:solidFill>
-              <a:latin typeface="Arial" charset="0"/>
-              <a:ea typeface="ＭＳ Ｐゴシック" pitchFamily="34" charset="-128"/>
-              <a:cs typeface="+mn-cs"/>
-            </a:defRPr>
-          </a:lvl4pPr>
-          <a:lvl5pPr marL="1828800" algn="l" rtl="0" eaLnBrk="0" fontAlgn="base" hangingPunct="0">
-            <a:spcBef>
-              <a:spcPct val="0"/>
-            </a:spcBef>
-            <a:spcAft>
-              <a:spcPct val="0"/>
-            </a:spcAft>
-            <a:defRPr sz="2400" kern="1200">
-              <a:solidFill>
-                <a:schemeClr val="tx1"/>
-              </a:solidFill>
-              <a:latin typeface="Arial" charset="0"/>
-              <a:ea typeface="ＭＳ Ｐゴシック" pitchFamily="34" charset="-128"/>
-              <a:cs typeface="+mn-cs"/>
-            </a:defRPr>
-          </a:lvl5pPr>
-          <a:lvl6pPr marL="2286000" algn="l" defTabSz="914400" rtl="0" eaLnBrk="1" latinLnBrk="0" hangingPunct="1">
-            <a:defRPr sz="2400" kern="1200">
-              <a:solidFill>
-                <a:schemeClr val="tx1"/>
-              </a:solidFill>
-              <a:latin typeface="Arial" charset="0"/>
-              <a:ea typeface="ＭＳ Ｐゴシック" pitchFamily="34" charset="-128"/>
-              <a:cs typeface="+mn-cs"/>
-            </a:defRPr>
-          </a:lvl6pPr>
-          <a:lvl7pPr marL="2743200" algn="l" defTabSz="914400" rtl="0" eaLnBrk="1" latinLnBrk="0" hangingPunct="1">
-            <a:defRPr sz="2400" kern="1200">
-              <a:solidFill>
-                <a:schemeClr val="tx1"/>
-              </a:solidFill>
-              <a:latin typeface="Arial" charset="0"/>
-              <a:ea typeface="ＭＳ Ｐゴシック" pitchFamily="34" charset="-128"/>
-              <a:cs typeface="+mn-cs"/>
-            </a:defRPr>
-          </a:lvl7pPr>
-          <a:lvl8pPr marL="3200400" algn="l" defTabSz="914400" rtl="0" eaLnBrk="1" latinLnBrk="0" hangingPunct="1">
-            <a:defRPr sz="2400" kern="1200">
-              <a:solidFill>
-                <a:schemeClr val="tx1"/>
-              </a:solidFill>
-              <a:latin typeface="Arial" charset="0"/>
-              <a:ea typeface="ＭＳ Ｐゴシック" pitchFamily="34" charset="-128"/>
-              <a:cs typeface="+mn-cs"/>
-            </a:defRPr>
-          </a:lvl8pPr>
-          <a:lvl9pPr marL="3657600" algn="l" defTabSz="914400" rtl="0" eaLnBrk="1" latinLnBrk="0" hangingPunct="1">
-            <a:defRPr sz="2400" kern="1200">
-              <a:solidFill>
-                <a:schemeClr val="tx1"/>
-              </a:solidFill>
-              <a:latin typeface="Arial" charset="0"/>
-              <a:ea typeface="ＭＳ Ｐゴシック" pitchFamily="34" charset="-128"/>
-              <a:cs typeface="+mn-cs"/>
-            </a:defRPr>
-          </a:lvl9pPr>
-        </a:lstStyle>
-        <a:p xmlns:a="http://schemas.openxmlformats.org/drawingml/2006/main">
-          <a:pPr algn="ctr"/>
-          <a:r>
-            <a:rPr lang="en-AU" sz="1800" dirty="0"/>
-            <a:t>Overall</a:t>
-          </a:r>
-          <a:endParaRPr lang="en-US" sz="1800" dirty="0"/>
-        </a:p>
-      </cdr:txBody>
-    </cdr:sp>
-  </cdr:relSizeAnchor>
-  <cdr:relSizeAnchor xmlns:cdr="http://schemas.openxmlformats.org/drawingml/2006/chartDrawing">
-    <cdr:from>
-      <cdr:x>0.02177</cdr:x>
-      <cdr:y>0.70919</cdr:y>
-    </cdr:from>
-    <cdr:to>
-      <cdr:x>0.33386</cdr:x>
-      <cdr:y>0.86855</cdr:y>
-    </cdr:to>
-    <cdr:sp macro="" textlink="">
-      <cdr:nvSpPr>
-        <cdr:cNvPr id="6" name="Rectangle 5"/>
-        <cdr:cNvSpPr/>
-      </cdr:nvSpPr>
-      <cdr:spPr>
-        <a:xfrm xmlns:a="http://schemas.openxmlformats.org/drawingml/2006/main">
-          <a:off x="216024" y="2876163"/>
-          <a:ext cx="3096344" cy="646331"/>
-        </a:xfrm>
-        <a:prstGeom xmlns:a="http://schemas.openxmlformats.org/drawingml/2006/main" prst="rect">
-          <a:avLst/>
-        </a:prstGeom>
-      </cdr:spPr>
-      <cdr:txBody>
-        <a:bodyPr xmlns:a="http://schemas.openxmlformats.org/drawingml/2006/main" wrap="square">
-          <a:spAutoFit/>
-        </a:bodyPr>
-        <a:lstStyle xmlns:a="http://schemas.openxmlformats.org/drawingml/2006/main">
-          <a:lvl1pPr marL="0" indent="0">
-            <a:defRPr sz="1100">
-              <a:latin typeface="+mn-lt"/>
-              <a:ea typeface="+mn-ea"/>
-              <a:cs typeface="+mn-cs"/>
-            </a:defRPr>
-          </a:lvl1pPr>
-          <a:lvl2pPr marL="457200" indent="0">
-            <a:defRPr sz="1100">
-              <a:latin typeface="+mn-lt"/>
-              <a:ea typeface="+mn-ea"/>
-              <a:cs typeface="+mn-cs"/>
-            </a:defRPr>
-          </a:lvl2pPr>
-          <a:lvl3pPr marL="914400" indent="0">
-            <a:defRPr sz="1100">
-              <a:latin typeface="+mn-lt"/>
-              <a:ea typeface="+mn-ea"/>
-              <a:cs typeface="+mn-cs"/>
-            </a:defRPr>
-          </a:lvl3pPr>
-          <a:lvl4pPr marL="1371600" indent="0">
-            <a:defRPr sz="1100">
-              <a:latin typeface="+mn-lt"/>
-              <a:ea typeface="+mn-ea"/>
-              <a:cs typeface="+mn-cs"/>
-            </a:defRPr>
-          </a:lvl4pPr>
-          <a:lvl5pPr marL="1828800" indent="0">
-            <a:defRPr sz="1100">
-              <a:latin typeface="+mn-lt"/>
-              <a:ea typeface="+mn-ea"/>
-              <a:cs typeface="+mn-cs"/>
-            </a:defRPr>
-          </a:lvl5pPr>
-          <a:lvl6pPr marL="2286000" indent="0">
-            <a:defRPr sz="1100">
-              <a:latin typeface="+mn-lt"/>
-              <a:ea typeface="+mn-ea"/>
-              <a:cs typeface="+mn-cs"/>
-            </a:defRPr>
-          </a:lvl6pPr>
-          <a:lvl7pPr marL="2743200" indent="0">
-            <a:defRPr sz="1100">
-              <a:latin typeface="+mn-lt"/>
-              <a:ea typeface="+mn-ea"/>
-              <a:cs typeface="+mn-cs"/>
-            </a:defRPr>
-          </a:lvl7pPr>
-          <a:lvl8pPr marL="3200400" indent="0">
-            <a:defRPr sz="1100">
-              <a:latin typeface="+mn-lt"/>
-              <a:ea typeface="+mn-ea"/>
-              <a:cs typeface="+mn-cs"/>
-            </a:defRPr>
-          </a:lvl8pPr>
-          <a:lvl9pPr marL="3657600" indent="0">
-            <a:defRPr sz="1100">
-              <a:latin typeface="+mn-lt"/>
-              <a:ea typeface="+mn-ea"/>
-              <a:cs typeface="+mn-cs"/>
-            </a:defRPr>
-          </a:lvl9pPr>
-        </a:lstStyle>
-        <a:p xmlns:a="http://schemas.openxmlformats.org/drawingml/2006/main">
-          <a:pPr algn="ctr"/>
-          <a:r>
-            <a:rPr lang="en-AU" sz="1800" dirty="0"/>
-            <a:t>Initial announcement – </a:t>
-          </a:r>
-          <a:br>
-            <a:rPr lang="en-AU" sz="1800" dirty="0"/>
-          </a:br>
-          <a:r>
-            <a:rPr lang="en-AU" sz="1800" dirty="0"/>
-            <a:t>budget commitment</a:t>
-          </a:r>
-          <a:endParaRPr lang="en-US" sz="1800" dirty="0"/>
-        </a:p>
-      </cdr:txBody>
-    </cdr:sp>
-  </cdr:relSizeAnchor>
-</c:userShapes>
 </file>
 
 <file path=ppt/handoutMasters/handoutMaster1.xml><?xml version="1.0" encoding="utf-8"?>
@@ -2934,7 +2624,7 @@
           <a:p>
             <a:fld id="{EFC9C15E-BCC7-7848-B45B-7DE616F22962}" type="datetimeFigureOut">
               <a:rPr lang="en-US" smtClean="0"/>
-              <a:t>10/21/2016</a:t>
+              <a:t>10/22/2016</a:t>
             </a:fld>
             <a:endParaRPr lang="en-US"/>
           </a:p>
@@ -3844,6 +3534,249 @@
             </a:endParaRPr>
           </a:p>
           <a:p>
+            <a:pPr defTabSz="915259">
+              <a:defRPr/>
+            </a:pPr>
+            <a:endParaRPr lang="en-AU" dirty="0">
+              <a:latin typeface="Arial"/>
+              <a:cs typeface="Arial"/>
+            </a:endParaRPr>
+          </a:p>
+          <a:p>
+            <a:pPr defTabSz="915259">
+              <a:defRPr/>
+            </a:pPr>
+            <a:r>
+              <a:rPr lang="en-AU" dirty="0">
+                <a:latin typeface="Arial"/>
+                <a:cs typeface="Arial"/>
+              </a:rPr>
+              <a:t>Title: </a:t>
+            </a:r>
+            <a:r>
+              <a:rPr lang="en-AU" sz="1200" b="0" i="1" kern="1200" baseline="0" dirty="0">
+                <a:solidFill>
+                  <a:schemeClr val="tx1"/>
+                </a:solidFill>
+                <a:effectLst/>
+                <a:latin typeface="Arial" charset="0"/>
+                <a:ea typeface="ＭＳ Ｐゴシック" pitchFamily="34" charset="-128"/>
+                <a:cs typeface="+mn-cs"/>
+              </a:rPr>
+              <a:t>A third of cost overruns occur prior to budget commitments</a:t>
+            </a:r>
+          </a:p>
+          <a:p>
+            <a:pPr defTabSz="915259">
+              <a:defRPr/>
+            </a:pPr>
+            <a:r>
+              <a:rPr lang="en-AU" sz="1200" kern="1200" baseline="0" dirty="0">
+                <a:solidFill>
+                  <a:schemeClr val="tx1"/>
+                </a:solidFill>
+                <a:effectLst/>
+                <a:latin typeface="Arial" charset="0"/>
+                <a:ea typeface="ＭＳ Ｐゴシック" pitchFamily="34" charset="-128"/>
+                <a:cs typeface="+mn-cs"/>
+              </a:rPr>
+              <a:t>Subtitle: </a:t>
+            </a:r>
+            <a:r>
+              <a:rPr lang="en-AU" sz="1200" i="1" kern="1200" baseline="0" dirty="0">
+                <a:solidFill>
+                  <a:schemeClr val="tx1"/>
+                </a:solidFill>
+                <a:effectLst/>
+                <a:latin typeface="Arial" charset="0"/>
+                <a:ea typeface="ＭＳ Ｐゴシック" pitchFamily="34" charset="-128"/>
+                <a:cs typeface="+mn-cs"/>
+              </a:rPr>
+              <a:t>Cost overruns by project stage, per cent</a:t>
+            </a:r>
+          </a:p>
+          <a:p>
+            <a:pPr defTabSz="915259">
+              <a:defRPr/>
+            </a:pPr>
+            <a:r>
+              <a:rPr lang="en-AU" sz="1200" i="1" kern="1200" baseline="0" dirty="0">
+                <a:solidFill>
+                  <a:schemeClr val="tx1"/>
+                </a:solidFill>
+                <a:effectLst/>
+                <a:latin typeface="Arial" charset="0"/>
+                <a:ea typeface="ＭＳ Ｐゴシック" pitchFamily="34" charset="-128"/>
+                <a:cs typeface="+mn-cs"/>
+              </a:rPr>
+              <a:t>Notes:  Australian transport projects, completed between 2001 and 2015. </a:t>
+            </a:r>
+          </a:p>
+          <a:p>
+            <a:r>
+              <a:rPr lang="en-AU" sz="1200" i="1" kern="1200" baseline="0" dirty="0">
+                <a:solidFill>
+                  <a:schemeClr val="tx1"/>
+                </a:solidFill>
+                <a:effectLst/>
+                <a:latin typeface="Arial" charset="0"/>
+                <a:ea typeface="ＭＳ Ｐゴシック" pitchFamily="34" charset="-128"/>
+                <a:cs typeface="+mn-cs"/>
+              </a:rPr>
+              <a:t>Source: </a:t>
+            </a:r>
+            <a:r>
+              <a:rPr lang="en-US" sz="1200" dirty="0"/>
+              <a:t>Deloitte Investment Monitor dataset; </a:t>
+            </a:r>
+            <a:r>
+              <a:rPr lang="en-AU" sz="1200" dirty="0"/>
+              <a:t>Grattan analysis.</a:t>
+            </a:r>
+            <a:endParaRPr lang="en-US" sz="1200" dirty="0"/>
+          </a:p>
+          <a:p>
+            <a:pPr defTabSz="915259">
+              <a:defRPr/>
+            </a:pPr>
+            <a:endParaRPr lang="en-AU" baseline="0" dirty="0"/>
+          </a:p>
+          <a:p>
+            <a:pPr defTabSz="914107">
+              <a:defRPr/>
+            </a:pPr>
+            <a:r>
+              <a:rPr lang="en-AU" i="0" dirty="0"/>
+              <a:t>Analysis</a:t>
+            </a:r>
+            <a:r>
+              <a:rPr lang="en-AU" i="0" baseline="0" dirty="0"/>
+              <a:t> in C:\Users\ldanks\Dropbox (Grattan Institute)\Transport Program\Project - Project-level Study\Analysis\Spreadsheets\IM Results\Overall cost overruns</a:t>
+            </a:r>
+          </a:p>
+          <a:p>
+            <a:endParaRPr lang="en-AU" dirty="0"/>
+          </a:p>
+        </p:txBody>
+      </p:sp>
+      <p:sp>
+        <p:nvSpPr>
+          <p:cNvPr id="4" name="Slide Number Placeholder 3"/>
+          <p:cNvSpPr>
+            <a:spLocks noGrp="1"/>
+          </p:cNvSpPr>
+          <p:nvPr>
+            <p:ph type="sldNum" sz="quarter" idx="10"/>
+          </p:nvPr>
+        </p:nvSpPr>
+        <p:spPr/>
+        <p:txBody>
+          <a:bodyPr/>
+          <a:lstStyle/>
+          <a:p>
+            <a:fld id="{EE67FFEB-41A8-4E33-A442-87C345D03039}" type="slidenum">
+              <a:rPr lang="en-US" smtClean="0"/>
+              <a:pPr/>
+              <a:t>8</a:t>
+            </a:fld>
+            <a:endParaRPr lang="en-US"/>
+          </a:p>
+        </p:txBody>
+      </p:sp>
+    </p:spTree>
+    <p:extLst>
+      <p:ext uri="{BB962C8B-B14F-4D97-AF65-F5344CB8AC3E}">
+        <p14:creationId xmlns:p14="http://schemas.microsoft.com/office/powerpoint/2010/main" val="435871429"/>
+      </p:ext>
+    </p:extLst>
+  </p:cSld>
+  <p:clrMapOvr>
+    <a:masterClrMapping/>
+  </p:clrMapOvr>
+</p:notes>
+</file>
+
+<file path=ppt/notesSlides/notesSlide3.xml><?xml version="1.0" encoding="utf-8"?>
+<p:notes xmlns:a="http://schemas.openxmlformats.org/drawingml/2006/main" xmlns:r="http://schemas.openxmlformats.org/officeDocument/2006/relationships" xmlns:p="http://schemas.openxmlformats.org/presentationml/2006/main">
+  <p:cSld>
+    <p:spTree>
+      <p:nvGrpSpPr>
+        <p:cNvPr id="1" name=""/>
+        <p:cNvGrpSpPr/>
+        <p:nvPr/>
+      </p:nvGrpSpPr>
+      <p:grpSpPr>
+        <a:xfrm>
+          <a:off x="0" y="0"/>
+          <a:ext cx="0" cy="0"/>
+          <a:chOff x="0" y="0"/>
+          <a:chExt cx="0" cy="0"/>
+        </a:xfrm>
+      </p:grpSpPr>
+      <p:sp>
+        <p:nvSpPr>
+          <p:cNvPr id="2" name="Slide Image Placeholder 1"/>
+          <p:cNvSpPr>
+            <a:spLocks noGrp="1" noRot="1" noChangeAspect="1"/>
+          </p:cNvSpPr>
+          <p:nvPr>
+            <p:ph type="sldImg"/>
+          </p:nvPr>
+        </p:nvSpPr>
+        <p:spPr/>
+      </p:sp>
+      <p:sp>
+        <p:nvSpPr>
+          <p:cNvPr id="3" name="Notes Placeholder 2"/>
+          <p:cNvSpPr>
+            <a:spLocks noGrp="1"/>
+          </p:cNvSpPr>
+          <p:nvPr>
+            <p:ph type="body" idx="1"/>
+          </p:nvPr>
+        </p:nvSpPr>
+        <p:spPr/>
+        <p:txBody>
+          <a:bodyPr/>
+          <a:lstStyle/>
+          <a:p>
+            <a:pPr marL="0" marR="0" indent="0" algn="l" defTabSz="914400" rtl="0" eaLnBrk="1" fontAlgn="base" latinLnBrk="0" hangingPunct="1">
+              <a:lnSpc>
+                <a:spcPct val="100000"/>
+              </a:lnSpc>
+              <a:spcBef>
+                <a:spcPct val="30000"/>
+              </a:spcBef>
+              <a:spcAft>
+                <a:spcPct val="0"/>
+              </a:spcAft>
+              <a:buClrTx/>
+              <a:buSzTx/>
+              <a:buFontTx/>
+              <a:buNone/>
+              <a:tabLst/>
+              <a:defRPr/>
+            </a:pPr>
+            <a:r>
+              <a:rPr lang="en-AU" dirty="0">
+                <a:latin typeface="Arial"/>
+                <a:cs typeface="Arial"/>
+              </a:rPr>
+              <a:t>This</a:t>
+            </a:r>
+            <a:r>
+              <a:rPr lang="en-AU" baseline="0" dirty="0">
+                <a:latin typeface="Arial"/>
+                <a:cs typeface="Arial"/>
+              </a:rPr>
+              <a:t> chart has been reviewed on 21/10/2016.</a:t>
+            </a:r>
+            <a:endParaRPr lang="en-AU" dirty="0">
+              <a:latin typeface="Arial"/>
+              <a:cs typeface="Arial"/>
+            </a:endParaRPr>
+          </a:p>
+          <a:p>
             <a:endParaRPr lang="en-AU" dirty="0"/>
           </a:p>
           <a:p>
@@ -4013,7 +3946,7 @@
 </p:notes>
 </file>
 
-<file path=ppt/notesSlides/notesSlide3.xml><?xml version="1.0" encoding="utf-8"?>
+<file path=ppt/notesSlides/notesSlide4.xml><?xml version="1.0" encoding="utf-8"?>
 <p:notes xmlns:a="http://schemas.openxmlformats.org/drawingml/2006/main" xmlns:r="http://schemas.openxmlformats.org/officeDocument/2006/relationships" xmlns:p="http://schemas.openxmlformats.org/presentationml/2006/main">
   <p:cSld>
     <p:spTree>
@@ -6651,14 +6584,14 @@
           <p:nvPr>
             <p:extLst>
               <p:ext uri="{D42A27DB-BD31-4B8C-83A1-F6EECF244321}">
-                <p14:modId xmlns:p14="http://schemas.microsoft.com/office/powerpoint/2010/main" val="1019219298"/>
+                <p14:modId xmlns:p14="http://schemas.microsoft.com/office/powerpoint/2010/main" val="3646246324"/>
               </p:ext>
             </p:extLst>
           </p:nvPr>
         </p:nvGraphicFramePr>
         <p:xfrm>
           <a:off x="0" y="-28511"/>
-          <a:ext cx="9906000" cy="6481847"/>
+          <a:ext cx="9906000" cy="6782851"/>
         </p:xfrm>
         <a:graphic>
           <a:graphicData uri="http://schemas.openxmlformats.org/drawingml/2006/table">
@@ -6670,42 +6603,42 @@
                 <a:gridCol w="920552">
                   <a:extLst>
                     <a:ext uri="{9D8B030D-6E8A-4147-A177-3AD203B41FA5}">
-                      <a16:colId xmlns:a16="http://schemas.microsoft.com/office/drawing/2014/main" val="20000"/>
+                      <a16:colId xmlns="" xmlns:a16="http://schemas.microsoft.com/office/drawing/2014/main" val="20000"/>
                     </a:ext>
                   </a:extLst>
                 </a:gridCol>
                 <a:gridCol w="1800200">
                   <a:extLst>
                     <a:ext uri="{9D8B030D-6E8A-4147-A177-3AD203B41FA5}">
-                      <a16:colId xmlns:a16="http://schemas.microsoft.com/office/drawing/2014/main" val="20001"/>
+                      <a16:colId xmlns="" xmlns:a16="http://schemas.microsoft.com/office/drawing/2014/main" val="20001"/>
                     </a:ext>
                   </a:extLst>
                 </a:gridCol>
                 <a:gridCol w="1512168">
                   <a:extLst>
                     <a:ext uri="{9D8B030D-6E8A-4147-A177-3AD203B41FA5}">
-                      <a16:colId xmlns:a16="http://schemas.microsoft.com/office/drawing/2014/main" val="20002"/>
+                      <a16:colId xmlns="" xmlns:a16="http://schemas.microsoft.com/office/drawing/2014/main" val="20002"/>
                     </a:ext>
                   </a:extLst>
                 </a:gridCol>
                 <a:gridCol w="1944216">
                   <a:extLst>
                     <a:ext uri="{9D8B030D-6E8A-4147-A177-3AD203B41FA5}">
-                      <a16:colId xmlns:a16="http://schemas.microsoft.com/office/drawing/2014/main" val="20003"/>
+                      <a16:colId xmlns="" xmlns:a16="http://schemas.microsoft.com/office/drawing/2014/main" val="20003"/>
                     </a:ext>
                   </a:extLst>
                 </a:gridCol>
                 <a:gridCol w="1728192">
                   <a:extLst>
                     <a:ext uri="{9D8B030D-6E8A-4147-A177-3AD203B41FA5}">
-                      <a16:colId xmlns:a16="http://schemas.microsoft.com/office/drawing/2014/main" val="20004"/>
+                      <a16:colId xmlns="" xmlns:a16="http://schemas.microsoft.com/office/drawing/2014/main" val="20004"/>
                     </a:ext>
                   </a:extLst>
                 </a:gridCol>
                 <a:gridCol w="2000672">
                   <a:extLst>
                     <a:ext uri="{9D8B030D-6E8A-4147-A177-3AD203B41FA5}">
-                      <a16:colId xmlns:a16="http://schemas.microsoft.com/office/drawing/2014/main" val="20005"/>
+                      <a16:colId xmlns="" xmlns:a16="http://schemas.microsoft.com/office/drawing/2014/main" val="20005"/>
                     </a:ext>
                   </a:extLst>
                 </a:gridCol>
@@ -7020,7 +6953,7 @@
                 </a:tc>
                 <a:extLst>
                   <a:ext uri="{0D108BD9-81ED-4DB2-BD59-A6C34878D82A}">
-                    <a16:rowId xmlns:a16="http://schemas.microsoft.com/office/drawing/2014/main" val="10000"/>
+                    <a16:rowId xmlns="" xmlns:a16="http://schemas.microsoft.com/office/drawing/2014/main" val="10000"/>
                   </a:ext>
                 </a:extLst>
               </a:tr>
@@ -7354,7 +7287,7 @@
                 </a:tc>
                 <a:extLst>
                   <a:ext uri="{0D108BD9-81ED-4DB2-BD59-A6C34878D82A}">
-                    <a16:rowId xmlns:a16="http://schemas.microsoft.com/office/drawing/2014/main" val="10001"/>
+                    <a16:rowId xmlns="" xmlns:a16="http://schemas.microsoft.com/office/drawing/2014/main" val="10001"/>
                   </a:ext>
                 </a:extLst>
               </a:tr>
@@ -7592,7 +7525,7 @@
                 </a:tc>
                 <a:extLst>
                   <a:ext uri="{0D108BD9-81ED-4DB2-BD59-A6C34878D82A}">
-                    <a16:rowId xmlns:a16="http://schemas.microsoft.com/office/drawing/2014/main" val="10002"/>
+                    <a16:rowId xmlns="" xmlns:a16="http://schemas.microsoft.com/office/drawing/2014/main" val="10002"/>
                   </a:ext>
                 </a:extLst>
               </a:tr>
@@ -7613,8 +7546,17 @@
                           <a:spcPts val="0"/>
                         </a:spcAft>
                       </a:pPr>
+                      <a:r>
+                        <a:rPr lang="en-AU" sz="2200" dirty="0">
+                          <a:solidFill>
+                            <a:schemeClr val="tx1"/>
+                          </a:solidFill>
+                          <a:effectLst/>
+                        </a:rPr>
+                        <a:t/>
+                      </a:r>
                       <a:br>
-                        <a:rPr lang="en-AU" sz="1400" dirty="0">
+                        <a:rPr lang="en-AU" sz="2200" dirty="0">
                           <a:solidFill>
                             <a:schemeClr val="tx1"/>
                           </a:solidFill>
@@ -7622,7 +7564,7 @@
                         </a:rPr>
                       </a:br>
                       <a:r>
-                        <a:rPr lang="en-AU" sz="1400" dirty="0" err="1">
+                        <a:rPr lang="en-AU" sz="2200" dirty="0" err="1">
                           <a:solidFill>
                             <a:schemeClr val="tx1"/>
                           </a:solidFill>
@@ -7630,7 +7572,7 @@
                         </a:rPr>
                         <a:t>C’wlth</a:t>
                       </a:r>
-                      <a:endParaRPr lang="en-AU" sz="1400" dirty="0">
+                      <a:endParaRPr lang="en-AU" sz="2200" dirty="0">
                         <a:solidFill>
                           <a:schemeClr val="tx1"/>
                         </a:solidFill>
@@ -7660,7 +7602,7 @@
                           <a:spcPts val="0"/>
                         </a:spcAft>
                       </a:pPr>
-                      <a:endParaRPr lang="en-AU" sz="1400" dirty="0">
+                      <a:endParaRPr lang="en-AU" sz="2200" dirty="0">
                         <a:solidFill>
                           <a:schemeClr val="tx1"/>
                         </a:solidFill>
@@ -7725,7 +7667,7 @@
                 </a:tc>
                 <a:extLst>
                   <a:ext uri="{0D108BD9-81ED-4DB2-BD59-A6C34878D82A}">
-                    <a16:rowId xmlns:a16="http://schemas.microsoft.com/office/drawing/2014/main" val="10003"/>
+                    <a16:rowId xmlns="" xmlns:a16="http://schemas.microsoft.com/office/drawing/2014/main" val="10003"/>
                   </a:ext>
                 </a:extLst>
               </a:tr>
@@ -7747,7 +7689,7 @@
                         </a:spcAft>
                       </a:pPr>
                       <a:r>
-                        <a:rPr lang="en-AU" sz="1400" dirty="0">
+                        <a:rPr lang="en-AU" sz="2200" dirty="0">
                           <a:solidFill>
                             <a:schemeClr val="tx1"/>
                           </a:solidFill>
@@ -7769,7 +7711,7 @@
                         </a:spcAft>
                       </a:pPr>
                       <a:r>
-                        <a:rPr lang="en-AU" sz="1400" dirty="0">
+                        <a:rPr lang="en-AU" sz="2200" dirty="0">
                           <a:solidFill>
                             <a:schemeClr val="tx1"/>
                           </a:solidFill>
@@ -7777,7 +7719,7 @@
                         </a:rPr>
                         <a:t>NSW</a:t>
                       </a:r>
-                      <a:endParaRPr lang="en-AU" sz="1400" dirty="0">
+                      <a:endParaRPr lang="en-AU" sz="2200" dirty="0">
                         <a:solidFill>
                           <a:schemeClr val="tx1"/>
                         </a:solidFill>
@@ -7843,7 +7785,7 @@
                 </a:tc>
                 <a:extLst>
                   <a:ext uri="{0D108BD9-81ED-4DB2-BD59-A6C34878D82A}">
-                    <a16:rowId xmlns:a16="http://schemas.microsoft.com/office/drawing/2014/main" val="10004"/>
+                    <a16:rowId xmlns="" xmlns:a16="http://schemas.microsoft.com/office/drawing/2014/main" val="10004"/>
                   </a:ext>
                 </a:extLst>
               </a:tr>
@@ -7864,8 +7806,17 @@
                           <a:spcPts val="0"/>
                         </a:spcAft>
                       </a:pPr>
+                      <a:r>
+                        <a:rPr lang="en-AU" sz="2200" dirty="0">
+                          <a:solidFill>
+                            <a:schemeClr val="tx1"/>
+                          </a:solidFill>
+                          <a:effectLst/>
+                        </a:rPr>
+                        <a:t/>
+                      </a:r>
                       <a:br>
-                        <a:rPr lang="en-AU" sz="1400" dirty="0">
+                        <a:rPr lang="en-AU" sz="2200" dirty="0">
                           <a:solidFill>
                             <a:schemeClr val="tx1"/>
                           </a:solidFill>
@@ -7873,7 +7824,7 @@
                         </a:rPr>
                       </a:br>
                       <a:r>
-                        <a:rPr lang="en-AU" sz="1400" dirty="0">
+                        <a:rPr lang="en-AU" sz="2200" dirty="0">
                           <a:solidFill>
                             <a:schemeClr val="tx1"/>
                           </a:solidFill>
@@ -7895,7 +7846,7 @@
                         </a:spcAft>
                       </a:pPr>
                       <a:r>
-                        <a:rPr lang="en-AU" sz="1400" dirty="0">
+                        <a:rPr lang="en-AU" sz="2200" dirty="0">
                           <a:solidFill>
                             <a:schemeClr val="tx1"/>
                           </a:solidFill>
@@ -7903,7 +7854,7 @@
                         </a:rPr>
                         <a:t> </a:t>
                       </a:r>
-                      <a:endParaRPr lang="en-AU" sz="1400" dirty="0">
+                      <a:endParaRPr lang="en-AU" sz="2200" dirty="0">
                         <a:solidFill>
                           <a:schemeClr val="tx1"/>
                         </a:solidFill>
@@ -7969,7 +7920,7 @@
                 </a:tc>
                 <a:extLst>
                   <a:ext uri="{0D108BD9-81ED-4DB2-BD59-A6C34878D82A}">
-                    <a16:rowId xmlns:a16="http://schemas.microsoft.com/office/drawing/2014/main" val="10005"/>
+                    <a16:rowId xmlns="" xmlns:a16="http://schemas.microsoft.com/office/drawing/2014/main" val="10005"/>
                   </a:ext>
                 </a:extLst>
               </a:tr>
@@ -7991,7 +7942,7 @@
                         </a:spcAft>
                       </a:pPr>
                       <a:r>
-                        <a:rPr lang="en-AU" sz="1400" dirty="0">
+                        <a:rPr lang="en-AU" sz="2200" dirty="0">
                           <a:solidFill>
                             <a:schemeClr val="tx1"/>
                           </a:solidFill>
@@ -7999,7 +7950,7 @@
                         </a:rPr>
                         <a:t>QLD</a:t>
                       </a:r>
-                      <a:endParaRPr lang="en-AU" sz="1400" dirty="0">
+                      <a:endParaRPr lang="en-AU" sz="2200" dirty="0">
                         <a:solidFill>
                           <a:schemeClr val="tx1"/>
                         </a:solidFill>
@@ -8065,7 +8016,7 @@
                 </a:tc>
                 <a:extLst>
                   <a:ext uri="{0D108BD9-81ED-4DB2-BD59-A6C34878D82A}">
-                    <a16:rowId xmlns:a16="http://schemas.microsoft.com/office/drawing/2014/main" val="10006"/>
+                    <a16:rowId xmlns="" xmlns:a16="http://schemas.microsoft.com/office/drawing/2014/main" val="10006"/>
                   </a:ext>
                 </a:extLst>
               </a:tr>
@@ -8087,7 +8038,7 @@
                         </a:spcAft>
                       </a:pPr>
                       <a:r>
-                        <a:rPr lang="en-AU" sz="1400" dirty="0">
+                        <a:rPr lang="en-AU" sz="2200" dirty="0">
                           <a:solidFill>
                             <a:schemeClr val="tx1"/>
                           </a:solidFill>
@@ -8095,7 +8046,7 @@
                         </a:rPr>
                         <a:t>WA</a:t>
                       </a:r>
-                      <a:endParaRPr lang="en-AU" sz="1400" dirty="0">
+                      <a:endParaRPr lang="en-AU" sz="2200" dirty="0">
                         <a:solidFill>
                           <a:schemeClr val="tx1"/>
                         </a:solidFill>
@@ -8161,7 +8112,7 @@
                 </a:tc>
                 <a:extLst>
                   <a:ext uri="{0D108BD9-81ED-4DB2-BD59-A6C34878D82A}">
-                    <a16:rowId xmlns:a16="http://schemas.microsoft.com/office/drawing/2014/main" val="10007"/>
+                    <a16:rowId xmlns="" xmlns:a16="http://schemas.microsoft.com/office/drawing/2014/main" val="10007"/>
                   </a:ext>
                 </a:extLst>
               </a:tr>
@@ -8182,8 +8133,17 @@
                           <a:spcPts val="0"/>
                         </a:spcAft>
                       </a:pPr>
+                      <a:r>
+                        <a:rPr lang="en-AU" sz="2200" dirty="0">
+                          <a:solidFill>
+                            <a:schemeClr val="tx1"/>
+                          </a:solidFill>
+                          <a:effectLst/>
+                        </a:rPr>
+                        <a:t/>
+                      </a:r>
                       <a:br>
-                        <a:rPr lang="en-AU" sz="1400" dirty="0">
+                        <a:rPr lang="en-AU" sz="2200" dirty="0">
                           <a:solidFill>
                             <a:schemeClr val="tx1"/>
                           </a:solidFill>
@@ -8191,7 +8151,7 @@
                         </a:rPr>
                       </a:br>
                       <a:r>
-                        <a:rPr lang="en-AU" sz="1400" dirty="0">
+                        <a:rPr lang="en-AU" sz="2200" dirty="0">
                           <a:solidFill>
                             <a:schemeClr val="tx1"/>
                           </a:solidFill>
@@ -8199,7 +8159,7 @@
                         </a:rPr>
                         <a:t>SA</a:t>
                       </a:r>
-                      <a:endParaRPr lang="en-AU" sz="1400" dirty="0">
+                      <a:endParaRPr lang="en-AU" sz="2200" dirty="0">
                         <a:solidFill>
                           <a:schemeClr val="tx1"/>
                         </a:solidFill>
@@ -8274,7 +8234,7 @@
                 </a:tc>
                 <a:extLst>
                   <a:ext uri="{0D108BD9-81ED-4DB2-BD59-A6C34878D82A}">
-                    <a16:rowId xmlns:a16="http://schemas.microsoft.com/office/drawing/2014/main" val="10008"/>
+                    <a16:rowId xmlns="" xmlns:a16="http://schemas.microsoft.com/office/drawing/2014/main" val="10008"/>
                   </a:ext>
                 </a:extLst>
               </a:tr>
@@ -8395,7 +8355,7 @@
         </p:blipFill>
         <p:spPr>
           <a:xfrm>
-            <a:off x="534775" y="1049437"/>
+            <a:off x="357106" y="1049437"/>
             <a:ext cx="7514569" cy="5440411"/>
           </a:xfrm>
           <a:prstGeom prst="rect">
@@ -8405,71 +8365,13 @@
       </p:pic>
       <p:cxnSp>
         <p:nvCxnSpPr>
-          <p:cNvPr id="3" name="Straight Connector 2"/>
-          <p:cNvCxnSpPr/>
-          <p:nvPr/>
-        </p:nvCxnSpPr>
-        <p:spPr bwMode="auto">
-          <a:xfrm flipV="1">
-            <a:off x="478386" y="-27384"/>
-            <a:ext cx="0" cy="6517232"/>
-          </a:xfrm>
-          <a:prstGeom prst="line">
-            <a:avLst/>
-          </a:prstGeom>
-          <a:solidFill>
-            <a:schemeClr val="accent1"/>
-          </a:solidFill>
-          <a:ln w="9525" cap="flat" cmpd="sng" algn="ctr">
-            <a:solidFill>
-              <a:schemeClr val="accent6"/>
-            </a:solidFill>
-            <a:prstDash val="solid"/>
-            <a:round/>
-            <a:headEnd type="none" w="med" len="med"/>
-            <a:tailEnd type="none" w="med" len="med"/>
-          </a:ln>
-          <a:effectLst/>
-        </p:spPr>
-      </p:cxnSp>
-      <p:cxnSp>
-        <p:nvCxnSpPr>
-          <p:cNvPr id="5" name="Straight Connector 4"/>
-          <p:cNvCxnSpPr/>
-          <p:nvPr/>
-        </p:nvCxnSpPr>
-        <p:spPr bwMode="auto">
-          <a:xfrm>
-            <a:off x="490539" y="6485208"/>
-            <a:ext cx="9415461" cy="0"/>
-          </a:xfrm>
-          <a:prstGeom prst="line">
-            <a:avLst/>
-          </a:prstGeom>
-          <a:solidFill>
-            <a:schemeClr val="accent1"/>
-          </a:solidFill>
-          <a:ln w="9525" cap="flat" cmpd="sng" algn="ctr">
-            <a:solidFill>
-              <a:schemeClr val="accent6"/>
-            </a:solidFill>
-            <a:prstDash val="solid"/>
-            <a:round/>
-            <a:headEnd type="none" w="med" len="med"/>
-            <a:tailEnd type="none" w="med" len="med"/>
-          </a:ln>
-          <a:effectLst/>
-        </p:spPr>
-      </p:cxnSp>
-      <p:cxnSp>
-        <p:nvCxnSpPr>
           <p:cNvPr id="10" name="Straight Arrow Connector 9"/>
           <p:cNvCxnSpPr/>
           <p:nvPr/>
         </p:nvCxnSpPr>
         <p:spPr bwMode="auto">
           <a:xfrm>
-            <a:off x="514907" y="3263265"/>
+            <a:off x="337238" y="3263265"/>
             <a:ext cx="9391093" cy="0"/>
           </a:xfrm>
           <a:prstGeom prst="straightConnector1">
@@ -8480,7 +8382,10 @@
           </a:solidFill>
           <a:ln w="9525" cap="flat" cmpd="sng" algn="ctr">
             <a:solidFill>
-              <a:schemeClr val="accent6"/>
+              <a:schemeClr val="accent6">
+                <a:lumMod val="60000"/>
+                <a:lumOff val="40000"/>
+              </a:schemeClr>
             </a:solidFill>
             <a:prstDash val="solid"/>
             <a:round/>
@@ -8498,7 +8403,7 @@
         </p:nvCxnSpPr>
         <p:spPr bwMode="auto">
           <a:xfrm>
-            <a:off x="502723" y="5005596"/>
+            <a:off x="325054" y="5005596"/>
             <a:ext cx="9403277" cy="0"/>
           </a:xfrm>
           <a:prstGeom prst="straightConnector1">
@@ -8509,7 +8414,10 @@
           </a:solidFill>
           <a:ln w="9525" cap="flat" cmpd="sng" algn="ctr">
             <a:solidFill>
-              <a:schemeClr val="accent6"/>
+              <a:schemeClr val="accent6">
+                <a:lumMod val="60000"/>
+                <a:lumOff val="40000"/>
+              </a:schemeClr>
             </a:solidFill>
             <a:prstDash val="solid"/>
             <a:round/>
@@ -8527,7 +8435,7 @@
         </p:nvCxnSpPr>
         <p:spPr bwMode="auto">
           <a:xfrm flipV="1">
-            <a:off x="488504" y="1601976"/>
+            <a:off x="310835" y="1601976"/>
             <a:ext cx="9417496" cy="2"/>
           </a:xfrm>
           <a:prstGeom prst="straightConnector1">
@@ -8538,7 +8446,10 @@
           </a:solidFill>
           <a:ln w="9525" cap="flat" cmpd="sng" algn="ctr">
             <a:solidFill>
-              <a:schemeClr val="accent6"/>
+              <a:schemeClr val="accent6">
+                <a:lumMod val="60000"/>
+                <a:lumOff val="40000"/>
+              </a:schemeClr>
             </a:solidFill>
             <a:prstDash val="solid"/>
             <a:round/>
@@ -8548,142 +8459,6 @@
           <a:effectLst/>
         </p:spPr>
       </p:cxnSp>
-      <p:sp>
-        <p:nvSpPr>
-          <p:cNvPr id="20" name="TextBox 19"/>
-          <p:cNvSpPr txBox="1"/>
-          <p:nvPr/>
-        </p:nvSpPr>
-        <p:spPr>
-          <a:xfrm>
-            <a:off x="6435" y="4769768"/>
-            <a:ext cx="626085" cy="430887"/>
-          </a:xfrm>
-          <a:prstGeom prst="rect">
-            <a:avLst/>
-          </a:prstGeom>
-          <a:noFill/>
-          <a:ln>
-            <a:noFill/>
-            <a:headEnd type="none" w="med" len="med"/>
-            <a:tailEnd type="none" w="med" len="med"/>
-          </a:ln>
-        </p:spPr>
-        <p:txBody>
-          <a:bodyPr wrap="square" rtlCol="0">
-            <a:spAutoFit/>
-          </a:bodyPr>
-          <a:lstStyle/>
-          <a:p>
-            <a:r>
-              <a:rPr lang="en-AU" sz="2200" dirty="0"/>
-              <a:t>25</a:t>
-            </a:r>
-          </a:p>
-        </p:txBody>
-      </p:sp>
-      <p:sp>
-        <p:nvSpPr>
-          <p:cNvPr id="22" name="TextBox 21"/>
-          <p:cNvSpPr txBox="1"/>
-          <p:nvPr/>
-        </p:nvSpPr>
-        <p:spPr>
-          <a:xfrm>
-            <a:off x="-15180" y="3015788"/>
-            <a:ext cx="626085" cy="430887"/>
-          </a:xfrm>
-          <a:prstGeom prst="rect">
-            <a:avLst/>
-          </a:prstGeom>
-          <a:noFill/>
-          <a:ln>
-            <a:noFill/>
-            <a:headEnd type="none" w="med" len="med"/>
-            <a:tailEnd type="none" w="med" len="med"/>
-          </a:ln>
-        </p:spPr>
-        <p:txBody>
-          <a:bodyPr wrap="square" rtlCol="0">
-            <a:spAutoFit/>
-          </a:bodyPr>
-          <a:lstStyle/>
-          <a:p>
-            <a:r>
-              <a:rPr lang="en-AU" sz="2200" dirty="0"/>
-              <a:t>50</a:t>
-            </a:r>
-          </a:p>
-        </p:txBody>
-      </p:sp>
-      <p:sp>
-        <p:nvSpPr>
-          <p:cNvPr id="23" name="TextBox 22"/>
-          <p:cNvSpPr txBox="1"/>
-          <p:nvPr/>
-        </p:nvSpPr>
-        <p:spPr>
-          <a:xfrm>
-            <a:off x="6435" y="1386534"/>
-            <a:ext cx="626085" cy="430887"/>
-          </a:xfrm>
-          <a:prstGeom prst="rect">
-            <a:avLst/>
-          </a:prstGeom>
-          <a:noFill/>
-          <a:ln>
-            <a:noFill/>
-            <a:headEnd type="none" w="med" len="med"/>
-            <a:tailEnd type="none" w="med" len="med"/>
-          </a:ln>
-        </p:spPr>
-        <p:txBody>
-          <a:bodyPr wrap="square" rtlCol="0">
-            <a:spAutoFit/>
-          </a:bodyPr>
-          <a:lstStyle/>
-          <a:p>
-            <a:r>
-              <a:rPr lang="en-AU" sz="2200" dirty="0"/>
-              <a:t>75</a:t>
-            </a:r>
-          </a:p>
-        </p:txBody>
-      </p:sp>
-      <p:sp>
-        <p:nvSpPr>
-          <p:cNvPr id="24" name="TextBox 23"/>
-          <p:cNvSpPr txBox="1"/>
-          <p:nvPr/>
-        </p:nvSpPr>
-        <p:spPr>
-          <a:xfrm>
-            <a:off x="-87560" y="-99392"/>
-            <a:ext cx="842109" cy="430887"/>
-          </a:xfrm>
-          <a:prstGeom prst="rect">
-            <a:avLst/>
-          </a:prstGeom>
-          <a:noFill/>
-          <a:ln>
-            <a:noFill/>
-            <a:headEnd type="none" w="med" len="med"/>
-            <a:tailEnd type="none" w="med" len="med"/>
-          </a:ln>
-        </p:spPr>
-        <p:txBody>
-          <a:bodyPr wrap="square" rtlCol="0">
-            <a:spAutoFit/>
-          </a:bodyPr>
-          <a:lstStyle/>
-          <a:p>
-            <a:r>
-              <a:rPr lang="en-AU" sz="2200" dirty="0"/>
-              <a:t>100</a:t>
-            </a:r>
-          </a:p>
-        </p:txBody>
-      </p:sp>
       <p:grpSp>
         <p:nvGrpSpPr>
           <p:cNvPr id="2055" name="Group 2054"/>
@@ -8692,7 +8467,7 @@
         </p:nvGrpSpPr>
         <p:grpSpPr>
           <a:xfrm>
-            <a:off x="450149" y="4962021"/>
+            <a:off x="272480" y="4962021"/>
             <a:ext cx="9520608" cy="1851358"/>
             <a:chOff x="760984" y="4332040"/>
             <a:chExt cx="8920045" cy="2457752"/>
@@ -8949,35 +8724,35 @@
                 <a:gridCol w="1584176">
                   <a:extLst>
                     <a:ext uri="{9D8B030D-6E8A-4147-A177-3AD203B41FA5}">
-                      <a16:colId xmlns:a16="http://schemas.microsoft.com/office/drawing/2014/main" val="20000"/>
+                      <a16:colId xmlns="" xmlns:a16="http://schemas.microsoft.com/office/drawing/2014/main" val="20000"/>
                     </a:ext>
                   </a:extLst>
                 </a:gridCol>
                 <a:gridCol w="1890881">
                   <a:extLst>
                     <a:ext uri="{9D8B030D-6E8A-4147-A177-3AD203B41FA5}">
-                      <a16:colId xmlns:a16="http://schemas.microsoft.com/office/drawing/2014/main" val="20001"/>
+                      <a16:colId xmlns="" xmlns:a16="http://schemas.microsoft.com/office/drawing/2014/main" val="20001"/>
                     </a:ext>
                   </a:extLst>
                 </a:gridCol>
                 <a:gridCol w="1937289">
                   <a:extLst>
                     <a:ext uri="{9D8B030D-6E8A-4147-A177-3AD203B41FA5}">
-                      <a16:colId xmlns:a16="http://schemas.microsoft.com/office/drawing/2014/main" val="20002"/>
+                      <a16:colId xmlns="" xmlns:a16="http://schemas.microsoft.com/office/drawing/2014/main" val="20002"/>
                     </a:ext>
                   </a:extLst>
                 </a:gridCol>
                 <a:gridCol w="1937289">
                   <a:extLst>
                     <a:ext uri="{9D8B030D-6E8A-4147-A177-3AD203B41FA5}">
-                      <a16:colId xmlns:a16="http://schemas.microsoft.com/office/drawing/2014/main" val="20003"/>
+                      <a16:colId xmlns="" xmlns:a16="http://schemas.microsoft.com/office/drawing/2014/main" val="20003"/>
                     </a:ext>
                   </a:extLst>
                 </a:gridCol>
                 <a:gridCol w="2571918">
                   <a:extLst>
                     <a:ext uri="{9D8B030D-6E8A-4147-A177-3AD203B41FA5}">
-                      <a16:colId xmlns:a16="http://schemas.microsoft.com/office/drawing/2014/main" val="20004"/>
+                      <a16:colId xmlns="" xmlns:a16="http://schemas.microsoft.com/office/drawing/2014/main" val="20004"/>
                     </a:ext>
                   </a:extLst>
                 </a:gridCol>
@@ -9230,7 +9005,7 @@
                 </a:tc>
                 <a:extLst>
                   <a:ext uri="{0D108BD9-81ED-4DB2-BD59-A6C34878D82A}">
-                    <a16:rowId xmlns:a16="http://schemas.microsoft.com/office/drawing/2014/main" val="10000"/>
+                    <a16:rowId xmlns="" xmlns:a16="http://schemas.microsoft.com/office/drawing/2014/main" val="10000"/>
                   </a:ext>
                 </a:extLst>
               </a:tr>
@@ -9584,7 +9359,7 @@
                 </a:tc>
                 <a:extLst>
                   <a:ext uri="{0D108BD9-81ED-4DB2-BD59-A6C34878D82A}">
-                    <a16:rowId xmlns:a16="http://schemas.microsoft.com/office/drawing/2014/main" val="10001"/>
+                    <a16:rowId xmlns="" xmlns:a16="http://schemas.microsoft.com/office/drawing/2014/main" val="10001"/>
                   </a:ext>
                 </a:extLst>
               </a:tr>
@@ -9878,7 +9653,7 @@
                 </a:tc>
                 <a:extLst>
                   <a:ext uri="{0D108BD9-81ED-4DB2-BD59-A6C34878D82A}">
-                    <a16:rowId xmlns:a16="http://schemas.microsoft.com/office/drawing/2014/main" val="10002"/>
+                    <a16:rowId xmlns="" xmlns:a16="http://schemas.microsoft.com/office/drawing/2014/main" val="10002"/>
                   </a:ext>
                 </a:extLst>
               </a:tr>
@@ -10232,7 +10007,7 @@
                 </a:tc>
                 <a:extLst>
                   <a:ext uri="{0D108BD9-81ED-4DB2-BD59-A6C34878D82A}">
-                    <a16:rowId xmlns:a16="http://schemas.microsoft.com/office/drawing/2014/main" val="10003"/>
+                    <a16:rowId xmlns="" xmlns:a16="http://schemas.microsoft.com/office/drawing/2014/main" val="10003"/>
                   </a:ext>
                 </a:extLst>
               </a:tr>
@@ -10586,7 +10361,7 @@
                 </a:tc>
                 <a:extLst>
                   <a:ext uri="{0D108BD9-81ED-4DB2-BD59-A6C34878D82A}">
-                    <a16:rowId xmlns:a16="http://schemas.microsoft.com/office/drawing/2014/main" val="10004"/>
+                    <a16:rowId xmlns="" xmlns:a16="http://schemas.microsoft.com/office/drawing/2014/main" val="10004"/>
                   </a:ext>
                 </a:extLst>
               </a:tr>
@@ -10940,7 +10715,7 @@
                 </a:tc>
                 <a:extLst>
                   <a:ext uri="{0D108BD9-81ED-4DB2-BD59-A6C34878D82A}">
-                    <a16:rowId xmlns:a16="http://schemas.microsoft.com/office/drawing/2014/main" val="10005"/>
+                    <a16:rowId xmlns="" xmlns:a16="http://schemas.microsoft.com/office/drawing/2014/main" val="10005"/>
                   </a:ext>
                 </a:extLst>
               </a:tr>
@@ -11294,7 +11069,7 @@
                 </a:tc>
                 <a:extLst>
                   <a:ext uri="{0D108BD9-81ED-4DB2-BD59-A6C34878D82A}">
-                    <a16:rowId xmlns:a16="http://schemas.microsoft.com/office/drawing/2014/main" val="10006"/>
+                    <a16:rowId xmlns="" xmlns:a16="http://schemas.microsoft.com/office/drawing/2014/main" val="10006"/>
                   </a:ext>
                 </a:extLst>
               </a:tr>
@@ -11648,7 +11423,7 @@
                 </a:tc>
                 <a:extLst>
                   <a:ext uri="{0D108BD9-81ED-4DB2-BD59-A6C34878D82A}">
-                    <a16:rowId xmlns:a16="http://schemas.microsoft.com/office/drawing/2014/main" val="10007"/>
+                    <a16:rowId xmlns="" xmlns:a16="http://schemas.microsoft.com/office/drawing/2014/main" val="10007"/>
                   </a:ext>
                 </a:extLst>
               </a:tr>
@@ -11686,6 +11461,102 @@
           <a:chExt cx="0" cy="0"/>
         </a:xfrm>
       </p:grpSpPr>
+      <p:cxnSp>
+        <p:nvCxnSpPr>
+          <p:cNvPr id="31" name="Straight Arrow Connector 30"/>
+          <p:cNvCxnSpPr/>
+          <p:nvPr/>
+        </p:nvCxnSpPr>
+        <p:spPr bwMode="auto">
+          <a:xfrm>
+            <a:off x="848544" y="2931383"/>
+            <a:ext cx="9067023" cy="0"/>
+          </a:xfrm>
+          <a:prstGeom prst="straightConnector1">
+            <a:avLst/>
+          </a:prstGeom>
+          <a:solidFill>
+            <a:schemeClr val="accent1"/>
+          </a:solidFill>
+          <a:ln w="9525" cap="flat" cmpd="sng" algn="ctr">
+            <a:solidFill>
+              <a:schemeClr val="accent6">
+                <a:lumMod val="60000"/>
+                <a:lumOff val="40000"/>
+              </a:schemeClr>
+            </a:solidFill>
+            <a:prstDash val="solid"/>
+            <a:round/>
+            <a:headEnd type="none" w="med" len="med"/>
+            <a:tailEnd type="none" w="med" len="med"/>
+          </a:ln>
+          <a:effectLst/>
+        </p:spPr>
+      </p:cxnSp>
+      <p:cxnSp>
+        <p:nvCxnSpPr>
+          <p:cNvPr id="40" name="Straight Arrow Connector 39"/>
+          <p:cNvCxnSpPr/>
+          <p:nvPr/>
+        </p:nvCxnSpPr>
+        <p:spPr bwMode="auto">
+          <a:xfrm>
+            <a:off x="848544" y="4535354"/>
+            <a:ext cx="9067023" cy="0"/>
+          </a:xfrm>
+          <a:prstGeom prst="straightConnector1">
+            <a:avLst/>
+          </a:prstGeom>
+          <a:solidFill>
+            <a:schemeClr val="accent1"/>
+          </a:solidFill>
+          <a:ln w="9525" cap="flat" cmpd="sng" algn="ctr">
+            <a:solidFill>
+              <a:schemeClr val="accent6">
+                <a:lumMod val="60000"/>
+                <a:lumOff val="40000"/>
+              </a:schemeClr>
+            </a:solidFill>
+            <a:prstDash val="solid"/>
+            <a:round/>
+            <a:headEnd type="none" w="med" len="med"/>
+            <a:tailEnd type="none" w="med" len="med"/>
+          </a:ln>
+          <a:effectLst/>
+        </p:spPr>
+      </p:cxnSp>
+      <p:cxnSp>
+        <p:nvCxnSpPr>
+          <p:cNvPr id="41" name="Straight Arrow Connector 40"/>
+          <p:cNvCxnSpPr/>
+          <p:nvPr/>
+        </p:nvCxnSpPr>
+        <p:spPr bwMode="auto">
+          <a:xfrm>
+            <a:off x="820675" y="1386257"/>
+            <a:ext cx="9067023" cy="0"/>
+          </a:xfrm>
+          <a:prstGeom prst="straightConnector1">
+            <a:avLst/>
+          </a:prstGeom>
+          <a:solidFill>
+            <a:schemeClr val="accent1"/>
+          </a:solidFill>
+          <a:ln w="9525" cap="flat" cmpd="sng" algn="ctr">
+            <a:solidFill>
+              <a:schemeClr val="accent6">
+                <a:lumMod val="60000"/>
+                <a:lumOff val="40000"/>
+              </a:schemeClr>
+            </a:solidFill>
+            <a:prstDash val="solid"/>
+            <a:round/>
+            <a:headEnd type="none" w="med" len="med"/>
+            <a:tailEnd type="none" w="med" len="med"/>
+          </a:ln>
+          <a:effectLst/>
+        </p:spPr>
+      </p:cxnSp>
       <p:sp>
         <p:nvSpPr>
           <p:cNvPr id="9" name="Freeform 8"/>
@@ -12162,224 +12033,6 @@
           </p:spPr>
         </p:cxnSp>
       </p:grpSp>
-      <p:cxnSp>
-        <p:nvCxnSpPr>
-          <p:cNvPr id="30" name="Straight Arrow Connector 29"/>
-          <p:cNvCxnSpPr/>
-          <p:nvPr/>
-        </p:nvCxnSpPr>
-        <p:spPr bwMode="auto">
-          <a:xfrm flipV="1">
-            <a:off x="848544" y="188640"/>
-            <a:ext cx="0" cy="6182786"/>
-          </a:xfrm>
-          <a:prstGeom prst="straightConnector1">
-            <a:avLst/>
-          </a:prstGeom>
-          <a:solidFill>
-            <a:schemeClr val="accent1"/>
-          </a:solidFill>
-          <a:ln w="9525" cap="flat" cmpd="sng" algn="ctr">
-            <a:solidFill>
-              <a:schemeClr val="accent6"/>
-            </a:solidFill>
-            <a:prstDash val="solid"/>
-            <a:round/>
-            <a:headEnd type="none" w="med" len="med"/>
-            <a:tailEnd type="none" w="med" len="med"/>
-          </a:ln>
-          <a:effectLst/>
-        </p:spPr>
-      </p:cxnSp>
-      <p:cxnSp>
-        <p:nvCxnSpPr>
-          <p:cNvPr id="31" name="Straight Arrow Connector 30"/>
-          <p:cNvCxnSpPr/>
-          <p:nvPr/>
-        </p:nvCxnSpPr>
-        <p:spPr bwMode="auto">
-          <a:xfrm>
-            <a:off x="848544" y="2931383"/>
-            <a:ext cx="9067023" cy="0"/>
-          </a:xfrm>
-          <a:prstGeom prst="straightConnector1">
-            <a:avLst/>
-          </a:prstGeom>
-          <a:solidFill>
-            <a:schemeClr val="accent1"/>
-          </a:solidFill>
-          <a:ln w="9525" cap="flat" cmpd="sng" algn="ctr">
-            <a:solidFill>
-              <a:schemeClr val="accent6"/>
-            </a:solidFill>
-            <a:prstDash val="solid"/>
-            <a:round/>
-            <a:headEnd type="none" w="med" len="med"/>
-            <a:tailEnd type="none" w="med" len="med"/>
-          </a:ln>
-          <a:effectLst/>
-        </p:spPr>
-      </p:cxnSp>
-      <p:sp>
-        <p:nvSpPr>
-          <p:cNvPr id="34" name="TextBox 33"/>
-          <p:cNvSpPr txBox="1"/>
-          <p:nvPr/>
-        </p:nvSpPr>
-        <p:spPr>
-          <a:xfrm>
-            <a:off x="200038" y="4319910"/>
-            <a:ext cx="626085" cy="430887"/>
-          </a:xfrm>
-          <a:prstGeom prst="rect">
-            <a:avLst/>
-          </a:prstGeom>
-          <a:noFill/>
-          <a:ln>
-            <a:noFill/>
-            <a:headEnd type="none" w="med" len="med"/>
-            <a:tailEnd type="none" w="med" len="med"/>
-          </a:ln>
-        </p:spPr>
-        <p:txBody>
-          <a:bodyPr wrap="square" rtlCol="0">
-            <a:spAutoFit/>
-          </a:bodyPr>
-          <a:lstStyle/>
-          <a:p>
-            <a:r>
-              <a:rPr lang="en-AU" sz="2200" dirty="0"/>
-              <a:t>20</a:t>
-            </a:r>
-          </a:p>
-        </p:txBody>
-      </p:sp>
-      <p:sp>
-        <p:nvSpPr>
-          <p:cNvPr id="35" name="TextBox 34"/>
-          <p:cNvSpPr txBox="1"/>
-          <p:nvPr/>
-        </p:nvSpPr>
-        <p:spPr>
-          <a:xfrm>
-            <a:off x="179180" y="2705286"/>
-            <a:ext cx="626085" cy="430887"/>
-          </a:xfrm>
-          <a:prstGeom prst="rect">
-            <a:avLst/>
-          </a:prstGeom>
-          <a:noFill/>
-          <a:ln>
-            <a:noFill/>
-            <a:headEnd type="none" w="med" len="med"/>
-            <a:tailEnd type="none" w="med" len="med"/>
-          </a:ln>
-        </p:spPr>
-        <p:txBody>
-          <a:bodyPr wrap="square" rtlCol="0">
-            <a:spAutoFit/>
-          </a:bodyPr>
-          <a:lstStyle/>
-          <a:p>
-            <a:r>
-              <a:rPr lang="en-AU" sz="2200" dirty="0"/>
-              <a:t>40</a:t>
-            </a:r>
-          </a:p>
-        </p:txBody>
-      </p:sp>
-      <p:sp>
-        <p:nvSpPr>
-          <p:cNvPr id="36" name="TextBox 35"/>
-          <p:cNvSpPr txBox="1"/>
-          <p:nvPr/>
-        </p:nvSpPr>
-        <p:spPr>
-          <a:xfrm>
-            <a:off x="179179" y="1125905"/>
-            <a:ext cx="626085" cy="430887"/>
-          </a:xfrm>
-          <a:prstGeom prst="rect">
-            <a:avLst/>
-          </a:prstGeom>
-          <a:noFill/>
-          <a:ln>
-            <a:noFill/>
-            <a:headEnd type="none" w="med" len="med"/>
-            <a:tailEnd type="none" w="med" len="med"/>
-          </a:ln>
-        </p:spPr>
-        <p:txBody>
-          <a:bodyPr wrap="square" rtlCol="0">
-            <a:spAutoFit/>
-          </a:bodyPr>
-          <a:lstStyle/>
-          <a:p>
-            <a:r>
-              <a:rPr lang="en-AU" sz="2200" dirty="0"/>
-              <a:t>60</a:t>
-            </a:r>
-          </a:p>
-        </p:txBody>
-      </p:sp>
-      <p:cxnSp>
-        <p:nvCxnSpPr>
-          <p:cNvPr id="40" name="Straight Arrow Connector 39"/>
-          <p:cNvCxnSpPr/>
-          <p:nvPr/>
-        </p:nvCxnSpPr>
-        <p:spPr bwMode="auto">
-          <a:xfrm>
-            <a:off x="848544" y="4535354"/>
-            <a:ext cx="9067023" cy="0"/>
-          </a:xfrm>
-          <a:prstGeom prst="straightConnector1">
-            <a:avLst/>
-          </a:prstGeom>
-          <a:solidFill>
-            <a:schemeClr val="accent1"/>
-          </a:solidFill>
-          <a:ln w="9525" cap="flat" cmpd="sng" algn="ctr">
-            <a:solidFill>
-              <a:schemeClr val="accent6"/>
-            </a:solidFill>
-            <a:prstDash val="solid"/>
-            <a:round/>
-            <a:headEnd type="none" w="med" len="med"/>
-            <a:tailEnd type="none" w="med" len="med"/>
-          </a:ln>
-          <a:effectLst/>
-        </p:spPr>
-      </p:cxnSp>
-      <p:cxnSp>
-        <p:nvCxnSpPr>
-          <p:cNvPr id="41" name="Straight Arrow Connector 40"/>
-          <p:cNvCxnSpPr/>
-          <p:nvPr/>
-        </p:nvCxnSpPr>
-        <p:spPr bwMode="auto">
-          <a:xfrm>
-            <a:off x="820675" y="1386257"/>
-            <a:ext cx="9067023" cy="0"/>
-          </a:xfrm>
-          <a:prstGeom prst="straightConnector1">
-            <a:avLst/>
-          </a:prstGeom>
-          <a:solidFill>
-            <a:schemeClr val="accent1"/>
-          </a:solidFill>
-          <a:ln w="9525" cap="flat" cmpd="sng" algn="ctr">
-            <a:solidFill>
-              <a:schemeClr val="accent6"/>
-            </a:solidFill>
-            <a:prstDash val="solid"/>
-            <a:round/>
-            <a:headEnd type="none" w="med" len="med"/>
-            <a:tailEnd type="none" w="med" len="med"/>
-          </a:ln>
-          <a:effectLst/>
-        </p:spPr>
-      </p:cxnSp>
     </p:spTree>
     <p:extLst>
       <p:ext uri="{BB962C8B-B14F-4D97-AF65-F5344CB8AC3E}">
@@ -12410,6 +12063,102 @@
           <a:chExt cx="0" cy="0"/>
         </a:xfrm>
       </p:grpSpPr>
+      <p:cxnSp>
+        <p:nvCxnSpPr>
+          <p:cNvPr id="31" name="Straight Arrow Connector 30"/>
+          <p:cNvCxnSpPr/>
+          <p:nvPr/>
+        </p:nvCxnSpPr>
+        <p:spPr bwMode="auto">
+          <a:xfrm>
+            <a:off x="848544" y="2931383"/>
+            <a:ext cx="9067023" cy="0"/>
+          </a:xfrm>
+          <a:prstGeom prst="straightConnector1">
+            <a:avLst/>
+          </a:prstGeom>
+          <a:solidFill>
+            <a:schemeClr val="accent1"/>
+          </a:solidFill>
+          <a:ln w="9525" cap="flat" cmpd="sng" algn="ctr">
+            <a:solidFill>
+              <a:schemeClr val="accent6">
+                <a:lumMod val="60000"/>
+                <a:lumOff val="40000"/>
+              </a:schemeClr>
+            </a:solidFill>
+            <a:prstDash val="solid"/>
+            <a:round/>
+            <a:headEnd type="none" w="med" len="med"/>
+            <a:tailEnd type="none" w="med" len="med"/>
+          </a:ln>
+          <a:effectLst/>
+        </p:spPr>
+      </p:cxnSp>
+      <p:cxnSp>
+        <p:nvCxnSpPr>
+          <p:cNvPr id="40" name="Straight Arrow Connector 39"/>
+          <p:cNvCxnSpPr/>
+          <p:nvPr/>
+        </p:nvCxnSpPr>
+        <p:spPr bwMode="auto">
+          <a:xfrm>
+            <a:off x="848544" y="4535354"/>
+            <a:ext cx="9067023" cy="0"/>
+          </a:xfrm>
+          <a:prstGeom prst="straightConnector1">
+            <a:avLst/>
+          </a:prstGeom>
+          <a:solidFill>
+            <a:schemeClr val="accent1"/>
+          </a:solidFill>
+          <a:ln w="9525" cap="flat" cmpd="sng" algn="ctr">
+            <a:solidFill>
+              <a:schemeClr val="accent6">
+                <a:lumMod val="60000"/>
+                <a:lumOff val="40000"/>
+              </a:schemeClr>
+            </a:solidFill>
+            <a:prstDash val="solid"/>
+            <a:round/>
+            <a:headEnd type="none" w="med" len="med"/>
+            <a:tailEnd type="none" w="med" len="med"/>
+          </a:ln>
+          <a:effectLst/>
+        </p:spPr>
+      </p:cxnSp>
+      <p:cxnSp>
+        <p:nvCxnSpPr>
+          <p:cNvPr id="41" name="Straight Arrow Connector 40"/>
+          <p:cNvCxnSpPr/>
+          <p:nvPr/>
+        </p:nvCxnSpPr>
+        <p:spPr bwMode="auto">
+          <a:xfrm>
+            <a:off x="820675" y="1386257"/>
+            <a:ext cx="9067023" cy="0"/>
+          </a:xfrm>
+          <a:prstGeom prst="straightConnector1">
+            <a:avLst/>
+          </a:prstGeom>
+          <a:solidFill>
+            <a:schemeClr val="accent1"/>
+          </a:solidFill>
+          <a:ln w="9525" cap="flat" cmpd="sng" algn="ctr">
+            <a:solidFill>
+              <a:schemeClr val="accent6">
+                <a:lumMod val="60000"/>
+                <a:lumOff val="40000"/>
+              </a:schemeClr>
+            </a:solidFill>
+            <a:prstDash val="solid"/>
+            <a:round/>
+            <a:headEnd type="none" w="med" len="med"/>
+            <a:tailEnd type="none" w="med" len="med"/>
+          </a:ln>
+          <a:effectLst/>
+        </p:spPr>
+      </p:cxnSp>
       <p:sp>
         <p:nvSpPr>
           <p:cNvPr id="19" name="Freeform 18"/>
@@ -12936,224 +12685,6 @@
           </p:spPr>
         </p:cxnSp>
       </p:grpSp>
-      <p:cxnSp>
-        <p:nvCxnSpPr>
-          <p:cNvPr id="30" name="Straight Arrow Connector 29"/>
-          <p:cNvCxnSpPr/>
-          <p:nvPr/>
-        </p:nvCxnSpPr>
-        <p:spPr bwMode="auto">
-          <a:xfrm flipV="1">
-            <a:off x="848544" y="188640"/>
-            <a:ext cx="0" cy="6182786"/>
-          </a:xfrm>
-          <a:prstGeom prst="straightConnector1">
-            <a:avLst/>
-          </a:prstGeom>
-          <a:solidFill>
-            <a:schemeClr val="accent1"/>
-          </a:solidFill>
-          <a:ln w="9525" cap="flat" cmpd="sng" algn="ctr">
-            <a:solidFill>
-              <a:schemeClr val="accent6"/>
-            </a:solidFill>
-            <a:prstDash val="solid"/>
-            <a:round/>
-            <a:headEnd type="none" w="med" len="med"/>
-            <a:tailEnd type="none" w="med" len="med"/>
-          </a:ln>
-          <a:effectLst/>
-        </p:spPr>
-      </p:cxnSp>
-      <p:cxnSp>
-        <p:nvCxnSpPr>
-          <p:cNvPr id="31" name="Straight Arrow Connector 30"/>
-          <p:cNvCxnSpPr/>
-          <p:nvPr/>
-        </p:nvCxnSpPr>
-        <p:spPr bwMode="auto">
-          <a:xfrm>
-            <a:off x="848544" y="2931383"/>
-            <a:ext cx="9067023" cy="0"/>
-          </a:xfrm>
-          <a:prstGeom prst="straightConnector1">
-            <a:avLst/>
-          </a:prstGeom>
-          <a:solidFill>
-            <a:schemeClr val="accent1"/>
-          </a:solidFill>
-          <a:ln w="9525" cap="flat" cmpd="sng" algn="ctr">
-            <a:solidFill>
-              <a:schemeClr val="accent6"/>
-            </a:solidFill>
-            <a:prstDash val="solid"/>
-            <a:round/>
-            <a:headEnd type="none" w="med" len="med"/>
-            <a:tailEnd type="none" w="med" len="med"/>
-          </a:ln>
-          <a:effectLst/>
-        </p:spPr>
-      </p:cxnSp>
-      <p:sp>
-        <p:nvSpPr>
-          <p:cNvPr id="34" name="TextBox 33"/>
-          <p:cNvSpPr txBox="1"/>
-          <p:nvPr/>
-        </p:nvSpPr>
-        <p:spPr>
-          <a:xfrm>
-            <a:off x="200038" y="4319910"/>
-            <a:ext cx="626085" cy="430887"/>
-          </a:xfrm>
-          <a:prstGeom prst="rect">
-            <a:avLst/>
-          </a:prstGeom>
-          <a:noFill/>
-          <a:ln>
-            <a:noFill/>
-            <a:headEnd type="none" w="med" len="med"/>
-            <a:tailEnd type="none" w="med" len="med"/>
-          </a:ln>
-        </p:spPr>
-        <p:txBody>
-          <a:bodyPr wrap="square" rtlCol="0">
-            <a:spAutoFit/>
-          </a:bodyPr>
-          <a:lstStyle/>
-          <a:p>
-            <a:r>
-              <a:rPr lang="en-AU" sz="2200" dirty="0"/>
-              <a:t>20</a:t>
-            </a:r>
-          </a:p>
-        </p:txBody>
-      </p:sp>
-      <p:sp>
-        <p:nvSpPr>
-          <p:cNvPr id="35" name="TextBox 34"/>
-          <p:cNvSpPr txBox="1"/>
-          <p:nvPr/>
-        </p:nvSpPr>
-        <p:spPr>
-          <a:xfrm>
-            <a:off x="179180" y="2705286"/>
-            <a:ext cx="626085" cy="430887"/>
-          </a:xfrm>
-          <a:prstGeom prst="rect">
-            <a:avLst/>
-          </a:prstGeom>
-          <a:noFill/>
-          <a:ln>
-            <a:noFill/>
-            <a:headEnd type="none" w="med" len="med"/>
-            <a:tailEnd type="none" w="med" len="med"/>
-          </a:ln>
-        </p:spPr>
-        <p:txBody>
-          <a:bodyPr wrap="square" rtlCol="0">
-            <a:spAutoFit/>
-          </a:bodyPr>
-          <a:lstStyle/>
-          <a:p>
-            <a:r>
-              <a:rPr lang="en-AU" sz="2200" dirty="0"/>
-              <a:t>40</a:t>
-            </a:r>
-          </a:p>
-        </p:txBody>
-      </p:sp>
-      <p:sp>
-        <p:nvSpPr>
-          <p:cNvPr id="36" name="TextBox 35"/>
-          <p:cNvSpPr txBox="1"/>
-          <p:nvPr/>
-        </p:nvSpPr>
-        <p:spPr>
-          <a:xfrm>
-            <a:off x="179179" y="1125905"/>
-            <a:ext cx="626085" cy="430887"/>
-          </a:xfrm>
-          <a:prstGeom prst="rect">
-            <a:avLst/>
-          </a:prstGeom>
-          <a:noFill/>
-          <a:ln>
-            <a:noFill/>
-            <a:headEnd type="none" w="med" len="med"/>
-            <a:tailEnd type="none" w="med" len="med"/>
-          </a:ln>
-        </p:spPr>
-        <p:txBody>
-          <a:bodyPr wrap="square" rtlCol="0">
-            <a:spAutoFit/>
-          </a:bodyPr>
-          <a:lstStyle/>
-          <a:p>
-            <a:r>
-              <a:rPr lang="en-AU" sz="2200" dirty="0"/>
-              <a:t>60</a:t>
-            </a:r>
-          </a:p>
-        </p:txBody>
-      </p:sp>
-      <p:cxnSp>
-        <p:nvCxnSpPr>
-          <p:cNvPr id="40" name="Straight Arrow Connector 39"/>
-          <p:cNvCxnSpPr/>
-          <p:nvPr/>
-        </p:nvCxnSpPr>
-        <p:spPr bwMode="auto">
-          <a:xfrm>
-            <a:off x="848544" y="4535354"/>
-            <a:ext cx="9067023" cy="0"/>
-          </a:xfrm>
-          <a:prstGeom prst="straightConnector1">
-            <a:avLst/>
-          </a:prstGeom>
-          <a:solidFill>
-            <a:schemeClr val="accent1"/>
-          </a:solidFill>
-          <a:ln w="9525" cap="flat" cmpd="sng" algn="ctr">
-            <a:solidFill>
-              <a:schemeClr val="accent6"/>
-            </a:solidFill>
-            <a:prstDash val="solid"/>
-            <a:round/>
-            <a:headEnd type="none" w="med" len="med"/>
-            <a:tailEnd type="none" w="med" len="med"/>
-          </a:ln>
-          <a:effectLst/>
-        </p:spPr>
-      </p:cxnSp>
-      <p:cxnSp>
-        <p:nvCxnSpPr>
-          <p:cNvPr id="41" name="Straight Arrow Connector 40"/>
-          <p:cNvCxnSpPr/>
-          <p:nvPr/>
-        </p:nvCxnSpPr>
-        <p:spPr bwMode="auto">
-          <a:xfrm>
-            <a:off x="820675" y="1386257"/>
-            <a:ext cx="9067023" cy="0"/>
-          </a:xfrm>
-          <a:prstGeom prst="straightConnector1">
-            <a:avLst/>
-          </a:prstGeom>
-          <a:solidFill>
-            <a:schemeClr val="accent1"/>
-          </a:solidFill>
-          <a:ln w="9525" cap="flat" cmpd="sng" algn="ctr">
-            <a:solidFill>
-              <a:schemeClr val="accent6"/>
-            </a:solidFill>
-            <a:prstDash val="solid"/>
-            <a:round/>
-            <a:headEnd type="none" w="med" len="med"/>
-            <a:tailEnd type="none" w="med" len="med"/>
-          </a:ln>
-          <a:effectLst/>
-        </p:spPr>
-      </p:cxnSp>
       <p:sp>
         <p:nvSpPr>
           <p:cNvPr id="3" name="Rectangle 2"/>
@@ -13320,15 +12851,16 @@
         </p:nvSpPr>
         <p:spPr bwMode="auto">
           <a:xfrm>
-            <a:off x="874720" y="116632"/>
-            <a:ext cx="2278078" cy="6305690"/>
+            <a:off x="774357" y="116632"/>
+            <a:ext cx="2394917" cy="6305690"/>
           </a:xfrm>
           <a:prstGeom prst="rect">
             <a:avLst/>
           </a:prstGeom>
           <a:solidFill>
-            <a:schemeClr val="bg1">
-              <a:lumMod val="95000"/>
+            <a:schemeClr val="accent6">
+              <a:lumMod val="20000"/>
+              <a:lumOff val="80000"/>
             </a:schemeClr>
           </a:solidFill>
           <a:ln w="9525" cap="flat" cmpd="sng" algn="ctr">
@@ -13378,6 +12910,102 @@
           </a:p>
         </p:txBody>
       </p:sp>
+      <p:cxnSp>
+        <p:nvCxnSpPr>
+          <p:cNvPr id="25" name="Straight Arrow Connector 24"/>
+          <p:cNvCxnSpPr/>
+          <p:nvPr/>
+        </p:nvCxnSpPr>
+        <p:spPr bwMode="auto">
+          <a:xfrm flipV="1">
+            <a:off x="776536" y="2876862"/>
+            <a:ext cx="9057456" cy="9902"/>
+          </a:xfrm>
+          <a:prstGeom prst="straightConnector1">
+            <a:avLst/>
+          </a:prstGeom>
+          <a:solidFill>
+            <a:schemeClr val="accent1"/>
+          </a:solidFill>
+          <a:ln w="9525" cap="flat" cmpd="sng" algn="ctr">
+            <a:solidFill>
+              <a:schemeClr val="accent6">
+                <a:lumMod val="60000"/>
+                <a:lumOff val="40000"/>
+              </a:schemeClr>
+            </a:solidFill>
+            <a:prstDash val="solid"/>
+            <a:round/>
+            <a:headEnd type="none" w="med" len="med"/>
+            <a:tailEnd type="none" w="med" len="med"/>
+          </a:ln>
+          <a:effectLst/>
+        </p:spPr>
+      </p:cxnSp>
+      <p:cxnSp>
+        <p:nvCxnSpPr>
+          <p:cNvPr id="26" name="Straight Arrow Connector 25"/>
+          <p:cNvCxnSpPr/>
+          <p:nvPr/>
+        </p:nvCxnSpPr>
+        <p:spPr bwMode="auto">
+          <a:xfrm flipV="1">
+            <a:off x="764352" y="4619193"/>
+            <a:ext cx="9057456" cy="9902"/>
+          </a:xfrm>
+          <a:prstGeom prst="straightConnector1">
+            <a:avLst/>
+          </a:prstGeom>
+          <a:solidFill>
+            <a:schemeClr val="accent1"/>
+          </a:solidFill>
+          <a:ln w="9525" cap="flat" cmpd="sng" algn="ctr">
+            <a:solidFill>
+              <a:schemeClr val="accent6">
+                <a:lumMod val="60000"/>
+                <a:lumOff val="40000"/>
+              </a:schemeClr>
+            </a:solidFill>
+            <a:prstDash val="solid"/>
+            <a:round/>
+            <a:headEnd type="none" w="med" len="med"/>
+            <a:tailEnd type="none" w="med" len="med"/>
+          </a:ln>
+          <a:effectLst/>
+        </p:spPr>
+      </p:cxnSp>
+      <p:cxnSp>
+        <p:nvCxnSpPr>
+          <p:cNvPr id="27" name="Straight Arrow Connector 26"/>
+          <p:cNvCxnSpPr/>
+          <p:nvPr/>
+        </p:nvCxnSpPr>
+        <p:spPr bwMode="auto">
+          <a:xfrm flipV="1">
+            <a:off x="792088" y="1219358"/>
+            <a:ext cx="9057456" cy="6117"/>
+          </a:xfrm>
+          <a:prstGeom prst="straightConnector1">
+            <a:avLst/>
+          </a:prstGeom>
+          <a:solidFill>
+            <a:schemeClr val="accent1"/>
+          </a:solidFill>
+          <a:ln w="9525" cap="flat" cmpd="sng" algn="ctr">
+            <a:solidFill>
+              <a:schemeClr val="accent6">
+                <a:lumMod val="60000"/>
+                <a:lumOff val="40000"/>
+              </a:schemeClr>
+            </a:solidFill>
+            <a:prstDash val="solid"/>
+            <a:round/>
+            <a:headEnd type="none" w="med" len="med"/>
+            <a:tailEnd type="none" w="med" len="med"/>
+          </a:ln>
+          <a:effectLst/>
+        </p:spPr>
+      </p:cxnSp>
       <p:sp>
         <p:nvSpPr>
           <p:cNvPr id="2" name="Freeform 1"/>
@@ -13762,227 +13390,6 @@
       </p:grpSp>
       <p:cxnSp>
         <p:nvCxnSpPr>
-          <p:cNvPr id="17" name="Straight Arrow Connector 16"/>
-          <p:cNvCxnSpPr/>
-          <p:nvPr/>
-        </p:nvCxnSpPr>
-        <p:spPr bwMode="auto">
-          <a:xfrm flipV="1">
-            <a:off x="848543" y="116632"/>
-            <a:ext cx="1" cy="6315592"/>
-          </a:xfrm>
-          <a:prstGeom prst="straightConnector1">
-            <a:avLst/>
-          </a:prstGeom>
-          <a:solidFill>
-            <a:schemeClr val="accent1"/>
-          </a:solidFill>
-          <a:ln w="9525" cap="flat" cmpd="sng" algn="ctr">
-            <a:solidFill>
-              <a:schemeClr val="accent6"/>
-            </a:solidFill>
-            <a:prstDash val="solid"/>
-            <a:round/>
-            <a:headEnd type="none" w="med" len="med"/>
-            <a:tailEnd type="none" w="med" len="med"/>
-          </a:ln>
-          <a:effectLst/>
-        </p:spPr>
-      </p:cxnSp>
-      <p:cxnSp>
-        <p:nvCxnSpPr>
-          <p:cNvPr id="25" name="Straight Arrow Connector 24"/>
-          <p:cNvCxnSpPr/>
-          <p:nvPr/>
-        </p:nvCxnSpPr>
-        <p:spPr bwMode="auto">
-          <a:xfrm flipV="1">
-            <a:off x="776536" y="2876862"/>
-            <a:ext cx="9057456" cy="9902"/>
-          </a:xfrm>
-          <a:prstGeom prst="straightConnector1">
-            <a:avLst/>
-          </a:prstGeom>
-          <a:solidFill>
-            <a:schemeClr val="accent1"/>
-          </a:solidFill>
-          <a:ln w="9525" cap="flat" cmpd="sng" algn="ctr">
-            <a:solidFill>
-              <a:schemeClr val="accent6"/>
-            </a:solidFill>
-            <a:prstDash val="solid"/>
-            <a:round/>
-            <a:headEnd type="none" w="med" len="med"/>
-            <a:tailEnd type="none" w="med" len="med"/>
-          </a:ln>
-          <a:effectLst/>
-        </p:spPr>
-      </p:cxnSp>
-      <p:cxnSp>
-        <p:nvCxnSpPr>
-          <p:cNvPr id="26" name="Straight Arrow Connector 25"/>
-          <p:cNvCxnSpPr/>
-          <p:nvPr/>
-        </p:nvCxnSpPr>
-        <p:spPr bwMode="auto">
-          <a:xfrm flipV="1">
-            <a:off x="764352" y="4619193"/>
-            <a:ext cx="9057456" cy="9902"/>
-          </a:xfrm>
-          <a:prstGeom prst="straightConnector1">
-            <a:avLst/>
-          </a:prstGeom>
-          <a:solidFill>
-            <a:schemeClr val="accent1"/>
-          </a:solidFill>
-          <a:ln w="9525" cap="flat" cmpd="sng" algn="ctr">
-            <a:solidFill>
-              <a:schemeClr val="accent6"/>
-            </a:solidFill>
-            <a:prstDash val="solid"/>
-            <a:round/>
-            <a:headEnd type="none" w="med" len="med"/>
-            <a:tailEnd type="none" w="med" len="med"/>
-          </a:ln>
-          <a:effectLst/>
-        </p:spPr>
-      </p:cxnSp>
-      <p:cxnSp>
-        <p:nvCxnSpPr>
-          <p:cNvPr id="27" name="Straight Arrow Connector 26"/>
-          <p:cNvCxnSpPr/>
-          <p:nvPr/>
-        </p:nvCxnSpPr>
-        <p:spPr bwMode="auto">
-          <a:xfrm flipV="1">
-            <a:off x="792088" y="1219358"/>
-            <a:ext cx="9057456" cy="6117"/>
-          </a:xfrm>
-          <a:prstGeom prst="straightConnector1">
-            <a:avLst/>
-          </a:prstGeom>
-          <a:solidFill>
-            <a:schemeClr val="accent1"/>
-          </a:solidFill>
-          <a:ln w="9525" cap="flat" cmpd="sng" algn="ctr">
-            <a:solidFill>
-              <a:schemeClr val="accent6"/>
-            </a:solidFill>
-            <a:prstDash val="solid"/>
-            <a:round/>
-            <a:headEnd type="none" w="med" len="med"/>
-            <a:tailEnd type="none" w="med" len="med"/>
-          </a:ln>
-          <a:effectLst/>
-        </p:spPr>
-      </p:cxnSp>
-      <p:sp>
-        <p:nvSpPr>
-          <p:cNvPr id="28" name="TextBox 27"/>
-          <p:cNvSpPr txBox="1"/>
-          <p:nvPr/>
-        </p:nvSpPr>
-        <p:spPr>
-          <a:xfrm>
-            <a:off x="173110" y="4457675"/>
-            <a:ext cx="626085" cy="430887"/>
-          </a:xfrm>
-          <a:prstGeom prst="rect">
-            <a:avLst/>
-          </a:prstGeom>
-          <a:noFill/>
-          <a:ln>
-            <a:noFill/>
-            <a:headEnd type="none" w="med" len="med"/>
-            <a:tailEnd type="none" w="med" len="med"/>
-          </a:ln>
-        </p:spPr>
-        <p:txBody>
-          <a:bodyPr wrap="square" rtlCol="0">
-            <a:spAutoFit/>
-          </a:bodyPr>
-          <a:lstStyle/>
-          <a:p>
-            <a:r>
-              <a:rPr lang="en-AU" sz="2200"/>
-              <a:t>25</a:t>
-            </a:r>
-            <a:endParaRPr lang="en-AU" sz="2200" dirty="0"/>
-          </a:p>
-        </p:txBody>
-      </p:sp>
-      <p:sp>
-        <p:nvSpPr>
-          <p:cNvPr id="29" name="TextBox 28"/>
-          <p:cNvSpPr txBox="1"/>
-          <p:nvPr/>
-        </p:nvSpPr>
-        <p:spPr>
-          <a:xfrm>
-            <a:off x="179180" y="2630388"/>
-            <a:ext cx="626085" cy="430887"/>
-          </a:xfrm>
-          <a:prstGeom prst="rect">
-            <a:avLst/>
-          </a:prstGeom>
-          <a:noFill/>
-          <a:ln>
-            <a:noFill/>
-            <a:headEnd type="none" w="med" len="med"/>
-            <a:tailEnd type="none" w="med" len="med"/>
-          </a:ln>
-        </p:spPr>
-        <p:txBody>
-          <a:bodyPr wrap="square" rtlCol="0">
-            <a:spAutoFit/>
-          </a:bodyPr>
-          <a:lstStyle/>
-          <a:p>
-            <a:r>
-              <a:rPr lang="en-AU" sz="2200"/>
-              <a:t>50</a:t>
-            </a:r>
-            <a:endParaRPr lang="en-AU" sz="2200" dirty="0"/>
-          </a:p>
-        </p:txBody>
-      </p:sp>
-      <p:sp>
-        <p:nvSpPr>
-          <p:cNvPr id="30" name="TextBox 29"/>
-          <p:cNvSpPr txBox="1"/>
-          <p:nvPr/>
-        </p:nvSpPr>
-        <p:spPr>
-          <a:xfrm>
-            <a:off x="258463" y="1010032"/>
-            <a:ext cx="626085" cy="430887"/>
-          </a:xfrm>
-          <a:prstGeom prst="rect">
-            <a:avLst/>
-          </a:prstGeom>
-          <a:noFill/>
-          <a:ln>
-            <a:noFill/>
-            <a:headEnd type="none" w="med" len="med"/>
-            <a:tailEnd type="none" w="med" len="med"/>
-          </a:ln>
-        </p:spPr>
-        <p:txBody>
-          <a:bodyPr wrap="square" rtlCol="0">
-            <a:spAutoFit/>
-          </a:bodyPr>
-          <a:lstStyle/>
-          <a:p>
-            <a:r>
-              <a:rPr lang="en-AU" sz="2200"/>
-              <a:t>75</a:t>
-            </a:r>
-            <a:endParaRPr lang="en-AU" sz="2200" dirty="0"/>
-          </a:p>
-        </p:txBody>
-      </p:sp>
-      <p:cxnSp>
-        <p:nvCxnSpPr>
           <p:cNvPr id="13" name="Straight Connector 12"/>
           <p:cNvCxnSpPr/>
           <p:nvPr/>
@@ -14318,38 +13725,6 @@
           </a:p>
         </p:txBody>
       </p:sp>
-      <p:cxnSp>
-        <p:nvCxnSpPr>
-          <p:cNvPr id="35" name="Straight Connector 34"/>
-          <p:cNvCxnSpPr/>
-          <p:nvPr/>
-        </p:nvCxnSpPr>
-        <p:spPr bwMode="auto">
-          <a:xfrm flipV="1">
-            <a:off x="3152798" y="116632"/>
-            <a:ext cx="2" cy="6338605"/>
-          </a:xfrm>
-          <a:prstGeom prst="line">
-            <a:avLst/>
-          </a:prstGeom>
-          <a:solidFill>
-            <a:schemeClr val="accent1"/>
-          </a:solidFill>
-          <a:ln w="38100" cap="flat" cmpd="sng" algn="ctr">
-            <a:solidFill>
-              <a:schemeClr val="accent6">
-                <a:lumMod val="40000"/>
-                <a:lumOff val="60000"/>
-              </a:schemeClr>
-            </a:solidFill>
-            <a:prstDash val="solid"/>
-            <a:round/>
-            <a:headEnd type="none" w="med" len="med"/>
-            <a:tailEnd type="none" w="med" len="med"/>
-          </a:ln>
-          <a:effectLst/>
-        </p:spPr>
-      </p:cxnSp>
     </p:spTree>
     <p:extLst>
       <p:ext uri="{BB962C8B-B14F-4D97-AF65-F5344CB8AC3E}">
@@ -14387,13 +13762,13 @@
           <p:nvPr>
             <p:extLst>
               <p:ext uri="{D42A27DB-BD31-4B8C-83A1-F6EECF244321}">
-                <p14:modId xmlns:p14="http://schemas.microsoft.com/office/powerpoint/2010/main" val="3004619009"/>
+                <p14:modId xmlns:p14="http://schemas.microsoft.com/office/powerpoint/2010/main" val="3208741463"/>
               </p:ext>
             </p:extLst>
           </p:nvPr>
         </p:nvGraphicFramePr>
         <p:xfrm>
-          <a:off x="0" y="588168"/>
+          <a:off x="-65904" y="588168"/>
           <a:ext cx="4808984" cy="2780928"/>
         </p:xfrm>
         <a:graphic>
@@ -14409,14 +13784,14 @@
           <p:nvPr>
             <p:extLst>
               <p:ext uri="{D42A27DB-BD31-4B8C-83A1-F6EECF244321}">
-                <p14:modId xmlns:p14="http://schemas.microsoft.com/office/powerpoint/2010/main" val="3255443031"/>
+                <p14:modId xmlns:p14="http://schemas.microsoft.com/office/powerpoint/2010/main" val="566177546"/>
               </p:ext>
             </p:extLst>
           </p:nvPr>
         </p:nvGraphicFramePr>
         <p:xfrm>
-          <a:off x="5097016" y="576063"/>
-          <a:ext cx="4808984" cy="2852936"/>
+          <a:off x="4808984" y="576063"/>
+          <a:ext cx="4808984" cy="2782800"/>
         </p:xfrm>
         <a:graphic>
           <a:graphicData uri="http://schemas.openxmlformats.org/drawingml/2006/chart">
@@ -14431,13 +13806,13 @@
           <p:nvPr>
             <p:extLst>
               <p:ext uri="{D42A27DB-BD31-4B8C-83A1-F6EECF244321}">
-                <p14:modId xmlns:p14="http://schemas.microsoft.com/office/powerpoint/2010/main" val="2354339559"/>
+                <p14:modId xmlns:p14="http://schemas.microsoft.com/office/powerpoint/2010/main" val="3381208633"/>
               </p:ext>
             </p:extLst>
           </p:nvPr>
         </p:nvGraphicFramePr>
         <p:xfrm>
-          <a:off x="6224" y="4077072"/>
+          <a:off x="-65904" y="4170066"/>
           <a:ext cx="4874768" cy="2780928"/>
         </p:xfrm>
         <a:graphic>
@@ -14453,13 +13828,13 @@
           <p:nvPr>
             <p:extLst>
               <p:ext uri="{D42A27DB-BD31-4B8C-83A1-F6EECF244321}">
-                <p14:modId xmlns:p14="http://schemas.microsoft.com/office/powerpoint/2010/main" val="471209481"/>
+                <p14:modId xmlns:p14="http://schemas.microsoft.com/office/powerpoint/2010/main" val="2613322534"/>
               </p:ext>
             </p:extLst>
           </p:nvPr>
         </p:nvGraphicFramePr>
         <p:xfrm>
-          <a:off x="5100518" y="4077071"/>
+          <a:off x="4812486" y="4167689"/>
           <a:ext cx="4805482" cy="2783305"/>
         </p:xfrm>
         <a:graphic>
@@ -14477,7 +13852,7 @@
         <p:spPr>
           <a:xfrm>
             <a:off x="0" y="-27386"/>
-            <a:ext cx="4464496" cy="615553"/>
+            <a:ext cx="4464496" cy="677108"/>
           </a:xfrm>
           <a:prstGeom prst="rect">
             <a:avLst/>
@@ -14491,7 +13866,7 @@
           <a:lstStyle/>
           <a:p>
             <a:r>
-              <a:rPr lang="en-AU" sz="2000" b="1" dirty="0"/>
+              <a:rPr lang="en-AU" sz="2200" dirty="0"/>
               <a:t>Association for the Advancement of Cost Engineering</a:t>
             </a:r>
           </a:p>
@@ -14505,8 +13880,8 @@
         </p:nvSpPr>
         <p:spPr>
           <a:xfrm>
-            <a:off x="14682" y="3429000"/>
-            <a:ext cx="5112568" cy="615553"/>
+            <a:off x="14682" y="3519618"/>
+            <a:ext cx="5112568" cy="677108"/>
           </a:xfrm>
           <a:prstGeom prst="rect">
             <a:avLst/>
@@ -14520,14 +13895,14 @@
           <a:lstStyle/>
           <a:p>
             <a:r>
-              <a:rPr lang="en-AU" sz="2000" b="1" dirty="0"/>
+              <a:rPr lang="en-AU" sz="2200" dirty="0"/>
               <a:t>South Australian Department of </a:t>
             </a:r>
             <a:br>
-              <a:rPr lang="en-AU" sz="2000" b="1" dirty="0"/>
+              <a:rPr lang="en-AU" sz="2200" dirty="0"/>
             </a:br>
             <a:r>
-              <a:rPr lang="en-AU" sz="2000" b="1" dirty="0"/>
+              <a:rPr lang="en-AU" sz="2200" dirty="0"/>
               <a:t>Planning, Transport and Infrastructure</a:t>
             </a:r>
           </a:p>
@@ -14542,7 +13917,7 @@
         <p:spPr>
           <a:xfrm>
             <a:off x="5222729" y="-27385"/>
-            <a:ext cx="4554807" cy="615553"/>
+            <a:ext cx="4554807" cy="677108"/>
           </a:xfrm>
           <a:prstGeom prst="rect">
             <a:avLst/>
@@ -14556,7 +13931,7 @@
           <a:lstStyle/>
           <a:p>
             <a:r>
-              <a:rPr lang="en-AU" sz="2000" b="1" dirty="0"/>
+              <a:rPr lang="en-AU" sz="2200" dirty="0"/>
               <a:t>QLD Department of Transport and Main Roads</a:t>
             </a:r>
           </a:p>
@@ -14570,8 +13945,8 @@
         </p:nvSpPr>
         <p:spPr>
           <a:xfrm>
-            <a:off x="5150721" y="3428999"/>
-            <a:ext cx="4320480" cy="615553"/>
+            <a:off x="5150721" y="3519617"/>
+            <a:ext cx="4320480" cy="677108"/>
           </a:xfrm>
           <a:prstGeom prst="rect">
             <a:avLst/>
@@ -14585,7 +13960,7 @@
           <a:lstStyle/>
           <a:p>
             <a:r>
-              <a:rPr lang="en-AU" sz="2000" b="1" dirty="0"/>
+              <a:rPr lang="en-AU" sz="2200" dirty="0"/>
               <a:t>National Guidelines for Transport System Management</a:t>
             </a:r>
           </a:p>
@@ -14628,13 +14003,13 @@
           <p:nvPr>
             <p:extLst>
               <p:ext uri="{D42A27DB-BD31-4B8C-83A1-F6EECF244321}">
-                <p14:modId xmlns:p14="http://schemas.microsoft.com/office/powerpoint/2010/main" val="1645880544"/>
+                <p14:modId xmlns:p14="http://schemas.microsoft.com/office/powerpoint/2010/main" val="1645841434"/>
               </p:ext>
             </p:extLst>
           </p:nvPr>
         </p:nvGraphicFramePr>
         <p:xfrm>
-          <a:off x="0" y="0"/>
+          <a:off x="-98856" y="0"/>
           <a:ext cx="9906000" cy="6858000"/>
         </p:xfrm>
         <a:graphic>
@@ -14651,7 +14026,7 @@
         </p:nvSpPr>
         <p:spPr>
           <a:xfrm>
-            <a:off x="2792760" y="980728"/>
+            <a:off x="2693904" y="980728"/>
             <a:ext cx="2232248" cy="677108"/>
           </a:xfrm>
           <a:prstGeom prst="rect">
@@ -14684,7 +14059,7 @@
         </p:nvSpPr>
         <p:spPr>
           <a:xfrm>
-            <a:off x="5313040" y="2636912"/>
+            <a:off x="5214184" y="2636912"/>
             <a:ext cx="2232248" cy="338554"/>
           </a:xfrm>
           <a:prstGeom prst="rect">
@@ -14741,41 +14116,19 @@
       </p:grpSpPr>
       <p:graphicFrame>
         <p:nvGraphicFramePr>
-          <p:cNvPr id="17" name="Chart 16"/>
+          <p:cNvPr id="2" name="Chart 1"/>
           <p:cNvGraphicFramePr/>
           <p:nvPr>
             <p:extLst>
               <p:ext uri="{D42A27DB-BD31-4B8C-83A1-F6EECF244321}">
-                <p14:modId xmlns:p14="http://schemas.microsoft.com/office/powerpoint/2010/main" val="2057023928"/>
+                <p14:modId xmlns:p14="http://schemas.microsoft.com/office/powerpoint/2010/main" val="371094923"/>
               </p:ext>
             </p:extLst>
           </p:nvPr>
         </p:nvGraphicFramePr>
         <p:xfrm>
-          <a:off x="-15552" y="3335506"/>
-          <a:ext cx="9921552" cy="4055586"/>
-        </p:xfrm>
-        <a:graphic>
-          <a:graphicData uri="http://schemas.openxmlformats.org/drawingml/2006/chart">
-            <c:chart xmlns:c="http://schemas.openxmlformats.org/drawingml/2006/chart" xmlns:r="http://schemas.openxmlformats.org/officeDocument/2006/relationships" r:id="rId2"/>
-          </a:graphicData>
-        </a:graphic>
-      </p:graphicFrame>
-      <p:graphicFrame>
-        <p:nvGraphicFramePr>
-          <p:cNvPr id="2" name="Chart 1"/>
-          <p:cNvGraphicFramePr/>
-          <p:nvPr>
-            <p:extLst>
-              <p:ext uri="{D42A27DB-BD31-4B8C-83A1-F6EECF244321}">
-                <p14:modId xmlns:p14="http://schemas.microsoft.com/office/powerpoint/2010/main" val="1224809183"/>
-              </p:ext>
-            </p:extLst>
-          </p:nvPr>
-        </p:nvGraphicFramePr>
-        <p:xfrm>
-          <a:off x="-15552" y="288032"/>
-          <a:ext cx="9921552" cy="2708920"/>
+          <a:off x="-108000" y="0"/>
+          <a:ext cx="9906000" cy="2348880"/>
         </p:xfrm>
         <a:graphic>
           <a:graphicData uri="http://schemas.openxmlformats.org/drawingml/2006/chart">
@@ -14783,175 +14136,54 @@
           </a:graphicData>
         </a:graphic>
       </p:graphicFrame>
-      <p:cxnSp>
-        <p:nvCxnSpPr>
-          <p:cNvPr id="5" name="Straight Connector 4"/>
-          <p:cNvCxnSpPr/>
-          <p:nvPr/>
-        </p:nvCxnSpPr>
-        <p:spPr bwMode="auto">
-          <a:xfrm flipV="1">
-            <a:off x="7008812" y="877638"/>
-            <a:ext cx="2348337" cy="1"/>
-          </a:xfrm>
-          <a:prstGeom prst="line">
-            <a:avLst/>
-          </a:prstGeom>
-          <a:solidFill>
-            <a:schemeClr val="accent1"/>
-          </a:solidFill>
-          <a:ln w="12700" cap="flat" cmpd="sng" algn="ctr">
-            <a:solidFill>
-              <a:schemeClr val="tx1"/>
-            </a:solidFill>
-            <a:prstDash val="dash"/>
-            <a:round/>
-            <a:headEnd type="none" w="med" len="med"/>
-            <a:tailEnd type="none" w="med" len="med"/>
-          </a:ln>
-          <a:effectLst/>
-        </p:spPr>
-      </p:cxnSp>
-      <p:cxnSp>
-        <p:nvCxnSpPr>
-          <p:cNvPr id="10" name="Straight Connector 9"/>
-          <p:cNvCxnSpPr/>
-          <p:nvPr/>
-        </p:nvCxnSpPr>
-        <p:spPr bwMode="auto">
-          <a:xfrm>
-            <a:off x="1891072" y="5878924"/>
-            <a:ext cx="1907117" cy="0"/>
-          </a:xfrm>
-          <a:prstGeom prst="line">
-            <a:avLst/>
-          </a:prstGeom>
-          <a:solidFill>
-            <a:schemeClr val="accent1"/>
-          </a:solidFill>
-          <a:ln w="12700" cap="flat" cmpd="sng" algn="ctr">
-            <a:solidFill>
-              <a:schemeClr val="tx1"/>
-            </a:solidFill>
-            <a:prstDash val="dash"/>
-            <a:round/>
-            <a:headEnd type="none" w="med" len="med"/>
-            <a:tailEnd type="none" w="med" len="med"/>
-          </a:ln>
-          <a:effectLst/>
-        </p:spPr>
-      </p:cxnSp>
-      <p:cxnSp>
-        <p:nvCxnSpPr>
-          <p:cNvPr id="13" name="Straight Connector 12"/>
-          <p:cNvCxnSpPr/>
-          <p:nvPr/>
-        </p:nvCxnSpPr>
-        <p:spPr bwMode="auto">
-          <a:xfrm flipV="1">
-            <a:off x="4569132" y="1582682"/>
-            <a:ext cx="1340225" cy="741"/>
-          </a:xfrm>
-          <a:prstGeom prst="line">
-            <a:avLst/>
-          </a:prstGeom>
-          <a:solidFill>
-            <a:schemeClr val="accent1"/>
-          </a:solidFill>
-          <a:ln w="12700" cap="flat" cmpd="sng" algn="ctr">
-            <a:solidFill>
-              <a:schemeClr val="tx1"/>
-            </a:solidFill>
-            <a:prstDash val="dash"/>
-            <a:round/>
-            <a:headEnd type="none" w="med" len="med"/>
-            <a:tailEnd type="none" w="med" len="med"/>
-          </a:ln>
-          <a:effectLst/>
-        </p:spPr>
-      </p:cxnSp>
-      <p:cxnSp>
-        <p:nvCxnSpPr>
-          <p:cNvPr id="18" name="Straight Connector 17"/>
-          <p:cNvCxnSpPr/>
-          <p:nvPr/>
-        </p:nvCxnSpPr>
-        <p:spPr bwMode="auto">
-          <a:xfrm flipV="1">
-            <a:off x="4433392" y="4740080"/>
-            <a:ext cx="1611704" cy="1092"/>
-          </a:xfrm>
-          <a:prstGeom prst="line">
-            <a:avLst/>
-          </a:prstGeom>
-          <a:solidFill>
-            <a:schemeClr val="accent1"/>
-          </a:solidFill>
-          <a:ln w="12700" cap="flat" cmpd="sng" algn="ctr">
-            <a:solidFill>
-              <a:schemeClr val="tx1"/>
-            </a:solidFill>
-            <a:prstDash val="dash"/>
-            <a:round/>
-            <a:headEnd type="none" w="med" len="med"/>
-            <a:tailEnd type="none" w="med" len="med"/>
-          </a:ln>
-          <a:effectLst/>
-        </p:spPr>
-      </p:cxnSp>
-      <p:cxnSp>
-        <p:nvCxnSpPr>
-          <p:cNvPr id="19" name="Straight Connector 18"/>
-          <p:cNvCxnSpPr/>
-          <p:nvPr/>
-        </p:nvCxnSpPr>
-        <p:spPr bwMode="auto">
-          <a:xfrm flipV="1">
-            <a:off x="7041232" y="3862340"/>
-            <a:ext cx="1259396" cy="1092"/>
-          </a:xfrm>
-          <a:prstGeom prst="line">
-            <a:avLst/>
-          </a:prstGeom>
-          <a:solidFill>
-            <a:schemeClr val="accent1"/>
-          </a:solidFill>
-          <a:ln w="12700" cap="flat" cmpd="sng" algn="ctr">
-            <a:solidFill>
-              <a:schemeClr val="tx1"/>
-            </a:solidFill>
-            <a:prstDash val="dash"/>
-            <a:round/>
-            <a:headEnd type="none" w="med" len="med"/>
-            <a:tailEnd type="none" w="med" len="med"/>
-          </a:ln>
-          <a:effectLst/>
-        </p:spPr>
-      </p:cxnSp>
+      <p:graphicFrame>
+        <p:nvGraphicFramePr>
+          <p:cNvPr id="3" name="Chart 2"/>
+          <p:cNvGraphicFramePr/>
+          <p:nvPr>
+            <p:extLst>
+              <p:ext uri="{D42A27DB-BD31-4B8C-83A1-F6EECF244321}">
+                <p14:modId xmlns:p14="http://schemas.microsoft.com/office/powerpoint/2010/main" val="1152504423"/>
+              </p:ext>
+            </p:extLst>
+          </p:nvPr>
+        </p:nvGraphicFramePr>
+        <p:xfrm>
+          <a:off x="8543" y="2204864"/>
+          <a:ext cx="9552969" cy="5292824"/>
+        </p:xfrm>
+        <a:graphic>
+          <a:graphicData uri="http://schemas.openxmlformats.org/drawingml/2006/chart">
+            <c:chart xmlns:c="http://schemas.openxmlformats.org/drawingml/2006/chart" xmlns:r="http://schemas.openxmlformats.org/officeDocument/2006/relationships" r:id="rId4"/>
+          </a:graphicData>
+        </a:graphic>
+      </p:graphicFrame>
       <p:sp>
         <p:nvSpPr>
-          <p:cNvPr id="20" name="TextBox 19"/>
+          <p:cNvPr id="4" name="TextBox 3"/>
           <p:cNvSpPr txBox="1"/>
           <p:nvPr/>
         </p:nvSpPr>
         <p:spPr>
           <a:xfrm>
-            <a:off x="-15552" y="-50522"/>
-            <a:ext cx="4304928" cy="276999"/>
+            <a:off x="776536" y="243078"/>
+            <a:ext cx="3407984" cy="338554"/>
           </a:xfrm>
           <a:prstGeom prst="rect">
             <a:avLst/>
           </a:prstGeom>
-          <a:noFill/>
+          <a:solidFill>
+            <a:schemeClr val="bg1"/>
+          </a:solidFill>
         </p:spPr>
         <p:txBody>
-          <a:bodyPr wrap="square" lIns="0" tIns="0" rIns="0" bIns="0" rtlCol="0">
+          <a:bodyPr wrap="none" lIns="0" tIns="0" rIns="0" bIns="0" rtlCol="0">
             <a:spAutoFit/>
           </a:bodyPr>
           <a:lstStyle/>
           <a:p>
             <a:r>
-              <a:rPr lang="en-US" sz="1800" b="1" dirty="0"/>
+              <a:rPr lang="en-US" sz="2200" dirty="0"/>
               <a:t>Investment monitor dataset</a:t>
             </a:r>
           </a:p>
@@ -14959,66 +14191,39 @@
       </p:sp>
       <p:sp>
         <p:nvSpPr>
-          <p:cNvPr id="21" name="TextBox 20"/>
+          <p:cNvPr id="5" name="TextBox 4"/>
           <p:cNvSpPr txBox="1"/>
           <p:nvPr/>
         </p:nvSpPr>
         <p:spPr>
           <a:xfrm>
-            <a:off x="-15552" y="2996952"/>
-            <a:ext cx="4385196" cy="276999"/>
+            <a:off x="776536" y="2451706"/>
+            <a:ext cx="1947649" cy="338554"/>
           </a:xfrm>
           <a:prstGeom prst="rect">
             <a:avLst/>
           </a:prstGeom>
-          <a:noFill/>
+          <a:solidFill>
+            <a:schemeClr val="bg1"/>
+          </a:solidFill>
         </p:spPr>
         <p:txBody>
-          <a:bodyPr wrap="square" lIns="0" tIns="0" rIns="0" bIns="0" rtlCol="0">
+          <a:bodyPr wrap="none" lIns="0" tIns="0" rIns="0" bIns="0" rtlCol="0">
             <a:spAutoFit/>
           </a:bodyPr>
           <a:lstStyle/>
           <a:p>
             <a:r>
-              <a:rPr lang="en-US" sz="1800" b="1" dirty="0"/>
+              <a:rPr lang="en-US" sz="2200" dirty="0"/>
               <a:t>Grattan dataset</a:t>
             </a:r>
           </a:p>
         </p:txBody>
       </p:sp>
-      <p:cxnSp>
-        <p:nvCxnSpPr>
-          <p:cNvPr id="25" name="Straight Connector 24"/>
-          <p:cNvCxnSpPr/>
-          <p:nvPr/>
-        </p:nvCxnSpPr>
-        <p:spPr bwMode="auto">
-          <a:xfrm>
-            <a:off x="2432720" y="2132856"/>
-            <a:ext cx="1224136" cy="0"/>
-          </a:xfrm>
-          <a:prstGeom prst="line">
-            <a:avLst/>
-          </a:prstGeom>
-          <a:solidFill>
-            <a:schemeClr val="accent1"/>
-          </a:solidFill>
-          <a:ln w="9525" cap="flat" cmpd="sng" algn="ctr">
-            <a:solidFill>
-              <a:schemeClr val="tx1"/>
-            </a:solidFill>
-            <a:prstDash val="dash"/>
-            <a:round/>
-            <a:headEnd type="none" w="med" len="med"/>
-            <a:tailEnd type="none" w="med" len="med"/>
-          </a:ln>
-          <a:effectLst/>
-        </p:spPr>
-      </p:cxnSp>
     </p:spTree>
     <p:extLst>
       <p:ext uri="{BB962C8B-B14F-4D97-AF65-F5344CB8AC3E}">
-        <p14:creationId xmlns:p14="http://schemas.microsoft.com/office/powerpoint/2010/main" val="1132468458"/>
+        <p14:creationId xmlns:p14="http://schemas.microsoft.com/office/powerpoint/2010/main" val="989615599"/>
       </p:ext>
     </p:extLst>
   </p:cSld>
@@ -15047,42 +14252,13 @@
       </p:grpSpPr>
       <p:cxnSp>
         <p:nvCxnSpPr>
-          <p:cNvPr id="3" name="Straight Connector 2"/>
-          <p:cNvCxnSpPr/>
-          <p:nvPr/>
-        </p:nvCxnSpPr>
-        <p:spPr bwMode="auto">
-          <a:xfrm flipV="1">
-            <a:off x="478386" y="-27384"/>
-            <a:ext cx="0" cy="6517232"/>
-          </a:xfrm>
-          <a:prstGeom prst="line">
-            <a:avLst/>
-          </a:prstGeom>
-          <a:solidFill>
-            <a:schemeClr val="accent1"/>
-          </a:solidFill>
-          <a:ln w="9525" cap="flat" cmpd="sng" algn="ctr">
-            <a:solidFill>
-              <a:schemeClr val="accent6"/>
-            </a:solidFill>
-            <a:prstDash val="solid"/>
-            <a:round/>
-            <a:headEnd type="none" w="med" len="med"/>
-            <a:tailEnd type="none" w="med" len="med"/>
-          </a:ln>
-          <a:effectLst/>
-        </p:spPr>
-      </p:cxnSp>
-      <p:cxnSp>
-        <p:nvCxnSpPr>
           <p:cNvPr id="5" name="Straight Connector 4"/>
           <p:cNvCxnSpPr/>
           <p:nvPr/>
         </p:nvCxnSpPr>
         <p:spPr bwMode="auto">
           <a:xfrm>
-            <a:off x="490539" y="6485208"/>
+            <a:off x="202507" y="6485208"/>
             <a:ext cx="9415461" cy="0"/>
           </a:xfrm>
           <a:prstGeom prst="line">
@@ -15111,7 +14287,7 @@
         </p:nvCxnSpPr>
         <p:spPr bwMode="auto">
           <a:xfrm>
-            <a:off x="514907" y="3263265"/>
+            <a:off x="226875" y="3263265"/>
             <a:ext cx="9391093" cy="0"/>
           </a:xfrm>
           <a:prstGeom prst="straightConnector1">
@@ -15122,7 +14298,10 @@
           </a:solidFill>
           <a:ln w="9525" cap="flat" cmpd="sng" algn="ctr">
             <a:solidFill>
-              <a:schemeClr val="accent6"/>
+              <a:schemeClr val="accent6">
+                <a:lumMod val="60000"/>
+                <a:lumOff val="40000"/>
+              </a:schemeClr>
             </a:solidFill>
             <a:prstDash val="solid"/>
             <a:round/>
@@ -15140,7 +14319,7 @@
         </p:nvCxnSpPr>
         <p:spPr bwMode="auto">
           <a:xfrm>
-            <a:off x="502723" y="5005596"/>
+            <a:off x="214691" y="5005596"/>
             <a:ext cx="9403277" cy="0"/>
           </a:xfrm>
           <a:prstGeom prst="straightConnector1">
@@ -15151,7 +14330,10 @@
           </a:solidFill>
           <a:ln w="9525" cap="flat" cmpd="sng" algn="ctr">
             <a:solidFill>
-              <a:schemeClr val="accent6"/>
+              <a:schemeClr val="accent6">
+                <a:lumMod val="60000"/>
+                <a:lumOff val="40000"/>
+              </a:schemeClr>
             </a:solidFill>
             <a:prstDash val="solid"/>
             <a:round/>
@@ -15169,7 +14351,7 @@
         </p:nvCxnSpPr>
         <p:spPr bwMode="auto">
           <a:xfrm flipV="1">
-            <a:off x="488504" y="1601976"/>
+            <a:off x="200472" y="1601976"/>
             <a:ext cx="9417496" cy="2"/>
           </a:xfrm>
           <a:prstGeom prst="straightConnector1">
@@ -15180,7 +14362,10 @@
           </a:solidFill>
           <a:ln w="9525" cap="flat" cmpd="sng" algn="ctr">
             <a:solidFill>
-              <a:schemeClr val="accent6"/>
+              <a:schemeClr val="accent6">
+                <a:lumMod val="60000"/>
+                <a:lumOff val="40000"/>
+              </a:schemeClr>
             </a:solidFill>
             <a:prstDash val="solid"/>
             <a:round/>
@@ -15190,142 +14375,6 @@
           <a:effectLst/>
         </p:spPr>
       </p:cxnSp>
-      <p:sp>
-        <p:nvSpPr>
-          <p:cNvPr id="20" name="TextBox 19"/>
-          <p:cNvSpPr txBox="1"/>
-          <p:nvPr/>
-        </p:nvSpPr>
-        <p:spPr>
-          <a:xfrm>
-            <a:off x="6435" y="4769768"/>
-            <a:ext cx="626085" cy="430887"/>
-          </a:xfrm>
-          <a:prstGeom prst="rect">
-            <a:avLst/>
-          </a:prstGeom>
-          <a:noFill/>
-          <a:ln>
-            <a:noFill/>
-            <a:headEnd type="none" w="med" len="med"/>
-            <a:tailEnd type="none" w="med" len="med"/>
-          </a:ln>
-        </p:spPr>
-        <p:txBody>
-          <a:bodyPr wrap="square" rtlCol="0">
-            <a:spAutoFit/>
-          </a:bodyPr>
-          <a:lstStyle/>
-          <a:p>
-            <a:r>
-              <a:rPr lang="en-AU" sz="2200" dirty="0"/>
-              <a:t>25</a:t>
-            </a:r>
-          </a:p>
-        </p:txBody>
-      </p:sp>
-      <p:sp>
-        <p:nvSpPr>
-          <p:cNvPr id="22" name="TextBox 21"/>
-          <p:cNvSpPr txBox="1"/>
-          <p:nvPr/>
-        </p:nvSpPr>
-        <p:spPr>
-          <a:xfrm>
-            <a:off x="-15180" y="3015788"/>
-            <a:ext cx="626085" cy="430887"/>
-          </a:xfrm>
-          <a:prstGeom prst="rect">
-            <a:avLst/>
-          </a:prstGeom>
-          <a:noFill/>
-          <a:ln>
-            <a:noFill/>
-            <a:headEnd type="none" w="med" len="med"/>
-            <a:tailEnd type="none" w="med" len="med"/>
-          </a:ln>
-        </p:spPr>
-        <p:txBody>
-          <a:bodyPr wrap="square" rtlCol="0">
-            <a:spAutoFit/>
-          </a:bodyPr>
-          <a:lstStyle/>
-          <a:p>
-            <a:r>
-              <a:rPr lang="en-AU" sz="2200" dirty="0"/>
-              <a:t>50</a:t>
-            </a:r>
-          </a:p>
-        </p:txBody>
-      </p:sp>
-      <p:sp>
-        <p:nvSpPr>
-          <p:cNvPr id="23" name="TextBox 22"/>
-          <p:cNvSpPr txBox="1"/>
-          <p:nvPr/>
-        </p:nvSpPr>
-        <p:spPr>
-          <a:xfrm>
-            <a:off x="6435" y="1386534"/>
-            <a:ext cx="626085" cy="430887"/>
-          </a:xfrm>
-          <a:prstGeom prst="rect">
-            <a:avLst/>
-          </a:prstGeom>
-          <a:noFill/>
-          <a:ln>
-            <a:noFill/>
-            <a:headEnd type="none" w="med" len="med"/>
-            <a:tailEnd type="none" w="med" len="med"/>
-          </a:ln>
-        </p:spPr>
-        <p:txBody>
-          <a:bodyPr wrap="square" rtlCol="0">
-            <a:spAutoFit/>
-          </a:bodyPr>
-          <a:lstStyle/>
-          <a:p>
-            <a:r>
-              <a:rPr lang="en-AU" sz="2200" dirty="0"/>
-              <a:t>75</a:t>
-            </a:r>
-          </a:p>
-        </p:txBody>
-      </p:sp>
-      <p:sp>
-        <p:nvSpPr>
-          <p:cNvPr id="24" name="TextBox 23"/>
-          <p:cNvSpPr txBox="1"/>
-          <p:nvPr/>
-        </p:nvSpPr>
-        <p:spPr>
-          <a:xfrm>
-            <a:off x="-87560" y="-99392"/>
-            <a:ext cx="842109" cy="430887"/>
-          </a:xfrm>
-          <a:prstGeom prst="rect">
-            <a:avLst/>
-          </a:prstGeom>
-          <a:noFill/>
-          <a:ln>
-            <a:noFill/>
-            <a:headEnd type="none" w="med" len="med"/>
-            <a:tailEnd type="none" w="med" len="med"/>
-          </a:ln>
-        </p:spPr>
-        <p:txBody>
-          <a:bodyPr wrap="square" rtlCol="0">
-            <a:spAutoFit/>
-          </a:bodyPr>
-          <a:lstStyle/>
-          <a:p>
-            <a:r>
-              <a:rPr lang="en-AU" sz="2200" dirty="0"/>
-              <a:t>100</a:t>
-            </a:r>
-          </a:p>
-        </p:txBody>
-      </p:sp>
       <p:grpSp>
         <p:nvGrpSpPr>
           <p:cNvPr id="2055" name="Group 2054"/>
@@ -15334,7 +14383,7 @@
         </p:nvGrpSpPr>
         <p:grpSpPr>
           <a:xfrm>
-            <a:off x="416496" y="635539"/>
+            <a:off x="128464" y="635539"/>
             <a:ext cx="9554261" cy="6177837"/>
             <a:chOff x="729454" y="-1411538"/>
             <a:chExt cx="8951575" cy="8201330"/>

--- a/atlas/AppendixCharts.pptx
+++ b/atlas/AppendixCharts.pptx
@@ -152,7 +152,7 @@
   </p:defaultTextStyle>
   <p:extLst>
     <p:ext uri="{EFAFB233-063F-42B5-8137-9DF3F51BA10A}">
-      <p15:sldGuideLst xmlns:p15="http://schemas.microsoft.com/office/powerpoint/2012/main">
+      <p15:sldGuideLst xmlns:p15="http://schemas.microsoft.com/office/powerpoint/2012/main" xmlns="">
         <p15:guide id="1" orient="horz" pos="4001">
           <p15:clr>
             <a:srgbClr val="A4A3A4"/>
@@ -171,7 +171,7 @@
       </p15:sldGuideLst>
     </p:ext>
     <p:ext uri="{2D200454-40CA-4A62-9FC3-DE9A4176ACB9}">
-      <p15:notesGuideLst xmlns:p15="http://schemas.microsoft.com/office/powerpoint/2012/main">
+      <p15:notesGuideLst xmlns:p15="http://schemas.microsoft.com/office/powerpoint/2012/main" xmlns="">
         <p15:guide id="1" orient="horz" pos="3131">
           <p15:clr>
             <a:srgbClr val="A4A3A4"/>
@@ -191,7 +191,7 @@
 <file path=ppt/charts/chart1.xml><?xml version="1.0" encoding="utf-8"?>
 <c:chartSpace xmlns:c="http://schemas.openxmlformats.org/drawingml/2006/chart" xmlns:a="http://schemas.openxmlformats.org/drawingml/2006/main" xmlns:r="http://schemas.openxmlformats.org/officeDocument/2006/relationships">
   <c:date1904 val="0"/>
-  <c:lang val="en-US"/>
+  <c:lang val="en-AU"/>
   <c:roundedCorners val="0"/>
   <mc:AlternateContent xmlns:mc="http://schemas.openxmlformats.org/markup-compatibility/2006">
     <mc:Choice xmlns:c14="http://schemas.microsoft.com/office/drawing/2007/8/2/chart" Requires="c14">
@@ -334,11 +334,11 @@
           <c:showPercent val="0"/>
           <c:showBubbleSize val="0"/>
         </c:dLbls>
-        <c:axId val="477941648"/>
-        <c:axId val="477937728"/>
+        <c:axId val="115807744"/>
+        <c:axId val="34279424"/>
       </c:areaChart>
       <c:catAx>
-        <c:axId val="477941648"/>
+        <c:axId val="115807744"/>
         <c:scaling>
           <c:orientation val="minMax"/>
         </c:scaling>
@@ -348,7 +348,7 @@
         <c:majorTickMark val="out"/>
         <c:minorTickMark val="none"/>
         <c:tickLblPos val="nextTo"/>
-        <c:crossAx val="477937728"/>
+        <c:crossAx val="34279424"/>
         <c:crosses val="autoZero"/>
         <c:auto val="1"/>
         <c:lblAlgn val="ctr"/>
@@ -356,7 +356,7 @@
         <c:noMultiLvlLbl val="0"/>
       </c:catAx>
       <c:valAx>
-        <c:axId val="477937728"/>
+        <c:axId val="34279424"/>
         <c:scaling>
           <c:orientation val="minMax"/>
           <c:max val="100"/>
@@ -394,7 +394,7 @@
             <a:endParaRPr lang="en-US"/>
           </a:p>
         </c:txPr>
-        <c:crossAx val="477941648"/>
+        <c:crossAx val="115807744"/>
         <c:crosses val="autoZero"/>
         <c:crossBetween val="midCat"/>
         <c:majorUnit val="25"/>
@@ -423,7 +423,7 @@
 <file path=ppt/charts/chart2.xml><?xml version="1.0" encoding="utf-8"?>
 <c:chartSpace xmlns:c="http://schemas.openxmlformats.org/drawingml/2006/chart" xmlns:a="http://schemas.openxmlformats.org/drawingml/2006/main" xmlns:r="http://schemas.openxmlformats.org/officeDocument/2006/relationships">
   <c:date1904 val="0"/>
-  <c:lang val="en-US"/>
+  <c:lang val="en-AU"/>
   <c:roundedCorners val="0"/>
   <mc:AlternateContent xmlns:mc="http://schemas.openxmlformats.org/markup-compatibility/2006">
     <mc:Choice xmlns:c14="http://schemas.microsoft.com/office/drawing/2007/8/2/chart" Requires="c14">
@@ -536,11 +536,11 @@
           <c:showPercent val="0"/>
           <c:showBubbleSize val="0"/>
         </c:dLbls>
-        <c:axId val="477936944"/>
-        <c:axId val="477936552"/>
+        <c:axId val="34167040"/>
+        <c:axId val="34177024"/>
       </c:areaChart>
       <c:catAx>
-        <c:axId val="477936944"/>
+        <c:axId val="34167040"/>
         <c:scaling>
           <c:orientation val="minMax"/>
         </c:scaling>
@@ -550,7 +550,7 @@
         <c:majorTickMark val="out"/>
         <c:minorTickMark val="none"/>
         <c:tickLblPos val="nextTo"/>
-        <c:crossAx val="477936552"/>
+        <c:crossAx val="34177024"/>
         <c:crosses val="autoZero"/>
         <c:auto val="1"/>
         <c:lblAlgn val="ctr"/>
@@ -558,7 +558,7 @@
         <c:noMultiLvlLbl val="0"/>
       </c:catAx>
       <c:valAx>
-        <c:axId val="477936552"/>
+        <c:axId val="34177024"/>
         <c:scaling>
           <c:orientation val="minMax"/>
           <c:max val="100"/>
@@ -600,7 +600,7 @@
             <a:endParaRPr lang="en-US"/>
           </a:p>
         </c:txPr>
-        <c:crossAx val="477936944"/>
+        <c:crossAx val="34167040"/>
         <c:crosses val="autoZero"/>
         <c:crossBetween val="midCat"/>
         <c:majorUnit val="25"/>
@@ -629,7 +629,7 @@
 <file path=ppt/charts/chart3.xml><?xml version="1.0" encoding="utf-8"?>
 <c:chartSpace xmlns:c="http://schemas.openxmlformats.org/drawingml/2006/chart" xmlns:a="http://schemas.openxmlformats.org/drawingml/2006/main" xmlns:r="http://schemas.openxmlformats.org/officeDocument/2006/relationships">
   <c:date1904 val="0"/>
-  <c:lang val="en-US"/>
+  <c:lang val="en-AU"/>
   <c:roundedCorners val="0"/>
   <mc:AlternateContent xmlns:mc="http://schemas.openxmlformats.org/markup-compatibility/2006">
     <mc:Choice xmlns:c14="http://schemas.microsoft.com/office/drawing/2007/8/2/chart" Requires="c14">
@@ -742,11 +742,11 @@
           <c:showPercent val="0"/>
           <c:showBubbleSize val="0"/>
         </c:dLbls>
-        <c:axId val="477938512"/>
-        <c:axId val="477942432"/>
+        <c:axId val="34221056"/>
+        <c:axId val="34222848"/>
       </c:areaChart>
       <c:catAx>
-        <c:axId val="477938512"/>
+        <c:axId val="34221056"/>
         <c:scaling>
           <c:orientation val="minMax"/>
         </c:scaling>
@@ -756,7 +756,7 @@
         <c:majorTickMark val="out"/>
         <c:minorTickMark val="none"/>
         <c:tickLblPos val="nextTo"/>
-        <c:crossAx val="477942432"/>
+        <c:crossAx val="34222848"/>
         <c:crosses val="autoZero"/>
         <c:auto val="1"/>
         <c:lblAlgn val="ctr"/>
@@ -764,7 +764,7 @@
         <c:noMultiLvlLbl val="0"/>
       </c:catAx>
       <c:valAx>
-        <c:axId val="477942432"/>
+        <c:axId val="34222848"/>
         <c:scaling>
           <c:orientation val="minMax"/>
           <c:max val="100"/>
@@ -802,7 +802,7 @@
             <a:endParaRPr lang="en-US"/>
           </a:p>
         </c:txPr>
-        <c:crossAx val="477938512"/>
+        <c:crossAx val="34221056"/>
         <c:crosses val="autoZero"/>
         <c:crossBetween val="midCat"/>
         <c:majorUnit val="25"/>
@@ -831,7 +831,7 @@
 <file path=ppt/charts/chart4.xml><?xml version="1.0" encoding="utf-8"?>
 <c:chartSpace xmlns:c="http://schemas.openxmlformats.org/drawingml/2006/chart" xmlns:a="http://schemas.openxmlformats.org/drawingml/2006/main" xmlns:r="http://schemas.openxmlformats.org/officeDocument/2006/relationships">
   <c:date1904 val="0"/>
-  <c:lang val="en-US"/>
+  <c:lang val="en-AU"/>
   <c:roundedCorners val="0"/>
   <mc:AlternateContent xmlns:mc="http://schemas.openxmlformats.org/markup-compatibility/2006">
     <mc:Choice xmlns:c14="http://schemas.microsoft.com/office/drawing/2007/8/2/chart" Requires="c14">
@@ -944,11 +944,11 @@
           <c:showPercent val="0"/>
           <c:showBubbleSize val="0"/>
         </c:dLbls>
-        <c:axId val="408453096"/>
-        <c:axId val="408452704"/>
+        <c:axId val="34409472"/>
+        <c:axId val="34423552"/>
       </c:areaChart>
       <c:catAx>
-        <c:axId val="408453096"/>
+        <c:axId val="34409472"/>
         <c:scaling>
           <c:orientation val="minMax"/>
         </c:scaling>
@@ -958,7 +958,7 @@
         <c:majorTickMark val="out"/>
         <c:minorTickMark val="none"/>
         <c:tickLblPos val="nextTo"/>
-        <c:crossAx val="408452704"/>
+        <c:crossAx val="34423552"/>
         <c:crosses val="autoZero"/>
         <c:auto val="1"/>
         <c:lblAlgn val="ctr"/>
@@ -966,7 +966,7 @@
         <c:noMultiLvlLbl val="0"/>
       </c:catAx>
       <c:valAx>
-        <c:axId val="408452704"/>
+        <c:axId val="34423552"/>
         <c:scaling>
           <c:orientation val="minMax"/>
           <c:max val="100"/>
@@ -1008,7 +1008,7 @@
             <a:endParaRPr lang="en-US"/>
           </a:p>
         </c:txPr>
-        <c:crossAx val="408453096"/>
+        <c:crossAx val="34409472"/>
         <c:crosses val="autoZero"/>
         <c:crossBetween val="midCat"/>
         <c:majorUnit val="25"/>
@@ -1037,7 +1037,7 @@
 <file path=ppt/charts/chart5.xml><?xml version="1.0" encoding="utf-8"?>
 <c:chartSpace xmlns:c="http://schemas.openxmlformats.org/drawingml/2006/chart" xmlns:a="http://schemas.openxmlformats.org/drawingml/2006/main" xmlns:r="http://schemas.openxmlformats.org/officeDocument/2006/relationships">
   <c:date1904 val="0"/>
-  <c:lang val="en-US"/>
+  <c:lang val="en-AU"/>
   <c:roundedCorners val="0"/>
   <mc:AlternateContent xmlns:mc="http://schemas.openxmlformats.org/markup-compatibility/2006">
     <mc:Choice xmlns:c14="http://schemas.microsoft.com/office/drawing/2007/8/2/chart" Requires="c14">
@@ -1242,11 +1242,11 @@
         </c:dLbls>
         <c:marker val="1"/>
         <c:smooth val="0"/>
-        <c:axId val="408452312"/>
-        <c:axId val="408451528"/>
+        <c:axId val="34466816"/>
+        <c:axId val="34866304"/>
       </c:lineChart>
       <c:catAx>
-        <c:axId val="408452312"/>
+        <c:axId val="34466816"/>
         <c:scaling>
           <c:orientation val="minMax"/>
         </c:scaling>
@@ -1273,7 +1273,7 @@
             <a:endParaRPr lang="en-US"/>
           </a:p>
         </c:txPr>
-        <c:crossAx val="408451528"/>
+        <c:crossAx val="34866304"/>
         <c:crosses val="autoZero"/>
         <c:auto val="1"/>
         <c:lblAlgn val="ctr"/>
@@ -1281,7 +1281,7 @@
         <c:noMultiLvlLbl val="0"/>
       </c:catAx>
       <c:valAx>
-        <c:axId val="408451528"/>
+        <c:axId val="34866304"/>
         <c:scaling>
           <c:orientation val="minMax"/>
           <c:max val="15000000000"/>
@@ -1321,7 +1321,7 @@
             <a:endParaRPr lang="en-US"/>
           </a:p>
         </c:txPr>
-        <c:crossAx val="408452312"/>
+        <c:crossAx val="34466816"/>
         <c:crosses val="autoZero"/>
         <c:crossBetween val="between"/>
         <c:majorUnit val="3000000000"/>
@@ -1353,7 +1353,7 @@
 <file path=ppt/charts/chart6.xml><?xml version="1.0" encoding="utf-8"?>
 <c:chartSpace xmlns:c="http://schemas.openxmlformats.org/drawingml/2006/chart" xmlns:a="http://schemas.openxmlformats.org/drawingml/2006/main" xmlns:r="http://schemas.openxmlformats.org/officeDocument/2006/relationships">
   <c:date1904 val="0"/>
-  <c:lang val="en-US"/>
+  <c:lang val="en-AU"/>
   <c:roundedCorners val="0"/>
   <mc:AlternateContent xmlns:mc="http://schemas.openxmlformats.org/markup-compatibility/2006">
     <mc:Choice xmlns:c14="http://schemas.microsoft.com/office/drawing/2007/8/2/chart" Requires="c14">
@@ -1746,8 +1746,8 @@
         </c:dLbls>
         <c:gapWidth val="180"/>
         <c:overlap val="100"/>
-        <c:axId val="735305496"/>
-        <c:axId val="735304320"/>
+        <c:axId val="34853248"/>
+        <c:axId val="34854784"/>
       </c:barChart>
       <c:scatterChart>
         <c:scatterStyle val="lineMarker"/>
@@ -1856,11 +1856,11 @@
           <c:showPercent val="0"/>
           <c:showBubbleSize val="0"/>
         </c:dLbls>
-        <c:axId val="735305496"/>
-        <c:axId val="735304320"/>
+        <c:axId val="34853248"/>
+        <c:axId val="34854784"/>
       </c:scatterChart>
       <c:catAx>
-        <c:axId val="735305496"/>
+        <c:axId val="34853248"/>
         <c:scaling>
           <c:orientation val="minMax"/>
         </c:scaling>
@@ -1877,7 +1877,7 @@
             </a:solidFill>
           </a:ln>
         </c:spPr>
-        <c:crossAx val="735304320"/>
+        <c:crossAx val="34854784"/>
         <c:crosses val="autoZero"/>
         <c:auto val="1"/>
         <c:lblAlgn val="ctr"/>
@@ -1885,7 +1885,7 @@
         <c:noMultiLvlLbl val="0"/>
       </c:catAx>
       <c:valAx>
-        <c:axId val="735304320"/>
+        <c:axId val="34854784"/>
         <c:scaling>
           <c:orientation val="minMax"/>
           <c:max val="30"/>
@@ -1915,7 +1915,7 @@
             </a:solidFill>
           </a:ln>
         </c:spPr>
-        <c:crossAx val="735305496"/>
+        <c:crossAx val="34853248"/>
         <c:crosses val="autoZero"/>
         <c:crossBetween val="between"/>
         <c:majorUnit val="10"/>
@@ -1949,7 +1949,7 @@
 <file path=ppt/charts/chart7.xml><?xml version="1.0" encoding="utf-8"?>
 <c:chartSpace xmlns:c="http://schemas.openxmlformats.org/drawingml/2006/chart" xmlns:a="http://schemas.openxmlformats.org/drawingml/2006/main" xmlns:r="http://schemas.openxmlformats.org/officeDocument/2006/relationships">
   <c:date1904 val="0"/>
-  <c:lang val="en-US"/>
+  <c:lang val="en-AU"/>
   <c:roundedCorners val="0"/>
   <mc:AlternateContent xmlns:mc="http://schemas.openxmlformats.org/markup-compatibility/2006">
     <mc:Choice xmlns:c14="http://schemas.microsoft.com/office/drawing/2007/8/2/chart" Requires="c14">
@@ -2342,8 +2342,8 @@
         </c:dLbls>
         <c:gapWidth val="180"/>
         <c:overlap val="100"/>
-        <c:axId val="729082624"/>
-        <c:axId val="729085368"/>
+        <c:axId val="35224960"/>
+        <c:axId val="35226752"/>
       </c:barChart>
       <c:scatterChart>
         <c:scatterStyle val="lineMarker"/>
@@ -2452,11 +2452,11 @@
           <c:showPercent val="0"/>
           <c:showBubbleSize val="0"/>
         </c:dLbls>
-        <c:axId val="729082624"/>
-        <c:axId val="729085368"/>
+        <c:axId val="35224960"/>
+        <c:axId val="35226752"/>
       </c:scatterChart>
       <c:catAx>
-        <c:axId val="729082624"/>
+        <c:axId val="35224960"/>
         <c:scaling>
           <c:orientation val="minMax"/>
         </c:scaling>
@@ -2473,7 +2473,7 @@
             </a:solidFill>
           </a:ln>
         </c:spPr>
-        <c:crossAx val="729085368"/>
+        <c:crossAx val="35226752"/>
         <c:crosses val="autoZero"/>
         <c:auto val="1"/>
         <c:lblAlgn val="ctr"/>
@@ -2481,7 +2481,7 @@
         <c:noMultiLvlLbl val="0"/>
       </c:catAx>
       <c:valAx>
-        <c:axId val="729085368"/>
+        <c:axId val="35226752"/>
         <c:scaling>
           <c:orientation val="minMax"/>
           <c:max val="60"/>
@@ -2511,7 +2511,7 @@
             </a:solidFill>
           </a:ln>
         </c:spPr>
-        <c:crossAx val="729082624"/>
+        <c:crossAx val="35224960"/>
         <c:crosses val="autoZero"/>
         <c:crossBetween val="between"/>
         <c:majorUnit val="10"/>
@@ -2624,7 +2624,7 @@
           <a:p>
             <a:fld id="{EFC9C15E-BCC7-7848-B45B-7DE616F22962}" type="datetimeFigureOut">
               <a:rPr lang="en-US" smtClean="0"/>
-              <a:t>10/22/2016</a:t>
+              <a:t>10/28/2016</a:t>
             </a:fld>
             <a:endParaRPr lang="en-US"/>
           </a:p>
@@ -6584,14 +6584,14 @@
           <p:nvPr>
             <p:extLst>
               <p:ext uri="{D42A27DB-BD31-4B8C-83A1-F6EECF244321}">
-                <p14:modId xmlns:p14="http://schemas.microsoft.com/office/powerpoint/2010/main" val="3646246324"/>
+                <p14:modId xmlns:p14="http://schemas.microsoft.com/office/powerpoint/2010/main" val="1866148914"/>
               </p:ext>
             </p:extLst>
           </p:nvPr>
         </p:nvGraphicFramePr>
         <p:xfrm>
           <a:off x="0" y="-28511"/>
-          <a:ext cx="9906000" cy="6782851"/>
+          <a:ext cx="9906000" cy="6691568"/>
         </p:xfrm>
         <a:graphic>
           <a:graphicData uri="http://schemas.openxmlformats.org/drawingml/2006/table">
@@ -6603,42 +6603,42 @@
                 <a:gridCol w="920552">
                   <a:extLst>
                     <a:ext uri="{9D8B030D-6E8A-4147-A177-3AD203B41FA5}">
-                      <a16:colId xmlns="" xmlns:a16="http://schemas.microsoft.com/office/drawing/2014/main" val="20000"/>
+                      <a16:colId xmlns:a16="http://schemas.microsoft.com/office/drawing/2014/main" xmlns="" val="20000"/>
                     </a:ext>
                   </a:extLst>
                 </a:gridCol>
                 <a:gridCol w="1800200">
                   <a:extLst>
                     <a:ext uri="{9D8B030D-6E8A-4147-A177-3AD203B41FA5}">
-                      <a16:colId xmlns="" xmlns:a16="http://schemas.microsoft.com/office/drawing/2014/main" val="20001"/>
+                      <a16:colId xmlns:a16="http://schemas.microsoft.com/office/drawing/2014/main" xmlns="" val="20001"/>
                     </a:ext>
                   </a:extLst>
                 </a:gridCol>
                 <a:gridCol w="1512168">
                   <a:extLst>
                     <a:ext uri="{9D8B030D-6E8A-4147-A177-3AD203B41FA5}">
-                      <a16:colId xmlns="" xmlns:a16="http://schemas.microsoft.com/office/drawing/2014/main" val="20002"/>
+                      <a16:colId xmlns:a16="http://schemas.microsoft.com/office/drawing/2014/main" xmlns="" val="20002"/>
                     </a:ext>
                   </a:extLst>
                 </a:gridCol>
                 <a:gridCol w="1944216">
                   <a:extLst>
                     <a:ext uri="{9D8B030D-6E8A-4147-A177-3AD203B41FA5}">
-                      <a16:colId xmlns="" xmlns:a16="http://schemas.microsoft.com/office/drawing/2014/main" val="20003"/>
+                      <a16:colId xmlns:a16="http://schemas.microsoft.com/office/drawing/2014/main" xmlns="" val="20003"/>
                     </a:ext>
                   </a:extLst>
                 </a:gridCol>
                 <a:gridCol w="1728192">
                   <a:extLst>
                     <a:ext uri="{9D8B030D-6E8A-4147-A177-3AD203B41FA5}">
-                      <a16:colId xmlns="" xmlns:a16="http://schemas.microsoft.com/office/drawing/2014/main" val="20004"/>
+                      <a16:colId xmlns:a16="http://schemas.microsoft.com/office/drawing/2014/main" xmlns="" val="20004"/>
                     </a:ext>
                   </a:extLst>
                 </a:gridCol>
                 <a:gridCol w="2000672">
                   <a:extLst>
                     <a:ext uri="{9D8B030D-6E8A-4147-A177-3AD203B41FA5}">
-                      <a16:colId xmlns="" xmlns:a16="http://schemas.microsoft.com/office/drawing/2014/main" val="20005"/>
+                      <a16:colId xmlns:a16="http://schemas.microsoft.com/office/drawing/2014/main" xmlns="" val="20005"/>
                     </a:ext>
                   </a:extLst>
                 </a:gridCol>
@@ -6953,11 +6953,11 @@
                 </a:tc>
                 <a:extLst>
                   <a:ext uri="{0D108BD9-81ED-4DB2-BD59-A6C34878D82A}">
-                    <a16:rowId xmlns="" xmlns:a16="http://schemas.microsoft.com/office/drawing/2014/main" val="10000"/>
+                    <a16:rowId xmlns:a16="http://schemas.microsoft.com/office/drawing/2014/main" xmlns="" val="10000"/>
                   </a:ext>
                 </a:extLst>
               </a:tr>
-              <a:tr h="525533">
+              <a:tr h="649918">
                 <a:tc>
                   <a:txBody>
                     <a:bodyPr/>
@@ -7287,11 +7287,11 @@
                 </a:tc>
                 <a:extLst>
                   <a:ext uri="{0D108BD9-81ED-4DB2-BD59-A6C34878D82A}">
-                    <a16:rowId xmlns="" xmlns:a16="http://schemas.microsoft.com/office/drawing/2014/main" val="10001"/>
+                    <a16:rowId xmlns:a16="http://schemas.microsoft.com/office/drawing/2014/main" xmlns="" val="10001"/>
                   </a:ext>
                 </a:extLst>
               </a:tr>
-              <a:tr h="196393">
+              <a:tr h="52377">
                 <a:tc>
                   <a:txBody>
                     <a:bodyPr/>
@@ -7525,11 +7525,11 @@
                 </a:tc>
                 <a:extLst>
                   <a:ext uri="{0D108BD9-81ED-4DB2-BD59-A6C34878D82A}">
-                    <a16:rowId xmlns="" xmlns:a16="http://schemas.microsoft.com/office/drawing/2014/main" val="10002"/>
+                    <a16:rowId xmlns:a16="http://schemas.microsoft.com/office/drawing/2014/main" xmlns="" val="10002"/>
                   </a:ext>
                 </a:extLst>
               </a:tr>
-              <a:tr h="936104">
+              <a:tr h="1050780">
                 <a:tc>
                   <a:txBody>
                     <a:bodyPr/>
@@ -7547,24 +7547,7 @@
                         </a:spcAft>
                       </a:pPr>
                       <a:r>
-                        <a:rPr lang="en-AU" sz="2200" dirty="0">
-                          <a:solidFill>
-                            <a:schemeClr val="tx1"/>
-                          </a:solidFill>
-                          <a:effectLst/>
-                        </a:rPr>
-                        <a:t/>
-                      </a:r>
-                      <a:br>
-                        <a:rPr lang="en-AU" sz="2200" dirty="0">
-                          <a:solidFill>
-                            <a:schemeClr val="tx1"/>
-                          </a:solidFill>
-                          <a:effectLst/>
-                        </a:rPr>
-                      </a:br>
-                      <a:r>
-                        <a:rPr lang="en-AU" sz="2200" dirty="0" err="1">
+                        <a:rPr lang="en-AU" sz="1800" dirty="0" err="1" smtClean="0">
                           <a:solidFill>
                             <a:schemeClr val="tx1"/>
                           </a:solidFill>
@@ -7572,7 +7555,7 @@
                         </a:rPr>
                         <a:t>C’wlth</a:t>
                       </a:r>
-                      <a:endParaRPr lang="en-AU" sz="2200" dirty="0">
+                      <a:endParaRPr lang="en-AU" sz="1800" dirty="0">
                         <a:solidFill>
                           <a:schemeClr val="tx1"/>
                         </a:solidFill>
@@ -7667,7 +7650,7 @@
                 </a:tc>
                 <a:extLst>
                   <a:ext uri="{0D108BD9-81ED-4DB2-BD59-A6C34878D82A}">
-                    <a16:rowId xmlns="" xmlns:a16="http://schemas.microsoft.com/office/drawing/2014/main" val="10003"/>
+                    <a16:rowId xmlns:a16="http://schemas.microsoft.com/office/drawing/2014/main" xmlns="" val="10003"/>
                   </a:ext>
                 </a:extLst>
               </a:tr>
@@ -7676,28 +7659,6 @@
                   <a:txBody>
                     <a:bodyPr/>
                     <a:lstStyle/>
-                    <a:p>
-                      <a:pPr marL="540385" algn="r">
-                        <a:lnSpc>
-                          <a:spcPct val="115000"/>
-                        </a:lnSpc>
-                        <a:spcBef>
-                          <a:spcPts val="1200"/>
-                        </a:spcBef>
-                        <a:spcAft>
-                          <a:spcPts val="0"/>
-                        </a:spcAft>
-                      </a:pPr>
-                      <a:r>
-                        <a:rPr lang="en-AU" sz="2200" dirty="0">
-                          <a:solidFill>
-                            <a:schemeClr val="tx1"/>
-                          </a:solidFill>
-                          <a:effectLst/>
-                        </a:rPr>
-                        <a:t> </a:t>
-                      </a:r>
-                    </a:p>
                     <a:p>
                       <a:pPr marL="0" indent="0" algn="r">
                         <a:lnSpc>
@@ -7711,7 +7672,7 @@
                         </a:spcAft>
                       </a:pPr>
                       <a:r>
-                        <a:rPr lang="en-AU" sz="2200" dirty="0">
+                        <a:rPr lang="en-AU" sz="1800" dirty="0" smtClean="0">
                           <a:solidFill>
                             <a:schemeClr val="tx1"/>
                           </a:solidFill>
@@ -7719,7 +7680,7 @@
                         </a:rPr>
                         <a:t>NSW</a:t>
                       </a:r>
-                      <a:endParaRPr lang="en-AU" sz="2200" dirty="0">
+                      <a:endParaRPr lang="en-AU" sz="1800" dirty="0">
                         <a:solidFill>
                           <a:schemeClr val="tx1"/>
                         </a:solidFill>
@@ -7785,11 +7746,11 @@
                 </a:tc>
                 <a:extLst>
                   <a:ext uri="{0D108BD9-81ED-4DB2-BD59-A6C34878D82A}">
-                    <a16:rowId xmlns="" xmlns:a16="http://schemas.microsoft.com/office/drawing/2014/main" val="10004"/>
+                    <a16:rowId xmlns:a16="http://schemas.microsoft.com/office/drawing/2014/main" xmlns="" val="10004"/>
                   </a:ext>
                 </a:extLst>
               </a:tr>
-              <a:tr h="1008112">
+              <a:tr h="834756">
                 <a:tc>
                   <a:txBody>
                     <a:bodyPr/>
@@ -7807,24 +7768,7 @@
                         </a:spcAft>
                       </a:pPr>
                       <a:r>
-                        <a:rPr lang="en-AU" sz="2200" dirty="0">
-                          <a:solidFill>
-                            <a:schemeClr val="tx1"/>
-                          </a:solidFill>
-                          <a:effectLst/>
-                        </a:rPr>
-                        <a:t/>
-                      </a:r>
-                      <a:br>
-                        <a:rPr lang="en-AU" sz="2200" dirty="0">
-                          <a:solidFill>
-                            <a:schemeClr val="tx1"/>
-                          </a:solidFill>
-                          <a:effectLst/>
-                        </a:rPr>
-                      </a:br>
-                      <a:r>
-                        <a:rPr lang="en-AU" sz="2200" dirty="0">
+                        <a:rPr lang="en-AU" sz="1800" dirty="0" smtClean="0">
                           <a:solidFill>
                             <a:schemeClr val="tx1"/>
                           </a:solidFill>
@@ -7832,6 +7776,12 @@
                         </a:rPr>
                         <a:t>VIC</a:t>
                       </a:r>
+                      <a:endParaRPr lang="en-AU" sz="1800" dirty="0">
+                        <a:solidFill>
+                          <a:schemeClr val="tx1"/>
+                        </a:solidFill>
+                        <a:effectLst/>
+                      </a:endParaRPr>
                     </a:p>
                     <a:p>
                       <a:pPr marL="540385" algn="ctr">
@@ -7846,7 +7796,7 @@
                         </a:spcAft>
                       </a:pPr>
                       <a:r>
-                        <a:rPr lang="en-AU" sz="2200" dirty="0">
+                        <a:rPr lang="en-AU" sz="1800" dirty="0">
                           <a:solidFill>
                             <a:schemeClr val="tx1"/>
                           </a:solidFill>
@@ -7854,7 +7804,7 @@
                         </a:rPr>
                         <a:t> </a:t>
                       </a:r>
-                      <a:endParaRPr lang="en-AU" sz="2200" dirty="0">
+                      <a:endParaRPr lang="en-AU" sz="1800" dirty="0">
                         <a:solidFill>
                           <a:schemeClr val="tx1"/>
                         </a:solidFill>
@@ -7920,7 +7870,7 @@
                 </a:tc>
                 <a:extLst>
                   <a:ext uri="{0D108BD9-81ED-4DB2-BD59-A6C34878D82A}">
-                    <a16:rowId xmlns="" xmlns:a16="http://schemas.microsoft.com/office/drawing/2014/main" val="10005"/>
+                    <a16:rowId xmlns:a16="http://schemas.microsoft.com/office/drawing/2014/main" xmlns="" val="10005"/>
                   </a:ext>
                 </a:extLst>
               </a:tr>
@@ -7942,7 +7892,7 @@
                         </a:spcAft>
                       </a:pPr>
                       <a:r>
-                        <a:rPr lang="en-AU" sz="2200" dirty="0">
+                        <a:rPr lang="en-AU" sz="1800" dirty="0">
                           <a:solidFill>
                             <a:schemeClr val="tx1"/>
                           </a:solidFill>
@@ -7950,7 +7900,7 @@
                         </a:rPr>
                         <a:t>QLD</a:t>
                       </a:r>
-                      <a:endParaRPr lang="en-AU" sz="2200" dirty="0">
+                      <a:endParaRPr lang="en-AU" sz="1800" dirty="0">
                         <a:solidFill>
                           <a:schemeClr val="tx1"/>
                         </a:solidFill>
@@ -8016,17 +7966,17 @@
                 </a:tc>
                 <a:extLst>
                   <a:ext uri="{0D108BD9-81ED-4DB2-BD59-A6C34878D82A}">
-                    <a16:rowId xmlns="" xmlns:a16="http://schemas.microsoft.com/office/drawing/2014/main" val="10006"/>
+                    <a16:rowId xmlns:a16="http://schemas.microsoft.com/office/drawing/2014/main" xmlns="" val="10006"/>
                   </a:ext>
                 </a:extLst>
               </a:tr>
-              <a:tr h="792088">
+              <a:tr h="936104">
                 <a:tc>
                   <a:txBody>
                     <a:bodyPr/>
                     <a:lstStyle/>
                     <a:p>
-                      <a:pPr marL="540385" algn="r">
+                      <a:pPr marL="539750" indent="-361950" algn="r">
                         <a:lnSpc>
                           <a:spcPct val="115000"/>
                         </a:lnSpc>
@@ -8038,7 +7988,7 @@
                         </a:spcAft>
                       </a:pPr>
                       <a:r>
-                        <a:rPr lang="en-AU" sz="2200" dirty="0">
+                        <a:rPr lang="en-AU" sz="1800" dirty="0">
                           <a:solidFill>
                             <a:schemeClr val="tx1"/>
                           </a:solidFill>
@@ -8046,7 +7996,7 @@
                         </a:rPr>
                         <a:t>WA</a:t>
                       </a:r>
-                      <a:endParaRPr lang="en-AU" sz="2200" dirty="0">
+                      <a:endParaRPr lang="en-AU" sz="1800" dirty="0">
                         <a:solidFill>
                           <a:schemeClr val="tx1"/>
                         </a:solidFill>
@@ -8112,7 +8062,7 @@
                 </a:tc>
                 <a:extLst>
                   <a:ext uri="{0D108BD9-81ED-4DB2-BD59-A6C34878D82A}">
-                    <a16:rowId xmlns="" xmlns:a16="http://schemas.microsoft.com/office/drawing/2014/main" val="10007"/>
+                    <a16:rowId xmlns:a16="http://schemas.microsoft.com/office/drawing/2014/main" xmlns="" val="10007"/>
                   </a:ext>
                 </a:extLst>
               </a:tr>
@@ -8134,24 +8084,7 @@
                         </a:spcAft>
                       </a:pPr>
                       <a:r>
-                        <a:rPr lang="en-AU" sz="2200" dirty="0">
-                          <a:solidFill>
-                            <a:schemeClr val="tx1"/>
-                          </a:solidFill>
-                          <a:effectLst/>
-                        </a:rPr>
-                        <a:t/>
-                      </a:r>
-                      <a:br>
-                        <a:rPr lang="en-AU" sz="2200" dirty="0">
-                          <a:solidFill>
-                            <a:schemeClr val="tx1"/>
-                          </a:solidFill>
-                          <a:effectLst/>
-                        </a:rPr>
-                      </a:br>
-                      <a:r>
-                        <a:rPr lang="en-AU" sz="2200" dirty="0">
+                        <a:rPr lang="en-AU" sz="1800" dirty="0" smtClean="0">
                           <a:solidFill>
                             <a:schemeClr val="tx1"/>
                           </a:solidFill>
@@ -8159,7 +8092,7 @@
                         </a:rPr>
                         <a:t>SA</a:t>
                       </a:r>
-                      <a:endParaRPr lang="en-AU" sz="2200" dirty="0">
+                      <a:endParaRPr lang="en-AU" sz="1800" dirty="0">
                         <a:solidFill>
                           <a:schemeClr val="tx1"/>
                         </a:solidFill>
@@ -8234,7 +8167,7 @@
                 </a:tc>
                 <a:extLst>
                   <a:ext uri="{0D108BD9-81ED-4DB2-BD59-A6C34878D82A}">
-                    <a16:rowId xmlns="" xmlns:a16="http://schemas.microsoft.com/office/drawing/2014/main" val="10008"/>
+                    <a16:rowId xmlns:a16="http://schemas.microsoft.com/office/drawing/2014/main" xmlns="" val="10008"/>
                   </a:ext>
                 </a:extLst>
               </a:tr>
@@ -8244,7 +8177,7 @@
       </p:graphicFrame>
       <p:pic>
         <p:nvPicPr>
-          <p:cNvPr id="1025" name="Picture 11"/>
+          <p:cNvPr id="1026" name="Picture 2"/>
           <p:cNvPicPr>
             <a:picLocks noChangeAspect="1" noChangeArrowheads="1"/>
           </p:cNvPicPr>
@@ -8265,20 +8198,43 @@
         </p:blipFill>
         <p:spPr bwMode="auto">
           <a:xfrm>
-            <a:off x="984278" y="980728"/>
-            <a:ext cx="8939595" cy="5316079"/>
+            <a:off x="920552" y="1033954"/>
+            <a:ext cx="9004378" cy="5347374"/>
           </a:xfrm>
           <a:prstGeom prst="rect">
             <a:avLst/>
           </a:prstGeom>
           <a:noFill/>
+          <a:ln>
+            <a:noFill/>
+          </a:ln>
+          <a:effectLst/>
           <a:extLst>
             <a:ext uri="{909E8E84-426E-40DD-AFC4-6F175D3DCCD1}">
               <a14:hiddenFill xmlns:a14="http://schemas.microsoft.com/office/drawing/2010/main">
                 <a:solidFill>
-                  <a:srgbClr val="FFFFFF"/>
+                  <a:schemeClr val="accent1"/>
                 </a:solidFill>
               </a14:hiddenFill>
+            </a:ext>
+            <a:ext uri="{91240B29-F687-4F45-9708-019B960494DF}">
+              <a14:hiddenLine xmlns:a14="http://schemas.microsoft.com/office/drawing/2010/main" w="9525">
+                <a:solidFill>
+                  <a:schemeClr val="tx1"/>
+                </a:solidFill>
+                <a:miter lim="800000"/>
+                <a:headEnd/>
+                <a:tailEnd/>
+              </a14:hiddenLine>
+            </a:ext>
+            <a:ext uri="{AF507438-7753-43E0-B8FC-AC1667EBCBE1}">
+              <a14:hiddenEffects xmlns:a14="http://schemas.microsoft.com/office/drawing/2010/main">
+                <a:effectLst>
+                  <a:outerShdw dist="35921" dir="2700000" algn="ctr" rotWithShape="0">
+                    <a:schemeClr val="bg2"/>
+                  </a:outerShdw>
+                </a:effectLst>
+              </a14:hiddenEffects>
             </a:ext>
           </a:extLst>
         </p:spPr>
@@ -8724,35 +8680,35 @@
                 <a:gridCol w="1584176">
                   <a:extLst>
                     <a:ext uri="{9D8B030D-6E8A-4147-A177-3AD203B41FA5}">
-                      <a16:colId xmlns="" xmlns:a16="http://schemas.microsoft.com/office/drawing/2014/main" val="20000"/>
+                      <a16:colId xmlns:a16="http://schemas.microsoft.com/office/drawing/2014/main" xmlns="" val="20000"/>
                     </a:ext>
                   </a:extLst>
                 </a:gridCol>
                 <a:gridCol w="1890881">
                   <a:extLst>
                     <a:ext uri="{9D8B030D-6E8A-4147-A177-3AD203B41FA5}">
-                      <a16:colId xmlns="" xmlns:a16="http://schemas.microsoft.com/office/drawing/2014/main" val="20001"/>
+                      <a16:colId xmlns:a16="http://schemas.microsoft.com/office/drawing/2014/main" xmlns="" val="20001"/>
                     </a:ext>
                   </a:extLst>
                 </a:gridCol>
                 <a:gridCol w="1937289">
                   <a:extLst>
                     <a:ext uri="{9D8B030D-6E8A-4147-A177-3AD203B41FA5}">
-                      <a16:colId xmlns="" xmlns:a16="http://schemas.microsoft.com/office/drawing/2014/main" val="20002"/>
+                      <a16:colId xmlns:a16="http://schemas.microsoft.com/office/drawing/2014/main" xmlns="" val="20002"/>
                     </a:ext>
                   </a:extLst>
                 </a:gridCol>
                 <a:gridCol w="1937289">
                   <a:extLst>
                     <a:ext uri="{9D8B030D-6E8A-4147-A177-3AD203B41FA5}">
-                      <a16:colId xmlns="" xmlns:a16="http://schemas.microsoft.com/office/drawing/2014/main" val="20003"/>
+                      <a16:colId xmlns:a16="http://schemas.microsoft.com/office/drawing/2014/main" xmlns="" val="20003"/>
                     </a:ext>
                   </a:extLst>
                 </a:gridCol>
                 <a:gridCol w="2571918">
                   <a:extLst>
                     <a:ext uri="{9D8B030D-6E8A-4147-A177-3AD203B41FA5}">
-                      <a16:colId xmlns="" xmlns:a16="http://schemas.microsoft.com/office/drawing/2014/main" val="20004"/>
+                      <a16:colId xmlns:a16="http://schemas.microsoft.com/office/drawing/2014/main" xmlns="" val="20004"/>
                     </a:ext>
                   </a:extLst>
                 </a:gridCol>
@@ -9005,7 +8961,7 @@
                 </a:tc>
                 <a:extLst>
                   <a:ext uri="{0D108BD9-81ED-4DB2-BD59-A6C34878D82A}">
-                    <a16:rowId xmlns="" xmlns:a16="http://schemas.microsoft.com/office/drawing/2014/main" val="10000"/>
+                    <a16:rowId xmlns:a16="http://schemas.microsoft.com/office/drawing/2014/main" xmlns="" val="10000"/>
                   </a:ext>
                 </a:extLst>
               </a:tr>
@@ -9359,7 +9315,7 @@
                 </a:tc>
                 <a:extLst>
                   <a:ext uri="{0D108BD9-81ED-4DB2-BD59-A6C34878D82A}">
-                    <a16:rowId xmlns="" xmlns:a16="http://schemas.microsoft.com/office/drawing/2014/main" val="10001"/>
+                    <a16:rowId xmlns:a16="http://schemas.microsoft.com/office/drawing/2014/main" xmlns="" val="10001"/>
                   </a:ext>
                 </a:extLst>
               </a:tr>
@@ -9653,7 +9609,7 @@
                 </a:tc>
                 <a:extLst>
                   <a:ext uri="{0D108BD9-81ED-4DB2-BD59-A6C34878D82A}">
-                    <a16:rowId xmlns="" xmlns:a16="http://schemas.microsoft.com/office/drawing/2014/main" val="10002"/>
+                    <a16:rowId xmlns:a16="http://schemas.microsoft.com/office/drawing/2014/main" xmlns="" val="10002"/>
                   </a:ext>
                 </a:extLst>
               </a:tr>
@@ -10007,7 +9963,7 @@
                 </a:tc>
                 <a:extLst>
                   <a:ext uri="{0D108BD9-81ED-4DB2-BD59-A6C34878D82A}">
-                    <a16:rowId xmlns="" xmlns:a16="http://schemas.microsoft.com/office/drawing/2014/main" val="10003"/>
+                    <a16:rowId xmlns:a16="http://schemas.microsoft.com/office/drawing/2014/main" xmlns="" val="10003"/>
                   </a:ext>
                 </a:extLst>
               </a:tr>
@@ -10361,7 +10317,7 @@
                 </a:tc>
                 <a:extLst>
                   <a:ext uri="{0D108BD9-81ED-4DB2-BD59-A6C34878D82A}">
-                    <a16:rowId xmlns="" xmlns:a16="http://schemas.microsoft.com/office/drawing/2014/main" val="10004"/>
+                    <a16:rowId xmlns:a16="http://schemas.microsoft.com/office/drawing/2014/main" xmlns="" val="10004"/>
                   </a:ext>
                 </a:extLst>
               </a:tr>
@@ -10715,7 +10671,7 @@
                 </a:tc>
                 <a:extLst>
                   <a:ext uri="{0D108BD9-81ED-4DB2-BD59-A6C34878D82A}">
-                    <a16:rowId xmlns="" xmlns:a16="http://schemas.microsoft.com/office/drawing/2014/main" val="10005"/>
+                    <a16:rowId xmlns:a16="http://schemas.microsoft.com/office/drawing/2014/main" xmlns="" val="10005"/>
                   </a:ext>
                 </a:extLst>
               </a:tr>
@@ -11069,7 +11025,7 @@
                 </a:tc>
                 <a:extLst>
                   <a:ext uri="{0D108BD9-81ED-4DB2-BD59-A6C34878D82A}">
-                    <a16:rowId xmlns="" xmlns:a16="http://schemas.microsoft.com/office/drawing/2014/main" val="10006"/>
+                    <a16:rowId xmlns:a16="http://schemas.microsoft.com/office/drawing/2014/main" xmlns="" val="10006"/>
                   </a:ext>
                 </a:extLst>
               </a:tr>
@@ -11423,7 +11379,7 @@
                 </a:tc>
                 <a:extLst>
                   <a:ext uri="{0D108BD9-81ED-4DB2-BD59-A6C34878D82A}">
-                    <a16:rowId xmlns="" xmlns:a16="http://schemas.microsoft.com/office/drawing/2014/main" val="10007"/>
+                    <a16:rowId xmlns:a16="http://schemas.microsoft.com/office/drawing/2014/main" xmlns="" val="10007"/>
                   </a:ext>
                 </a:extLst>
               </a:tr>

--- a/atlas/AppendixCharts.pptx
+++ b/atlas/AppendixCharts.pptx
@@ -12,8 +12,8 @@
     <p:handoutMasterId r:id="rId14"/>
   </p:handoutMasterIdLst>
   <p:sldIdLst>
-    <p:sldId id="873" r:id="rId3"/>
-    <p:sldId id="883" r:id="rId4"/>
+    <p:sldId id="885" r:id="rId3"/>
+    <p:sldId id="889" r:id="rId4"/>
     <p:sldId id="874" r:id="rId5"/>
     <p:sldId id="875" r:id="rId6"/>
     <p:sldId id="876" r:id="rId7"/>
@@ -189,7 +189,7 @@
 </file>
 
 <file path=ppt/charts/chart1.xml><?xml version="1.0" encoding="utf-8"?>
-<c:chartSpace xmlns:c="http://schemas.openxmlformats.org/drawingml/2006/chart" xmlns:a="http://schemas.openxmlformats.org/drawingml/2006/main" xmlns:r="http://schemas.openxmlformats.org/officeDocument/2006/relationships">
+<c:chartSpace xmlns:c="http://schemas.openxmlformats.org/drawingml/2006/chart" xmlns:a="http://schemas.openxmlformats.org/drawingml/2006/main" xmlns:r="http://schemas.openxmlformats.org/officeDocument/2006/relationships" xmlns:c16r2="http://schemas.microsoft.com/office/drawing/2015/06/chart">
   <c:date1904 val="0"/>
   <c:lang val="en-US"/>
   <c:roundedCorners val="0"/>
@@ -258,7 +258,7 @@
               </c:numCache>
             </c:numRef>
           </c:val>
-          <c:extLst xmlns:c16r2="http://schemas.microsoft.com/office/drawing/2015/06/chart">
+          <c:extLst>
             <c:ext xmlns:c16="http://schemas.microsoft.com/office/drawing/2014/chart" uri="{C3380CC4-5D6E-409C-BE32-E72D297353CC}">
               <c16:uniqueId val="{00000000-AA54-4E5A-B780-6B0C36017FC2}"/>
             </c:ext>
@@ -320,7 +320,7 @@
               </c:numCache>
             </c:numRef>
           </c:val>
-          <c:extLst xmlns:c16r2="http://schemas.microsoft.com/office/drawing/2015/06/chart">
+          <c:extLst>
             <c:ext xmlns:c16="http://schemas.microsoft.com/office/drawing/2014/chart" uri="{C3380CC4-5D6E-409C-BE32-E72D297353CC}">
               <c16:uniqueId val="{00000001-AA54-4E5A-B780-6B0C36017FC2}"/>
             </c:ext>
@@ -334,11 +334,11 @@
           <c:showPercent val="0"/>
           <c:showBubbleSize val="0"/>
         </c:dLbls>
-        <c:axId val="477941648"/>
-        <c:axId val="477937728"/>
+        <c:axId val="165472896"/>
+        <c:axId val="179831168"/>
       </c:areaChart>
       <c:catAx>
-        <c:axId val="477941648"/>
+        <c:axId val="165472896"/>
         <c:scaling>
           <c:orientation val="minMax"/>
         </c:scaling>
@@ -348,7 +348,7 @@
         <c:majorTickMark val="out"/>
         <c:minorTickMark val="none"/>
         <c:tickLblPos val="nextTo"/>
-        <c:crossAx val="477937728"/>
+        <c:crossAx val="179831168"/>
         <c:crosses val="autoZero"/>
         <c:auto val="1"/>
         <c:lblAlgn val="ctr"/>
@@ -356,7 +356,7 @@
         <c:noMultiLvlLbl val="0"/>
       </c:catAx>
       <c:valAx>
-        <c:axId val="477937728"/>
+        <c:axId val="179831168"/>
         <c:scaling>
           <c:orientation val="minMax"/>
           <c:max val="100"/>
@@ -394,7 +394,7 @@
             <a:endParaRPr lang="en-US"/>
           </a:p>
         </c:txPr>
-        <c:crossAx val="477941648"/>
+        <c:crossAx val="165472896"/>
         <c:crosses val="autoZero"/>
         <c:crossBetween val="midCat"/>
         <c:majorUnit val="25"/>
@@ -421,7 +421,7 @@
 </file>
 
 <file path=ppt/charts/chart2.xml><?xml version="1.0" encoding="utf-8"?>
-<c:chartSpace xmlns:c="http://schemas.openxmlformats.org/drawingml/2006/chart" xmlns:a="http://schemas.openxmlformats.org/drawingml/2006/main" xmlns:r="http://schemas.openxmlformats.org/officeDocument/2006/relationships">
+<c:chartSpace xmlns:c="http://schemas.openxmlformats.org/drawingml/2006/chart" xmlns:a="http://schemas.openxmlformats.org/drawingml/2006/main" xmlns:r="http://schemas.openxmlformats.org/officeDocument/2006/relationships" xmlns:c16r2="http://schemas.microsoft.com/office/drawing/2015/06/chart">
   <c:date1904 val="0"/>
   <c:lang val="en-US"/>
   <c:roundedCorners val="0"/>
@@ -475,7 +475,7 @@
               </c:numCache>
             </c:numRef>
           </c:val>
-          <c:extLst xmlns:c16r2="http://schemas.microsoft.com/office/drawing/2015/06/chart">
+          <c:extLst>
             <c:ext xmlns:c16="http://schemas.microsoft.com/office/drawing/2014/chart" uri="{C3380CC4-5D6E-409C-BE32-E72D297353CC}">
               <c16:uniqueId val="{00000000-98DA-4AD5-BDF6-019FFEDAD103}"/>
             </c:ext>
@@ -522,7 +522,7 @@
               </c:numCache>
             </c:numRef>
           </c:val>
-          <c:extLst xmlns:c16r2="http://schemas.microsoft.com/office/drawing/2015/06/chart">
+          <c:extLst>
             <c:ext xmlns:c16="http://schemas.microsoft.com/office/drawing/2014/chart" uri="{C3380CC4-5D6E-409C-BE32-E72D297353CC}">
               <c16:uniqueId val="{00000001-98DA-4AD5-BDF6-019FFEDAD103}"/>
             </c:ext>
@@ -536,11 +536,11 @@
           <c:showPercent val="0"/>
           <c:showBubbleSize val="0"/>
         </c:dLbls>
-        <c:axId val="477936944"/>
-        <c:axId val="477936552"/>
+        <c:axId val="179893376"/>
+        <c:axId val="179894912"/>
       </c:areaChart>
       <c:catAx>
-        <c:axId val="477936944"/>
+        <c:axId val="179893376"/>
         <c:scaling>
           <c:orientation val="minMax"/>
         </c:scaling>
@@ -550,7 +550,7 @@
         <c:majorTickMark val="out"/>
         <c:minorTickMark val="none"/>
         <c:tickLblPos val="nextTo"/>
-        <c:crossAx val="477936552"/>
+        <c:crossAx val="179894912"/>
         <c:crosses val="autoZero"/>
         <c:auto val="1"/>
         <c:lblAlgn val="ctr"/>
@@ -558,7 +558,7 @@
         <c:noMultiLvlLbl val="0"/>
       </c:catAx>
       <c:valAx>
-        <c:axId val="477936552"/>
+        <c:axId val="179894912"/>
         <c:scaling>
           <c:orientation val="minMax"/>
           <c:max val="100"/>
@@ -600,7 +600,7 @@
             <a:endParaRPr lang="en-US"/>
           </a:p>
         </c:txPr>
-        <c:crossAx val="477936944"/>
+        <c:crossAx val="179893376"/>
         <c:crosses val="autoZero"/>
         <c:crossBetween val="midCat"/>
         <c:majorUnit val="25"/>
@@ -627,7 +627,7 @@
 </file>
 
 <file path=ppt/charts/chart3.xml><?xml version="1.0" encoding="utf-8"?>
-<c:chartSpace xmlns:c="http://schemas.openxmlformats.org/drawingml/2006/chart" xmlns:a="http://schemas.openxmlformats.org/drawingml/2006/main" xmlns:r="http://schemas.openxmlformats.org/officeDocument/2006/relationships">
+<c:chartSpace xmlns:c="http://schemas.openxmlformats.org/drawingml/2006/chart" xmlns:a="http://schemas.openxmlformats.org/drawingml/2006/main" xmlns:r="http://schemas.openxmlformats.org/officeDocument/2006/relationships" xmlns:c16r2="http://schemas.microsoft.com/office/drawing/2015/06/chart">
   <c:date1904 val="0"/>
   <c:lang val="en-US"/>
   <c:roundedCorners val="0"/>
@@ -681,7 +681,7 @@
               </c:numCache>
             </c:numRef>
           </c:val>
-          <c:extLst xmlns:c16r2="http://schemas.microsoft.com/office/drawing/2015/06/chart">
+          <c:extLst>
             <c:ext xmlns:c16="http://schemas.microsoft.com/office/drawing/2014/chart" uri="{C3380CC4-5D6E-409C-BE32-E72D297353CC}">
               <c16:uniqueId val="{00000000-15D1-4886-8E15-404F727AADF7}"/>
             </c:ext>
@@ -728,7 +728,7 @@
               </c:numCache>
             </c:numRef>
           </c:val>
-          <c:extLst xmlns:c16r2="http://schemas.microsoft.com/office/drawing/2015/06/chart">
+          <c:extLst>
             <c:ext xmlns:c16="http://schemas.microsoft.com/office/drawing/2014/chart" uri="{C3380CC4-5D6E-409C-BE32-E72D297353CC}">
               <c16:uniqueId val="{00000001-15D1-4886-8E15-404F727AADF7}"/>
             </c:ext>
@@ -742,11 +742,11 @@
           <c:showPercent val="0"/>
           <c:showBubbleSize val="0"/>
         </c:dLbls>
-        <c:axId val="477938512"/>
-        <c:axId val="477942432"/>
+        <c:axId val="179916160"/>
+        <c:axId val="179922048"/>
       </c:areaChart>
       <c:catAx>
-        <c:axId val="477938512"/>
+        <c:axId val="179916160"/>
         <c:scaling>
           <c:orientation val="minMax"/>
         </c:scaling>
@@ -756,7 +756,7 @@
         <c:majorTickMark val="out"/>
         <c:minorTickMark val="none"/>
         <c:tickLblPos val="nextTo"/>
-        <c:crossAx val="477942432"/>
+        <c:crossAx val="179922048"/>
         <c:crosses val="autoZero"/>
         <c:auto val="1"/>
         <c:lblAlgn val="ctr"/>
@@ -764,7 +764,7 @@
         <c:noMultiLvlLbl val="0"/>
       </c:catAx>
       <c:valAx>
-        <c:axId val="477942432"/>
+        <c:axId val="179922048"/>
         <c:scaling>
           <c:orientation val="minMax"/>
           <c:max val="100"/>
@@ -802,7 +802,7 @@
             <a:endParaRPr lang="en-US"/>
           </a:p>
         </c:txPr>
-        <c:crossAx val="477938512"/>
+        <c:crossAx val="179916160"/>
         <c:crosses val="autoZero"/>
         <c:crossBetween val="midCat"/>
         <c:majorUnit val="25"/>
@@ -829,7 +829,7 @@
 </file>
 
 <file path=ppt/charts/chart4.xml><?xml version="1.0" encoding="utf-8"?>
-<c:chartSpace xmlns:c="http://schemas.openxmlformats.org/drawingml/2006/chart" xmlns:a="http://schemas.openxmlformats.org/drawingml/2006/main" xmlns:r="http://schemas.openxmlformats.org/officeDocument/2006/relationships">
+<c:chartSpace xmlns:c="http://schemas.openxmlformats.org/drawingml/2006/chart" xmlns:a="http://schemas.openxmlformats.org/drawingml/2006/main" xmlns:r="http://schemas.openxmlformats.org/officeDocument/2006/relationships" xmlns:c16r2="http://schemas.microsoft.com/office/drawing/2015/06/chart">
   <c:date1904 val="0"/>
   <c:lang val="en-US"/>
   <c:roundedCorners val="0"/>
@@ -883,7 +883,7 @@
               </c:numCache>
             </c:numRef>
           </c:val>
-          <c:extLst xmlns:c16r2="http://schemas.microsoft.com/office/drawing/2015/06/chart">
+          <c:extLst>
             <c:ext xmlns:c16="http://schemas.microsoft.com/office/drawing/2014/chart" uri="{C3380CC4-5D6E-409C-BE32-E72D297353CC}">
               <c16:uniqueId val="{00000000-EDCD-4E1F-A002-2D923E9A4BB9}"/>
             </c:ext>
@@ -930,7 +930,7 @@
               </c:numCache>
             </c:numRef>
           </c:val>
-          <c:extLst xmlns:c16r2="http://schemas.microsoft.com/office/drawing/2015/06/chart">
+          <c:extLst>
             <c:ext xmlns:c16="http://schemas.microsoft.com/office/drawing/2014/chart" uri="{C3380CC4-5D6E-409C-BE32-E72D297353CC}">
               <c16:uniqueId val="{00000001-EDCD-4E1F-A002-2D923E9A4BB9}"/>
             </c:ext>
@@ -944,11 +944,11 @@
           <c:showPercent val="0"/>
           <c:showBubbleSize val="0"/>
         </c:dLbls>
-        <c:axId val="408453096"/>
-        <c:axId val="408452704"/>
+        <c:axId val="180832128"/>
+        <c:axId val="180833664"/>
       </c:areaChart>
       <c:catAx>
-        <c:axId val="408453096"/>
+        <c:axId val="180832128"/>
         <c:scaling>
           <c:orientation val="minMax"/>
         </c:scaling>
@@ -958,7 +958,7 @@
         <c:majorTickMark val="out"/>
         <c:minorTickMark val="none"/>
         <c:tickLblPos val="nextTo"/>
-        <c:crossAx val="408452704"/>
+        <c:crossAx val="180833664"/>
         <c:crosses val="autoZero"/>
         <c:auto val="1"/>
         <c:lblAlgn val="ctr"/>
@@ -966,7 +966,7 @@
         <c:noMultiLvlLbl val="0"/>
       </c:catAx>
       <c:valAx>
-        <c:axId val="408452704"/>
+        <c:axId val="180833664"/>
         <c:scaling>
           <c:orientation val="minMax"/>
           <c:max val="100"/>
@@ -1008,7 +1008,7 @@
             <a:endParaRPr lang="en-US"/>
           </a:p>
         </c:txPr>
-        <c:crossAx val="408453096"/>
+        <c:crossAx val="180832128"/>
         <c:crosses val="autoZero"/>
         <c:crossBetween val="midCat"/>
         <c:majorUnit val="25"/>
@@ -1035,7 +1035,7 @@
 </file>
 
 <file path=ppt/charts/chart5.xml><?xml version="1.0" encoding="utf-8"?>
-<c:chartSpace xmlns:c="http://schemas.openxmlformats.org/drawingml/2006/chart" xmlns:a="http://schemas.openxmlformats.org/drawingml/2006/main" xmlns:r="http://schemas.openxmlformats.org/officeDocument/2006/relationships">
+<c:chartSpace xmlns:c="http://schemas.openxmlformats.org/drawingml/2006/chart" xmlns:a="http://schemas.openxmlformats.org/drawingml/2006/main" xmlns:r="http://schemas.openxmlformats.org/officeDocument/2006/relationships" xmlns:c16r2="http://schemas.microsoft.com/office/drawing/2015/06/chart">
   <c:date1904 val="0"/>
   <c:lang val="en-US"/>
   <c:roundedCorners val="0"/>
@@ -1144,7 +1144,7 @@
             </c:numRef>
           </c:val>
           <c:smooth val="0"/>
-          <c:extLst xmlns:c16r2="http://schemas.microsoft.com/office/drawing/2015/06/chart">
+          <c:extLst>
             <c:ext xmlns:c16="http://schemas.microsoft.com/office/drawing/2014/chart" uri="{C3380CC4-5D6E-409C-BE32-E72D297353CC}">
               <c16:uniqueId val="{00000000-72E9-403B-9EF6-26FB264A9E30}"/>
             </c:ext>
@@ -1226,7 +1226,7 @@
             </c:numRef>
           </c:val>
           <c:smooth val="0"/>
-          <c:extLst xmlns:c16r2="http://schemas.microsoft.com/office/drawing/2015/06/chart">
+          <c:extLst>
             <c:ext xmlns:c16="http://schemas.microsoft.com/office/drawing/2014/chart" uri="{C3380CC4-5D6E-409C-BE32-E72D297353CC}">
               <c16:uniqueId val="{00000001-72E9-403B-9EF6-26FB264A9E30}"/>
             </c:ext>
@@ -1242,11 +1242,11 @@
         </c:dLbls>
         <c:marker val="1"/>
         <c:smooth val="0"/>
-        <c:axId val="408452312"/>
-        <c:axId val="408451528"/>
+        <c:axId val="180868992"/>
+        <c:axId val="180875264"/>
       </c:lineChart>
       <c:catAx>
-        <c:axId val="408452312"/>
+        <c:axId val="180868992"/>
         <c:scaling>
           <c:orientation val="minMax"/>
         </c:scaling>
@@ -1273,7 +1273,7 @@
             <a:endParaRPr lang="en-US"/>
           </a:p>
         </c:txPr>
-        <c:crossAx val="408451528"/>
+        <c:crossAx val="180875264"/>
         <c:crosses val="autoZero"/>
         <c:auto val="1"/>
         <c:lblAlgn val="ctr"/>
@@ -1281,7 +1281,7 @@
         <c:noMultiLvlLbl val="0"/>
       </c:catAx>
       <c:valAx>
-        <c:axId val="408451528"/>
+        <c:axId val="180875264"/>
         <c:scaling>
           <c:orientation val="minMax"/>
           <c:max val="15000000000"/>
@@ -1321,7 +1321,7 @@
             <a:endParaRPr lang="en-US"/>
           </a:p>
         </c:txPr>
-        <c:crossAx val="408452312"/>
+        <c:crossAx val="180868992"/>
         <c:crosses val="autoZero"/>
         <c:crossBetween val="between"/>
         <c:majorUnit val="3000000000"/>
@@ -1351,7 +1351,7 @@
 </file>
 
 <file path=ppt/charts/chart6.xml><?xml version="1.0" encoding="utf-8"?>
-<c:chartSpace xmlns:c="http://schemas.openxmlformats.org/drawingml/2006/chart" xmlns:a="http://schemas.openxmlformats.org/drawingml/2006/main" xmlns:r="http://schemas.openxmlformats.org/officeDocument/2006/relationships">
+<c:chartSpace xmlns:c="http://schemas.openxmlformats.org/drawingml/2006/chart" xmlns:a="http://schemas.openxmlformats.org/drawingml/2006/main" xmlns:r="http://schemas.openxmlformats.org/officeDocument/2006/relationships" xmlns:c16r2="http://schemas.microsoft.com/office/drawing/2015/06/chart">
   <c:date1904 val="0"/>
   <c:lang val="en-US"/>
   <c:roundedCorners val="0"/>
@@ -1438,7 +1438,7 @@
               </c:numCache>
             </c:numRef>
           </c:val>
-          <c:extLst xmlns:c16r2="http://schemas.microsoft.com/office/drawing/2015/06/chart">
+          <c:extLst>
             <c:ext xmlns:c16="http://schemas.microsoft.com/office/drawing/2014/chart" uri="{C3380CC4-5D6E-409C-BE32-E72D297353CC}">
               <c16:uniqueId val="{00000000-56E9-4536-9410-9A28D00DB853}"/>
             </c:ext>
@@ -1485,7 +1485,7 @@
               </a:ln>
               <a:effectLst/>
             </c:spPr>
-            <c:extLst xmlns:c16r2="http://schemas.microsoft.com/office/drawing/2015/06/chart">
+            <c:extLst>
               <c:ext xmlns:c16="http://schemas.microsoft.com/office/drawing/2014/chart" uri="{C3380CC4-5D6E-409C-BE32-E72D297353CC}">
                 <c16:uniqueId val="{00000002-56E9-4536-9410-9A28D00DB853}"/>
               </c:ext>
@@ -1506,7 +1506,7 @@
               </a:ln>
               <a:effectLst/>
             </c:spPr>
-            <c:extLst xmlns:c16r2="http://schemas.microsoft.com/office/drawing/2015/06/chart">
+            <c:extLst>
               <c:ext xmlns:c16="http://schemas.microsoft.com/office/drawing/2014/chart" uri="{C3380CC4-5D6E-409C-BE32-E72D297353CC}">
                 <c16:uniqueId val="{00000004-56E9-4536-9410-9A28D00DB853}"/>
               </c:ext>
@@ -1527,7 +1527,7 @@
               </a:ln>
               <a:effectLst/>
             </c:spPr>
-            <c:extLst xmlns:c16r2="http://schemas.microsoft.com/office/drawing/2015/06/chart">
+            <c:extLst>
               <c:ext xmlns:c16="http://schemas.microsoft.com/office/drawing/2014/chart" uri="{C3380CC4-5D6E-409C-BE32-E72D297353CC}">
                 <c16:uniqueId val="{00000006-56E9-4536-9410-9A28D00DB853}"/>
               </c:ext>
@@ -1537,7 +1537,7 @@
             <c:idx val="3"/>
             <c:invertIfNegative val="0"/>
             <c:bubble3D val="0"/>
-            <c:extLst xmlns:c16r2="http://schemas.microsoft.com/office/drawing/2015/06/chart">
+            <c:extLst>
               <c:ext xmlns:c16="http://schemas.microsoft.com/office/drawing/2014/chart" uri="{C3380CC4-5D6E-409C-BE32-E72D297353CC}">
                 <c16:uniqueId val="{00000008-56E9-4536-9410-9A28D00DB853}"/>
               </c:ext>
@@ -1558,12 +1558,10 @@
               <c:showSerName val="0"/>
               <c:showPercent val="0"/>
               <c:showBubbleSize val="0"/>
-              <c:extLst xmlns:c16r2="http://schemas.microsoft.com/office/drawing/2015/06/chart">
+              <c:extLst>
+                <c:ext xmlns:c15="http://schemas.microsoft.com/office/drawing/2012/chart" uri="{CE6537A1-D6FC-4f65-9D91-7224C49458BB}"/>
                 <c:ext xmlns:c16="http://schemas.microsoft.com/office/drawing/2014/chart" uri="{C3380CC4-5D6E-409C-BE32-E72D297353CC}">
                   <c16:uniqueId val="{00000004-56E9-4536-9410-9A28D00DB853}"/>
-                </c:ext>
-                <c:ext xmlns:c15="http://schemas.microsoft.com/office/drawing/2012/chart" uri="{CE6537A1-D6FC-4f65-9D91-7224C49458BB}">
-                  <c15:layout/>
                 </c:ext>
               </c:extLst>
             </c:dLbl>
@@ -1603,18 +1601,15 @@
               <c:showSerName val="0"/>
               <c:showPercent val="0"/>
               <c:showBubbleSize val="0"/>
-              <c:extLst xmlns:c16r2="http://schemas.microsoft.com/office/drawing/2015/06/chart">
+              <c:extLst>
+                <c:ext xmlns:c15="http://schemas.microsoft.com/office/drawing/2012/chart" uri="{CE6537A1-D6FC-4f65-9D91-7224C49458BB}"/>
                 <c:ext xmlns:c16="http://schemas.microsoft.com/office/drawing/2014/chart" uri="{C3380CC4-5D6E-409C-BE32-E72D297353CC}">
                   <c16:uniqueId val="{00000006-56E9-4536-9410-9A28D00DB853}"/>
-                </c:ext>
-                <c:ext xmlns:c15="http://schemas.microsoft.com/office/drawing/2012/chart" uri="{CE6537A1-D6FC-4f65-9D91-7224C49458BB}">
-                  <c15:layout/>
                 </c:ext>
               </c:extLst>
             </c:dLbl>
             <c:dLbl>
               <c:idx val="3"/>
-              <c:layout/>
               <c:tx>
                 <c:rich>
                   <a:bodyPr/>
@@ -1646,14 +1641,13 @@
               <c:showSerName val="0"/>
               <c:showPercent val="0"/>
               <c:showBubbleSize val="0"/>
-              <c:extLst xmlns:c16r2="http://schemas.microsoft.com/office/drawing/2015/06/chart">
+              <c:extLst>
+                <c:ext xmlns:c15="http://schemas.microsoft.com/office/drawing/2012/chart" uri="{CE6537A1-D6FC-4f65-9D91-7224C49458BB}">
+                  <c15:dlblFieldTable/>
+                  <c15:showDataLabelsRange val="0"/>
+                </c:ext>
                 <c:ext xmlns:c16="http://schemas.microsoft.com/office/drawing/2014/chart" uri="{C3380CC4-5D6E-409C-BE32-E72D297353CC}">
                   <c16:uniqueId val="{00000008-56E9-4536-9410-9A28D00DB853}"/>
-                </c:ext>
-                <c:ext xmlns:c15="http://schemas.microsoft.com/office/drawing/2012/chart" uri="{CE6537A1-D6FC-4f65-9D91-7224C49458BB}">
-                  <c15:layout/>
-                  <c15:dlblFieldTable/>
-                  <c15:showDataLabelsRange val="0"/>
                 </c:ext>
               </c:extLst>
             </c:dLbl>
@@ -1682,9 +1676,8 @@
             <c:showPercent val="0"/>
             <c:showBubbleSize val="0"/>
             <c:showLeaderLines val="0"/>
-            <c:extLst xmlns:c16r2="http://schemas.microsoft.com/office/drawing/2015/06/chart">
+            <c:extLst>
               <c:ext xmlns:c15="http://schemas.microsoft.com/office/drawing/2012/chart" uri="{CE6537A1-D6FC-4f65-9D91-7224C49458BB}">
-                <c15:layout/>
                 <c15:showLeaderLines val="0"/>
               </c:ext>
             </c:extLst>
@@ -1730,7 +1723,7 @@
               </c:numCache>
             </c:numRef>
           </c:val>
-          <c:extLst xmlns:c16r2="http://schemas.microsoft.com/office/drawing/2015/06/chart">
+          <c:extLst>
             <c:ext xmlns:c16="http://schemas.microsoft.com/office/drawing/2014/chart" uri="{C3380CC4-5D6E-409C-BE32-E72D297353CC}">
               <c16:uniqueId val="{00000009-56E9-4536-9410-9A28D00DB853}"/>
             </c:ext>
@@ -1746,8 +1739,8 @@
         </c:dLbls>
         <c:gapWidth val="180"/>
         <c:overlap val="100"/>
-        <c:axId val="735305496"/>
-        <c:axId val="735304320"/>
+        <c:axId val="185386496"/>
+        <c:axId val="185388032"/>
       </c:barChart>
       <c:scatterChart>
         <c:scatterStyle val="lineMarker"/>
@@ -1769,7 +1762,7 @@
           <c:dPt>
             <c:idx val="0"/>
             <c:bubble3D val="0"/>
-            <c:extLst xmlns:c16r2="http://schemas.microsoft.com/office/drawing/2015/06/chart">
+            <c:extLst>
               <c:ext xmlns:c16="http://schemas.microsoft.com/office/drawing/2014/chart" uri="{C3380CC4-5D6E-409C-BE32-E72D297353CC}">
                 <c16:uniqueId val="{0000000B-56E9-4536-9410-9A28D00DB853}"/>
               </c:ext>
@@ -1778,7 +1771,7 @@
           <c:dPt>
             <c:idx val="1"/>
             <c:bubble3D val="0"/>
-            <c:extLst xmlns:c16r2="http://schemas.microsoft.com/office/drawing/2015/06/chart">
+            <c:extLst>
               <c:ext xmlns:c16="http://schemas.microsoft.com/office/drawing/2014/chart" uri="{C3380CC4-5D6E-409C-BE32-E72D297353CC}">
                 <c16:uniqueId val="{0000000D-56E9-4536-9410-9A28D00DB853}"/>
               </c:ext>
@@ -1787,7 +1780,7 @@
           <c:dPt>
             <c:idx val="2"/>
             <c:bubble3D val="0"/>
-            <c:extLst xmlns:c16r2="http://schemas.microsoft.com/office/drawing/2015/06/chart">
+            <c:extLst>
               <c:ext xmlns:c16="http://schemas.microsoft.com/office/drawing/2014/chart" uri="{C3380CC4-5D6E-409C-BE32-E72D297353CC}">
                 <c16:uniqueId val="{0000000F-56E9-4536-9410-9A28D00DB853}"/>
               </c:ext>
@@ -1842,7 +1835,7 @@
             </c:numRef>
           </c:yVal>
           <c:smooth val="0"/>
-          <c:extLst xmlns:c16r2="http://schemas.microsoft.com/office/drawing/2015/06/chart">
+          <c:extLst>
             <c:ext xmlns:c16="http://schemas.microsoft.com/office/drawing/2014/chart" uri="{C3380CC4-5D6E-409C-BE32-E72D297353CC}">
               <c16:uniqueId val="{00000010-56E9-4536-9410-9A28D00DB853}"/>
             </c:ext>
@@ -1856,11 +1849,11 @@
           <c:showPercent val="0"/>
           <c:showBubbleSize val="0"/>
         </c:dLbls>
-        <c:axId val="735305496"/>
-        <c:axId val="735304320"/>
+        <c:axId val="185386496"/>
+        <c:axId val="185388032"/>
       </c:scatterChart>
       <c:catAx>
-        <c:axId val="735305496"/>
+        <c:axId val="185386496"/>
         <c:scaling>
           <c:orientation val="minMax"/>
         </c:scaling>
@@ -1877,7 +1870,7 @@
             </a:solidFill>
           </a:ln>
         </c:spPr>
-        <c:crossAx val="735304320"/>
+        <c:crossAx val="185388032"/>
         <c:crosses val="autoZero"/>
         <c:auto val="1"/>
         <c:lblAlgn val="ctr"/>
@@ -1885,7 +1878,7 @@
         <c:noMultiLvlLbl val="0"/>
       </c:catAx>
       <c:valAx>
-        <c:axId val="735304320"/>
+        <c:axId val="185388032"/>
         <c:scaling>
           <c:orientation val="minMax"/>
           <c:max val="30"/>
@@ -1915,7 +1908,7 @@
             </a:solidFill>
           </a:ln>
         </c:spPr>
-        <c:crossAx val="735305496"/>
+        <c:crossAx val="185386496"/>
         <c:crosses val="autoZero"/>
         <c:crossBetween val="between"/>
         <c:majorUnit val="10"/>
@@ -1947,7 +1940,7 @@
 </file>
 
 <file path=ppt/charts/chart7.xml><?xml version="1.0" encoding="utf-8"?>
-<c:chartSpace xmlns:c="http://schemas.openxmlformats.org/drawingml/2006/chart" xmlns:a="http://schemas.openxmlformats.org/drawingml/2006/main" xmlns:r="http://schemas.openxmlformats.org/officeDocument/2006/relationships">
+<c:chartSpace xmlns:c="http://schemas.openxmlformats.org/drawingml/2006/chart" xmlns:a="http://schemas.openxmlformats.org/drawingml/2006/main" xmlns:r="http://schemas.openxmlformats.org/officeDocument/2006/relationships" xmlns:c16r2="http://schemas.microsoft.com/office/drawing/2015/06/chart">
   <c:date1904 val="0"/>
   <c:lang val="en-US"/>
   <c:roundedCorners val="0"/>
@@ -2034,7 +2027,7 @@
               </c:numCache>
             </c:numRef>
           </c:val>
-          <c:extLst xmlns:c16r2="http://schemas.microsoft.com/office/drawing/2015/06/chart">
+          <c:extLst>
             <c:ext xmlns:c16="http://schemas.microsoft.com/office/drawing/2014/chart" uri="{C3380CC4-5D6E-409C-BE32-E72D297353CC}">
               <c16:uniqueId val="{00000000-56E9-4536-9410-9A28D00DB853}"/>
             </c:ext>
@@ -2081,7 +2074,7 @@
               </a:ln>
               <a:effectLst/>
             </c:spPr>
-            <c:extLst xmlns:c16r2="http://schemas.microsoft.com/office/drawing/2015/06/chart">
+            <c:extLst>
               <c:ext xmlns:c16="http://schemas.microsoft.com/office/drawing/2014/chart" uri="{C3380CC4-5D6E-409C-BE32-E72D297353CC}">
                 <c16:uniqueId val="{00000002-56E9-4536-9410-9A28D00DB853}"/>
               </c:ext>
@@ -2102,7 +2095,7 @@
               </a:ln>
               <a:effectLst/>
             </c:spPr>
-            <c:extLst xmlns:c16r2="http://schemas.microsoft.com/office/drawing/2015/06/chart">
+            <c:extLst>
               <c:ext xmlns:c16="http://schemas.microsoft.com/office/drawing/2014/chart" uri="{C3380CC4-5D6E-409C-BE32-E72D297353CC}">
                 <c16:uniqueId val="{00000004-56E9-4536-9410-9A28D00DB853}"/>
               </c:ext>
@@ -2123,7 +2116,7 @@
               </a:ln>
               <a:effectLst/>
             </c:spPr>
-            <c:extLst xmlns:c16r2="http://schemas.microsoft.com/office/drawing/2015/06/chart">
+            <c:extLst>
               <c:ext xmlns:c16="http://schemas.microsoft.com/office/drawing/2014/chart" uri="{C3380CC4-5D6E-409C-BE32-E72D297353CC}">
                 <c16:uniqueId val="{00000006-56E9-4536-9410-9A28D00DB853}"/>
               </c:ext>
@@ -2133,7 +2126,7 @@
             <c:idx val="3"/>
             <c:invertIfNegative val="0"/>
             <c:bubble3D val="0"/>
-            <c:extLst xmlns:c16r2="http://schemas.microsoft.com/office/drawing/2015/06/chart">
+            <c:extLst>
               <c:ext xmlns:c16="http://schemas.microsoft.com/office/drawing/2014/chart" uri="{C3380CC4-5D6E-409C-BE32-E72D297353CC}">
                 <c16:uniqueId val="{00000008-56E9-4536-9410-9A28D00DB853}"/>
               </c:ext>
@@ -2154,12 +2147,10 @@
               <c:showSerName val="0"/>
               <c:showPercent val="0"/>
               <c:showBubbleSize val="0"/>
-              <c:extLst xmlns:c16r2="http://schemas.microsoft.com/office/drawing/2015/06/chart">
+              <c:extLst>
+                <c:ext xmlns:c15="http://schemas.microsoft.com/office/drawing/2012/chart" uri="{CE6537A1-D6FC-4f65-9D91-7224C49458BB}"/>
                 <c:ext xmlns:c16="http://schemas.microsoft.com/office/drawing/2014/chart" uri="{C3380CC4-5D6E-409C-BE32-E72D297353CC}">
                   <c16:uniqueId val="{00000004-56E9-4536-9410-9A28D00DB853}"/>
-                </c:ext>
-                <c:ext xmlns:c15="http://schemas.microsoft.com/office/drawing/2012/chart" uri="{CE6537A1-D6FC-4f65-9D91-7224C49458BB}">
-                  <c15:layout/>
                 </c:ext>
               </c:extLst>
             </c:dLbl>
@@ -2199,18 +2190,15 @@
               <c:showSerName val="0"/>
               <c:showPercent val="0"/>
               <c:showBubbleSize val="0"/>
-              <c:extLst xmlns:c16r2="http://schemas.microsoft.com/office/drawing/2015/06/chart">
+              <c:extLst>
+                <c:ext xmlns:c15="http://schemas.microsoft.com/office/drawing/2012/chart" uri="{CE6537A1-D6FC-4f65-9D91-7224C49458BB}"/>
                 <c:ext xmlns:c16="http://schemas.microsoft.com/office/drawing/2014/chart" uri="{C3380CC4-5D6E-409C-BE32-E72D297353CC}">
                   <c16:uniqueId val="{00000006-56E9-4536-9410-9A28D00DB853}"/>
-                </c:ext>
-                <c:ext xmlns:c15="http://schemas.microsoft.com/office/drawing/2012/chart" uri="{CE6537A1-D6FC-4f65-9D91-7224C49458BB}">
-                  <c15:layout/>
                 </c:ext>
               </c:extLst>
             </c:dLbl>
             <c:dLbl>
               <c:idx val="3"/>
-              <c:layout/>
               <c:tx>
                 <c:rich>
                   <a:bodyPr/>
@@ -2242,14 +2230,13 @@
               <c:showSerName val="0"/>
               <c:showPercent val="0"/>
               <c:showBubbleSize val="0"/>
-              <c:extLst xmlns:c16r2="http://schemas.microsoft.com/office/drawing/2015/06/chart">
+              <c:extLst>
+                <c:ext xmlns:c15="http://schemas.microsoft.com/office/drawing/2012/chart" uri="{CE6537A1-D6FC-4f65-9D91-7224C49458BB}">
+                  <c15:dlblFieldTable/>
+                  <c15:showDataLabelsRange val="0"/>
+                </c:ext>
                 <c:ext xmlns:c16="http://schemas.microsoft.com/office/drawing/2014/chart" uri="{C3380CC4-5D6E-409C-BE32-E72D297353CC}">
                   <c16:uniqueId val="{00000008-56E9-4536-9410-9A28D00DB853}"/>
-                </c:ext>
-                <c:ext xmlns:c15="http://schemas.microsoft.com/office/drawing/2012/chart" uri="{CE6537A1-D6FC-4f65-9D91-7224C49458BB}">
-                  <c15:layout/>
-                  <c15:dlblFieldTable/>
-                  <c15:showDataLabelsRange val="0"/>
                 </c:ext>
               </c:extLst>
             </c:dLbl>
@@ -2278,9 +2265,8 @@
             <c:showPercent val="0"/>
             <c:showBubbleSize val="0"/>
             <c:showLeaderLines val="0"/>
-            <c:extLst xmlns:c16r2="http://schemas.microsoft.com/office/drawing/2015/06/chart">
+            <c:extLst>
               <c:ext xmlns:c15="http://schemas.microsoft.com/office/drawing/2012/chart" uri="{CE6537A1-D6FC-4f65-9D91-7224C49458BB}">
-                <c15:layout/>
                 <c15:showLeaderLines val="0"/>
               </c:ext>
             </c:extLst>
@@ -2326,7 +2312,7 @@
               </c:numCache>
             </c:numRef>
           </c:val>
-          <c:extLst xmlns:c16r2="http://schemas.microsoft.com/office/drawing/2015/06/chart">
+          <c:extLst>
             <c:ext xmlns:c16="http://schemas.microsoft.com/office/drawing/2014/chart" uri="{C3380CC4-5D6E-409C-BE32-E72D297353CC}">
               <c16:uniqueId val="{00000009-56E9-4536-9410-9A28D00DB853}"/>
             </c:ext>
@@ -2342,8 +2328,8 @@
         </c:dLbls>
         <c:gapWidth val="180"/>
         <c:overlap val="100"/>
-        <c:axId val="729082624"/>
-        <c:axId val="729085368"/>
+        <c:axId val="189425152"/>
+        <c:axId val="189426688"/>
       </c:barChart>
       <c:scatterChart>
         <c:scatterStyle val="lineMarker"/>
@@ -2365,7 +2351,7 @@
           <c:dPt>
             <c:idx val="0"/>
             <c:bubble3D val="0"/>
-            <c:extLst xmlns:c16r2="http://schemas.microsoft.com/office/drawing/2015/06/chart">
+            <c:extLst>
               <c:ext xmlns:c16="http://schemas.microsoft.com/office/drawing/2014/chart" uri="{C3380CC4-5D6E-409C-BE32-E72D297353CC}">
                 <c16:uniqueId val="{0000000B-56E9-4536-9410-9A28D00DB853}"/>
               </c:ext>
@@ -2374,7 +2360,7 @@
           <c:dPt>
             <c:idx val="1"/>
             <c:bubble3D val="0"/>
-            <c:extLst xmlns:c16r2="http://schemas.microsoft.com/office/drawing/2015/06/chart">
+            <c:extLst>
               <c:ext xmlns:c16="http://schemas.microsoft.com/office/drawing/2014/chart" uri="{C3380CC4-5D6E-409C-BE32-E72D297353CC}">
                 <c16:uniqueId val="{0000000D-56E9-4536-9410-9A28D00DB853}"/>
               </c:ext>
@@ -2383,7 +2369,7 @@
           <c:dPt>
             <c:idx val="2"/>
             <c:bubble3D val="0"/>
-            <c:extLst xmlns:c16r2="http://schemas.microsoft.com/office/drawing/2015/06/chart">
+            <c:extLst>
               <c:ext xmlns:c16="http://schemas.microsoft.com/office/drawing/2014/chart" uri="{C3380CC4-5D6E-409C-BE32-E72D297353CC}">
                 <c16:uniqueId val="{0000000F-56E9-4536-9410-9A28D00DB853}"/>
               </c:ext>
@@ -2438,7 +2424,7 @@
             </c:numRef>
           </c:yVal>
           <c:smooth val="0"/>
-          <c:extLst xmlns:c16r2="http://schemas.microsoft.com/office/drawing/2015/06/chart">
+          <c:extLst>
             <c:ext xmlns:c16="http://schemas.microsoft.com/office/drawing/2014/chart" uri="{C3380CC4-5D6E-409C-BE32-E72D297353CC}">
               <c16:uniqueId val="{00000010-56E9-4536-9410-9A28D00DB853}"/>
             </c:ext>
@@ -2452,11 +2438,11 @@
           <c:showPercent val="0"/>
           <c:showBubbleSize val="0"/>
         </c:dLbls>
-        <c:axId val="729082624"/>
-        <c:axId val="729085368"/>
+        <c:axId val="189425152"/>
+        <c:axId val="189426688"/>
       </c:scatterChart>
       <c:catAx>
-        <c:axId val="729082624"/>
+        <c:axId val="189425152"/>
         <c:scaling>
           <c:orientation val="minMax"/>
         </c:scaling>
@@ -2473,7 +2459,7 @@
             </a:solidFill>
           </a:ln>
         </c:spPr>
-        <c:crossAx val="729085368"/>
+        <c:crossAx val="189426688"/>
         <c:crosses val="autoZero"/>
         <c:auto val="1"/>
         <c:lblAlgn val="ctr"/>
@@ -2481,7 +2467,7 @@
         <c:noMultiLvlLbl val="0"/>
       </c:catAx>
       <c:valAx>
-        <c:axId val="729085368"/>
+        <c:axId val="189426688"/>
         <c:scaling>
           <c:orientation val="minMax"/>
           <c:max val="60"/>
@@ -2511,7 +2497,7 @@
             </a:solidFill>
           </a:ln>
         </c:spPr>
-        <c:crossAx val="729082624"/>
+        <c:crossAx val="189425152"/>
         <c:crosses val="autoZero"/>
         <c:crossBetween val="between"/>
         <c:majorUnit val="10"/>
@@ -2624,7 +2610,7 @@
           <a:p>
             <a:fld id="{EFC9C15E-BCC7-7848-B45B-7DE616F22962}" type="datetimeFigureOut">
               <a:rPr lang="en-US" smtClean="0"/>
-              <a:t>10/22/2016</a:t>
+              <a:t>10/23/2016</a:t>
             </a:fld>
             <a:endParaRPr lang="en-US"/>
           </a:p>
@@ -6584,14 +6570,14 @@
           <p:nvPr>
             <p:extLst>
               <p:ext uri="{D42A27DB-BD31-4B8C-83A1-F6EECF244321}">
-                <p14:modId xmlns:p14="http://schemas.microsoft.com/office/powerpoint/2010/main" val="3646246324"/>
+                <p14:modId xmlns:p14="http://schemas.microsoft.com/office/powerpoint/2010/main" val="2340772295"/>
               </p:ext>
             </p:extLst>
           </p:nvPr>
         </p:nvGraphicFramePr>
         <p:xfrm>
           <a:off x="0" y="-28511"/>
-          <a:ext cx="9906000" cy="6782851"/>
+          <a:ext cx="9906000" cy="6316940"/>
         </p:xfrm>
         <a:graphic>
           <a:graphicData uri="http://schemas.openxmlformats.org/drawingml/2006/table">
@@ -6603,42 +6589,42 @@
                 <a:gridCol w="920552">
                   <a:extLst>
                     <a:ext uri="{9D8B030D-6E8A-4147-A177-3AD203B41FA5}">
-                      <a16:colId xmlns="" xmlns:a16="http://schemas.microsoft.com/office/drawing/2014/main" val="20000"/>
+                      <a16:colId xmlns:a16="http://schemas.microsoft.com/office/drawing/2014/main" val="20000"/>
                     </a:ext>
                   </a:extLst>
                 </a:gridCol>
                 <a:gridCol w="1800200">
                   <a:extLst>
                     <a:ext uri="{9D8B030D-6E8A-4147-A177-3AD203B41FA5}">
-                      <a16:colId xmlns="" xmlns:a16="http://schemas.microsoft.com/office/drawing/2014/main" val="20001"/>
+                      <a16:colId xmlns:a16="http://schemas.microsoft.com/office/drawing/2014/main" val="20001"/>
                     </a:ext>
                   </a:extLst>
                 </a:gridCol>
                 <a:gridCol w="1512168">
                   <a:extLst>
                     <a:ext uri="{9D8B030D-6E8A-4147-A177-3AD203B41FA5}">
-                      <a16:colId xmlns="" xmlns:a16="http://schemas.microsoft.com/office/drawing/2014/main" val="20002"/>
+                      <a16:colId xmlns:a16="http://schemas.microsoft.com/office/drawing/2014/main" val="20002"/>
                     </a:ext>
                   </a:extLst>
                 </a:gridCol>
                 <a:gridCol w="1944216">
                   <a:extLst>
                     <a:ext uri="{9D8B030D-6E8A-4147-A177-3AD203B41FA5}">
-                      <a16:colId xmlns="" xmlns:a16="http://schemas.microsoft.com/office/drawing/2014/main" val="20003"/>
+                      <a16:colId xmlns:a16="http://schemas.microsoft.com/office/drawing/2014/main" val="20003"/>
                     </a:ext>
                   </a:extLst>
                 </a:gridCol>
                 <a:gridCol w="1728192">
                   <a:extLst>
                     <a:ext uri="{9D8B030D-6E8A-4147-A177-3AD203B41FA5}">
-                      <a16:colId xmlns="" xmlns:a16="http://schemas.microsoft.com/office/drawing/2014/main" val="20004"/>
+                      <a16:colId xmlns:a16="http://schemas.microsoft.com/office/drawing/2014/main" val="20004"/>
                     </a:ext>
                   </a:extLst>
                 </a:gridCol>
                 <a:gridCol w="2000672">
                   <a:extLst>
                     <a:ext uri="{9D8B030D-6E8A-4147-A177-3AD203B41FA5}">
-                      <a16:colId xmlns="" xmlns:a16="http://schemas.microsoft.com/office/drawing/2014/main" val="20005"/>
+                      <a16:colId xmlns:a16="http://schemas.microsoft.com/office/drawing/2014/main" val="20005"/>
                     </a:ext>
                   </a:extLst>
                 </a:gridCol>
@@ -6953,7 +6939,7 @@
                 </a:tc>
                 <a:extLst>
                   <a:ext uri="{0D108BD9-81ED-4DB2-BD59-A6C34878D82A}">
-                    <a16:rowId xmlns="" xmlns:a16="http://schemas.microsoft.com/office/drawing/2014/main" val="10000"/>
+                    <a16:rowId xmlns:a16="http://schemas.microsoft.com/office/drawing/2014/main" val="10000"/>
                   </a:ext>
                 </a:extLst>
               </a:tr>
@@ -7029,7 +7015,24 @@
                           </a:solidFill>
                           <a:effectLst/>
                         </a:rPr>
-                        <a:t>Mitigate avoidable risks</a:t>
+                        <a:t>Mitigate </a:t>
+                      </a:r>
+                      <a:br>
+                        <a:rPr lang="en-AU" sz="1400" dirty="0">
+                          <a:solidFill>
+                            <a:schemeClr val="tx1"/>
+                          </a:solidFill>
+                          <a:effectLst/>
+                        </a:rPr>
+                      </a:br>
+                      <a:r>
+                        <a:rPr lang="en-AU" sz="1400" dirty="0">
+                          <a:solidFill>
+                            <a:schemeClr val="tx1"/>
+                          </a:solidFill>
+                          <a:effectLst/>
+                        </a:rPr>
+                        <a:t>avoidable risks</a:t>
                       </a:r>
                       <a:endParaRPr lang="en-AU" sz="1400" dirty="0">
                         <a:solidFill>
@@ -7143,7 +7146,24 @@
                           </a:solidFill>
                           <a:effectLst/>
                         </a:rPr>
-                        <a:t>Measure the remaining risk</a:t>
+                        <a:t>Measure the </a:t>
+                      </a:r>
+                      <a:br>
+                        <a:rPr lang="en-AU" sz="1400" dirty="0">
+                          <a:solidFill>
+                            <a:schemeClr val="tx1"/>
+                          </a:solidFill>
+                          <a:effectLst/>
+                        </a:rPr>
+                      </a:br>
+                      <a:r>
+                        <a:rPr lang="en-AU" sz="1400" dirty="0">
+                          <a:solidFill>
+                            <a:schemeClr val="tx1"/>
+                          </a:solidFill>
+                          <a:effectLst/>
+                        </a:rPr>
+                        <a:t>remaining risk</a:t>
                       </a:r>
                       <a:endParaRPr lang="en-AU" sz="1400" dirty="0">
                         <a:solidFill>
@@ -7254,7 +7274,18 @@
                         <a:rPr lang="en-AU" sz="1400" dirty="0">
                           <a:effectLst/>
                         </a:rPr>
-                        <a:t>Manage risk throughout construction</a:t>
+                        <a:t>Manage risk </a:t>
+                      </a:r>
+                      <a:br>
+                        <a:rPr lang="en-AU" sz="1400" dirty="0">
+                          <a:effectLst/>
+                        </a:rPr>
+                      </a:br>
+                      <a:r>
+                        <a:rPr lang="en-AU" sz="1400" dirty="0">
+                          <a:effectLst/>
+                        </a:rPr>
+                        <a:t>throughout construction</a:t>
                       </a:r>
                       <a:endParaRPr lang="en-AU" sz="1400" dirty="0">
                         <a:effectLst/>
@@ -7287,7 +7318,7 @@
                 </a:tc>
                 <a:extLst>
                   <a:ext uri="{0D108BD9-81ED-4DB2-BD59-A6C34878D82A}">
-                    <a16:rowId xmlns="" xmlns:a16="http://schemas.microsoft.com/office/drawing/2014/main" val="10001"/>
+                    <a16:rowId xmlns:a16="http://schemas.microsoft.com/office/drawing/2014/main" val="10001"/>
                   </a:ext>
                 </a:extLst>
               </a:tr>
@@ -7525,11 +7556,11 @@
                 </a:tc>
                 <a:extLst>
                   <a:ext uri="{0D108BD9-81ED-4DB2-BD59-A6C34878D82A}">
-                    <a16:rowId xmlns="" xmlns:a16="http://schemas.microsoft.com/office/drawing/2014/main" val="10002"/>
+                    <a16:rowId xmlns:a16="http://schemas.microsoft.com/office/drawing/2014/main" val="10002"/>
                   </a:ext>
                 </a:extLst>
               </a:tr>
-              <a:tr h="936104">
+              <a:tr h="1031149">
                 <a:tc>
                   <a:txBody>
                     <a:bodyPr/>
@@ -7547,24 +7578,7 @@
                         </a:spcAft>
                       </a:pPr>
                       <a:r>
-                        <a:rPr lang="en-AU" sz="2200" dirty="0">
-                          <a:solidFill>
-                            <a:schemeClr val="tx1"/>
-                          </a:solidFill>
-                          <a:effectLst/>
-                        </a:rPr>
-                        <a:t/>
-                      </a:r>
-                      <a:br>
-                        <a:rPr lang="en-AU" sz="2200" dirty="0">
-                          <a:solidFill>
-                            <a:schemeClr val="tx1"/>
-                          </a:solidFill>
-                          <a:effectLst/>
-                        </a:rPr>
-                      </a:br>
-                      <a:r>
-                        <a:rPr lang="en-AU" sz="2200" dirty="0" err="1">
+                        <a:rPr lang="en-AU" sz="1600" dirty="0" err="1">
                           <a:solidFill>
                             <a:schemeClr val="tx1"/>
                           </a:solidFill>
@@ -7572,7 +7586,7 @@
                         </a:rPr>
                         <a:t>C’wlth</a:t>
                       </a:r>
-                      <a:endParaRPr lang="en-AU" sz="2200" dirty="0">
+                      <a:endParaRPr lang="en-AU" sz="1600" dirty="0">
                         <a:solidFill>
                           <a:schemeClr val="tx1"/>
                         </a:solidFill>
@@ -7667,17 +7681,17 @@
                 </a:tc>
                 <a:extLst>
                   <a:ext uri="{0D108BD9-81ED-4DB2-BD59-A6C34878D82A}">
-                    <a16:rowId xmlns="" xmlns:a16="http://schemas.microsoft.com/office/drawing/2014/main" val="10003"/>
+                    <a16:rowId xmlns:a16="http://schemas.microsoft.com/office/drawing/2014/main" val="10003"/>
                   </a:ext>
                 </a:extLst>
               </a:tr>
-              <a:tr h="936104">
+              <a:tr h="792088">
                 <a:tc>
                   <a:txBody>
                     <a:bodyPr/>
                     <a:lstStyle/>
                     <a:p>
-                      <a:pPr marL="540385" algn="r">
+                      <a:pPr marL="539750" indent="-450850" algn="r">
                         <a:lnSpc>
                           <a:spcPct val="115000"/>
                         </a:lnSpc>
@@ -7689,29 +7703,7 @@
                         </a:spcAft>
                       </a:pPr>
                       <a:r>
-                        <a:rPr lang="en-AU" sz="2200" dirty="0">
-                          <a:solidFill>
-                            <a:schemeClr val="tx1"/>
-                          </a:solidFill>
-                          <a:effectLst/>
-                        </a:rPr>
-                        <a:t> </a:t>
-                      </a:r>
-                    </a:p>
-                    <a:p>
-                      <a:pPr marL="0" indent="0" algn="r">
-                        <a:lnSpc>
-                          <a:spcPct val="115000"/>
-                        </a:lnSpc>
-                        <a:spcBef>
-                          <a:spcPts val="1200"/>
-                        </a:spcBef>
-                        <a:spcAft>
-                          <a:spcPts val="0"/>
-                        </a:spcAft>
-                      </a:pPr>
-                      <a:r>
-                        <a:rPr lang="en-AU" sz="2200" dirty="0">
+                        <a:rPr lang="en-AU" sz="1600" dirty="0">
                           <a:solidFill>
                             <a:schemeClr val="tx1"/>
                           </a:solidFill>
@@ -7719,7 +7711,7 @@
                         </a:rPr>
                         <a:t>NSW</a:t>
                       </a:r>
-                      <a:endParaRPr lang="en-AU" sz="2200" dirty="0">
+                      <a:endParaRPr lang="en-AU" sz="1600" dirty="0">
                         <a:solidFill>
                           <a:schemeClr val="tx1"/>
                         </a:solidFill>
@@ -7785,11 +7777,11 @@
                 </a:tc>
                 <a:extLst>
                   <a:ext uri="{0D108BD9-81ED-4DB2-BD59-A6C34878D82A}">
-                    <a16:rowId xmlns="" xmlns:a16="http://schemas.microsoft.com/office/drawing/2014/main" val="10004"/>
+                    <a16:rowId xmlns:a16="http://schemas.microsoft.com/office/drawing/2014/main" val="10004"/>
                   </a:ext>
                 </a:extLst>
               </a:tr>
-              <a:tr h="1008112">
+              <a:tr h="864096">
                 <a:tc>
                   <a:txBody>
                     <a:bodyPr/>
@@ -7807,24 +7799,7 @@
                         </a:spcAft>
                       </a:pPr>
                       <a:r>
-                        <a:rPr lang="en-AU" sz="2200" dirty="0">
-                          <a:solidFill>
-                            <a:schemeClr val="tx1"/>
-                          </a:solidFill>
-                          <a:effectLst/>
-                        </a:rPr>
-                        <a:t/>
-                      </a:r>
-                      <a:br>
-                        <a:rPr lang="en-AU" sz="2200" dirty="0">
-                          <a:solidFill>
-                            <a:schemeClr val="tx1"/>
-                          </a:solidFill>
-                          <a:effectLst/>
-                        </a:rPr>
-                      </a:br>
-                      <a:r>
-                        <a:rPr lang="en-AU" sz="2200" dirty="0">
+                        <a:rPr lang="en-AU" sz="1600" dirty="0">
                           <a:solidFill>
                             <a:schemeClr val="tx1"/>
                           </a:solidFill>
@@ -7846,7 +7821,7 @@
                         </a:spcAft>
                       </a:pPr>
                       <a:r>
-                        <a:rPr lang="en-AU" sz="2200" dirty="0">
+                        <a:rPr lang="en-AU" sz="1600" dirty="0">
                           <a:solidFill>
                             <a:schemeClr val="tx1"/>
                           </a:solidFill>
@@ -7854,7 +7829,7 @@
                         </a:rPr>
                         <a:t> </a:t>
                       </a:r>
-                      <a:endParaRPr lang="en-AU" sz="2200" dirty="0">
+                      <a:endParaRPr lang="en-AU" sz="1600" dirty="0">
                         <a:solidFill>
                           <a:schemeClr val="tx1"/>
                         </a:solidFill>
@@ -7920,11 +7895,11 @@
                 </a:tc>
                 <a:extLst>
                   <a:ext uri="{0D108BD9-81ED-4DB2-BD59-A6C34878D82A}">
-                    <a16:rowId xmlns="" xmlns:a16="http://schemas.microsoft.com/office/drawing/2014/main" val="10005"/>
+                    <a16:rowId xmlns:a16="http://schemas.microsoft.com/office/drawing/2014/main" val="10005"/>
                   </a:ext>
                 </a:extLst>
               </a:tr>
-              <a:tr h="864096">
+              <a:tr h="981493">
                 <a:tc>
                   <a:txBody>
                     <a:bodyPr/>
@@ -7942,7 +7917,7 @@
                         </a:spcAft>
                       </a:pPr>
                       <a:r>
-                        <a:rPr lang="en-AU" sz="2200" dirty="0">
+                        <a:rPr lang="en-AU" sz="1600" dirty="0">
                           <a:solidFill>
                             <a:schemeClr val="tx1"/>
                           </a:solidFill>
@@ -7950,7 +7925,7 @@
                         </a:rPr>
                         <a:t>QLD</a:t>
                       </a:r>
-                      <a:endParaRPr lang="en-AU" sz="2200" dirty="0">
+                      <a:endParaRPr lang="en-AU" sz="1600" dirty="0">
                         <a:solidFill>
                           <a:schemeClr val="tx1"/>
                         </a:solidFill>
@@ -8016,17 +7991,17 @@
                 </a:tc>
                 <a:extLst>
                   <a:ext uri="{0D108BD9-81ED-4DB2-BD59-A6C34878D82A}">
-                    <a16:rowId xmlns="" xmlns:a16="http://schemas.microsoft.com/office/drawing/2014/main" val="10006"/>
+                    <a16:rowId xmlns:a16="http://schemas.microsoft.com/office/drawing/2014/main" val="10006"/>
                   </a:ext>
                 </a:extLst>
               </a:tr>
-              <a:tr h="792088">
+              <a:tr h="936104">
                 <a:tc>
                   <a:txBody>
                     <a:bodyPr/>
                     <a:lstStyle/>
                     <a:p>
-                      <a:pPr marL="540385" algn="r">
+                      <a:pPr marL="539750" indent="-179388" algn="r">
                         <a:lnSpc>
                           <a:spcPct val="115000"/>
                         </a:lnSpc>
@@ -8038,7 +8013,7 @@
                         </a:spcAft>
                       </a:pPr>
                       <a:r>
-                        <a:rPr lang="en-AU" sz="2200" dirty="0">
+                        <a:rPr lang="en-AU" sz="1600" dirty="0">
                           <a:solidFill>
                             <a:schemeClr val="tx1"/>
                           </a:solidFill>
@@ -8046,7 +8021,7 @@
                         </a:rPr>
                         <a:t>WA</a:t>
                       </a:r>
-                      <a:endParaRPr lang="en-AU" sz="2200" dirty="0">
+                      <a:endParaRPr lang="en-AU" sz="1600" dirty="0">
                         <a:solidFill>
                           <a:schemeClr val="tx1"/>
                         </a:solidFill>
@@ -8112,11 +8087,11 @@
                 </a:tc>
                 <a:extLst>
                   <a:ext uri="{0D108BD9-81ED-4DB2-BD59-A6C34878D82A}">
-                    <a16:rowId xmlns="" xmlns:a16="http://schemas.microsoft.com/office/drawing/2014/main" val="10007"/>
+                    <a16:rowId xmlns:a16="http://schemas.microsoft.com/office/drawing/2014/main" val="10007"/>
                   </a:ext>
                 </a:extLst>
               </a:tr>
-              <a:tr h="815125">
+              <a:tr h="602683">
                 <a:tc>
                   <a:txBody>
                     <a:bodyPr/>
@@ -8134,24 +8109,7 @@
                         </a:spcAft>
                       </a:pPr>
                       <a:r>
-                        <a:rPr lang="en-AU" sz="2200" dirty="0">
-                          <a:solidFill>
-                            <a:schemeClr val="tx1"/>
-                          </a:solidFill>
-                          <a:effectLst/>
-                        </a:rPr>
-                        <a:t/>
-                      </a:r>
-                      <a:br>
-                        <a:rPr lang="en-AU" sz="2200" dirty="0">
-                          <a:solidFill>
-                            <a:schemeClr val="tx1"/>
-                          </a:solidFill>
-                          <a:effectLst/>
-                        </a:rPr>
-                      </a:br>
-                      <a:r>
-                        <a:rPr lang="en-AU" sz="2200" dirty="0">
+                        <a:rPr lang="en-AU" sz="1600" dirty="0">
                           <a:solidFill>
                             <a:schemeClr val="tx1"/>
                           </a:solidFill>
@@ -8159,7 +8117,7 @@
                         </a:rPr>
                         <a:t>SA</a:t>
                       </a:r>
-                      <a:endParaRPr lang="en-AU" sz="2200" dirty="0">
+                      <a:endParaRPr lang="en-AU" sz="1600" dirty="0">
                         <a:solidFill>
                           <a:schemeClr val="tx1"/>
                         </a:solidFill>
@@ -8234,7 +8192,7 @@
                 </a:tc>
                 <a:extLst>
                   <a:ext uri="{0D108BD9-81ED-4DB2-BD59-A6C34878D82A}">
-                    <a16:rowId xmlns="" xmlns:a16="http://schemas.microsoft.com/office/drawing/2014/main" val="10008"/>
+                    <a16:rowId xmlns:a16="http://schemas.microsoft.com/office/drawing/2014/main" val="10008"/>
                   </a:ext>
                 </a:extLst>
               </a:tr>
@@ -8244,7 +8202,7 @@
       </p:graphicFrame>
       <p:pic>
         <p:nvPicPr>
-          <p:cNvPr id="1025" name="Picture 11"/>
+          <p:cNvPr id="1026" name="Picture 2"/>
           <p:cNvPicPr>
             <a:picLocks noChangeAspect="1" noChangeArrowheads="1"/>
           </p:cNvPicPr>
@@ -8265,20 +8223,43 @@
         </p:blipFill>
         <p:spPr bwMode="auto">
           <a:xfrm>
-            <a:off x="984278" y="980728"/>
-            <a:ext cx="8939595" cy="5316079"/>
+            <a:off x="1054502" y="980728"/>
+            <a:ext cx="8851498" cy="5256584"/>
           </a:xfrm>
           <a:prstGeom prst="rect">
             <a:avLst/>
           </a:prstGeom>
           <a:noFill/>
+          <a:ln>
+            <a:noFill/>
+          </a:ln>
+          <a:effectLst/>
           <a:extLst>
             <a:ext uri="{909E8E84-426E-40DD-AFC4-6F175D3DCCD1}">
               <a14:hiddenFill xmlns:a14="http://schemas.microsoft.com/office/drawing/2010/main">
                 <a:solidFill>
-                  <a:srgbClr val="FFFFFF"/>
+                  <a:schemeClr val="accent1"/>
                 </a:solidFill>
               </a14:hiddenFill>
+            </a:ext>
+            <a:ext uri="{91240B29-F687-4F45-9708-019B960494DF}">
+              <a14:hiddenLine xmlns:a14="http://schemas.microsoft.com/office/drawing/2010/main" w="9525">
+                <a:solidFill>
+                  <a:schemeClr val="tx1"/>
+                </a:solidFill>
+                <a:miter lim="800000"/>
+                <a:headEnd/>
+                <a:tailEnd/>
+              </a14:hiddenLine>
+            </a:ext>
+            <a:ext uri="{AF507438-7753-43E0-B8FC-AC1667EBCBE1}">
+              <a14:hiddenEffects xmlns:a14="http://schemas.microsoft.com/office/drawing/2010/main">
+                <a:effectLst>
+                  <a:outerShdw dist="35921" dir="2700000" algn="ctr" rotWithShape="0">
+                    <a:schemeClr val="bg2"/>
+                  </a:outerShdw>
+                </a:effectLst>
+              </a14:hiddenEffects>
             </a:ext>
           </a:extLst>
         </p:spPr>
@@ -8286,7 +8267,7 @@
     </p:spTree>
     <p:extLst>
       <p:ext uri="{BB962C8B-B14F-4D97-AF65-F5344CB8AC3E}">
-        <p14:creationId xmlns:p14="http://schemas.microsoft.com/office/powerpoint/2010/main" val="3586242254"/>
+        <p14:creationId xmlns:p14="http://schemas.microsoft.com/office/powerpoint/2010/main" val="560598015"/>
       </p:ext>
     </p:extLst>
   </p:cSld>
@@ -8707,14 +8688,14 @@
           <p:nvPr>
             <p:extLst>
               <p:ext uri="{D42A27DB-BD31-4B8C-83A1-F6EECF244321}">
-                <p14:modId xmlns:p14="http://schemas.microsoft.com/office/powerpoint/2010/main" val="3118490160"/>
+                <p14:modId xmlns:p14="http://schemas.microsoft.com/office/powerpoint/2010/main" val="963244921"/>
               </p:ext>
             </p:extLst>
           </p:nvPr>
         </p:nvGraphicFramePr>
         <p:xfrm>
-          <a:off x="-15552" y="2420888"/>
-          <a:ext cx="9921553" cy="1872208"/>
+          <a:off x="56456" y="692696"/>
+          <a:ext cx="9721080" cy="4536504"/>
         </p:xfrm>
         <a:graphic>
           <a:graphicData uri="http://schemas.openxmlformats.org/drawingml/2006/table">
@@ -8724,40 +8705,61 @@
                 <a:gridCol w="1584176">
                   <a:extLst>
                     <a:ext uri="{9D8B030D-6E8A-4147-A177-3AD203B41FA5}">
-                      <a16:colId xmlns="" xmlns:a16="http://schemas.microsoft.com/office/drawing/2014/main" val="20000"/>
+                      <a16:colId xmlns:a16="http://schemas.microsoft.com/office/drawing/2014/main" val="20000"/>
                     </a:ext>
                   </a:extLst>
                 </a:gridCol>
-                <a:gridCol w="1890881">
+                <a:gridCol w="1709648">
                   <a:extLst>
                     <a:ext uri="{9D8B030D-6E8A-4147-A177-3AD203B41FA5}">
-                      <a16:colId xmlns="" xmlns:a16="http://schemas.microsoft.com/office/drawing/2014/main" val="20001"/>
+                      <a16:colId xmlns:a16="http://schemas.microsoft.com/office/drawing/2014/main" val="20001"/>
                     </a:ext>
                   </a:extLst>
                 </a:gridCol>
-                <a:gridCol w="1937289">
+                <a:gridCol w="162560">
                   <a:extLst>
                     <a:ext uri="{9D8B030D-6E8A-4147-A177-3AD203B41FA5}">
-                      <a16:colId xmlns="" xmlns:a16="http://schemas.microsoft.com/office/drawing/2014/main" val="20002"/>
+                      <a16:colId xmlns:a16="http://schemas.microsoft.com/office/drawing/2014/main" val="20002"/>
                     </a:ext>
                   </a:extLst>
                 </a:gridCol>
-                <a:gridCol w="1937289">
+                <a:gridCol w="1224136">
                   <a:extLst>
                     <a:ext uri="{9D8B030D-6E8A-4147-A177-3AD203B41FA5}">
-                      <a16:colId xmlns="" xmlns:a16="http://schemas.microsoft.com/office/drawing/2014/main" val="20003"/>
+                      <a16:colId xmlns:a16="http://schemas.microsoft.com/office/drawing/2014/main" val="20003"/>
                     </a:ext>
                   </a:extLst>
                 </a:gridCol>
-                <a:gridCol w="2571918">
+                <a:gridCol w="1296144">
                   <a:extLst>
                     <a:ext uri="{9D8B030D-6E8A-4147-A177-3AD203B41FA5}">
-                      <a16:colId xmlns="" xmlns:a16="http://schemas.microsoft.com/office/drawing/2014/main" val="20004"/>
+                      <a16:colId xmlns:a16="http://schemas.microsoft.com/office/drawing/2014/main" val="20004"/>
+                    </a:ext>
+                  </a:extLst>
+                </a:gridCol>
+                <a:gridCol w="1224136">
+                  <a:extLst>
+                    <a:ext uri="{9D8B030D-6E8A-4147-A177-3AD203B41FA5}">
+                      <a16:colId xmlns:a16="http://schemas.microsoft.com/office/drawing/2014/main" val="20005"/>
+                    </a:ext>
+                  </a:extLst>
+                </a:gridCol>
+                <a:gridCol w="1224136">
+                  <a:extLst>
+                    <a:ext uri="{9D8B030D-6E8A-4147-A177-3AD203B41FA5}">
+                      <a16:colId xmlns:a16="http://schemas.microsoft.com/office/drawing/2014/main" val="20006"/>
+                    </a:ext>
+                  </a:extLst>
+                </a:gridCol>
+                <a:gridCol w="1296144">
+                  <a:extLst>
+                    <a:ext uri="{9D8B030D-6E8A-4147-A177-3AD203B41FA5}">
+                      <a16:colId xmlns:a16="http://schemas.microsoft.com/office/drawing/2014/main" val="20007"/>
                     </a:ext>
                   </a:extLst>
                 </a:gridCol>
               </a:tblGrid>
-              <a:tr h="295757">
+              <a:tr h="720080">
                 <a:tc>
                   <a:txBody>
                     <a:bodyPr/>
@@ -8786,17 +8788,23 @@
                       </a:endParaRPr>
                     </a:p>
                   </a:txBody>
-                  <a:tcPr marL="68580" marR="68580" marT="0" marB="0" anchor="b">
+                  <a:tcPr marL="68580" marR="68580" marT="0" marB="0" anchor="ctr">
                     <a:lnL>
                       <a:noFill/>
                     </a:lnL>
                     <a:lnR>
                       <a:noFill/>
                     </a:lnR>
-                    <a:lnT>
-                      <a:noFill/>
+                    <a:lnT w="12700" cap="flat" cmpd="sng" algn="ctr">
+                      <a:solidFill>
+                        <a:schemeClr val="tx1"/>
+                      </a:solidFill>
+                      <a:prstDash val="solid"/>
+                      <a:round/>
+                      <a:headEnd type="none" w="med" len="med"/>
+                      <a:tailEnd type="none" w="med" len="med"/>
                     </a:lnT>
-                    <a:lnB w="28575" cap="flat" cmpd="sng" algn="ctr">
+                    <a:lnB w="12700" cap="flat" cmpd="sng" algn="ctr">
                       <a:solidFill>
                         <a:schemeClr val="tx1"/>
                       </a:solidFill>
@@ -8821,31 +8829,79 @@
                         </a:spcAft>
                       </a:pPr>
                       <a:r>
-                        <a:rPr lang="en-AU" sz="1200" b="1" dirty="0">
+                        <a:rPr lang="en-AU" sz="1600" b="1" dirty="0">
                           <a:effectLst/>
                           <a:latin typeface="Arial"/>
-                          <a:ea typeface="Calibri"/>
+                          <a:ea typeface="Times New Roman"/>
                         </a:rPr>
-                        <a:t>Expected value</a:t>
+                        <a:t>Commonwealth</a:t>
                       </a:r>
-                      <a:endParaRPr lang="en-AU" sz="1200" dirty="0">
+                    </a:p>
+                  </a:txBody>
+                  <a:tcPr marL="68580" marR="68580" marT="0" marB="0" anchor="ctr">
+                    <a:lnL>
+                      <a:noFill/>
+                    </a:lnL>
+                    <a:lnR>
+                      <a:noFill/>
+                    </a:lnR>
+                    <a:lnT w="12700" cap="flat" cmpd="sng" algn="ctr">
+                      <a:solidFill>
+                        <a:schemeClr val="tx1"/>
+                      </a:solidFill>
+                      <a:prstDash val="solid"/>
+                      <a:round/>
+                      <a:headEnd type="none" w="med" len="med"/>
+                      <a:tailEnd type="none" w="med" len="med"/>
+                    </a:lnT>
+                    <a:lnB w="12700" cap="flat" cmpd="sng" algn="ctr">
+                      <a:solidFill>
+                        <a:schemeClr val="tx1"/>
+                      </a:solidFill>
+                      <a:prstDash val="solid"/>
+                      <a:round/>
+                      <a:headEnd type="none" w="med" len="med"/>
+                      <a:tailEnd type="none" w="med" len="med"/>
+                    </a:lnB>
+                  </a:tcPr>
+                </a:tc>
+                <a:tc>
+                  <a:txBody>
+                    <a:bodyPr/>
+                    <a:lstStyle/>
+                    <a:p>
+                      <a:pPr marL="0" indent="0" algn="ctr">
+                        <a:spcBef>
+                          <a:spcPts val="1200"/>
+                        </a:spcBef>
+                        <a:spcAft>
+                          <a:spcPts val="0"/>
+                        </a:spcAft>
+                      </a:pPr>
+                      <a:endParaRPr lang="en-AU" sz="1600" b="1" dirty="0">
                         <a:effectLst/>
                         <a:latin typeface="Arial"/>
                         <a:ea typeface="Times New Roman"/>
                       </a:endParaRPr>
                     </a:p>
                   </a:txBody>
-                  <a:tcPr marL="68580" marR="68580" marT="0" marB="0" anchor="b">
+                  <a:tcPr marL="68580" marR="68580" marT="0" marB="0" anchor="ctr">
                     <a:lnL>
                       <a:noFill/>
                     </a:lnL>
                     <a:lnR>
                       <a:noFill/>
                     </a:lnR>
-                    <a:lnT>
-                      <a:noFill/>
+                    <a:lnT w="12700" cap="flat" cmpd="sng" algn="ctr">
+                      <a:solidFill>
+                        <a:schemeClr val="tx1"/>
+                      </a:solidFill>
+                      <a:prstDash val="solid"/>
+                      <a:round/>
+                      <a:headEnd type="none" w="med" len="med"/>
+                      <a:tailEnd type="none" w="med" len="med"/>
                     </a:lnT>
-                    <a:lnB w="28575" cap="flat" cmpd="sng" algn="ctr">
+                    <a:lnB w="12700" cap="flat" cmpd="sng" algn="ctr">
                       <a:solidFill>
                         <a:schemeClr val="tx1"/>
                       </a:solidFill>
@@ -8870,31 +8926,37 @@
                         </a:spcAft>
                       </a:pPr>
                       <a:r>
-                        <a:rPr lang="en-AU" sz="1200" b="1" dirty="0">
+                        <a:rPr lang="en-AU" sz="1600" b="1" dirty="0">
                           <a:effectLst/>
                           <a:latin typeface="Arial"/>
                           <a:ea typeface="Calibri"/>
                         </a:rPr>
-                        <a:t>Sensitivity analysis</a:t>
+                        <a:t>NSW</a:t>
                       </a:r>
-                      <a:endParaRPr lang="en-AU" sz="1200" dirty="0">
+                      <a:endParaRPr lang="en-AU" sz="1600" b="1" dirty="0">
                         <a:effectLst/>
                         <a:latin typeface="Arial"/>
                         <a:ea typeface="Times New Roman"/>
                       </a:endParaRPr>
                     </a:p>
                   </a:txBody>
-                  <a:tcPr marL="68580" marR="68580" marT="0" marB="0" anchor="b">
+                  <a:tcPr marL="68580" marR="68580" marT="0" marB="0" anchor="ctr">
                     <a:lnL>
                       <a:noFill/>
                     </a:lnL>
                     <a:lnR>
                       <a:noFill/>
                     </a:lnR>
-                    <a:lnT>
-                      <a:noFill/>
+                    <a:lnT w="12700" cap="flat" cmpd="sng" algn="ctr">
+                      <a:solidFill>
+                        <a:schemeClr val="tx1"/>
+                      </a:solidFill>
+                      <a:prstDash val="solid"/>
+                      <a:round/>
+                      <a:headEnd type="none" w="med" len="med"/>
+                      <a:tailEnd type="none" w="med" len="med"/>
                     </a:lnT>
-                    <a:lnB w="28575" cap="flat" cmpd="sng" algn="ctr">
+                    <a:lnB w="12700" cap="flat" cmpd="sng" algn="ctr">
                       <a:solidFill>
                         <a:schemeClr val="tx1"/>
                       </a:solidFill>
@@ -8919,31 +8981,37 @@
                         </a:spcAft>
                       </a:pPr>
                       <a:r>
-                        <a:rPr lang="en-AU" sz="1200" b="1" dirty="0">
+                        <a:rPr lang="en-AU" sz="1600" b="1" dirty="0">
                           <a:effectLst/>
                           <a:latin typeface="Arial"/>
                           <a:ea typeface="Calibri"/>
                         </a:rPr>
-                        <a:t>Probability pricing</a:t>
+                        <a:t>VIC</a:t>
                       </a:r>
-                      <a:endParaRPr lang="en-AU" sz="1200" dirty="0">
+                      <a:endParaRPr lang="en-AU" sz="1600" b="1" dirty="0">
                         <a:effectLst/>
                         <a:latin typeface="Arial"/>
                         <a:ea typeface="Times New Roman"/>
                       </a:endParaRPr>
                     </a:p>
                   </a:txBody>
-                  <a:tcPr marL="68580" marR="68580" marT="0" marB="0" anchor="b">
+                  <a:tcPr marL="68580" marR="68580" marT="0" marB="0" anchor="ctr">
                     <a:lnL>
                       <a:noFill/>
                     </a:lnL>
                     <a:lnR>
                       <a:noFill/>
                     </a:lnR>
-                    <a:lnT>
-                      <a:noFill/>
+                    <a:lnT w="12700" cap="flat" cmpd="sng" algn="ctr">
+                      <a:solidFill>
+                        <a:schemeClr val="tx1"/>
+                      </a:solidFill>
+                      <a:prstDash val="solid"/>
+                      <a:round/>
+                      <a:headEnd type="none" w="med" len="med"/>
+                      <a:tailEnd type="none" w="med" len="med"/>
                     </a:lnT>
-                    <a:lnB w="28575" cap="flat" cmpd="sng" algn="ctr">
+                    <a:lnB w="12700" cap="flat" cmpd="sng" algn="ctr">
                       <a:solidFill>
                         <a:schemeClr val="tx1"/>
                       </a:solidFill>
@@ -8968,31 +9036,132 @@
                         </a:spcAft>
                       </a:pPr>
                       <a:r>
-                        <a:rPr lang="en-AU" sz="1200" b="1" dirty="0">
+                        <a:rPr lang="en-AU" sz="1600" b="1" dirty="0">
                           <a:effectLst/>
                           <a:latin typeface="Arial"/>
-                          <a:ea typeface="Calibri"/>
+                          <a:ea typeface="Times New Roman"/>
                         </a:rPr>
-                        <a:t>Reference class forecasting</a:t>
+                        <a:t>QLD</a:t>
                       </a:r>
-                      <a:endParaRPr lang="en-AU" sz="1200" dirty="0">
-                        <a:effectLst/>
-                        <a:latin typeface="Arial"/>
-                        <a:ea typeface="Times New Roman"/>
-                      </a:endParaRPr>
                     </a:p>
                   </a:txBody>
-                  <a:tcPr marL="68580" marR="68580" marT="0" marB="0" anchor="b">
+                  <a:tcPr marL="68580" marR="68580" marT="0" marB="0" anchor="ctr">
                     <a:lnL>
                       <a:noFill/>
                     </a:lnL>
                     <a:lnR>
                       <a:noFill/>
                     </a:lnR>
-                    <a:lnT>
-                      <a:noFill/>
+                    <a:lnT w="12700" cap="flat" cmpd="sng" algn="ctr">
+                      <a:solidFill>
+                        <a:schemeClr val="tx1"/>
+                      </a:solidFill>
+                      <a:prstDash val="solid"/>
+                      <a:round/>
+                      <a:headEnd type="none" w="med" len="med"/>
+                      <a:tailEnd type="none" w="med" len="med"/>
                     </a:lnT>
-                    <a:lnB w="28575" cap="flat" cmpd="sng" algn="ctr">
+                    <a:lnB w="12700" cap="flat" cmpd="sng" algn="ctr">
+                      <a:solidFill>
+                        <a:schemeClr val="tx1"/>
+                      </a:solidFill>
+                      <a:prstDash val="solid"/>
+                      <a:round/>
+                      <a:headEnd type="none" w="med" len="med"/>
+                      <a:tailEnd type="none" w="med" len="med"/>
+                    </a:lnB>
+                  </a:tcPr>
+                </a:tc>
+                <a:tc>
+                  <a:txBody>
+                    <a:bodyPr/>
+                    <a:lstStyle/>
+                    <a:p>
+                      <a:pPr marL="0" indent="0" algn="ctr">
+                        <a:spcBef>
+                          <a:spcPts val="1200"/>
+                        </a:spcBef>
+                        <a:spcAft>
+                          <a:spcPts val="0"/>
+                        </a:spcAft>
+                      </a:pPr>
+                      <a:r>
+                        <a:rPr lang="en-AU" sz="1600" b="1" dirty="0">
+                          <a:effectLst/>
+                          <a:latin typeface="Arial"/>
+                          <a:ea typeface="Times New Roman"/>
+                        </a:rPr>
+                        <a:t>WA</a:t>
+                      </a:r>
+                    </a:p>
+                  </a:txBody>
+                  <a:tcPr marL="68580" marR="68580" marT="0" marB="0" anchor="ctr">
+                    <a:lnL>
+                      <a:noFill/>
+                    </a:lnL>
+                    <a:lnR>
+                      <a:noFill/>
+                    </a:lnR>
+                    <a:lnT w="12700" cap="flat" cmpd="sng" algn="ctr">
+                      <a:solidFill>
+                        <a:schemeClr val="tx1"/>
+                      </a:solidFill>
+                      <a:prstDash val="solid"/>
+                      <a:round/>
+                      <a:headEnd type="none" w="med" len="med"/>
+                      <a:tailEnd type="none" w="med" len="med"/>
+                    </a:lnT>
+                    <a:lnB w="12700" cap="flat" cmpd="sng" algn="ctr">
+                      <a:solidFill>
+                        <a:schemeClr val="tx1"/>
+                      </a:solidFill>
+                      <a:prstDash val="solid"/>
+                      <a:round/>
+                      <a:headEnd type="none" w="med" len="med"/>
+                      <a:tailEnd type="none" w="med" len="med"/>
+                    </a:lnB>
+                  </a:tcPr>
+                </a:tc>
+                <a:tc>
+                  <a:txBody>
+                    <a:bodyPr/>
+                    <a:lstStyle/>
+                    <a:p>
+                      <a:pPr marL="0" indent="0" algn="ctr">
+                        <a:spcBef>
+                          <a:spcPts val="1200"/>
+                        </a:spcBef>
+                        <a:spcAft>
+                          <a:spcPts val="0"/>
+                        </a:spcAft>
+                      </a:pPr>
+                      <a:r>
+                        <a:rPr lang="en-AU" sz="1600" b="1" dirty="0">
+                          <a:effectLst/>
+                          <a:latin typeface="Arial"/>
+                          <a:ea typeface="Times New Roman"/>
+                        </a:rPr>
+                        <a:t>SA</a:t>
+                      </a:r>
+                    </a:p>
+                  </a:txBody>
+                  <a:tcPr marL="68580" marR="68580" marT="0" marB="0" anchor="ctr">
+                    <a:lnL>
+                      <a:noFill/>
+                    </a:lnL>
+                    <a:lnR>
+                      <a:noFill/>
+                    </a:lnR>
+                    <a:lnT w="12700" cap="flat" cmpd="sng" algn="ctr">
+                      <a:solidFill>
+                        <a:schemeClr val="tx1"/>
+                      </a:solidFill>
+                      <a:prstDash val="solid"/>
+                      <a:round/>
+                      <a:headEnd type="none" w="med" len="med"/>
+                      <a:tailEnd type="none" w="med" len="med"/>
+                    </a:lnT>
+                    <a:lnB w="12700" cap="flat" cmpd="sng" algn="ctr">
                       <a:solidFill>
                         <a:schemeClr val="tx1"/>
                       </a:solidFill>
@@ -9005,59 +9174,55 @@
                 </a:tc>
                 <a:extLst>
                   <a:ext uri="{0D108BD9-81ED-4DB2-BD59-A6C34878D82A}">
-                    <a16:rowId xmlns="" xmlns:a16="http://schemas.microsoft.com/office/drawing/2014/main" val="10000"/>
+                    <a16:rowId xmlns:a16="http://schemas.microsoft.com/office/drawing/2014/main" val="10000"/>
                   </a:ext>
                 </a:extLst>
               </a:tr>
-              <a:tr h="221818">
+              <a:tr h="936104">
                 <a:tc>
                   <a:txBody>
                     <a:bodyPr/>
                     <a:lstStyle/>
                     <a:p>
-                      <a:pPr marL="0" indent="0" algn="r">
+                      <a:pPr marL="0" indent="0" algn="ctr">
                         <a:spcBef>
-                          <a:spcPts val="100"/>
+                          <a:spcPts val="1200"/>
                         </a:spcBef>
                         <a:spcAft>
                           <a:spcPts val="0"/>
                         </a:spcAft>
                       </a:pPr>
                       <a:r>
-                        <a:rPr lang="en-AU" sz="1200" b="1" dirty="0">
+                        <a:rPr lang="en-AU" sz="1600" b="1" dirty="0">
                           <a:effectLst/>
-                          <a:latin typeface="Arial"/>
+                          <a:latin typeface="+mn-lt"/>
                           <a:ea typeface="Calibri"/>
                         </a:rPr>
-                        <a:t>Commonwealth</a:t>
+                        <a:t>Expected value</a:t>
                       </a:r>
-                      <a:endParaRPr lang="en-AU" sz="1200" b="1" dirty="0">
+                      <a:endParaRPr lang="en-AU" sz="1600" dirty="0">
                         <a:effectLst/>
-                        <a:latin typeface="Arial"/>
+                        <a:latin typeface="+mn-lt"/>
                         <a:ea typeface="Times New Roman"/>
                       </a:endParaRPr>
                     </a:p>
                   </a:txBody>
-                  <a:tcPr marL="68580" marR="68580" marT="0" marB="0" anchor="b">
+                  <a:tcPr marL="68580" marR="68580" marT="0" marB="0" anchor="ctr">
                     <a:lnL w="12700" cap="flat" cmpd="sng" algn="ctr">
-                      <a:solidFill>
-                        <a:srgbClr val="000000"/>
-                      </a:solidFill>
+                      <a:noFill/>
                       <a:prstDash val="solid"/>
                       <a:round/>
                       <a:headEnd type="none" w="med" len="med"/>
                       <a:tailEnd type="none" w="med" len="med"/>
                     </a:lnL>
                     <a:lnR w="12700" cap="flat" cmpd="sng" algn="ctr">
-                      <a:solidFill>
-                        <a:srgbClr val="000000"/>
-                      </a:solidFill>
+                      <a:noFill/>
                       <a:prstDash val="solid"/>
                       <a:round/>
                       <a:headEnd type="none" w="med" len="med"/>
                       <a:tailEnd type="none" w="med" len="med"/>
                     </a:lnR>
-                    <a:lnT w="28575" cap="flat" cmpd="sng" algn="ctr">
+                    <a:lnT w="12700" cap="flat" cmpd="sng" algn="ctr">
                       <a:solidFill>
                         <a:schemeClr val="tx1"/>
                       </a:solidFill>
@@ -9067,14 +9232,20 @@
                       <a:tailEnd type="none" w="med" len="med"/>
                     </a:lnT>
                     <a:lnB w="12700" cap="flat" cmpd="sng" algn="ctr">
-                      <a:solidFill>
-                        <a:srgbClr val="000000"/>
-                      </a:solidFill>
+                      <a:noFill/>
                       <a:prstDash val="solid"/>
                       <a:round/>
                       <a:headEnd type="none" w="med" len="med"/>
                       <a:tailEnd type="none" w="med" len="med"/>
                     </a:lnB>
+                    <a:lnTlToBr w="12700" cmpd="sng">
+                      <a:noFill/>
+                      <a:prstDash val="solid"/>
+                    </a:lnTlToBr>
+                    <a:lnBlToTr w="12700" cmpd="sng">
+                      <a:noFill/>
+                      <a:prstDash val="solid"/>
+                    </a:lnBlToTr>
                   </a:tcPr>
                 </a:tc>
                 <a:tc>
@@ -9107,24 +9278,20 @@
                   </a:txBody>
                   <a:tcPr marL="68580" marR="68580" marT="0" marB="0" anchor="b">
                     <a:lnL w="12700" cap="flat" cmpd="sng" algn="ctr">
-                      <a:solidFill>
-                        <a:srgbClr val="000000"/>
-                      </a:solidFill>
+                      <a:noFill/>
                       <a:prstDash val="solid"/>
                       <a:round/>
                       <a:headEnd type="none" w="med" len="med"/>
                       <a:tailEnd type="none" w="med" len="med"/>
                     </a:lnL>
                     <a:lnR w="12700" cap="flat" cmpd="sng" algn="ctr">
-                      <a:solidFill>
-                        <a:srgbClr val="000000"/>
-                      </a:solidFill>
+                      <a:noFill/>
                       <a:prstDash val="solid"/>
                       <a:round/>
                       <a:headEnd type="none" w="med" len="med"/>
                       <a:tailEnd type="none" w="med" len="med"/>
                     </a:lnR>
-                    <a:lnT w="28575" cap="flat" cmpd="sng" algn="ctr">
+                    <a:lnT w="12700" cap="flat" cmpd="sng" algn="ctr">
                       <a:solidFill>
                         <a:schemeClr val="tx1"/>
                       </a:solidFill>
@@ -9134,17 +9301,21 @@
                       <a:tailEnd type="none" w="med" len="med"/>
                     </a:lnT>
                     <a:lnB w="12700" cap="flat" cmpd="sng" algn="ctr">
-                      <a:solidFill>
-                        <a:srgbClr val="000000"/>
-                      </a:solidFill>
+                      <a:noFill/>
                       <a:prstDash val="solid"/>
                       <a:round/>
                       <a:headEnd type="none" w="med" len="med"/>
                       <a:tailEnd type="none" w="med" len="med"/>
                     </a:lnB>
-                    <a:solidFill>
-                      <a:srgbClr val="92D050"/>
-                    </a:solidFill>
+                    <a:lnTlToBr w="12700" cmpd="sng">
+                      <a:noFill/>
+                      <a:prstDash val="solid"/>
+                    </a:lnTlToBr>
+                    <a:lnBlToTr w="12700" cmpd="sng">
+                      <a:noFill/>
+                      <a:prstDash val="solid"/>
+                    </a:lnBlToTr>
+                    <a:noFill/>
                   </a:tcPr>
                 </a:tc>
                 <a:tc>
@@ -9177,24 +9348,20 @@
                   </a:txBody>
                   <a:tcPr marL="68580" marR="68580" marT="0" marB="0" anchor="b">
                     <a:lnL w="12700" cap="flat" cmpd="sng" algn="ctr">
-                      <a:solidFill>
-                        <a:srgbClr val="000000"/>
-                      </a:solidFill>
+                      <a:noFill/>
                       <a:prstDash val="solid"/>
                       <a:round/>
                       <a:headEnd type="none" w="med" len="med"/>
                       <a:tailEnd type="none" w="med" len="med"/>
                     </a:lnL>
                     <a:lnR w="12700" cap="flat" cmpd="sng" algn="ctr">
-                      <a:solidFill>
-                        <a:srgbClr val="000000"/>
-                      </a:solidFill>
+                      <a:noFill/>
                       <a:prstDash val="solid"/>
                       <a:round/>
                       <a:headEnd type="none" w="med" len="med"/>
                       <a:tailEnd type="none" w="med" len="med"/>
                     </a:lnR>
-                    <a:lnT w="28575" cap="flat" cmpd="sng" algn="ctr">
+                    <a:lnT w="12700" cap="flat" cmpd="sng" algn="ctr">
                       <a:solidFill>
                         <a:schemeClr val="tx1"/>
                       </a:solidFill>
@@ -9204,17 +9371,21 @@
                       <a:tailEnd type="none" w="med" len="med"/>
                     </a:lnT>
                     <a:lnB w="12700" cap="flat" cmpd="sng" algn="ctr">
-                      <a:solidFill>
-                        <a:srgbClr val="000000"/>
-                      </a:solidFill>
+                      <a:noFill/>
                       <a:prstDash val="solid"/>
                       <a:round/>
                       <a:headEnd type="none" w="med" len="med"/>
                       <a:tailEnd type="none" w="med" len="med"/>
                     </a:lnB>
-                    <a:solidFill>
-                      <a:srgbClr val="FFC35A"/>
-                    </a:solidFill>
+                    <a:lnTlToBr w="12700" cmpd="sng">
+                      <a:noFill/>
+                      <a:prstDash val="solid"/>
+                    </a:lnTlToBr>
+                    <a:lnBlToTr w="12700" cmpd="sng">
+                      <a:noFill/>
+                      <a:prstDash val="solid"/>
+                    </a:lnBlToTr>
+                    <a:noFill/>
                   </a:tcPr>
                 </a:tc>
                 <a:tc>
@@ -9247,24 +9418,20 @@
                   </a:txBody>
                   <a:tcPr marL="68580" marR="68580" marT="0" marB="0" anchor="b">
                     <a:lnL w="12700" cap="flat" cmpd="sng" algn="ctr">
-                      <a:solidFill>
-                        <a:srgbClr val="000000"/>
-                      </a:solidFill>
+                      <a:noFill/>
                       <a:prstDash val="solid"/>
                       <a:round/>
                       <a:headEnd type="none" w="med" len="med"/>
                       <a:tailEnd type="none" w="med" len="med"/>
                     </a:lnL>
                     <a:lnR w="12700" cap="flat" cmpd="sng" algn="ctr">
-                      <a:solidFill>
-                        <a:srgbClr val="000000"/>
-                      </a:solidFill>
+                      <a:noFill/>
                       <a:prstDash val="solid"/>
                       <a:round/>
                       <a:headEnd type="none" w="med" len="med"/>
                       <a:tailEnd type="none" w="med" len="med"/>
                     </a:lnR>
-                    <a:lnT w="28575" cap="flat" cmpd="sng" algn="ctr">
+                    <a:lnT w="12700" cap="flat" cmpd="sng" algn="ctr">
                       <a:solidFill>
                         <a:schemeClr val="tx1"/>
                       </a:solidFill>
@@ -9274,17 +9441,21 @@
                       <a:tailEnd type="none" w="med" len="med"/>
                     </a:lnT>
                     <a:lnB w="12700" cap="flat" cmpd="sng" algn="ctr">
-                      <a:solidFill>
-                        <a:srgbClr val="000000"/>
-                      </a:solidFill>
+                      <a:noFill/>
                       <a:prstDash val="solid"/>
                       <a:round/>
                       <a:headEnd type="none" w="med" len="med"/>
                       <a:tailEnd type="none" w="med" len="med"/>
                     </a:lnB>
-                    <a:solidFill>
-                      <a:srgbClr val="FFC35A"/>
-                    </a:solidFill>
+                    <a:lnTlToBr w="12700" cmpd="sng">
+                      <a:noFill/>
+                      <a:prstDash val="solid"/>
+                    </a:lnTlToBr>
+                    <a:lnBlToTr w="12700" cmpd="sng">
+                      <a:noFill/>
+                      <a:prstDash val="solid"/>
+                    </a:lnBlToTr>
+                    <a:noFill/>
                   </a:tcPr>
                 </a:tc>
                 <a:tc>
@@ -9317,24 +9488,20 @@
                   </a:txBody>
                   <a:tcPr marL="68580" marR="68580" marT="0" marB="0">
                     <a:lnL w="12700" cap="flat" cmpd="sng" algn="ctr">
-                      <a:solidFill>
-                        <a:srgbClr val="000000"/>
-                      </a:solidFill>
+                      <a:noFill/>
                       <a:prstDash val="solid"/>
                       <a:round/>
                       <a:headEnd type="none" w="med" len="med"/>
                       <a:tailEnd type="none" w="med" len="med"/>
                     </a:lnL>
                     <a:lnR w="12700" cap="flat" cmpd="sng" algn="ctr">
-                      <a:solidFill>
-                        <a:srgbClr val="000000"/>
-                      </a:solidFill>
+                      <a:noFill/>
                       <a:prstDash val="solid"/>
                       <a:round/>
                       <a:headEnd type="none" w="med" len="med"/>
                       <a:tailEnd type="none" w="med" len="med"/>
                     </a:lnR>
-                    <a:lnT w="28575" cap="flat" cmpd="sng" algn="ctr">
+                    <a:lnT w="12700" cap="flat" cmpd="sng" algn="ctr">
                       <a:solidFill>
                         <a:schemeClr val="tx1"/>
                       </a:solidFill>
@@ -9344,32 +9511,222 @@
                       <a:tailEnd type="none" w="med" len="med"/>
                     </a:lnT>
                     <a:lnB w="12700" cap="flat" cmpd="sng" algn="ctr">
-                      <a:solidFill>
-                        <a:srgbClr val="000000"/>
-                      </a:solidFill>
+                      <a:noFill/>
                       <a:prstDash val="solid"/>
                       <a:round/>
                       <a:headEnd type="none" w="med" len="med"/>
                       <a:tailEnd type="none" w="med" len="med"/>
                     </a:lnB>
-                    <a:solidFill>
-                      <a:srgbClr val="FFC35A"/>
-                    </a:solidFill>
+                    <a:lnTlToBr w="12700" cmpd="sng">
+                      <a:noFill/>
+                      <a:prstDash val="solid"/>
+                    </a:lnTlToBr>
+                    <a:lnBlToTr w="12700" cmpd="sng">
+                      <a:noFill/>
+                      <a:prstDash val="solid"/>
+                    </a:lnBlToTr>
+                    <a:noFill/>
                   </a:tcPr>
                 </a:tc>
-                <a:extLst>
-                  <a:ext uri="{0D108BD9-81ED-4DB2-BD59-A6C34878D82A}">
-                    <a16:rowId xmlns="" xmlns:a16="http://schemas.microsoft.com/office/drawing/2014/main" val="10001"/>
-                  </a:ext>
-                </a:extLst>
-              </a:tr>
-              <a:tr h="187785">
                 <a:tc>
                   <a:txBody>
                     <a:bodyPr/>
                     <a:lstStyle/>
                     <a:p>
-                      <a:pPr marL="540385" algn="r">
+                      <a:pPr marL="540385" algn="ctr">
+                        <a:spcBef>
+                          <a:spcPts val="100"/>
+                        </a:spcBef>
+                        <a:spcAft>
+                          <a:spcPts val="0"/>
+                        </a:spcAft>
+                      </a:pPr>
+                      <a:endParaRPr lang="en-AU" sz="1200" dirty="0">
+                        <a:effectLst/>
+                        <a:latin typeface="Arial"/>
+                        <a:ea typeface="Times New Roman"/>
+                      </a:endParaRPr>
+                    </a:p>
+                  </a:txBody>
+                  <a:tcPr marL="68580" marR="68580" marT="0" marB="0">
+                    <a:lnL w="12700" cap="flat" cmpd="sng" algn="ctr">
+                      <a:noFill/>
+                      <a:prstDash val="solid"/>
+                      <a:round/>
+                      <a:headEnd type="none" w="med" len="med"/>
+                      <a:tailEnd type="none" w="med" len="med"/>
+                    </a:lnL>
+                    <a:lnR w="12700" cap="flat" cmpd="sng" algn="ctr">
+                      <a:noFill/>
+                      <a:prstDash val="solid"/>
+                      <a:round/>
+                      <a:headEnd type="none" w="med" len="med"/>
+                      <a:tailEnd type="none" w="med" len="med"/>
+                    </a:lnR>
+                    <a:lnT w="12700" cap="flat" cmpd="sng" algn="ctr">
+                      <a:solidFill>
+                        <a:schemeClr val="tx1"/>
+                      </a:solidFill>
+                      <a:prstDash val="solid"/>
+                      <a:round/>
+                      <a:headEnd type="none" w="med" len="med"/>
+                      <a:tailEnd type="none" w="med" len="med"/>
+                    </a:lnT>
+                    <a:lnB w="12700" cap="flat" cmpd="sng" algn="ctr">
+                      <a:noFill/>
+                      <a:prstDash val="solid"/>
+                      <a:round/>
+                      <a:headEnd type="none" w="med" len="med"/>
+                      <a:tailEnd type="none" w="med" len="med"/>
+                    </a:lnB>
+                    <a:lnTlToBr w="12700" cmpd="sng">
+                      <a:noFill/>
+                      <a:prstDash val="solid"/>
+                    </a:lnTlToBr>
+                    <a:lnBlToTr w="12700" cmpd="sng">
+                      <a:noFill/>
+                      <a:prstDash val="solid"/>
+                    </a:lnBlToTr>
+                    <a:noFill/>
+                  </a:tcPr>
+                </a:tc>
+                <a:tc>
+                  <a:txBody>
+                    <a:bodyPr/>
+                    <a:lstStyle/>
+                    <a:p>
+                      <a:pPr marL="540385" algn="ctr">
+                        <a:spcBef>
+                          <a:spcPts val="100"/>
+                        </a:spcBef>
+                        <a:spcAft>
+                          <a:spcPts val="0"/>
+                        </a:spcAft>
+                      </a:pPr>
+                      <a:endParaRPr lang="en-AU" sz="1200" dirty="0">
+                        <a:effectLst/>
+                        <a:latin typeface="Arial"/>
+                        <a:ea typeface="Times New Roman"/>
+                      </a:endParaRPr>
+                    </a:p>
+                  </a:txBody>
+                  <a:tcPr marL="68580" marR="68580" marT="0" marB="0">
+                    <a:lnL w="12700" cap="flat" cmpd="sng" algn="ctr">
+                      <a:noFill/>
+                      <a:prstDash val="solid"/>
+                      <a:round/>
+                      <a:headEnd type="none" w="med" len="med"/>
+                      <a:tailEnd type="none" w="med" len="med"/>
+                    </a:lnL>
+                    <a:lnR w="12700" cap="flat" cmpd="sng" algn="ctr">
+                      <a:noFill/>
+                      <a:prstDash val="solid"/>
+                      <a:round/>
+                      <a:headEnd type="none" w="med" len="med"/>
+                      <a:tailEnd type="none" w="med" len="med"/>
+                    </a:lnR>
+                    <a:lnT w="12700" cap="flat" cmpd="sng" algn="ctr">
+                      <a:solidFill>
+                        <a:schemeClr val="tx1"/>
+                      </a:solidFill>
+                      <a:prstDash val="solid"/>
+                      <a:round/>
+                      <a:headEnd type="none" w="med" len="med"/>
+                      <a:tailEnd type="none" w="med" len="med"/>
+                    </a:lnT>
+                    <a:lnB w="12700" cap="flat" cmpd="sng" algn="ctr">
+                      <a:noFill/>
+                      <a:prstDash val="solid"/>
+                      <a:round/>
+                      <a:headEnd type="none" w="med" len="med"/>
+                      <a:tailEnd type="none" w="med" len="med"/>
+                    </a:lnB>
+                    <a:lnTlToBr w="12700" cmpd="sng">
+                      <a:noFill/>
+                      <a:prstDash val="solid"/>
+                    </a:lnTlToBr>
+                    <a:lnBlToTr w="12700" cmpd="sng">
+                      <a:noFill/>
+                      <a:prstDash val="solid"/>
+                    </a:lnBlToTr>
+                    <a:noFill/>
+                  </a:tcPr>
+                </a:tc>
+                <a:tc>
+                  <a:txBody>
+                    <a:bodyPr/>
+                    <a:lstStyle/>
+                    <a:p>
+                      <a:pPr marL="540385" algn="ctr">
+                        <a:spcBef>
+                          <a:spcPts val="100"/>
+                        </a:spcBef>
+                        <a:spcAft>
+                          <a:spcPts val="0"/>
+                        </a:spcAft>
+                      </a:pPr>
+                      <a:endParaRPr lang="en-AU" sz="1200" dirty="0">
+                        <a:effectLst/>
+                        <a:latin typeface="Arial"/>
+                        <a:ea typeface="Times New Roman"/>
+                      </a:endParaRPr>
+                    </a:p>
+                  </a:txBody>
+                  <a:tcPr marL="68580" marR="68580" marT="0" marB="0">
+                    <a:lnL w="12700" cap="flat" cmpd="sng" algn="ctr">
+                      <a:noFill/>
+                      <a:prstDash val="solid"/>
+                      <a:round/>
+                      <a:headEnd type="none" w="med" len="med"/>
+                      <a:tailEnd type="none" w="med" len="med"/>
+                    </a:lnL>
+                    <a:lnR w="12700" cap="flat" cmpd="sng" algn="ctr">
+                      <a:noFill/>
+                      <a:prstDash val="solid"/>
+                      <a:round/>
+                      <a:headEnd type="none" w="med" len="med"/>
+                      <a:tailEnd type="none" w="med" len="med"/>
+                    </a:lnR>
+                    <a:lnT w="12700" cap="flat" cmpd="sng" algn="ctr">
+                      <a:solidFill>
+                        <a:schemeClr val="tx1"/>
+                      </a:solidFill>
+                      <a:prstDash val="solid"/>
+                      <a:round/>
+                      <a:headEnd type="none" w="med" len="med"/>
+                      <a:tailEnd type="none" w="med" len="med"/>
+                    </a:lnT>
+                    <a:lnB w="12700" cap="flat" cmpd="sng" algn="ctr">
+                      <a:noFill/>
+                      <a:prstDash val="solid"/>
+                      <a:round/>
+                      <a:headEnd type="none" w="med" len="med"/>
+                      <a:tailEnd type="none" w="med" len="med"/>
+                    </a:lnB>
+                    <a:lnTlToBr w="12700" cmpd="sng">
+                      <a:noFill/>
+                      <a:prstDash val="solid"/>
+                    </a:lnTlToBr>
+                    <a:lnBlToTr w="12700" cmpd="sng">
+                      <a:noFill/>
+                      <a:prstDash val="solid"/>
+                    </a:lnBlToTr>
+                    <a:noFill/>
+                  </a:tcPr>
+                </a:tc>
+                <a:extLst>
+                  <a:ext uri="{0D108BD9-81ED-4DB2-BD59-A6C34878D82A}">
+                    <a16:rowId xmlns:a16="http://schemas.microsoft.com/office/drawing/2014/main" val="10001"/>
+                  </a:ext>
+                </a:extLst>
+              </a:tr>
+              <a:tr h="936104">
+                <a:tc>
+                  <a:txBody>
+                    <a:bodyPr/>
+                    <a:lstStyle/>
+                    <a:p>
+                      <a:pPr marL="0" indent="0" algn="ctr">
                         <a:spcBef>
                           <a:spcPts val="1200"/>
                         </a:spcBef>
@@ -9378,51 +9735,57 @@
                         </a:spcAft>
                       </a:pPr>
                       <a:r>
-                        <a:rPr lang="en-AU" sz="1200" b="1" dirty="0">
+                        <a:rPr lang="en-AU" sz="1600" b="1" dirty="0">
                           <a:effectLst/>
-                          <a:latin typeface="Arial"/>
+                          <a:latin typeface="+mn-lt"/>
                           <a:ea typeface="Calibri"/>
                         </a:rPr>
-                        <a:t> </a:t>
+                        <a:t>Sensitivity analysis</a:t>
                       </a:r>
-                      <a:endParaRPr lang="en-AU" sz="1200" b="1" dirty="0">
+                      <a:endParaRPr lang="en-AU" sz="1600" dirty="0">
                         <a:effectLst/>
-                        <a:latin typeface="Arial"/>
+                        <a:latin typeface="+mn-lt"/>
                         <a:ea typeface="Times New Roman"/>
                       </a:endParaRPr>
                     </a:p>
                   </a:txBody>
-                  <a:tcPr marL="68580" marR="68580" marT="0" marB="0" anchor="b">
+                  <a:tcPr marL="68580" marR="68580" marT="0" marB="0" anchor="ctr">
                     <a:lnL w="12700" cap="flat" cmpd="sng" algn="ctr">
-                      <a:solidFill>
-                        <a:srgbClr val="000000"/>
-                      </a:solidFill>
+                      <a:noFill/>
                       <a:prstDash val="solid"/>
                       <a:round/>
                       <a:headEnd type="none" w="med" len="med"/>
                       <a:tailEnd type="none" w="med" len="med"/>
                     </a:lnL>
-                    <a:lnR>
-                      <a:noFill/>
+                    <a:lnR w="12700" cap="flat" cmpd="sng" algn="ctr">
+                      <a:noFill/>
+                      <a:prstDash val="solid"/>
+                      <a:round/>
+                      <a:headEnd type="none" w="med" len="med"/>
+                      <a:tailEnd type="none" w="med" len="med"/>
                     </a:lnR>
                     <a:lnT w="12700" cap="flat" cmpd="sng" algn="ctr">
-                      <a:solidFill>
-                        <a:srgbClr val="000000"/>
-                      </a:solidFill>
+                      <a:noFill/>
                       <a:prstDash val="solid"/>
                       <a:round/>
                       <a:headEnd type="none" w="med" len="med"/>
                       <a:tailEnd type="none" w="med" len="med"/>
                     </a:lnT>
                     <a:lnB w="12700" cap="flat" cmpd="sng" algn="ctr">
-                      <a:solidFill>
-                        <a:srgbClr val="000000"/>
-                      </a:solidFill>
+                      <a:noFill/>
                       <a:prstDash val="solid"/>
                       <a:round/>
                       <a:headEnd type="none" w="med" len="med"/>
                       <a:tailEnd type="none" w="med" len="med"/>
                     </a:lnB>
+                    <a:lnTlToBr w="12700" cmpd="sng">
+                      <a:noFill/>
+                      <a:prstDash val="solid"/>
+                    </a:lnTlToBr>
+                    <a:lnBlToTr w="12700" cmpd="sng">
+                      <a:noFill/>
+                      <a:prstDash val="solid"/>
+                    </a:lnBlToTr>
                   </a:tcPr>
                 </a:tc>
                 <a:tc>
@@ -9439,14 +9802,14 @@
                         </a:spcAft>
                       </a:pPr>
                       <a:r>
-                        <a:rPr lang="en-AU" sz="300">
+                        <a:rPr lang="en-AU" sz="900" dirty="0">
                           <a:effectLst/>
                           <a:latin typeface="Arial"/>
                           <a:ea typeface="Calibri"/>
                         </a:rPr>
                         <a:t> </a:t>
                       </a:r>
-                      <a:endParaRPr lang="en-AU" sz="1200">
+                      <a:endParaRPr lang="en-AU" sz="1200" dirty="0">
                         <a:effectLst/>
                         <a:latin typeface="Arial"/>
                         <a:ea typeface="Times New Roman"/>
@@ -9454,30 +9817,43 @@
                     </a:p>
                   </a:txBody>
                   <a:tcPr marL="68580" marR="68580" marT="0" marB="0" anchor="b">
-                    <a:lnL>
-                      <a:noFill/>
+                    <a:lnL w="12700" cap="flat" cmpd="sng" algn="ctr">
+                      <a:noFill/>
+                      <a:prstDash val="solid"/>
+                      <a:round/>
+                      <a:headEnd type="none" w="med" len="med"/>
+                      <a:tailEnd type="none" w="med" len="med"/>
                     </a:lnL>
-                    <a:lnR>
-                      <a:noFill/>
+                    <a:lnR w="12700" cap="flat" cmpd="sng" algn="ctr">
+                      <a:noFill/>
+                      <a:prstDash val="solid"/>
+                      <a:round/>
+                      <a:headEnd type="none" w="med" len="med"/>
+                      <a:tailEnd type="none" w="med" len="med"/>
                     </a:lnR>
                     <a:lnT w="12700" cap="flat" cmpd="sng" algn="ctr">
-                      <a:solidFill>
-                        <a:srgbClr val="000000"/>
-                      </a:solidFill>
+                      <a:noFill/>
                       <a:prstDash val="solid"/>
                       <a:round/>
                       <a:headEnd type="none" w="med" len="med"/>
                       <a:tailEnd type="none" w="med" len="med"/>
                     </a:lnT>
                     <a:lnB w="12700" cap="flat" cmpd="sng" algn="ctr">
-                      <a:solidFill>
-                        <a:srgbClr val="000000"/>
-                      </a:solidFill>
+                      <a:noFill/>
                       <a:prstDash val="solid"/>
                       <a:round/>
                       <a:headEnd type="none" w="med" len="med"/>
                       <a:tailEnd type="none" w="med" len="med"/>
                     </a:lnB>
+                    <a:lnTlToBr w="12700" cmpd="sng">
+                      <a:noFill/>
+                      <a:prstDash val="solid"/>
+                    </a:lnTlToBr>
+                    <a:lnBlToTr w="12700" cmpd="sng">
+                      <a:noFill/>
+                      <a:prstDash val="solid"/>
+                    </a:lnBlToTr>
+                    <a:noFill/>
                   </a:tcPr>
                 </a:tc>
                 <a:tc>
@@ -9494,14 +9870,14 @@
                         </a:spcAft>
                       </a:pPr>
                       <a:r>
-                        <a:rPr lang="en-AU" sz="300">
+                        <a:rPr lang="en-AU" sz="900" dirty="0">
                           <a:effectLst/>
                           <a:latin typeface="Arial"/>
                           <a:ea typeface="Calibri"/>
                         </a:rPr>
                         <a:t> </a:t>
                       </a:r>
-                      <a:endParaRPr lang="en-AU" sz="1200">
+                      <a:endParaRPr lang="en-AU" sz="1200" dirty="0">
                         <a:effectLst/>
                         <a:latin typeface="Arial"/>
                         <a:ea typeface="Times New Roman"/>
@@ -9509,30 +9885,43 @@
                     </a:p>
                   </a:txBody>
                   <a:tcPr marL="68580" marR="68580" marT="0" marB="0" anchor="b">
-                    <a:lnL>
-                      <a:noFill/>
+                    <a:lnL w="12700" cap="flat" cmpd="sng" algn="ctr">
+                      <a:noFill/>
+                      <a:prstDash val="solid"/>
+                      <a:round/>
+                      <a:headEnd type="none" w="med" len="med"/>
+                      <a:tailEnd type="none" w="med" len="med"/>
                     </a:lnL>
-                    <a:lnR>
-                      <a:noFill/>
+                    <a:lnR w="12700" cap="flat" cmpd="sng" algn="ctr">
+                      <a:noFill/>
+                      <a:prstDash val="solid"/>
+                      <a:round/>
+                      <a:headEnd type="none" w="med" len="med"/>
+                      <a:tailEnd type="none" w="med" len="med"/>
                     </a:lnR>
                     <a:lnT w="12700" cap="flat" cmpd="sng" algn="ctr">
-                      <a:solidFill>
-                        <a:srgbClr val="000000"/>
-                      </a:solidFill>
+                      <a:noFill/>
                       <a:prstDash val="solid"/>
                       <a:round/>
                       <a:headEnd type="none" w="med" len="med"/>
                       <a:tailEnd type="none" w="med" len="med"/>
                     </a:lnT>
                     <a:lnB w="12700" cap="flat" cmpd="sng" algn="ctr">
-                      <a:solidFill>
-                        <a:srgbClr val="000000"/>
-                      </a:solidFill>
+                      <a:noFill/>
                       <a:prstDash val="solid"/>
                       <a:round/>
                       <a:headEnd type="none" w="med" len="med"/>
                       <a:tailEnd type="none" w="med" len="med"/>
                     </a:lnB>
+                    <a:lnTlToBr w="12700" cmpd="sng">
+                      <a:noFill/>
+                      <a:prstDash val="solid"/>
+                    </a:lnTlToBr>
+                    <a:lnBlToTr w="12700" cmpd="sng">
+                      <a:noFill/>
+                      <a:prstDash val="solid"/>
+                    </a:lnBlToTr>
+                    <a:noFill/>
                   </a:tcPr>
                 </a:tc>
                 <a:tc>
@@ -9549,14 +9938,14 @@
                         </a:spcAft>
                       </a:pPr>
                       <a:r>
-                        <a:rPr lang="en-AU" sz="300">
+                        <a:rPr lang="en-AU" sz="900" dirty="0">
                           <a:effectLst/>
                           <a:latin typeface="Arial"/>
                           <a:ea typeface="Calibri"/>
                         </a:rPr>
                         <a:t> </a:t>
                       </a:r>
-                      <a:endParaRPr lang="en-AU" sz="1200">
+                      <a:endParaRPr lang="en-AU" sz="1200" dirty="0">
                         <a:effectLst/>
                         <a:latin typeface="Arial"/>
                         <a:ea typeface="Times New Roman"/>
@@ -9564,30 +9953,43 @@
                     </a:p>
                   </a:txBody>
                   <a:tcPr marL="68580" marR="68580" marT="0" marB="0" anchor="b">
-                    <a:lnL>
-                      <a:noFill/>
+                    <a:lnL w="12700" cap="flat" cmpd="sng" algn="ctr">
+                      <a:noFill/>
+                      <a:prstDash val="solid"/>
+                      <a:round/>
+                      <a:headEnd type="none" w="med" len="med"/>
+                      <a:tailEnd type="none" w="med" len="med"/>
                     </a:lnL>
-                    <a:lnR>
-                      <a:noFill/>
+                    <a:lnR w="12700" cap="flat" cmpd="sng" algn="ctr">
+                      <a:noFill/>
+                      <a:prstDash val="solid"/>
+                      <a:round/>
+                      <a:headEnd type="none" w="med" len="med"/>
+                      <a:tailEnd type="none" w="med" len="med"/>
                     </a:lnR>
                     <a:lnT w="12700" cap="flat" cmpd="sng" algn="ctr">
-                      <a:solidFill>
-                        <a:srgbClr val="000000"/>
-                      </a:solidFill>
+                      <a:noFill/>
                       <a:prstDash val="solid"/>
                       <a:round/>
                       <a:headEnd type="none" w="med" len="med"/>
                       <a:tailEnd type="none" w="med" len="med"/>
                     </a:lnT>
                     <a:lnB w="12700" cap="flat" cmpd="sng" algn="ctr">
-                      <a:solidFill>
-                        <a:srgbClr val="000000"/>
-                      </a:solidFill>
+                      <a:noFill/>
                       <a:prstDash val="solid"/>
                       <a:round/>
                       <a:headEnd type="none" w="med" len="med"/>
                       <a:tailEnd type="none" w="med" len="med"/>
                     </a:lnB>
+                    <a:lnTlToBr w="12700" cmpd="sng">
+                      <a:noFill/>
+                      <a:prstDash val="solid"/>
+                    </a:lnTlToBr>
+                    <a:lnBlToTr w="12700" cmpd="sng">
+                      <a:noFill/>
+                      <a:prstDash val="solid"/>
+                    </a:lnBlToTr>
+                    <a:noFill/>
                   </a:tcPr>
                 </a:tc>
                 <a:tc>
@@ -9604,14 +10006,14 @@
                         </a:spcAft>
                       </a:pPr>
                       <a:r>
-                        <a:rPr lang="en-AU" sz="300">
+                        <a:rPr lang="en-AU" sz="900" dirty="0">
                           <a:effectLst/>
                           <a:latin typeface="Arial"/>
                           <a:ea typeface="Calibri"/>
                         </a:rPr>
                         <a:t> </a:t>
                       </a:r>
-                      <a:endParaRPr lang="en-AU" sz="1200">
+                      <a:endParaRPr lang="en-AU" sz="1200" dirty="0">
                         <a:effectLst/>
                         <a:latin typeface="Arial"/>
                         <a:ea typeface="Times New Roman"/>
@@ -9619,51 +10021,238 @@
                     </a:p>
                   </a:txBody>
                   <a:tcPr marL="68580" marR="68580" marT="0" marB="0">
-                    <a:lnL>
-                      <a:noFill/>
+                    <a:lnL w="12700" cap="flat" cmpd="sng" algn="ctr">
+                      <a:noFill/>
+                      <a:prstDash val="solid"/>
+                      <a:round/>
+                      <a:headEnd type="none" w="med" len="med"/>
+                      <a:tailEnd type="none" w="med" len="med"/>
                     </a:lnL>
                     <a:lnR w="12700" cap="flat" cmpd="sng" algn="ctr">
-                      <a:solidFill>
-                        <a:srgbClr val="000000"/>
-                      </a:solidFill>
+                      <a:noFill/>
                       <a:prstDash val="solid"/>
                       <a:round/>
                       <a:headEnd type="none" w="med" len="med"/>
                       <a:tailEnd type="none" w="med" len="med"/>
                     </a:lnR>
                     <a:lnT w="12700" cap="flat" cmpd="sng" algn="ctr">
-                      <a:solidFill>
-                        <a:srgbClr val="000000"/>
-                      </a:solidFill>
+                      <a:noFill/>
                       <a:prstDash val="solid"/>
                       <a:round/>
                       <a:headEnd type="none" w="med" len="med"/>
                       <a:tailEnd type="none" w="med" len="med"/>
                     </a:lnT>
                     <a:lnB w="12700" cap="flat" cmpd="sng" algn="ctr">
-                      <a:solidFill>
-                        <a:srgbClr val="000000"/>
-                      </a:solidFill>
+                      <a:noFill/>
                       <a:prstDash val="solid"/>
                       <a:round/>
                       <a:headEnd type="none" w="med" len="med"/>
                       <a:tailEnd type="none" w="med" len="med"/>
                     </a:lnB>
+                    <a:lnTlToBr w="12700" cmpd="sng">
+                      <a:noFill/>
+                      <a:prstDash val="solid"/>
+                    </a:lnTlToBr>
+                    <a:lnBlToTr w="12700" cmpd="sng">
+                      <a:noFill/>
+                      <a:prstDash val="solid"/>
+                    </a:lnBlToTr>
+                    <a:noFill/>
                   </a:tcPr>
                 </a:tc>
-                <a:extLst>
-                  <a:ext uri="{0D108BD9-81ED-4DB2-BD59-A6C34878D82A}">
-                    <a16:rowId xmlns="" xmlns:a16="http://schemas.microsoft.com/office/drawing/2014/main" val="10002"/>
-                  </a:ext>
-                </a:extLst>
-              </a:tr>
-              <a:tr h="238283">
                 <a:tc>
                   <a:txBody>
                     <a:bodyPr/>
                     <a:lstStyle/>
                     <a:p>
-                      <a:pPr marL="540385" algn="r">
+                      <a:pPr marL="540385" algn="ctr">
+                        <a:spcBef>
+                          <a:spcPts val="1200"/>
+                        </a:spcBef>
+                        <a:spcAft>
+                          <a:spcPts val="0"/>
+                        </a:spcAft>
+                      </a:pPr>
+                      <a:endParaRPr lang="en-AU" sz="1200" dirty="0">
+                        <a:effectLst/>
+                        <a:latin typeface="Arial"/>
+                        <a:ea typeface="Times New Roman"/>
+                      </a:endParaRPr>
+                    </a:p>
+                  </a:txBody>
+                  <a:tcPr marL="68580" marR="68580" marT="0" marB="0">
+                    <a:lnL w="12700" cap="flat" cmpd="sng" algn="ctr">
+                      <a:noFill/>
+                      <a:prstDash val="solid"/>
+                      <a:round/>
+                      <a:headEnd type="none" w="med" len="med"/>
+                      <a:tailEnd type="none" w="med" len="med"/>
+                    </a:lnL>
+                    <a:lnR w="12700" cap="flat" cmpd="sng" algn="ctr">
+                      <a:noFill/>
+                      <a:prstDash val="solid"/>
+                      <a:round/>
+                      <a:headEnd type="none" w="med" len="med"/>
+                      <a:tailEnd type="none" w="med" len="med"/>
+                    </a:lnR>
+                    <a:lnT w="12700" cap="flat" cmpd="sng" algn="ctr">
+                      <a:noFill/>
+                      <a:prstDash val="solid"/>
+                      <a:round/>
+                      <a:headEnd type="none" w="med" len="med"/>
+                      <a:tailEnd type="none" w="med" len="med"/>
+                    </a:lnT>
+                    <a:lnB w="12700" cap="flat" cmpd="sng" algn="ctr">
+                      <a:noFill/>
+                      <a:prstDash val="solid"/>
+                      <a:round/>
+                      <a:headEnd type="none" w="med" len="med"/>
+                      <a:tailEnd type="none" w="med" len="med"/>
+                    </a:lnB>
+                    <a:lnTlToBr w="12700" cmpd="sng">
+                      <a:noFill/>
+                      <a:prstDash val="solid"/>
+                    </a:lnTlToBr>
+                    <a:lnBlToTr w="12700" cmpd="sng">
+                      <a:noFill/>
+                      <a:prstDash val="solid"/>
+                    </a:lnBlToTr>
+                    <a:noFill/>
+                  </a:tcPr>
+                </a:tc>
+                <a:tc>
+                  <a:txBody>
+                    <a:bodyPr/>
+                    <a:lstStyle/>
+                    <a:p>
+                      <a:pPr marL="540385" algn="ctr">
+                        <a:spcBef>
+                          <a:spcPts val="1200"/>
+                        </a:spcBef>
+                        <a:spcAft>
+                          <a:spcPts val="0"/>
+                        </a:spcAft>
+                      </a:pPr>
+                      <a:endParaRPr lang="en-AU" sz="1200" dirty="0">
+                        <a:effectLst/>
+                        <a:latin typeface="Arial"/>
+                        <a:ea typeface="Times New Roman"/>
+                      </a:endParaRPr>
+                    </a:p>
+                  </a:txBody>
+                  <a:tcPr marL="68580" marR="68580" marT="0" marB="0">
+                    <a:lnL w="12700" cap="flat" cmpd="sng" algn="ctr">
+                      <a:noFill/>
+                      <a:prstDash val="solid"/>
+                      <a:round/>
+                      <a:headEnd type="none" w="med" len="med"/>
+                      <a:tailEnd type="none" w="med" len="med"/>
+                    </a:lnL>
+                    <a:lnR w="12700" cap="flat" cmpd="sng" algn="ctr">
+                      <a:noFill/>
+                      <a:prstDash val="solid"/>
+                      <a:round/>
+                      <a:headEnd type="none" w="med" len="med"/>
+                      <a:tailEnd type="none" w="med" len="med"/>
+                    </a:lnR>
+                    <a:lnT w="12700" cap="flat" cmpd="sng" algn="ctr">
+                      <a:noFill/>
+                      <a:prstDash val="solid"/>
+                      <a:round/>
+                      <a:headEnd type="none" w="med" len="med"/>
+                      <a:tailEnd type="none" w="med" len="med"/>
+                    </a:lnT>
+                    <a:lnB w="12700" cap="flat" cmpd="sng" algn="ctr">
+                      <a:noFill/>
+                      <a:prstDash val="solid"/>
+                      <a:round/>
+                      <a:headEnd type="none" w="med" len="med"/>
+                      <a:tailEnd type="none" w="med" len="med"/>
+                    </a:lnB>
+                    <a:lnTlToBr w="12700" cmpd="sng">
+                      <a:noFill/>
+                      <a:prstDash val="solid"/>
+                    </a:lnTlToBr>
+                    <a:lnBlToTr w="12700" cmpd="sng">
+                      <a:noFill/>
+                      <a:prstDash val="solid"/>
+                    </a:lnBlToTr>
+                    <a:noFill/>
+                  </a:tcPr>
+                </a:tc>
+                <a:tc>
+                  <a:txBody>
+                    <a:bodyPr/>
+                    <a:lstStyle/>
+                    <a:p>
+                      <a:pPr marL="540385" algn="ctr">
+                        <a:spcBef>
+                          <a:spcPts val="1200"/>
+                        </a:spcBef>
+                        <a:spcAft>
+                          <a:spcPts val="0"/>
+                        </a:spcAft>
+                      </a:pPr>
+                      <a:endParaRPr lang="en-AU" sz="1200" dirty="0">
+                        <a:effectLst/>
+                        <a:latin typeface="Arial"/>
+                        <a:ea typeface="Times New Roman"/>
+                      </a:endParaRPr>
+                    </a:p>
+                  </a:txBody>
+                  <a:tcPr marL="68580" marR="68580" marT="0" marB="0">
+                    <a:lnL w="12700" cap="flat" cmpd="sng" algn="ctr">
+                      <a:noFill/>
+                      <a:prstDash val="solid"/>
+                      <a:round/>
+                      <a:headEnd type="none" w="med" len="med"/>
+                      <a:tailEnd type="none" w="med" len="med"/>
+                    </a:lnL>
+                    <a:lnR w="12700" cap="flat" cmpd="sng" algn="ctr">
+                      <a:noFill/>
+                      <a:prstDash val="solid"/>
+                      <a:round/>
+                      <a:headEnd type="none" w="med" len="med"/>
+                      <a:tailEnd type="none" w="med" len="med"/>
+                    </a:lnR>
+                    <a:lnT w="12700" cap="flat" cmpd="sng" algn="ctr">
+                      <a:noFill/>
+                      <a:prstDash val="solid"/>
+                      <a:round/>
+                      <a:headEnd type="none" w="med" len="med"/>
+                      <a:tailEnd type="none" w="med" len="med"/>
+                    </a:lnT>
+                    <a:lnB w="12700" cap="flat" cmpd="sng" algn="ctr">
+                      <a:noFill/>
+                      <a:prstDash val="solid"/>
+                      <a:round/>
+                      <a:headEnd type="none" w="med" len="med"/>
+                      <a:tailEnd type="none" w="med" len="med"/>
+                    </a:lnB>
+                    <a:lnTlToBr w="12700" cmpd="sng">
+                      <a:noFill/>
+                      <a:prstDash val="solid"/>
+                    </a:lnTlToBr>
+                    <a:lnBlToTr w="12700" cmpd="sng">
+                      <a:noFill/>
+                      <a:prstDash val="solid"/>
+                    </a:lnBlToTr>
+                    <a:noFill/>
+                  </a:tcPr>
+                </a:tc>
+                <a:extLst>
+                  <a:ext uri="{0D108BD9-81ED-4DB2-BD59-A6C34878D82A}">
+                    <a16:rowId xmlns:a16="http://schemas.microsoft.com/office/drawing/2014/main" val="10003"/>
+                  </a:ext>
+                </a:extLst>
+              </a:tr>
+              <a:tr h="936104">
+                <a:tc>
+                  <a:txBody>
+                    <a:bodyPr/>
+                    <a:lstStyle/>
+                    <a:p>
+                      <a:pPr marL="0" indent="0" algn="ctr">
                         <a:spcBef>
                           <a:spcPts val="1200"/>
                         </a:spcBef>
@@ -9672,14 +10261,81 @@
                         </a:spcAft>
                       </a:pPr>
                       <a:r>
-                        <a:rPr lang="en-AU" sz="1200" b="1" dirty="0">
+                        <a:rPr lang="en-AU" sz="1600" b="1" dirty="0">
+                          <a:effectLst/>
+                          <a:latin typeface="+mn-lt"/>
+                          <a:ea typeface="Calibri"/>
+                        </a:rPr>
+                        <a:t>Probability pricing</a:t>
+                      </a:r>
+                      <a:endParaRPr lang="en-AU" sz="1600" dirty="0">
+                        <a:effectLst/>
+                        <a:latin typeface="+mn-lt"/>
+                        <a:ea typeface="Times New Roman"/>
+                      </a:endParaRPr>
+                    </a:p>
+                  </a:txBody>
+                  <a:tcPr marL="68580" marR="68580" marT="0" marB="0" anchor="ctr">
+                    <a:lnL w="12700" cap="flat" cmpd="sng" algn="ctr">
+                      <a:noFill/>
+                      <a:prstDash val="solid"/>
+                      <a:round/>
+                      <a:headEnd type="none" w="med" len="med"/>
+                      <a:tailEnd type="none" w="med" len="med"/>
+                    </a:lnL>
+                    <a:lnR w="12700" cap="flat" cmpd="sng" algn="ctr">
+                      <a:noFill/>
+                      <a:prstDash val="solid"/>
+                      <a:round/>
+                      <a:headEnd type="none" w="med" len="med"/>
+                      <a:tailEnd type="none" w="med" len="med"/>
+                    </a:lnR>
+                    <a:lnT w="12700" cap="flat" cmpd="sng" algn="ctr">
+                      <a:noFill/>
+                      <a:prstDash val="solid"/>
+                      <a:round/>
+                      <a:headEnd type="none" w="med" len="med"/>
+                      <a:tailEnd type="none" w="med" len="med"/>
+                    </a:lnT>
+                    <a:lnB w="12700" cap="flat" cmpd="sng" algn="ctr">
+                      <a:noFill/>
+                      <a:prstDash val="solid"/>
+                      <a:round/>
+                      <a:headEnd type="none" w="med" len="med"/>
+                      <a:tailEnd type="none" w="med" len="med"/>
+                    </a:lnB>
+                    <a:lnTlToBr w="12700" cmpd="sng">
+                      <a:noFill/>
+                      <a:prstDash val="solid"/>
+                    </a:lnTlToBr>
+                    <a:lnBlToTr w="12700" cmpd="sng">
+                      <a:noFill/>
+                      <a:prstDash val="solid"/>
+                    </a:lnBlToTr>
+                  </a:tcPr>
+                </a:tc>
+                <a:tc>
+                  <a:txBody>
+                    <a:bodyPr/>
+                    <a:lstStyle/>
+                    <a:p>
+                      <a:pPr marL="540385" algn="ctr">
+                        <a:spcBef>
+                          <a:spcPts val="1200"/>
+                        </a:spcBef>
+                        <a:spcAft>
+                          <a:spcPts val="0"/>
+                        </a:spcAft>
+                      </a:pPr>
+                      <a:r>
+                        <a:rPr lang="en-AU" sz="900" dirty="0">
                           <a:effectLst/>
                           <a:latin typeface="Arial"/>
                           <a:ea typeface="Calibri"/>
                         </a:rPr>
-                        <a:t>NSW</a:t>
+                        <a:t> </a:t>
                       </a:r>
-                      <a:endParaRPr lang="en-AU" sz="1200" b="1" dirty="0">
+                      <a:endParaRPr lang="en-AU" sz="1200" dirty="0">
                         <a:effectLst/>
                         <a:latin typeface="Arial"/>
                         <a:ea typeface="Times New Roman"/>
@@ -9688,27 +10344,480 @@
                   </a:txBody>
                   <a:tcPr marL="68580" marR="68580" marT="0" marB="0" anchor="b">
                     <a:lnL w="12700" cap="flat" cmpd="sng" algn="ctr">
-                      <a:solidFill>
-                        <a:srgbClr val="000000"/>
-                      </a:solidFill>
+                      <a:noFill/>
                       <a:prstDash val="solid"/>
                       <a:round/>
                       <a:headEnd type="none" w="med" len="med"/>
                       <a:tailEnd type="none" w="med" len="med"/>
                     </a:lnL>
                     <a:lnR w="12700" cap="flat" cmpd="sng" algn="ctr">
-                      <a:solidFill>
-                        <a:srgbClr val="000000"/>
-                      </a:solidFill>
+                      <a:noFill/>
                       <a:prstDash val="solid"/>
                       <a:round/>
                       <a:headEnd type="none" w="med" len="med"/>
                       <a:tailEnd type="none" w="med" len="med"/>
                     </a:lnR>
                     <a:lnT w="12700" cap="flat" cmpd="sng" algn="ctr">
-                      <a:solidFill>
-                        <a:srgbClr val="000000"/>
-                      </a:solidFill>
+                      <a:noFill/>
+                      <a:prstDash val="solid"/>
+                      <a:round/>
+                      <a:headEnd type="none" w="med" len="med"/>
+                      <a:tailEnd type="none" w="med" len="med"/>
+                    </a:lnT>
+                    <a:lnB w="12700" cap="flat" cmpd="sng" algn="ctr">
+                      <a:noFill/>
+                      <a:prstDash val="solid"/>
+                      <a:round/>
+                      <a:headEnd type="none" w="med" len="med"/>
+                      <a:tailEnd type="none" w="med" len="med"/>
+                    </a:lnB>
+                    <a:lnTlToBr w="12700" cmpd="sng">
+                      <a:noFill/>
+                      <a:prstDash val="solid"/>
+                    </a:lnTlToBr>
+                    <a:lnBlToTr w="12700" cmpd="sng">
+                      <a:noFill/>
+                      <a:prstDash val="solid"/>
+                    </a:lnBlToTr>
+                    <a:noFill/>
+                  </a:tcPr>
+                </a:tc>
+                <a:tc>
+                  <a:txBody>
+                    <a:bodyPr/>
+                    <a:lstStyle/>
+                    <a:p>
+                      <a:pPr marL="540385" algn="ctr">
+                        <a:spcBef>
+                          <a:spcPts val="1200"/>
+                        </a:spcBef>
+                        <a:spcAft>
+                          <a:spcPts val="0"/>
+                        </a:spcAft>
+                      </a:pPr>
+                      <a:r>
+                        <a:rPr lang="en-AU" sz="900" dirty="0">
+                          <a:effectLst/>
+                          <a:latin typeface="Arial"/>
+                          <a:ea typeface="Calibri"/>
+                        </a:rPr>
+                        <a:t> </a:t>
+                      </a:r>
+                      <a:endParaRPr lang="en-AU" sz="1200" dirty="0">
+                        <a:effectLst/>
+                        <a:latin typeface="Arial"/>
+                        <a:ea typeface="Times New Roman"/>
+                      </a:endParaRPr>
+                    </a:p>
+                  </a:txBody>
+                  <a:tcPr marL="68580" marR="68580" marT="0" marB="0" anchor="b">
+                    <a:lnL w="12700" cap="flat" cmpd="sng" algn="ctr">
+                      <a:noFill/>
+                      <a:prstDash val="solid"/>
+                      <a:round/>
+                      <a:headEnd type="none" w="med" len="med"/>
+                      <a:tailEnd type="none" w="med" len="med"/>
+                    </a:lnL>
+                    <a:lnR w="12700" cap="flat" cmpd="sng" algn="ctr">
+                      <a:noFill/>
+                      <a:prstDash val="solid"/>
+                      <a:round/>
+                      <a:headEnd type="none" w="med" len="med"/>
+                      <a:tailEnd type="none" w="med" len="med"/>
+                    </a:lnR>
+                    <a:lnT w="12700" cap="flat" cmpd="sng" algn="ctr">
+                      <a:noFill/>
+                      <a:prstDash val="solid"/>
+                      <a:round/>
+                      <a:headEnd type="none" w="med" len="med"/>
+                      <a:tailEnd type="none" w="med" len="med"/>
+                    </a:lnT>
+                    <a:lnB w="12700" cap="flat" cmpd="sng" algn="ctr">
+                      <a:noFill/>
+                      <a:prstDash val="solid"/>
+                      <a:round/>
+                      <a:headEnd type="none" w="med" len="med"/>
+                      <a:tailEnd type="none" w="med" len="med"/>
+                    </a:lnB>
+                    <a:lnTlToBr w="12700" cmpd="sng">
+                      <a:noFill/>
+                      <a:prstDash val="solid"/>
+                    </a:lnTlToBr>
+                    <a:lnBlToTr w="12700" cmpd="sng">
+                      <a:noFill/>
+                      <a:prstDash val="solid"/>
+                    </a:lnBlToTr>
+                    <a:noFill/>
+                  </a:tcPr>
+                </a:tc>
+                <a:tc>
+                  <a:txBody>
+                    <a:bodyPr/>
+                    <a:lstStyle/>
+                    <a:p>
+                      <a:pPr marL="540385" algn="ctr">
+                        <a:spcBef>
+                          <a:spcPts val="1200"/>
+                        </a:spcBef>
+                        <a:spcAft>
+                          <a:spcPts val="0"/>
+                        </a:spcAft>
+                      </a:pPr>
+                      <a:r>
+                        <a:rPr lang="en-AU" sz="900" dirty="0">
+                          <a:effectLst/>
+                          <a:latin typeface="Arial"/>
+                          <a:ea typeface="Calibri"/>
+                        </a:rPr>
+                        <a:t> </a:t>
+                      </a:r>
+                      <a:endParaRPr lang="en-AU" sz="1200" dirty="0">
+                        <a:effectLst/>
+                        <a:latin typeface="Arial"/>
+                        <a:ea typeface="Times New Roman"/>
+                      </a:endParaRPr>
+                    </a:p>
+                  </a:txBody>
+                  <a:tcPr marL="68580" marR="68580" marT="0" marB="0" anchor="b">
+                    <a:lnL w="12700" cap="flat" cmpd="sng" algn="ctr">
+                      <a:noFill/>
+                      <a:prstDash val="solid"/>
+                      <a:round/>
+                      <a:headEnd type="none" w="med" len="med"/>
+                      <a:tailEnd type="none" w="med" len="med"/>
+                    </a:lnL>
+                    <a:lnR w="12700" cap="flat" cmpd="sng" algn="ctr">
+                      <a:noFill/>
+                      <a:prstDash val="solid"/>
+                      <a:round/>
+                      <a:headEnd type="none" w="med" len="med"/>
+                      <a:tailEnd type="none" w="med" len="med"/>
+                    </a:lnR>
+                    <a:lnT w="12700" cap="flat" cmpd="sng" algn="ctr">
+                      <a:noFill/>
+                      <a:prstDash val="solid"/>
+                      <a:round/>
+                      <a:headEnd type="none" w="med" len="med"/>
+                      <a:tailEnd type="none" w="med" len="med"/>
+                    </a:lnT>
+                    <a:lnB w="12700" cap="flat" cmpd="sng" algn="ctr">
+                      <a:noFill/>
+                      <a:prstDash val="solid"/>
+                      <a:round/>
+                      <a:headEnd type="none" w="med" len="med"/>
+                      <a:tailEnd type="none" w="med" len="med"/>
+                    </a:lnB>
+                    <a:lnTlToBr w="12700" cmpd="sng">
+                      <a:noFill/>
+                      <a:prstDash val="solid"/>
+                    </a:lnTlToBr>
+                    <a:lnBlToTr w="12700" cmpd="sng">
+                      <a:noFill/>
+                      <a:prstDash val="solid"/>
+                    </a:lnBlToTr>
+                    <a:noFill/>
+                  </a:tcPr>
+                </a:tc>
+                <a:tc>
+                  <a:txBody>
+                    <a:bodyPr/>
+                    <a:lstStyle/>
+                    <a:p>
+                      <a:pPr marL="540385" algn="ctr">
+                        <a:spcBef>
+                          <a:spcPts val="1200"/>
+                        </a:spcBef>
+                        <a:spcAft>
+                          <a:spcPts val="0"/>
+                        </a:spcAft>
+                      </a:pPr>
+                      <a:r>
+                        <a:rPr lang="en-AU" sz="900" dirty="0">
+                          <a:effectLst/>
+                          <a:latin typeface="Arial"/>
+                          <a:ea typeface="Calibri"/>
+                        </a:rPr>
+                        <a:t> </a:t>
+                      </a:r>
+                      <a:endParaRPr lang="en-AU" sz="1200" dirty="0">
+                        <a:effectLst/>
+                        <a:latin typeface="Arial"/>
+                        <a:ea typeface="Times New Roman"/>
+                      </a:endParaRPr>
+                    </a:p>
+                  </a:txBody>
+                  <a:tcPr marL="68580" marR="68580" marT="0" marB="0">
+                    <a:lnL w="12700" cap="flat" cmpd="sng" algn="ctr">
+                      <a:noFill/>
+                      <a:prstDash val="solid"/>
+                      <a:round/>
+                      <a:headEnd type="none" w="med" len="med"/>
+                      <a:tailEnd type="none" w="med" len="med"/>
+                    </a:lnL>
+                    <a:lnR w="12700" cap="flat" cmpd="sng" algn="ctr">
+                      <a:noFill/>
+                      <a:prstDash val="solid"/>
+                      <a:round/>
+                      <a:headEnd type="none" w="med" len="med"/>
+                      <a:tailEnd type="none" w="med" len="med"/>
+                    </a:lnR>
+                    <a:lnT w="12700" cap="flat" cmpd="sng" algn="ctr">
+                      <a:noFill/>
+                      <a:prstDash val="solid"/>
+                      <a:round/>
+                      <a:headEnd type="none" w="med" len="med"/>
+                      <a:tailEnd type="none" w="med" len="med"/>
+                    </a:lnT>
+                    <a:lnB w="12700" cap="flat" cmpd="sng" algn="ctr">
+                      <a:noFill/>
+                      <a:prstDash val="solid"/>
+                      <a:round/>
+                      <a:headEnd type="none" w="med" len="med"/>
+                      <a:tailEnd type="none" w="med" len="med"/>
+                    </a:lnB>
+                    <a:lnTlToBr w="12700" cmpd="sng">
+                      <a:noFill/>
+                      <a:prstDash val="solid"/>
+                    </a:lnTlToBr>
+                    <a:lnBlToTr w="12700" cmpd="sng">
+                      <a:noFill/>
+                      <a:prstDash val="solid"/>
+                    </a:lnBlToTr>
+                    <a:noFill/>
+                  </a:tcPr>
+                </a:tc>
+                <a:tc>
+                  <a:txBody>
+                    <a:bodyPr/>
+                    <a:lstStyle/>
+                    <a:p>
+                      <a:pPr marL="540385" algn="ctr">
+                        <a:spcBef>
+                          <a:spcPts val="1200"/>
+                        </a:spcBef>
+                        <a:spcAft>
+                          <a:spcPts val="0"/>
+                        </a:spcAft>
+                      </a:pPr>
+                      <a:endParaRPr lang="en-AU" sz="1200" dirty="0">
+                        <a:effectLst/>
+                        <a:latin typeface="Arial"/>
+                        <a:ea typeface="Times New Roman"/>
+                      </a:endParaRPr>
+                    </a:p>
+                  </a:txBody>
+                  <a:tcPr marL="68580" marR="68580" marT="0" marB="0">
+                    <a:lnL w="12700" cap="flat" cmpd="sng" algn="ctr">
+                      <a:noFill/>
+                      <a:prstDash val="solid"/>
+                      <a:round/>
+                      <a:headEnd type="none" w="med" len="med"/>
+                      <a:tailEnd type="none" w="med" len="med"/>
+                    </a:lnL>
+                    <a:lnR w="12700" cap="flat" cmpd="sng" algn="ctr">
+                      <a:noFill/>
+                      <a:prstDash val="solid"/>
+                      <a:round/>
+                      <a:headEnd type="none" w="med" len="med"/>
+                      <a:tailEnd type="none" w="med" len="med"/>
+                    </a:lnR>
+                    <a:lnT w="12700" cap="flat" cmpd="sng" algn="ctr">
+                      <a:noFill/>
+                      <a:prstDash val="solid"/>
+                      <a:round/>
+                      <a:headEnd type="none" w="med" len="med"/>
+                      <a:tailEnd type="none" w="med" len="med"/>
+                    </a:lnT>
+                    <a:lnB w="12700" cap="flat" cmpd="sng" algn="ctr">
+                      <a:noFill/>
+                      <a:prstDash val="solid"/>
+                      <a:round/>
+                      <a:headEnd type="none" w="med" len="med"/>
+                      <a:tailEnd type="none" w="med" len="med"/>
+                    </a:lnB>
+                    <a:lnTlToBr w="12700" cmpd="sng">
+                      <a:noFill/>
+                      <a:prstDash val="solid"/>
+                    </a:lnTlToBr>
+                    <a:lnBlToTr w="12700" cmpd="sng">
+                      <a:noFill/>
+                      <a:prstDash val="solid"/>
+                    </a:lnBlToTr>
+                    <a:noFill/>
+                  </a:tcPr>
+                </a:tc>
+                <a:tc>
+                  <a:txBody>
+                    <a:bodyPr/>
+                    <a:lstStyle/>
+                    <a:p>
+                      <a:pPr marL="540385" algn="ctr">
+                        <a:spcBef>
+                          <a:spcPts val="1200"/>
+                        </a:spcBef>
+                        <a:spcAft>
+                          <a:spcPts val="0"/>
+                        </a:spcAft>
+                      </a:pPr>
+                      <a:endParaRPr lang="en-AU" sz="1200" dirty="0">
+                        <a:effectLst/>
+                        <a:latin typeface="Arial"/>
+                        <a:ea typeface="Times New Roman"/>
+                      </a:endParaRPr>
+                    </a:p>
+                  </a:txBody>
+                  <a:tcPr marL="68580" marR="68580" marT="0" marB="0">
+                    <a:lnL w="12700" cap="flat" cmpd="sng" algn="ctr">
+                      <a:noFill/>
+                      <a:prstDash val="solid"/>
+                      <a:round/>
+                      <a:headEnd type="none" w="med" len="med"/>
+                      <a:tailEnd type="none" w="med" len="med"/>
+                    </a:lnL>
+                    <a:lnR w="12700" cap="flat" cmpd="sng" algn="ctr">
+                      <a:noFill/>
+                      <a:prstDash val="solid"/>
+                      <a:round/>
+                      <a:headEnd type="none" w="med" len="med"/>
+                      <a:tailEnd type="none" w="med" len="med"/>
+                    </a:lnR>
+                    <a:lnT w="12700" cap="flat" cmpd="sng" algn="ctr">
+                      <a:noFill/>
+                      <a:prstDash val="solid"/>
+                      <a:round/>
+                      <a:headEnd type="none" w="med" len="med"/>
+                      <a:tailEnd type="none" w="med" len="med"/>
+                    </a:lnT>
+                    <a:lnB w="12700" cap="flat" cmpd="sng" algn="ctr">
+                      <a:noFill/>
+                      <a:prstDash val="solid"/>
+                      <a:round/>
+                      <a:headEnd type="none" w="med" len="med"/>
+                      <a:tailEnd type="none" w="med" len="med"/>
+                    </a:lnB>
+                    <a:lnTlToBr w="12700" cmpd="sng">
+                      <a:noFill/>
+                      <a:prstDash val="solid"/>
+                    </a:lnTlToBr>
+                    <a:lnBlToTr w="12700" cmpd="sng">
+                      <a:noFill/>
+                      <a:prstDash val="solid"/>
+                    </a:lnBlToTr>
+                    <a:noFill/>
+                  </a:tcPr>
+                </a:tc>
+                <a:tc>
+                  <a:txBody>
+                    <a:bodyPr/>
+                    <a:lstStyle/>
+                    <a:p>
+                      <a:pPr marL="540385" algn="ctr">
+                        <a:spcBef>
+                          <a:spcPts val="1200"/>
+                        </a:spcBef>
+                        <a:spcAft>
+                          <a:spcPts val="0"/>
+                        </a:spcAft>
+                      </a:pPr>
+                      <a:endParaRPr lang="en-AU" sz="1200" dirty="0">
+                        <a:effectLst/>
+                        <a:latin typeface="Arial"/>
+                        <a:ea typeface="Times New Roman"/>
+                      </a:endParaRPr>
+                    </a:p>
+                  </a:txBody>
+                  <a:tcPr marL="68580" marR="68580" marT="0" marB="0">
+                    <a:lnL w="12700" cap="flat" cmpd="sng" algn="ctr">
+                      <a:noFill/>
+                      <a:prstDash val="solid"/>
+                      <a:round/>
+                      <a:headEnd type="none" w="med" len="med"/>
+                      <a:tailEnd type="none" w="med" len="med"/>
+                    </a:lnL>
+                    <a:lnR w="12700" cap="flat" cmpd="sng" algn="ctr">
+                      <a:noFill/>
+                      <a:prstDash val="solid"/>
+                      <a:round/>
+                      <a:headEnd type="none" w="med" len="med"/>
+                      <a:tailEnd type="none" w="med" len="med"/>
+                    </a:lnR>
+                    <a:lnT w="12700" cap="flat" cmpd="sng" algn="ctr">
+                      <a:noFill/>
+                      <a:prstDash val="solid"/>
+                      <a:round/>
+                      <a:headEnd type="none" w="med" len="med"/>
+                      <a:tailEnd type="none" w="med" len="med"/>
+                    </a:lnT>
+                    <a:lnB w="12700" cap="flat" cmpd="sng" algn="ctr">
+                      <a:noFill/>
+                      <a:prstDash val="solid"/>
+                      <a:round/>
+                      <a:headEnd type="none" w="med" len="med"/>
+                      <a:tailEnd type="none" w="med" len="med"/>
+                    </a:lnB>
+                    <a:lnTlToBr w="12700" cmpd="sng">
+                      <a:noFill/>
+                      <a:prstDash val="solid"/>
+                    </a:lnTlToBr>
+                    <a:lnBlToTr w="12700" cmpd="sng">
+                      <a:noFill/>
+                      <a:prstDash val="solid"/>
+                    </a:lnBlToTr>
+                    <a:noFill/>
+                  </a:tcPr>
+                </a:tc>
+                <a:extLst>
+                  <a:ext uri="{0D108BD9-81ED-4DB2-BD59-A6C34878D82A}">
+                    <a16:rowId xmlns:a16="http://schemas.microsoft.com/office/drawing/2014/main" val="10004"/>
+                  </a:ext>
+                </a:extLst>
+              </a:tr>
+              <a:tr h="1008112">
+                <a:tc>
+                  <a:txBody>
+                    <a:bodyPr/>
+                    <a:lstStyle/>
+                    <a:p>
+                      <a:pPr marL="0" indent="0" algn="ctr">
+                        <a:spcBef>
+                          <a:spcPts val="1200"/>
+                        </a:spcBef>
+                        <a:spcAft>
+                          <a:spcPts val="0"/>
+                        </a:spcAft>
+                      </a:pPr>
+                      <a:r>
+                        <a:rPr lang="en-AU" sz="1600" b="1" dirty="0">
+                          <a:effectLst/>
+                          <a:latin typeface="+mn-lt"/>
+                          <a:ea typeface="Calibri"/>
+                        </a:rPr>
+                        <a:t>Reference class forecasting</a:t>
+                      </a:r>
+                      <a:endParaRPr lang="en-AU" sz="1600" dirty="0">
+                        <a:effectLst/>
+                        <a:latin typeface="+mn-lt"/>
+                        <a:ea typeface="Times New Roman"/>
+                      </a:endParaRPr>
+                    </a:p>
+                  </a:txBody>
+                  <a:tcPr marL="68580" marR="68580" marT="0" marB="0" anchor="ctr">
+                    <a:lnL w="12700" cap="flat" cmpd="sng" algn="ctr">
+                      <a:noFill/>
+                      <a:prstDash val="solid"/>
+                      <a:round/>
+                      <a:headEnd type="none" w="med" len="med"/>
+                      <a:tailEnd type="none" w="med" len="med"/>
+                    </a:lnL>
+                    <a:lnR w="12700" cap="flat" cmpd="sng" algn="ctr">
+                      <a:noFill/>
+                      <a:prstDash val="solid"/>
+                      <a:round/>
+                      <a:headEnd type="none" w="med" len="med"/>
+                      <a:tailEnd type="none" w="med" len="med"/>
+                    </a:lnR>
+                    <a:lnT w="12700" cap="flat" cmpd="sng" algn="ctr">
+                      <a:noFill/>
                       <a:prstDash val="solid"/>
                       <a:round/>
                       <a:headEnd type="none" w="med" len="med"/>
@@ -9716,13 +10825,91 @@
                     </a:lnT>
                     <a:lnB w="12700" cap="flat" cmpd="sng" algn="ctr">
                       <a:solidFill>
-                        <a:srgbClr val="000000"/>
+                        <a:schemeClr val="tx1"/>
                       </a:solidFill>
                       <a:prstDash val="solid"/>
                       <a:round/>
                       <a:headEnd type="none" w="med" len="med"/>
                       <a:tailEnd type="none" w="med" len="med"/>
                     </a:lnB>
+                    <a:lnTlToBr w="12700" cmpd="sng">
+                      <a:noFill/>
+                      <a:prstDash val="solid"/>
+                    </a:lnTlToBr>
+                    <a:lnBlToTr w="12700" cmpd="sng">
+                      <a:noFill/>
+                      <a:prstDash val="solid"/>
+                    </a:lnBlToTr>
+                  </a:tcPr>
+                </a:tc>
+                <a:tc>
+                  <a:txBody>
+                    <a:bodyPr/>
+                    <a:lstStyle/>
+                    <a:p>
+                      <a:pPr marL="540385" algn="ctr">
+                        <a:spcBef>
+                          <a:spcPts val="1200"/>
+                        </a:spcBef>
+                        <a:spcAft>
+                          <a:spcPts val="0"/>
+                        </a:spcAft>
+                      </a:pPr>
+                      <a:r>
+                        <a:rPr lang="en-AU" sz="900" dirty="0">
+                          <a:effectLst/>
+                          <a:latin typeface="Arial"/>
+                          <a:ea typeface="Calibri"/>
+                        </a:rPr>
+                        <a:t> </a:t>
+                      </a:r>
+                      <a:endParaRPr lang="en-AU" sz="1200" dirty="0">
+                        <a:effectLst/>
+                        <a:latin typeface="Arial"/>
+                        <a:ea typeface="Times New Roman"/>
+                      </a:endParaRPr>
+                    </a:p>
+                  </a:txBody>
+                  <a:tcPr marL="68580" marR="68580" marT="0" marB="0" anchor="b">
+                    <a:lnL w="12700" cap="flat" cmpd="sng" algn="ctr">
+                      <a:noFill/>
+                      <a:prstDash val="solid"/>
+                      <a:round/>
+                      <a:headEnd type="none" w="med" len="med"/>
+                      <a:tailEnd type="none" w="med" len="med"/>
+                    </a:lnL>
+                    <a:lnR w="12700" cap="flat" cmpd="sng" algn="ctr">
+                      <a:noFill/>
+                      <a:prstDash val="solid"/>
+                      <a:round/>
+                      <a:headEnd type="none" w="med" len="med"/>
+                      <a:tailEnd type="none" w="med" len="med"/>
+                    </a:lnR>
+                    <a:lnT w="12700" cap="flat" cmpd="sng" algn="ctr">
+                      <a:noFill/>
+                      <a:prstDash val="solid"/>
+                      <a:round/>
+                      <a:headEnd type="none" w="med" len="med"/>
+                      <a:tailEnd type="none" w="med" len="med"/>
+                    </a:lnT>
+                    <a:lnB w="12700" cap="flat" cmpd="sng" algn="ctr">
+                      <a:solidFill>
+                        <a:schemeClr val="tx1"/>
+                      </a:solidFill>
+                      <a:prstDash val="solid"/>
+                      <a:round/>
+                      <a:headEnd type="none" w="med" len="med"/>
+                      <a:tailEnd type="none" w="med" len="med"/>
+                    </a:lnB>
+                    <a:lnTlToBr w="12700" cmpd="sng">
+                      <a:noFill/>
+                      <a:prstDash val="solid"/>
+                    </a:lnTlToBr>
+                    <a:lnBlToTr w="12700" cmpd="sng">
+                      <a:noFill/>
+                      <a:prstDash val="solid"/>
+                    </a:lnBlToTr>
+                    <a:noFill/>
                   </a:tcPr>
                 </a:tc>
                 <a:tc>
@@ -9755,27 +10942,21 @@
                   </a:txBody>
                   <a:tcPr marL="68580" marR="68580" marT="0" marB="0" anchor="b">
                     <a:lnL w="12700" cap="flat" cmpd="sng" algn="ctr">
-                      <a:solidFill>
-                        <a:srgbClr val="000000"/>
-                      </a:solidFill>
+                      <a:noFill/>
                       <a:prstDash val="solid"/>
                       <a:round/>
                       <a:headEnd type="none" w="med" len="med"/>
                       <a:tailEnd type="none" w="med" len="med"/>
                     </a:lnL>
                     <a:lnR w="12700" cap="flat" cmpd="sng" algn="ctr">
-                      <a:solidFill>
-                        <a:srgbClr val="000000"/>
-                      </a:solidFill>
+                      <a:noFill/>
                       <a:prstDash val="solid"/>
                       <a:round/>
                       <a:headEnd type="none" w="med" len="med"/>
                       <a:tailEnd type="none" w="med" len="med"/>
                     </a:lnR>
                     <a:lnT w="12700" cap="flat" cmpd="sng" algn="ctr">
-                      <a:solidFill>
-                        <a:srgbClr val="000000"/>
-                      </a:solidFill>
+                      <a:noFill/>
                       <a:prstDash val="solid"/>
                       <a:round/>
                       <a:headEnd type="none" w="med" len="med"/>
@@ -9783,16 +10964,22 @@
                     </a:lnT>
                     <a:lnB w="12700" cap="flat" cmpd="sng" algn="ctr">
                       <a:solidFill>
-                        <a:srgbClr val="000000"/>
+                        <a:schemeClr val="tx1"/>
                       </a:solidFill>
                       <a:prstDash val="solid"/>
                       <a:round/>
                       <a:headEnd type="none" w="med" len="med"/>
                       <a:tailEnd type="none" w="med" len="med"/>
                     </a:lnB>
-                    <a:solidFill>
-                      <a:srgbClr val="92D050"/>
-                    </a:solidFill>
+                    <a:lnTlToBr w="12700" cmpd="sng">
+                      <a:noFill/>
+                      <a:prstDash val="solid"/>
+                    </a:lnTlToBr>
+                    <a:lnBlToTr w="12700" cmpd="sng">
+                      <a:noFill/>
+                      <a:prstDash val="solid"/>
+                    </a:lnBlToTr>
+                    <a:noFill/>
                   </a:tcPr>
                 </a:tc>
                 <a:tc>
@@ -9809,14 +10996,14 @@
                         </a:spcAft>
                       </a:pPr>
                       <a:r>
-                        <a:rPr lang="en-AU" sz="900">
+                        <a:rPr lang="en-AU" sz="900" dirty="0">
                           <a:effectLst/>
                           <a:latin typeface="Arial"/>
                           <a:ea typeface="Calibri"/>
                         </a:rPr>
                         <a:t> </a:t>
                       </a:r>
-                      <a:endParaRPr lang="en-AU" sz="1200">
+                      <a:endParaRPr lang="en-AU" sz="1200" dirty="0">
                         <a:effectLst/>
                         <a:latin typeface="Arial"/>
                         <a:ea typeface="Times New Roman"/>
@@ -9825,27 +11012,21 @@
                   </a:txBody>
                   <a:tcPr marL="68580" marR="68580" marT="0" marB="0" anchor="b">
                     <a:lnL w="12700" cap="flat" cmpd="sng" algn="ctr">
-                      <a:solidFill>
-                        <a:srgbClr val="000000"/>
-                      </a:solidFill>
+                      <a:noFill/>
                       <a:prstDash val="solid"/>
                       <a:round/>
                       <a:headEnd type="none" w="med" len="med"/>
                       <a:tailEnd type="none" w="med" len="med"/>
                     </a:lnL>
                     <a:lnR w="12700" cap="flat" cmpd="sng" algn="ctr">
-                      <a:solidFill>
-                        <a:srgbClr val="000000"/>
-                      </a:solidFill>
+                      <a:noFill/>
                       <a:prstDash val="solid"/>
                       <a:round/>
                       <a:headEnd type="none" w="med" len="med"/>
                       <a:tailEnd type="none" w="med" len="med"/>
                     </a:lnR>
                     <a:lnT w="12700" cap="flat" cmpd="sng" algn="ctr">
-                      <a:solidFill>
-                        <a:srgbClr val="000000"/>
-                      </a:solidFill>
+                      <a:noFill/>
                       <a:prstDash val="solid"/>
                       <a:round/>
                       <a:headEnd type="none" w="med" len="med"/>
@@ -9853,1502 +11034,22 @@
                     </a:lnT>
                     <a:lnB w="12700" cap="flat" cmpd="sng" algn="ctr">
                       <a:solidFill>
-                        <a:srgbClr val="000000"/>
+                        <a:schemeClr val="tx1"/>
                       </a:solidFill>
                       <a:prstDash val="solid"/>
                       <a:round/>
                       <a:headEnd type="none" w="med" len="med"/>
                       <a:tailEnd type="none" w="med" len="med"/>
                     </a:lnB>
-                    <a:solidFill>
-                      <a:srgbClr val="92D050"/>
-                    </a:solidFill>
-                  </a:tcPr>
-                </a:tc>
-                <a:tc>
-                  <a:txBody>
-                    <a:bodyPr/>
-                    <a:lstStyle/>
-                    <a:p>
-                      <a:pPr marL="540385" algn="ctr">
-                        <a:spcBef>
-                          <a:spcPts val="1200"/>
-                        </a:spcBef>
-                        <a:spcAft>
-                          <a:spcPts val="0"/>
-                        </a:spcAft>
-                      </a:pPr>
-                      <a:r>
-                        <a:rPr lang="en-AU" sz="900">
-                          <a:effectLst/>
-                          <a:latin typeface="Arial"/>
-                          <a:ea typeface="Calibri"/>
-                        </a:rPr>
-                        <a:t> </a:t>
-                      </a:r>
-                      <a:endParaRPr lang="en-AU" sz="1200">
-                        <a:effectLst/>
-                        <a:latin typeface="Arial"/>
-                        <a:ea typeface="Times New Roman"/>
-                      </a:endParaRPr>
-                    </a:p>
-                  </a:txBody>
-                  <a:tcPr marL="68580" marR="68580" marT="0" marB="0" anchor="b">
-                    <a:lnL w="12700" cap="flat" cmpd="sng" algn="ctr">
-                      <a:solidFill>
-                        <a:srgbClr val="000000"/>
-                      </a:solidFill>
-                      <a:prstDash val="solid"/>
-                      <a:round/>
-                      <a:headEnd type="none" w="med" len="med"/>
-                      <a:tailEnd type="none" w="med" len="med"/>
-                    </a:lnL>
-                    <a:lnR w="12700" cap="flat" cmpd="sng" algn="ctr">
-                      <a:solidFill>
-                        <a:srgbClr val="000000"/>
-                      </a:solidFill>
-                      <a:prstDash val="solid"/>
-                      <a:round/>
-                      <a:headEnd type="none" w="med" len="med"/>
-                      <a:tailEnd type="none" w="med" len="med"/>
-                    </a:lnR>
-                    <a:lnT w="12700" cap="flat" cmpd="sng" algn="ctr">
-                      <a:solidFill>
-                        <a:srgbClr val="000000"/>
-                      </a:solidFill>
-                      <a:prstDash val="solid"/>
-                      <a:round/>
-                      <a:headEnd type="none" w="med" len="med"/>
-                      <a:tailEnd type="none" w="med" len="med"/>
-                    </a:lnT>
-                    <a:lnB w="12700" cap="flat" cmpd="sng" algn="ctr">
-                      <a:solidFill>
-                        <a:srgbClr val="000000"/>
-                      </a:solidFill>
-                      <a:prstDash val="solid"/>
-                      <a:round/>
-                      <a:headEnd type="none" w="med" len="med"/>
-                      <a:tailEnd type="none" w="med" len="med"/>
-                    </a:lnB>
-                    <a:solidFill>
-                      <a:srgbClr val="FFC35A"/>
-                    </a:solidFill>
-                  </a:tcPr>
-                </a:tc>
-                <a:tc>
-                  <a:txBody>
-                    <a:bodyPr/>
-                    <a:lstStyle/>
-                    <a:p>
-                      <a:pPr marL="540385" algn="ctr">
-                        <a:spcBef>
-                          <a:spcPts val="1200"/>
-                        </a:spcBef>
-                        <a:spcAft>
-                          <a:spcPts val="0"/>
-                        </a:spcAft>
-                      </a:pPr>
-                      <a:r>
-                        <a:rPr lang="en-AU" sz="900">
-                          <a:effectLst/>
-                          <a:latin typeface="Arial"/>
-                          <a:ea typeface="Calibri"/>
-                        </a:rPr>
-                        <a:t> </a:t>
-                      </a:r>
-                      <a:endParaRPr lang="en-AU" sz="1200">
-                        <a:effectLst/>
-                        <a:latin typeface="Arial"/>
-                        <a:ea typeface="Times New Roman"/>
-                      </a:endParaRPr>
-                    </a:p>
-                  </a:txBody>
-                  <a:tcPr marL="68580" marR="68580" marT="0" marB="0">
-                    <a:lnL w="12700" cap="flat" cmpd="sng" algn="ctr">
-                      <a:solidFill>
-                        <a:srgbClr val="000000"/>
-                      </a:solidFill>
-                      <a:prstDash val="solid"/>
-                      <a:round/>
-                      <a:headEnd type="none" w="med" len="med"/>
-                      <a:tailEnd type="none" w="med" len="med"/>
-                    </a:lnL>
-                    <a:lnR w="12700" cap="flat" cmpd="sng" algn="ctr">
-                      <a:solidFill>
-                        <a:srgbClr val="000000"/>
-                      </a:solidFill>
-                      <a:prstDash val="solid"/>
-                      <a:round/>
-                      <a:headEnd type="none" w="med" len="med"/>
-                      <a:tailEnd type="none" w="med" len="med"/>
-                    </a:lnR>
-                    <a:lnT w="12700" cap="flat" cmpd="sng" algn="ctr">
-                      <a:solidFill>
-                        <a:srgbClr val="000000"/>
-                      </a:solidFill>
-                      <a:prstDash val="solid"/>
-                      <a:round/>
-                      <a:headEnd type="none" w="med" len="med"/>
-                      <a:tailEnd type="none" w="med" len="med"/>
-                    </a:lnT>
-                    <a:lnB w="12700" cap="flat" cmpd="sng" algn="ctr">
-                      <a:solidFill>
-                        <a:srgbClr val="000000"/>
-                      </a:solidFill>
-                      <a:prstDash val="solid"/>
-                      <a:round/>
-                      <a:headEnd type="none" w="med" len="med"/>
-                      <a:tailEnd type="none" w="med" len="med"/>
-                    </a:lnB>
-                    <a:solidFill>
-                      <a:srgbClr val="FFC35A"/>
-                    </a:solidFill>
-                  </a:tcPr>
-                </a:tc>
-                <a:extLst>
-                  <a:ext uri="{0D108BD9-81ED-4DB2-BD59-A6C34878D82A}">
-                    <a16:rowId xmlns="" xmlns:a16="http://schemas.microsoft.com/office/drawing/2014/main" val="10003"/>
-                  </a:ext>
-                </a:extLst>
-              </a:tr>
-              <a:tr h="238283">
-                <a:tc>
-                  <a:txBody>
-                    <a:bodyPr/>
-                    <a:lstStyle/>
-                    <a:p>
-                      <a:pPr marL="540385" algn="r">
-                        <a:spcBef>
-                          <a:spcPts val="1200"/>
-                        </a:spcBef>
-                        <a:spcAft>
-                          <a:spcPts val="0"/>
-                        </a:spcAft>
-                      </a:pPr>
-                      <a:r>
-                        <a:rPr lang="en-AU" sz="1200" b="1" dirty="0">
-                          <a:effectLst/>
-                          <a:latin typeface="Arial"/>
-                          <a:ea typeface="Calibri"/>
-                        </a:rPr>
-                        <a:t>VIC</a:t>
-                      </a:r>
-                      <a:endParaRPr lang="en-AU" sz="1200" b="1" dirty="0">
-                        <a:effectLst/>
-                        <a:latin typeface="Arial"/>
-                        <a:ea typeface="Times New Roman"/>
-                      </a:endParaRPr>
-                    </a:p>
-                  </a:txBody>
-                  <a:tcPr marL="68580" marR="68580" marT="0" marB="0" anchor="b">
-                    <a:lnL w="12700" cap="flat" cmpd="sng" algn="ctr">
-                      <a:solidFill>
-                        <a:srgbClr val="000000"/>
-                      </a:solidFill>
-                      <a:prstDash val="solid"/>
-                      <a:round/>
-                      <a:headEnd type="none" w="med" len="med"/>
-                      <a:tailEnd type="none" w="med" len="med"/>
-                    </a:lnL>
-                    <a:lnR w="12700" cap="flat" cmpd="sng" algn="ctr">
-                      <a:solidFill>
-                        <a:srgbClr val="000000"/>
-                      </a:solidFill>
-                      <a:prstDash val="solid"/>
-                      <a:round/>
-                      <a:headEnd type="none" w="med" len="med"/>
-                      <a:tailEnd type="none" w="med" len="med"/>
-                    </a:lnR>
-                    <a:lnT w="12700" cap="flat" cmpd="sng" algn="ctr">
-                      <a:solidFill>
-                        <a:srgbClr val="000000"/>
-                      </a:solidFill>
-                      <a:prstDash val="solid"/>
-                      <a:round/>
-                      <a:headEnd type="none" w="med" len="med"/>
-                      <a:tailEnd type="none" w="med" len="med"/>
-                    </a:lnT>
-                    <a:lnB w="12700" cap="flat" cmpd="sng" algn="ctr">
-                      <a:solidFill>
-                        <a:srgbClr val="000000"/>
-                      </a:solidFill>
-                      <a:prstDash val="solid"/>
-                      <a:round/>
-                      <a:headEnd type="none" w="med" len="med"/>
-                      <a:tailEnd type="none" w="med" len="med"/>
-                    </a:lnB>
-                  </a:tcPr>
-                </a:tc>
-                <a:tc>
-                  <a:txBody>
-                    <a:bodyPr/>
-                    <a:lstStyle/>
-                    <a:p>
-                      <a:pPr marL="540385" algn="ctr">
-                        <a:spcBef>
-                          <a:spcPts val="1200"/>
-                        </a:spcBef>
-                        <a:spcAft>
-                          <a:spcPts val="0"/>
-                        </a:spcAft>
-                      </a:pPr>
-                      <a:r>
-                        <a:rPr lang="en-AU" sz="900">
-                          <a:effectLst/>
-                          <a:latin typeface="Arial"/>
-                          <a:ea typeface="Calibri"/>
-                        </a:rPr>
-                        <a:t> </a:t>
-                      </a:r>
-                      <a:endParaRPr lang="en-AU" sz="1200">
-                        <a:effectLst/>
-                        <a:latin typeface="Arial"/>
-                        <a:ea typeface="Times New Roman"/>
-                      </a:endParaRPr>
-                    </a:p>
-                  </a:txBody>
-                  <a:tcPr marL="68580" marR="68580" marT="0" marB="0" anchor="b">
-                    <a:lnL w="12700" cap="flat" cmpd="sng" algn="ctr">
-                      <a:solidFill>
-                        <a:srgbClr val="000000"/>
-                      </a:solidFill>
-                      <a:prstDash val="solid"/>
-                      <a:round/>
-                      <a:headEnd type="none" w="med" len="med"/>
-                      <a:tailEnd type="none" w="med" len="med"/>
-                    </a:lnL>
-                    <a:lnR w="12700" cap="flat" cmpd="sng" algn="ctr">
-                      <a:solidFill>
-                        <a:srgbClr val="000000"/>
-                      </a:solidFill>
-                      <a:prstDash val="solid"/>
-                      <a:round/>
-                      <a:headEnd type="none" w="med" len="med"/>
-                      <a:tailEnd type="none" w="med" len="med"/>
-                    </a:lnR>
-                    <a:lnT w="12700" cap="flat" cmpd="sng" algn="ctr">
-                      <a:solidFill>
-                        <a:srgbClr val="000000"/>
-                      </a:solidFill>
-                      <a:prstDash val="solid"/>
-                      <a:round/>
-                      <a:headEnd type="none" w="med" len="med"/>
-                      <a:tailEnd type="none" w="med" len="med"/>
-                    </a:lnT>
-                    <a:lnB w="12700" cap="flat" cmpd="sng" algn="ctr">
-                      <a:solidFill>
-                        <a:srgbClr val="000000"/>
-                      </a:solidFill>
-                      <a:prstDash val="solid"/>
-                      <a:round/>
-                      <a:headEnd type="none" w="med" len="med"/>
-                      <a:tailEnd type="none" w="med" len="med"/>
-                    </a:lnB>
-                    <a:solidFill>
-                      <a:srgbClr val="92D050"/>
-                    </a:solidFill>
-                  </a:tcPr>
-                </a:tc>
-                <a:tc>
-                  <a:txBody>
-                    <a:bodyPr/>
-                    <a:lstStyle/>
-                    <a:p>
-                      <a:pPr marL="540385" algn="ctr">
-                        <a:spcBef>
-                          <a:spcPts val="1200"/>
-                        </a:spcBef>
-                        <a:spcAft>
-                          <a:spcPts val="0"/>
-                        </a:spcAft>
-                      </a:pPr>
-                      <a:r>
-                        <a:rPr lang="en-AU" sz="900">
-                          <a:effectLst/>
-                          <a:latin typeface="Arial"/>
-                          <a:ea typeface="Calibri"/>
-                        </a:rPr>
-                        <a:t> </a:t>
-                      </a:r>
-                      <a:endParaRPr lang="en-AU" sz="1200">
-                        <a:effectLst/>
-                        <a:latin typeface="Arial"/>
-                        <a:ea typeface="Times New Roman"/>
-                      </a:endParaRPr>
-                    </a:p>
-                  </a:txBody>
-                  <a:tcPr marL="68580" marR="68580" marT="0" marB="0" anchor="b">
-                    <a:lnL w="12700" cap="flat" cmpd="sng" algn="ctr">
-                      <a:solidFill>
-                        <a:srgbClr val="000000"/>
-                      </a:solidFill>
-                      <a:prstDash val="solid"/>
-                      <a:round/>
-                      <a:headEnd type="none" w="med" len="med"/>
-                      <a:tailEnd type="none" w="med" len="med"/>
-                    </a:lnL>
-                    <a:lnR w="12700" cap="flat" cmpd="sng" algn="ctr">
-                      <a:solidFill>
-                        <a:srgbClr val="000000"/>
-                      </a:solidFill>
-                      <a:prstDash val="solid"/>
-                      <a:round/>
-                      <a:headEnd type="none" w="med" len="med"/>
-                      <a:tailEnd type="none" w="med" len="med"/>
-                    </a:lnR>
-                    <a:lnT w="12700" cap="flat" cmpd="sng" algn="ctr">
-                      <a:solidFill>
-                        <a:srgbClr val="000000"/>
-                      </a:solidFill>
-                      <a:prstDash val="solid"/>
-                      <a:round/>
-                      <a:headEnd type="none" w="med" len="med"/>
-                      <a:tailEnd type="none" w="med" len="med"/>
-                    </a:lnT>
-                    <a:lnB w="12700" cap="flat" cmpd="sng" algn="ctr">
-                      <a:solidFill>
-                        <a:srgbClr val="000000"/>
-                      </a:solidFill>
-                      <a:prstDash val="solid"/>
-                      <a:round/>
-                      <a:headEnd type="none" w="med" len="med"/>
-                      <a:tailEnd type="none" w="med" len="med"/>
-                    </a:lnB>
-                    <a:solidFill>
-                      <a:srgbClr val="FFC35A"/>
-                    </a:solidFill>
-                  </a:tcPr>
-                </a:tc>
-                <a:tc>
-                  <a:txBody>
-                    <a:bodyPr/>
-                    <a:lstStyle/>
-                    <a:p>
-                      <a:pPr marL="540385" algn="ctr">
-                        <a:spcBef>
-                          <a:spcPts val="1200"/>
-                        </a:spcBef>
-                        <a:spcAft>
-                          <a:spcPts val="0"/>
-                        </a:spcAft>
-                      </a:pPr>
-                      <a:r>
-                        <a:rPr lang="en-AU" sz="900">
-                          <a:effectLst/>
-                          <a:latin typeface="Arial"/>
-                          <a:ea typeface="Calibri"/>
-                        </a:rPr>
-                        <a:t> </a:t>
-                      </a:r>
-                      <a:endParaRPr lang="en-AU" sz="1200">
-                        <a:effectLst/>
-                        <a:latin typeface="Arial"/>
-                        <a:ea typeface="Times New Roman"/>
-                      </a:endParaRPr>
-                    </a:p>
-                  </a:txBody>
-                  <a:tcPr marL="68580" marR="68580" marT="0" marB="0" anchor="b">
-                    <a:lnL w="12700" cap="flat" cmpd="sng" algn="ctr">
-                      <a:solidFill>
-                        <a:srgbClr val="000000"/>
-                      </a:solidFill>
-                      <a:prstDash val="solid"/>
-                      <a:round/>
-                      <a:headEnd type="none" w="med" len="med"/>
-                      <a:tailEnd type="none" w="med" len="med"/>
-                    </a:lnL>
-                    <a:lnR w="12700" cap="flat" cmpd="sng" algn="ctr">
-                      <a:solidFill>
-                        <a:srgbClr val="000000"/>
-                      </a:solidFill>
-                      <a:prstDash val="solid"/>
-                      <a:round/>
-                      <a:headEnd type="none" w="med" len="med"/>
-                      <a:tailEnd type="none" w="med" len="med"/>
-                    </a:lnR>
-                    <a:lnT w="12700" cap="flat" cmpd="sng" algn="ctr">
-                      <a:solidFill>
-                        <a:srgbClr val="000000"/>
-                      </a:solidFill>
-                      <a:prstDash val="solid"/>
-                      <a:round/>
-                      <a:headEnd type="none" w="med" len="med"/>
-                      <a:tailEnd type="none" w="med" len="med"/>
-                    </a:lnT>
-                    <a:lnB w="12700" cap="flat" cmpd="sng" algn="ctr">
-                      <a:solidFill>
-                        <a:srgbClr val="000000"/>
-                      </a:solidFill>
-                      <a:prstDash val="solid"/>
-                      <a:round/>
-                      <a:headEnd type="none" w="med" len="med"/>
-                      <a:tailEnd type="none" w="med" len="med"/>
-                    </a:lnB>
-                    <a:solidFill>
-                      <a:srgbClr val="C00000"/>
-                    </a:solidFill>
-                  </a:tcPr>
-                </a:tc>
-                <a:tc>
-                  <a:txBody>
-                    <a:bodyPr/>
-                    <a:lstStyle/>
-                    <a:p>
-                      <a:pPr marL="540385" algn="ctr">
-                        <a:spcBef>
-                          <a:spcPts val="1200"/>
-                        </a:spcBef>
-                        <a:spcAft>
-                          <a:spcPts val="0"/>
-                        </a:spcAft>
-                      </a:pPr>
-                      <a:r>
-                        <a:rPr lang="en-AU" sz="900">
-                          <a:effectLst/>
-                          <a:latin typeface="Arial"/>
-                          <a:ea typeface="Calibri"/>
-                        </a:rPr>
-                        <a:t> </a:t>
-                      </a:r>
-                      <a:endParaRPr lang="en-AU" sz="1200">
-                        <a:effectLst/>
-                        <a:latin typeface="Arial"/>
-                        <a:ea typeface="Times New Roman"/>
-                      </a:endParaRPr>
-                    </a:p>
-                  </a:txBody>
-                  <a:tcPr marL="68580" marR="68580" marT="0" marB="0">
-                    <a:lnL w="12700" cap="flat" cmpd="sng" algn="ctr">
-                      <a:solidFill>
-                        <a:srgbClr val="000000"/>
-                      </a:solidFill>
-                      <a:prstDash val="solid"/>
-                      <a:round/>
-                      <a:headEnd type="none" w="med" len="med"/>
-                      <a:tailEnd type="none" w="med" len="med"/>
-                    </a:lnL>
-                    <a:lnR w="12700" cap="flat" cmpd="sng" algn="ctr">
-                      <a:solidFill>
-                        <a:srgbClr val="000000"/>
-                      </a:solidFill>
-                      <a:prstDash val="solid"/>
-                      <a:round/>
-                      <a:headEnd type="none" w="med" len="med"/>
-                      <a:tailEnd type="none" w="med" len="med"/>
-                    </a:lnR>
-                    <a:lnT w="12700" cap="flat" cmpd="sng" algn="ctr">
-                      <a:solidFill>
-                        <a:srgbClr val="000000"/>
-                      </a:solidFill>
-                      <a:prstDash val="solid"/>
-                      <a:round/>
-                      <a:headEnd type="none" w="med" len="med"/>
-                      <a:tailEnd type="none" w="med" len="med"/>
-                    </a:lnT>
-                    <a:lnB w="12700" cap="flat" cmpd="sng" algn="ctr">
-                      <a:solidFill>
-                        <a:srgbClr val="000000"/>
-                      </a:solidFill>
-                      <a:prstDash val="solid"/>
-                      <a:round/>
-                      <a:headEnd type="none" w="med" len="med"/>
-                      <a:tailEnd type="none" w="med" len="med"/>
-                    </a:lnB>
-                    <a:solidFill>
-                      <a:srgbClr val="FFC35A"/>
-                    </a:solidFill>
-                  </a:tcPr>
-                </a:tc>
-                <a:extLst>
-                  <a:ext uri="{0D108BD9-81ED-4DB2-BD59-A6C34878D82A}">
-                    <a16:rowId xmlns="" xmlns:a16="http://schemas.microsoft.com/office/drawing/2014/main" val="10004"/>
-                  </a:ext>
-                </a:extLst>
-              </a:tr>
-              <a:tr h="238283">
-                <a:tc>
-                  <a:txBody>
-                    <a:bodyPr/>
-                    <a:lstStyle/>
-                    <a:p>
-                      <a:pPr marL="540385" algn="r">
-                        <a:spcBef>
-                          <a:spcPts val="1200"/>
-                        </a:spcBef>
-                        <a:spcAft>
-                          <a:spcPts val="0"/>
-                        </a:spcAft>
-                      </a:pPr>
-                      <a:r>
-                        <a:rPr lang="en-AU" sz="1200" b="1" dirty="0">
-                          <a:effectLst/>
-                          <a:latin typeface="Arial"/>
-                          <a:ea typeface="Calibri"/>
-                        </a:rPr>
-                        <a:t>QLD</a:t>
-                      </a:r>
-                      <a:endParaRPr lang="en-AU" sz="1200" b="1" dirty="0">
-                        <a:effectLst/>
-                        <a:latin typeface="Arial"/>
-                        <a:ea typeface="Times New Roman"/>
-                      </a:endParaRPr>
-                    </a:p>
-                  </a:txBody>
-                  <a:tcPr marL="68580" marR="68580" marT="0" marB="0" anchor="b">
-                    <a:lnL w="12700" cap="flat" cmpd="sng" algn="ctr">
-                      <a:solidFill>
-                        <a:srgbClr val="000000"/>
-                      </a:solidFill>
-                      <a:prstDash val="solid"/>
-                      <a:round/>
-                      <a:headEnd type="none" w="med" len="med"/>
-                      <a:tailEnd type="none" w="med" len="med"/>
-                    </a:lnL>
-                    <a:lnR w="12700" cap="flat" cmpd="sng" algn="ctr">
-                      <a:solidFill>
-                        <a:srgbClr val="000000"/>
-                      </a:solidFill>
-                      <a:prstDash val="solid"/>
-                      <a:round/>
-                      <a:headEnd type="none" w="med" len="med"/>
-                      <a:tailEnd type="none" w="med" len="med"/>
-                    </a:lnR>
-                    <a:lnT w="12700" cap="flat" cmpd="sng" algn="ctr">
-                      <a:solidFill>
-                        <a:srgbClr val="000000"/>
-                      </a:solidFill>
-                      <a:prstDash val="solid"/>
-                      <a:round/>
-                      <a:headEnd type="none" w="med" len="med"/>
-                      <a:tailEnd type="none" w="med" len="med"/>
-                    </a:lnT>
-                    <a:lnB w="12700" cap="flat" cmpd="sng" algn="ctr">
-                      <a:solidFill>
-                        <a:srgbClr val="000000"/>
-                      </a:solidFill>
-                      <a:prstDash val="solid"/>
-                      <a:round/>
-                      <a:headEnd type="none" w="med" len="med"/>
-                      <a:tailEnd type="none" w="med" len="med"/>
-                    </a:lnB>
-                  </a:tcPr>
-                </a:tc>
-                <a:tc>
-                  <a:txBody>
-                    <a:bodyPr/>
-                    <a:lstStyle/>
-                    <a:p>
-                      <a:pPr marL="540385" algn="ctr">
-                        <a:spcBef>
-                          <a:spcPts val="1200"/>
-                        </a:spcBef>
-                        <a:spcAft>
-                          <a:spcPts val="0"/>
-                        </a:spcAft>
-                      </a:pPr>
-                      <a:r>
-                        <a:rPr lang="en-AU" sz="900">
-                          <a:effectLst/>
-                          <a:latin typeface="Arial"/>
-                          <a:ea typeface="Calibri"/>
-                        </a:rPr>
-                        <a:t> </a:t>
-                      </a:r>
-                      <a:endParaRPr lang="en-AU" sz="1200">
-                        <a:effectLst/>
-                        <a:latin typeface="Arial"/>
-                        <a:ea typeface="Times New Roman"/>
-                      </a:endParaRPr>
-                    </a:p>
-                  </a:txBody>
-                  <a:tcPr marL="68580" marR="68580" marT="0" marB="0" anchor="b">
-                    <a:lnL w="12700" cap="flat" cmpd="sng" algn="ctr">
-                      <a:solidFill>
-                        <a:srgbClr val="000000"/>
-                      </a:solidFill>
-                      <a:prstDash val="solid"/>
-                      <a:round/>
-                      <a:headEnd type="none" w="med" len="med"/>
-                      <a:tailEnd type="none" w="med" len="med"/>
-                    </a:lnL>
-                    <a:lnR w="12700" cap="flat" cmpd="sng" algn="ctr">
-                      <a:solidFill>
-                        <a:srgbClr val="000000"/>
-                      </a:solidFill>
-                      <a:prstDash val="solid"/>
-                      <a:round/>
-                      <a:headEnd type="none" w="med" len="med"/>
-                      <a:tailEnd type="none" w="med" len="med"/>
-                    </a:lnR>
-                    <a:lnT w="12700" cap="flat" cmpd="sng" algn="ctr">
-                      <a:solidFill>
-                        <a:srgbClr val="000000"/>
-                      </a:solidFill>
-                      <a:prstDash val="solid"/>
-                      <a:round/>
-                      <a:headEnd type="none" w="med" len="med"/>
-                      <a:tailEnd type="none" w="med" len="med"/>
-                    </a:lnT>
-                    <a:lnB w="12700" cap="flat" cmpd="sng" algn="ctr">
-                      <a:solidFill>
-                        <a:srgbClr val="000000"/>
-                      </a:solidFill>
-                      <a:prstDash val="solid"/>
-                      <a:round/>
-                      <a:headEnd type="none" w="med" len="med"/>
-                      <a:tailEnd type="none" w="med" len="med"/>
-                    </a:lnB>
-                    <a:solidFill>
-                      <a:srgbClr val="92D050"/>
-                    </a:solidFill>
-                  </a:tcPr>
-                </a:tc>
-                <a:tc>
-                  <a:txBody>
-                    <a:bodyPr/>
-                    <a:lstStyle/>
-                    <a:p>
-                      <a:pPr marL="540385" algn="ctr">
-                        <a:spcBef>
-                          <a:spcPts val="1200"/>
-                        </a:spcBef>
-                        <a:spcAft>
-                          <a:spcPts val="0"/>
-                        </a:spcAft>
-                      </a:pPr>
-                      <a:r>
-                        <a:rPr lang="en-AU" sz="900">
-                          <a:effectLst/>
-                          <a:latin typeface="Arial"/>
-                          <a:ea typeface="Calibri"/>
-                        </a:rPr>
-                        <a:t> </a:t>
-                      </a:r>
-                      <a:endParaRPr lang="en-AU" sz="1200">
-                        <a:effectLst/>
-                        <a:latin typeface="Arial"/>
-                        <a:ea typeface="Times New Roman"/>
-                      </a:endParaRPr>
-                    </a:p>
-                  </a:txBody>
-                  <a:tcPr marL="68580" marR="68580" marT="0" marB="0" anchor="b">
-                    <a:lnL w="12700" cap="flat" cmpd="sng" algn="ctr">
-                      <a:solidFill>
-                        <a:srgbClr val="000000"/>
-                      </a:solidFill>
-                      <a:prstDash val="solid"/>
-                      <a:round/>
-                      <a:headEnd type="none" w="med" len="med"/>
-                      <a:tailEnd type="none" w="med" len="med"/>
-                    </a:lnL>
-                    <a:lnR w="12700" cap="flat" cmpd="sng" algn="ctr">
-                      <a:solidFill>
-                        <a:srgbClr val="000000"/>
-                      </a:solidFill>
-                      <a:prstDash val="solid"/>
-                      <a:round/>
-                      <a:headEnd type="none" w="med" len="med"/>
-                      <a:tailEnd type="none" w="med" len="med"/>
-                    </a:lnR>
-                    <a:lnT w="12700" cap="flat" cmpd="sng" algn="ctr">
-                      <a:solidFill>
-                        <a:srgbClr val="000000"/>
-                      </a:solidFill>
-                      <a:prstDash val="solid"/>
-                      <a:round/>
-                      <a:headEnd type="none" w="med" len="med"/>
-                      <a:tailEnd type="none" w="med" len="med"/>
-                    </a:lnT>
-                    <a:lnB w="12700" cap="flat" cmpd="sng" algn="ctr">
-                      <a:solidFill>
-                        <a:srgbClr val="000000"/>
-                      </a:solidFill>
-                      <a:prstDash val="solid"/>
-                      <a:round/>
-                      <a:headEnd type="none" w="med" len="med"/>
-                      <a:tailEnd type="none" w="med" len="med"/>
-                    </a:lnB>
-                    <a:solidFill>
-                      <a:srgbClr val="92D050"/>
-                    </a:solidFill>
-                  </a:tcPr>
-                </a:tc>
-                <a:tc>
-                  <a:txBody>
-                    <a:bodyPr/>
-                    <a:lstStyle/>
-                    <a:p>
-                      <a:pPr marL="540385" algn="ctr">
-                        <a:spcBef>
-                          <a:spcPts val="1200"/>
-                        </a:spcBef>
-                        <a:spcAft>
-                          <a:spcPts val="0"/>
-                        </a:spcAft>
-                      </a:pPr>
-                      <a:r>
-                        <a:rPr lang="en-AU" sz="900">
-                          <a:effectLst/>
-                          <a:latin typeface="Arial"/>
-                          <a:ea typeface="Calibri"/>
-                        </a:rPr>
-                        <a:t> </a:t>
-                      </a:r>
-                      <a:endParaRPr lang="en-AU" sz="1200">
-                        <a:effectLst/>
-                        <a:latin typeface="Arial"/>
-                        <a:ea typeface="Times New Roman"/>
-                      </a:endParaRPr>
-                    </a:p>
-                  </a:txBody>
-                  <a:tcPr marL="68580" marR="68580" marT="0" marB="0" anchor="b">
-                    <a:lnL w="12700" cap="flat" cmpd="sng" algn="ctr">
-                      <a:solidFill>
-                        <a:srgbClr val="000000"/>
-                      </a:solidFill>
-                      <a:prstDash val="solid"/>
-                      <a:round/>
-                      <a:headEnd type="none" w="med" len="med"/>
-                      <a:tailEnd type="none" w="med" len="med"/>
-                    </a:lnL>
-                    <a:lnR w="12700" cap="flat" cmpd="sng" algn="ctr">
-                      <a:solidFill>
-                        <a:srgbClr val="000000"/>
-                      </a:solidFill>
-                      <a:prstDash val="solid"/>
-                      <a:round/>
-                      <a:headEnd type="none" w="med" len="med"/>
-                      <a:tailEnd type="none" w="med" len="med"/>
-                    </a:lnR>
-                    <a:lnT w="12700" cap="flat" cmpd="sng" algn="ctr">
-                      <a:solidFill>
-                        <a:srgbClr val="000000"/>
-                      </a:solidFill>
-                      <a:prstDash val="solid"/>
-                      <a:round/>
-                      <a:headEnd type="none" w="med" len="med"/>
-                      <a:tailEnd type="none" w="med" len="med"/>
-                    </a:lnT>
-                    <a:lnB w="12700" cap="flat" cmpd="sng" algn="ctr">
-                      <a:solidFill>
-                        <a:srgbClr val="000000"/>
-                      </a:solidFill>
-                      <a:prstDash val="solid"/>
-                      <a:round/>
-                      <a:headEnd type="none" w="med" len="med"/>
-                      <a:tailEnd type="none" w="med" len="med"/>
-                    </a:lnB>
-                    <a:solidFill>
-                      <a:srgbClr val="92D050"/>
-                    </a:solidFill>
-                  </a:tcPr>
-                </a:tc>
-                <a:tc>
-                  <a:txBody>
-                    <a:bodyPr/>
-                    <a:lstStyle/>
-                    <a:p>
-                      <a:pPr marL="540385" algn="ctr">
-                        <a:spcBef>
-                          <a:spcPts val="1200"/>
-                        </a:spcBef>
-                        <a:spcAft>
-                          <a:spcPts val="0"/>
-                        </a:spcAft>
-                      </a:pPr>
-                      <a:r>
-                        <a:rPr lang="en-AU" sz="900">
-                          <a:effectLst/>
-                          <a:latin typeface="Arial"/>
-                          <a:ea typeface="Calibri"/>
-                        </a:rPr>
-                        <a:t> </a:t>
-                      </a:r>
-                      <a:endParaRPr lang="en-AU" sz="1200">
-                        <a:effectLst/>
-                        <a:latin typeface="Arial"/>
-                        <a:ea typeface="Times New Roman"/>
-                      </a:endParaRPr>
-                    </a:p>
-                  </a:txBody>
-                  <a:tcPr marL="68580" marR="68580" marT="0" marB="0">
-                    <a:lnL w="12700" cap="flat" cmpd="sng" algn="ctr">
-                      <a:solidFill>
-                        <a:srgbClr val="000000"/>
-                      </a:solidFill>
-                      <a:prstDash val="solid"/>
-                      <a:round/>
-                      <a:headEnd type="none" w="med" len="med"/>
-                      <a:tailEnd type="none" w="med" len="med"/>
-                    </a:lnL>
-                    <a:lnR w="12700" cap="flat" cmpd="sng" algn="ctr">
-                      <a:solidFill>
-                        <a:srgbClr val="000000"/>
-                      </a:solidFill>
-                      <a:prstDash val="solid"/>
-                      <a:round/>
-                      <a:headEnd type="none" w="med" len="med"/>
-                      <a:tailEnd type="none" w="med" len="med"/>
-                    </a:lnR>
-                    <a:lnT w="12700" cap="flat" cmpd="sng" algn="ctr">
-                      <a:solidFill>
-                        <a:srgbClr val="000000"/>
-                      </a:solidFill>
-                      <a:prstDash val="solid"/>
-                      <a:round/>
-                      <a:headEnd type="none" w="med" len="med"/>
-                      <a:tailEnd type="none" w="med" len="med"/>
-                    </a:lnT>
-                    <a:lnB w="12700" cap="flat" cmpd="sng" algn="ctr">
-                      <a:solidFill>
-                        <a:srgbClr val="000000"/>
-                      </a:solidFill>
-                      <a:prstDash val="solid"/>
-                      <a:round/>
-                      <a:headEnd type="none" w="med" len="med"/>
-                      <a:tailEnd type="none" w="med" len="med"/>
-                    </a:lnB>
-                    <a:solidFill>
-                      <a:srgbClr val="FFC35A"/>
-                    </a:solidFill>
-                  </a:tcPr>
-                </a:tc>
-                <a:extLst>
-                  <a:ext uri="{0D108BD9-81ED-4DB2-BD59-A6C34878D82A}">
-                    <a16:rowId xmlns="" xmlns:a16="http://schemas.microsoft.com/office/drawing/2014/main" val="10005"/>
-                  </a:ext>
-                </a:extLst>
-              </a:tr>
-              <a:tr h="235975">
-                <a:tc>
-                  <a:txBody>
-                    <a:bodyPr/>
-                    <a:lstStyle/>
-                    <a:p>
-                      <a:pPr marL="540385" algn="r">
-                        <a:spcBef>
-                          <a:spcPts val="1200"/>
-                        </a:spcBef>
-                        <a:spcAft>
-                          <a:spcPts val="0"/>
-                        </a:spcAft>
-                      </a:pPr>
-                      <a:r>
-                        <a:rPr lang="en-AU" sz="1200" b="1" dirty="0">
-                          <a:effectLst/>
-                          <a:latin typeface="Arial"/>
-                          <a:ea typeface="Calibri"/>
-                        </a:rPr>
-                        <a:t>WA</a:t>
-                      </a:r>
-                      <a:endParaRPr lang="en-AU" sz="1200" b="1" dirty="0">
-                        <a:effectLst/>
-                        <a:latin typeface="Arial"/>
-                        <a:ea typeface="Times New Roman"/>
-                      </a:endParaRPr>
-                    </a:p>
-                  </a:txBody>
-                  <a:tcPr marL="68580" marR="68580" marT="0" marB="0" anchor="b">
-                    <a:lnL w="12700" cap="flat" cmpd="sng" algn="ctr">
-                      <a:solidFill>
-                        <a:srgbClr val="000000"/>
-                      </a:solidFill>
-                      <a:prstDash val="solid"/>
-                      <a:round/>
-                      <a:headEnd type="none" w="med" len="med"/>
-                      <a:tailEnd type="none" w="med" len="med"/>
-                    </a:lnL>
-                    <a:lnR w="12700" cap="flat" cmpd="sng" algn="ctr">
-                      <a:solidFill>
-                        <a:srgbClr val="000000"/>
-                      </a:solidFill>
-                      <a:prstDash val="solid"/>
-                      <a:round/>
-                      <a:headEnd type="none" w="med" len="med"/>
-                      <a:tailEnd type="none" w="med" len="med"/>
-                    </a:lnR>
-                    <a:lnT w="12700" cap="flat" cmpd="sng" algn="ctr">
-                      <a:solidFill>
-                        <a:srgbClr val="000000"/>
-                      </a:solidFill>
-                      <a:prstDash val="solid"/>
-                      <a:round/>
-                      <a:headEnd type="none" w="med" len="med"/>
-                      <a:tailEnd type="none" w="med" len="med"/>
-                    </a:lnT>
-                    <a:lnB w="12700" cap="flat" cmpd="sng" algn="ctr">
-                      <a:solidFill>
-                        <a:srgbClr val="000000"/>
-                      </a:solidFill>
-                      <a:prstDash val="solid"/>
-                      <a:round/>
-                      <a:headEnd type="none" w="med" len="med"/>
-                      <a:tailEnd type="none" w="med" len="med"/>
-                    </a:lnB>
-                  </a:tcPr>
-                </a:tc>
-                <a:tc>
-                  <a:txBody>
-                    <a:bodyPr/>
-                    <a:lstStyle/>
-                    <a:p>
-                      <a:pPr marL="540385" algn="ctr">
-                        <a:spcBef>
-                          <a:spcPts val="1200"/>
-                        </a:spcBef>
-                        <a:spcAft>
-                          <a:spcPts val="0"/>
-                        </a:spcAft>
-                      </a:pPr>
-                      <a:r>
-                        <a:rPr lang="en-AU" sz="900">
-                          <a:effectLst/>
-                          <a:latin typeface="Arial"/>
-                          <a:ea typeface="Calibri"/>
-                        </a:rPr>
-                        <a:t> </a:t>
-                      </a:r>
-                      <a:endParaRPr lang="en-AU" sz="1200">
-                        <a:effectLst/>
-                        <a:latin typeface="Arial"/>
-                        <a:ea typeface="Times New Roman"/>
-                      </a:endParaRPr>
-                    </a:p>
-                  </a:txBody>
-                  <a:tcPr marL="68580" marR="68580" marT="0" marB="0" anchor="b">
-                    <a:lnL w="12700" cap="flat" cmpd="sng" algn="ctr">
-                      <a:solidFill>
-                        <a:srgbClr val="000000"/>
-                      </a:solidFill>
-                      <a:prstDash val="solid"/>
-                      <a:round/>
-                      <a:headEnd type="none" w="med" len="med"/>
-                      <a:tailEnd type="none" w="med" len="med"/>
-                    </a:lnL>
-                    <a:lnR w="12700" cap="flat" cmpd="sng" algn="ctr">
-                      <a:solidFill>
-                        <a:srgbClr val="000000"/>
-                      </a:solidFill>
-                      <a:prstDash val="solid"/>
-                      <a:round/>
-                      <a:headEnd type="none" w="med" len="med"/>
-                      <a:tailEnd type="none" w="med" len="med"/>
-                    </a:lnR>
-                    <a:lnT w="12700" cap="flat" cmpd="sng" algn="ctr">
-                      <a:solidFill>
-                        <a:srgbClr val="000000"/>
-                      </a:solidFill>
-                      <a:prstDash val="solid"/>
-                      <a:round/>
-                      <a:headEnd type="none" w="med" len="med"/>
-                      <a:tailEnd type="none" w="med" len="med"/>
-                    </a:lnT>
-                    <a:lnB w="12700" cap="flat" cmpd="sng" algn="ctr">
-                      <a:solidFill>
-                        <a:srgbClr val="000000"/>
-                      </a:solidFill>
-                      <a:prstDash val="solid"/>
-                      <a:round/>
-                      <a:headEnd type="none" w="med" len="med"/>
-                      <a:tailEnd type="none" w="med" len="med"/>
-                    </a:lnB>
-                    <a:solidFill>
-                      <a:srgbClr val="92D050"/>
-                    </a:solidFill>
-                  </a:tcPr>
-                </a:tc>
-                <a:tc>
-                  <a:txBody>
-                    <a:bodyPr/>
-                    <a:lstStyle/>
-                    <a:p>
-                      <a:pPr marL="540385" algn="ctr">
-                        <a:spcBef>
-                          <a:spcPts val="1200"/>
-                        </a:spcBef>
-                        <a:spcAft>
-                          <a:spcPts val="0"/>
-                        </a:spcAft>
-                      </a:pPr>
-                      <a:r>
-                        <a:rPr lang="en-AU" sz="900">
-                          <a:effectLst/>
-                          <a:latin typeface="Arial"/>
-                          <a:ea typeface="Calibri"/>
-                        </a:rPr>
-                        <a:t> </a:t>
-                      </a:r>
-                      <a:endParaRPr lang="en-AU" sz="1200">
-                        <a:effectLst/>
-                        <a:latin typeface="Arial"/>
-                        <a:ea typeface="Times New Roman"/>
-                      </a:endParaRPr>
-                    </a:p>
-                  </a:txBody>
-                  <a:tcPr marL="68580" marR="68580" marT="0" marB="0" anchor="b">
-                    <a:lnL w="12700" cap="flat" cmpd="sng" algn="ctr">
-                      <a:solidFill>
-                        <a:srgbClr val="000000"/>
-                      </a:solidFill>
-                      <a:prstDash val="solid"/>
-                      <a:round/>
-                      <a:headEnd type="none" w="med" len="med"/>
-                      <a:tailEnd type="none" w="med" len="med"/>
-                    </a:lnL>
-                    <a:lnR w="12700" cap="flat" cmpd="sng" algn="ctr">
-                      <a:solidFill>
-                        <a:srgbClr val="000000"/>
-                      </a:solidFill>
-                      <a:prstDash val="solid"/>
-                      <a:round/>
-                      <a:headEnd type="none" w="med" len="med"/>
-                      <a:tailEnd type="none" w="med" len="med"/>
-                    </a:lnR>
-                    <a:lnT w="12700" cap="flat" cmpd="sng" algn="ctr">
-                      <a:solidFill>
-                        <a:srgbClr val="000000"/>
-                      </a:solidFill>
-                      <a:prstDash val="solid"/>
-                      <a:round/>
-                      <a:headEnd type="none" w="med" len="med"/>
-                      <a:tailEnd type="none" w="med" len="med"/>
-                    </a:lnT>
-                    <a:lnB w="12700" cap="flat" cmpd="sng" algn="ctr">
-                      <a:solidFill>
-                        <a:srgbClr val="000000"/>
-                      </a:solidFill>
-                      <a:prstDash val="solid"/>
-                      <a:round/>
-                      <a:headEnd type="none" w="med" len="med"/>
-                      <a:tailEnd type="none" w="med" len="med"/>
-                    </a:lnB>
-                    <a:solidFill>
-                      <a:srgbClr val="FFC35A"/>
-                    </a:solidFill>
-                  </a:tcPr>
-                </a:tc>
-                <a:tc>
-                  <a:txBody>
-                    <a:bodyPr/>
-                    <a:lstStyle/>
-                    <a:p>
-                      <a:pPr marL="540385" algn="ctr">
-                        <a:spcBef>
-                          <a:spcPts val="1200"/>
-                        </a:spcBef>
-                        <a:spcAft>
-                          <a:spcPts val="0"/>
-                        </a:spcAft>
-                      </a:pPr>
-                      <a:r>
-                        <a:rPr lang="en-AU" sz="900">
-                          <a:effectLst/>
-                          <a:latin typeface="Arial"/>
-                          <a:ea typeface="Calibri"/>
-                        </a:rPr>
-                        <a:t> </a:t>
-                      </a:r>
-                      <a:endParaRPr lang="en-AU" sz="1200">
-                        <a:effectLst/>
-                        <a:latin typeface="Arial"/>
-                        <a:ea typeface="Times New Roman"/>
-                      </a:endParaRPr>
-                    </a:p>
-                  </a:txBody>
-                  <a:tcPr marL="68580" marR="68580" marT="0" marB="0" anchor="b">
-                    <a:lnL w="12700" cap="flat" cmpd="sng" algn="ctr">
-                      <a:solidFill>
-                        <a:srgbClr val="000000"/>
-                      </a:solidFill>
-                      <a:prstDash val="solid"/>
-                      <a:round/>
-                      <a:headEnd type="none" w="med" len="med"/>
-                      <a:tailEnd type="none" w="med" len="med"/>
-                    </a:lnL>
-                    <a:lnR w="12700" cap="flat" cmpd="sng" algn="ctr">
-                      <a:solidFill>
-                        <a:srgbClr val="000000"/>
-                      </a:solidFill>
-                      <a:prstDash val="solid"/>
-                      <a:round/>
-                      <a:headEnd type="none" w="med" len="med"/>
-                      <a:tailEnd type="none" w="med" len="med"/>
-                    </a:lnR>
-                    <a:lnT w="12700" cap="flat" cmpd="sng" algn="ctr">
-                      <a:solidFill>
-                        <a:srgbClr val="000000"/>
-                      </a:solidFill>
-                      <a:prstDash val="solid"/>
-                      <a:round/>
-                      <a:headEnd type="none" w="med" len="med"/>
-                      <a:tailEnd type="none" w="med" len="med"/>
-                    </a:lnT>
-                    <a:lnB w="12700" cap="flat" cmpd="sng" algn="ctr">
-                      <a:solidFill>
-                        <a:srgbClr val="000000"/>
-                      </a:solidFill>
-                      <a:prstDash val="solid"/>
-                      <a:round/>
-                      <a:headEnd type="none" w="med" len="med"/>
-                      <a:tailEnd type="none" w="med" len="med"/>
-                    </a:lnB>
-                    <a:solidFill>
-                      <a:srgbClr val="C00000"/>
-                    </a:solidFill>
-                  </a:tcPr>
-                </a:tc>
-                <a:tc>
-                  <a:txBody>
-                    <a:bodyPr/>
-                    <a:lstStyle/>
-                    <a:p>
-                      <a:pPr marL="540385" algn="ctr">
-                        <a:spcBef>
-                          <a:spcPts val="1200"/>
-                        </a:spcBef>
-                        <a:spcAft>
-                          <a:spcPts val="0"/>
-                        </a:spcAft>
-                      </a:pPr>
-                      <a:r>
-                        <a:rPr lang="en-AU" sz="900">
-                          <a:effectLst/>
-                          <a:latin typeface="Arial"/>
-                          <a:ea typeface="Calibri"/>
-                        </a:rPr>
-                        <a:t> </a:t>
-                      </a:r>
-                      <a:endParaRPr lang="en-AU" sz="1200">
-                        <a:effectLst/>
-                        <a:latin typeface="Arial"/>
-                        <a:ea typeface="Times New Roman"/>
-                      </a:endParaRPr>
-                    </a:p>
-                  </a:txBody>
-                  <a:tcPr marL="68580" marR="68580" marT="0" marB="0">
-                    <a:lnL w="12700" cap="flat" cmpd="sng" algn="ctr">
-                      <a:solidFill>
-                        <a:srgbClr val="000000"/>
-                      </a:solidFill>
-                      <a:prstDash val="solid"/>
-                      <a:round/>
-                      <a:headEnd type="none" w="med" len="med"/>
-                      <a:tailEnd type="none" w="med" len="med"/>
-                    </a:lnL>
-                    <a:lnR w="12700" cap="flat" cmpd="sng" algn="ctr">
-                      <a:solidFill>
-                        <a:srgbClr val="000000"/>
-                      </a:solidFill>
-                      <a:prstDash val="solid"/>
-                      <a:round/>
-                      <a:headEnd type="none" w="med" len="med"/>
-                      <a:tailEnd type="none" w="med" len="med"/>
-                    </a:lnR>
-                    <a:lnT w="12700" cap="flat" cmpd="sng" algn="ctr">
-                      <a:solidFill>
-                        <a:srgbClr val="000000"/>
-                      </a:solidFill>
-                      <a:prstDash val="solid"/>
-                      <a:round/>
-                      <a:headEnd type="none" w="med" len="med"/>
-                      <a:tailEnd type="none" w="med" len="med"/>
-                    </a:lnT>
-                    <a:lnB w="12700" cap="flat" cmpd="sng" algn="ctr">
-                      <a:solidFill>
-                        <a:srgbClr val="000000"/>
-                      </a:solidFill>
-                      <a:prstDash val="solid"/>
-                      <a:round/>
-                      <a:headEnd type="none" w="med" len="med"/>
-                      <a:tailEnd type="none" w="med" len="med"/>
-                    </a:lnB>
-                    <a:solidFill>
-                      <a:srgbClr val="C00000"/>
-                    </a:solidFill>
-                  </a:tcPr>
-                </a:tc>
-                <a:extLst>
-                  <a:ext uri="{0D108BD9-81ED-4DB2-BD59-A6C34878D82A}">
-                    <a16:rowId xmlns="" xmlns:a16="http://schemas.microsoft.com/office/drawing/2014/main" val="10006"/>
-                  </a:ext>
-                </a:extLst>
-              </a:tr>
-              <a:tr h="216024">
-                <a:tc>
-                  <a:txBody>
-                    <a:bodyPr/>
-                    <a:lstStyle/>
-                    <a:p>
-                      <a:pPr marL="540385" algn="r">
-                        <a:spcBef>
-                          <a:spcPts val="1200"/>
-                        </a:spcBef>
-                        <a:spcAft>
-                          <a:spcPts val="0"/>
-                        </a:spcAft>
-                      </a:pPr>
-                      <a:r>
-                        <a:rPr lang="en-AU" sz="1200" b="1" dirty="0">
-                          <a:effectLst/>
-                          <a:latin typeface="Arial"/>
-                          <a:ea typeface="Calibri"/>
-                        </a:rPr>
-                        <a:t>SA</a:t>
-                      </a:r>
-                      <a:endParaRPr lang="en-AU" sz="1200" b="1" dirty="0">
-                        <a:effectLst/>
-                        <a:latin typeface="Arial"/>
-                        <a:ea typeface="Times New Roman"/>
-                      </a:endParaRPr>
-                    </a:p>
-                  </a:txBody>
-                  <a:tcPr marL="68580" marR="68580" marT="0" marB="0" anchor="b">
-                    <a:lnL w="12700" cap="flat" cmpd="sng" algn="ctr">
-                      <a:solidFill>
-                        <a:srgbClr val="000000"/>
-                      </a:solidFill>
-                      <a:prstDash val="solid"/>
-                      <a:round/>
-                      <a:headEnd type="none" w="med" len="med"/>
-                      <a:tailEnd type="none" w="med" len="med"/>
-                    </a:lnL>
-                    <a:lnR w="12700" cap="flat" cmpd="sng" algn="ctr">
-                      <a:solidFill>
-                        <a:srgbClr val="000000"/>
-                      </a:solidFill>
-                      <a:prstDash val="solid"/>
-                      <a:round/>
-                      <a:headEnd type="none" w="med" len="med"/>
-                      <a:tailEnd type="none" w="med" len="med"/>
-                    </a:lnR>
-                    <a:lnT w="12700" cap="flat" cmpd="sng" algn="ctr">
-                      <a:solidFill>
-                        <a:srgbClr val="000000"/>
-                      </a:solidFill>
-                      <a:prstDash val="solid"/>
-                      <a:round/>
-                      <a:headEnd type="none" w="med" len="med"/>
-                      <a:tailEnd type="none" w="med" len="med"/>
-                    </a:lnT>
-                    <a:lnB w="28575" cap="flat" cmpd="sng" algn="ctr">
-                      <a:solidFill>
-                        <a:srgbClr val="000000"/>
-                      </a:solidFill>
-                      <a:prstDash val="solid"/>
-                      <a:round/>
-                      <a:headEnd type="none" w="med" len="med"/>
-                      <a:tailEnd type="none" w="med" len="med"/>
-                    </a:lnB>
-                  </a:tcPr>
-                </a:tc>
-                <a:tc>
-                  <a:txBody>
-                    <a:bodyPr/>
-                    <a:lstStyle/>
-                    <a:p>
-                      <a:pPr marL="540385" algn="ctr">
-                        <a:spcBef>
-                          <a:spcPts val="1200"/>
-                        </a:spcBef>
-                        <a:spcAft>
-                          <a:spcPts val="0"/>
-                        </a:spcAft>
-                      </a:pPr>
-                      <a:r>
-                        <a:rPr lang="en-AU" sz="900">
-                          <a:effectLst/>
-                          <a:latin typeface="Arial"/>
-                          <a:ea typeface="Calibri"/>
-                        </a:rPr>
-                        <a:t> </a:t>
-                      </a:r>
-                      <a:endParaRPr lang="en-AU" sz="1200">
-                        <a:effectLst/>
-                        <a:latin typeface="Arial"/>
-                        <a:ea typeface="Times New Roman"/>
-                      </a:endParaRPr>
-                    </a:p>
-                  </a:txBody>
-                  <a:tcPr marL="68580" marR="68580" marT="0" marB="0" anchor="b">
-                    <a:lnL w="12700" cap="flat" cmpd="sng" algn="ctr">
-                      <a:solidFill>
-                        <a:srgbClr val="000000"/>
-                      </a:solidFill>
-                      <a:prstDash val="solid"/>
-                      <a:round/>
-                      <a:headEnd type="none" w="med" len="med"/>
-                      <a:tailEnd type="none" w="med" len="med"/>
-                    </a:lnL>
-                    <a:lnR w="12700" cap="flat" cmpd="sng" algn="ctr">
-                      <a:solidFill>
-                        <a:srgbClr val="000000"/>
-                      </a:solidFill>
-                      <a:prstDash val="solid"/>
-                      <a:round/>
-                      <a:headEnd type="none" w="med" len="med"/>
-                      <a:tailEnd type="none" w="med" len="med"/>
-                    </a:lnR>
-                    <a:lnT w="12700" cap="flat" cmpd="sng" algn="ctr">
-                      <a:solidFill>
-                        <a:srgbClr val="000000"/>
-                      </a:solidFill>
-                      <a:prstDash val="solid"/>
-                      <a:round/>
-                      <a:headEnd type="none" w="med" len="med"/>
-                      <a:tailEnd type="none" w="med" len="med"/>
-                    </a:lnT>
-                    <a:lnB w="28575" cap="flat" cmpd="sng" algn="ctr">
-                      <a:solidFill>
-                        <a:srgbClr val="000000"/>
-                      </a:solidFill>
-                      <a:prstDash val="solid"/>
-                      <a:round/>
-                      <a:headEnd type="none" w="med" len="med"/>
-                      <a:tailEnd type="none" w="med" len="med"/>
-                    </a:lnB>
-                    <a:solidFill>
-                      <a:srgbClr val="92D050"/>
-                    </a:solidFill>
-                  </a:tcPr>
-                </a:tc>
-                <a:tc>
-                  <a:txBody>
-                    <a:bodyPr/>
-                    <a:lstStyle/>
-                    <a:p>
-                      <a:pPr marL="540385" algn="ctr">
-                        <a:spcBef>
-                          <a:spcPts val="1200"/>
-                        </a:spcBef>
-                        <a:spcAft>
-                          <a:spcPts val="0"/>
-                        </a:spcAft>
-                      </a:pPr>
-                      <a:r>
-                        <a:rPr lang="en-AU" sz="900">
-                          <a:effectLst/>
-                          <a:latin typeface="Arial"/>
-                          <a:ea typeface="Calibri"/>
-                        </a:rPr>
-                        <a:t> </a:t>
-                      </a:r>
-                      <a:endParaRPr lang="en-AU" sz="1200">
-                        <a:effectLst/>
-                        <a:latin typeface="Arial"/>
-                        <a:ea typeface="Times New Roman"/>
-                      </a:endParaRPr>
-                    </a:p>
-                  </a:txBody>
-                  <a:tcPr marL="68580" marR="68580" marT="0" marB="0" anchor="b">
-                    <a:lnL w="12700" cap="flat" cmpd="sng" algn="ctr">
-                      <a:solidFill>
-                        <a:srgbClr val="000000"/>
-                      </a:solidFill>
-                      <a:prstDash val="solid"/>
-                      <a:round/>
-                      <a:headEnd type="none" w="med" len="med"/>
-                      <a:tailEnd type="none" w="med" len="med"/>
-                    </a:lnL>
-                    <a:lnR w="12700" cap="flat" cmpd="sng" algn="ctr">
-                      <a:solidFill>
-                        <a:srgbClr val="000000"/>
-                      </a:solidFill>
-                      <a:prstDash val="solid"/>
-                      <a:round/>
-                      <a:headEnd type="none" w="med" len="med"/>
-                      <a:tailEnd type="none" w="med" len="med"/>
-                    </a:lnR>
-                    <a:lnT w="12700" cap="flat" cmpd="sng" algn="ctr">
-                      <a:solidFill>
-                        <a:srgbClr val="000000"/>
-                      </a:solidFill>
-                      <a:prstDash val="solid"/>
-                      <a:round/>
-                      <a:headEnd type="none" w="med" len="med"/>
-                      <a:tailEnd type="none" w="med" len="med"/>
-                    </a:lnT>
-                    <a:lnB w="28575" cap="flat" cmpd="sng" algn="ctr">
-                      <a:solidFill>
-                        <a:srgbClr val="000000"/>
-                      </a:solidFill>
-                      <a:prstDash val="solid"/>
-                      <a:round/>
-                      <a:headEnd type="none" w="med" len="med"/>
-                      <a:tailEnd type="none" w="med" len="med"/>
-                    </a:lnB>
-                    <a:solidFill>
-                      <a:srgbClr val="FFC35A"/>
-                    </a:solidFill>
-                  </a:tcPr>
-                </a:tc>
-                <a:tc>
-                  <a:txBody>
-                    <a:bodyPr/>
-                    <a:lstStyle/>
-                    <a:p>
-                      <a:pPr marL="540385" algn="ctr">
-                        <a:spcBef>
-                          <a:spcPts val="1200"/>
-                        </a:spcBef>
-                        <a:spcAft>
-                          <a:spcPts val="0"/>
-                        </a:spcAft>
-                      </a:pPr>
-                      <a:r>
-                        <a:rPr lang="en-AU" sz="900">
-                          <a:effectLst/>
-                          <a:latin typeface="Arial"/>
-                          <a:ea typeface="Calibri"/>
-                        </a:rPr>
-                        <a:t> </a:t>
-                      </a:r>
-                      <a:endParaRPr lang="en-AU" sz="1200">
-                        <a:effectLst/>
-                        <a:latin typeface="Arial"/>
-                        <a:ea typeface="Times New Roman"/>
-                      </a:endParaRPr>
-                    </a:p>
-                  </a:txBody>
-                  <a:tcPr marL="68580" marR="68580" marT="0" marB="0" anchor="b">
-                    <a:lnL w="12700" cap="flat" cmpd="sng" algn="ctr">
-                      <a:solidFill>
-                        <a:srgbClr val="000000"/>
-                      </a:solidFill>
-                      <a:prstDash val="solid"/>
-                      <a:round/>
-                      <a:headEnd type="none" w="med" len="med"/>
-                      <a:tailEnd type="none" w="med" len="med"/>
-                    </a:lnL>
-                    <a:lnR w="12700" cap="flat" cmpd="sng" algn="ctr">
-                      <a:solidFill>
-                        <a:srgbClr val="000000"/>
-                      </a:solidFill>
-                      <a:prstDash val="solid"/>
-                      <a:round/>
-                      <a:headEnd type="none" w="med" len="med"/>
-                      <a:tailEnd type="none" w="med" len="med"/>
-                    </a:lnR>
-                    <a:lnT w="12700" cap="flat" cmpd="sng" algn="ctr">
-                      <a:solidFill>
-                        <a:srgbClr val="000000"/>
-                      </a:solidFill>
-                      <a:prstDash val="solid"/>
-                      <a:round/>
-                      <a:headEnd type="none" w="med" len="med"/>
-                      <a:tailEnd type="none" w="med" len="med"/>
-                    </a:lnT>
-                    <a:lnB w="28575" cap="flat" cmpd="sng" algn="ctr">
-                      <a:solidFill>
-                        <a:srgbClr val="000000"/>
-                      </a:solidFill>
-                      <a:prstDash val="solid"/>
-                      <a:round/>
-                      <a:headEnd type="none" w="med" len="med"/>
-                      <a:tailEnd type="none" w="med" len="med"/>
-                    </a:lnB>
-                    <a:solidFill>
-                      <a:srgbClr val="FFC35A"/>
-                    </a:solidFill>
+                    <a:lnTlToBr w="12700" cmpd="sng">
+                      <a:noFill/>
+                      <a:prstDash val="solid"/>
+                    </a:lnTlToBr>
+                    <a:lnBlToTr w="12700" cmpd="sng">
+                      <a:noFill/>
+                      <a:prstDash val="solid"/>
+                    </a:lnBlToTr>
+                    <a:noFill/>
                   </a:tcPr>
                 </a:tc>
                 <a:tc>
@@ -11381,49 +11082,235 @@
                   </a:txBody>
                   <a:tcPr marL="68580" marR="68580" marT="0" marB="0">
                     <a:lnL w="12700" cap="flat" cmpd="sng" algn="ctr">
-                      <a:solidFill>
-                        <a:srgbClr val="000000"/>
-                      </a:solidFill>
+                      <a:noFill/>
                       <a:prstDash val="solid"/>
                       <a:round/>
                       <a:headEnd type="none" w="med" len="med"/>
                       <a:tailEnd type="none" w="med" len="med"/>
                     </a:lnL>
                     <a:lnR w="12700" cap="flat" cmpd="sng" algn="ctr">
-                      <a:solidFill>
-                        <a:srgbClr val="000000"/>
-                      </a:solidFill>
+                      <a:noFill/>
                       <a:prstDash val="solid"/>
                       <a:round/>
                       <a:headEnd type="none" w="med" len="med"/>
                       <a:tailEnd type="none" w="med" len="med"/>
                     </a:lnR>
                     <a:lnT w="12700" cap="flat" cmpd="sng" algn="ctr">
-                      <a:solidFill>
-                        <a:srgbClr val="000000"/>
-                      </a:solidFill>
+                      <a:noFill/>
                       <a:prstDash val="solid"/>
                       <a:round/>
                       <a:headEnd type="none" w="med" len="med"/>
                       <a:tailEnd type="none" w="med" len="med"/>
                     </a:lnT>
-                    <a:lnB w="28575" cap="flat" cmpd="sng" algn="ctr">
+                    <a:lnB w="12700" cap="flat" cmpd="sng" algn="ctr">
                       <a:solidFill>
-                        <a:srgbClr val="000000"/>
+                        <a:schemeClr val="tx1"/>
                       </a:solidFill>
                       <a:prstDash val="solid"/>
                       <a:round/>
                       <a:headEnd type="none" w="med" len="med"/>
                       <a:tailEnd type="none" w="med" len="med"/>
                     </a:lnB>
-                    <a:solidFill>
-                      <a:srgbClr val="C00000"/>
-                    </a:solidFill>
+                    <a:lnTlToBr w="12700" cmpd="sng">
+                      <a:noFill/>
+                      <a:prstDash val="solid"/>
+                    </a:lnTlToBr>
+                    <a:lnBlToTr w="12700" cmpd="sng">
+                      <a:noFill/>
+                      <a:prstDash val="solid"/>
+                    </a:lnBlToTr>
+                    <a:noFill/>
+                  </a:tcPr>
+                </a:tc>
+                <a:tc>
+                  <a:txBody>
+                    <a:bodyPr/>
+                    <a:lstStyle/>
+                    <a:p>
+                      <a:pPr marL="540385" algn="ctr">
+                        <a:spcBef>
+                          <a:spcPts val="1200"/>
+                        </a:spcBef>
+                        <a:spcAft>
+                          <a:spcPts val="0"/>
+                        </a:spcAft>
+                      </a:pPr>
+                      <a:endParaRPr lang="en-AU" sz="1200" dirty="0">
+                        <a:effectLst/>
+                        <a:latin typeface="Arial"/>
+                        <a:ea typeface="Times New Roman"/>
+                      </a:endParaRPr>
+                    </a:p>
+                  </a:txBody>
+                  <a:tcPr marL="68580" marR="68580" marT="0" marB="0">
+                    <a:lnL w="12700" cap="flat" cmpd="sng" algn="ctr">
+                      <a:noFill/>
+                      <a:prstDash val="solid"/>
+                      <a:round/>
+                      <a:headEnd type="none" w="med" len="med"/>
+                      <a:tailEnd type="none" w="med" len="med"/>
+                    </a:lnL>
+                    <a:lnR w="12700" cap="flat" cmpd="sng" algn="ctr">
+                      <a:noFill/>
+                      <a:prstDash val="solid"/>
+                      <a:round/>
+                      <a:headEnd type="none" w="med" len="med"/>
+                      <a:tailEnd type="none" w="med" len="med"/>
+                    </a:lnR>
+                    <a:lnT w="12700" cap="flat" cmpd="sng" algn="ctr">
+                      <a:noFill/>
+                      <a:prstDash val="solid"/>
+                      <a:round/>
+                      <a:headEnd type="none" w="med" len="med"/>
+                      <a:tailEnd type="none" w="med" len="med"/>
+                    </a:lnT>
+                    <a:lnB w="12700" cap="flat" cmpd="sng" algn="ctr">
+                      <a:solidFill>
+                        <a:schemeClr val="tx1"/>
+                      </a:solidFill>
+                      <a:prstDash val="solid"/>
+                      <a:round/>
+                      <a:headEnd type="none" w="med" len="med"/>
+                      <a:tailEnd type="none" w="med" len="med"/>
+                    </a:lnB>
+                    <a:lnTlToBr w="12700" cmpd="sng">
+                      <a:noFill/>
+                      <a:prstDash val="solid"/>
+                    </a:lnTlToBr>
+                    <a:lnBlToTr w="12700" cmpd="sng">
+                      <a:noFill/>
+                      <a:prstDash val="solid"/>
+                    </a:lnBlToTr>
+                    <a:noFill/>
+                  </a:tcPr>
+                </a:tc>
+                <a:tc>
+                  <a:txBody>
+                    <a:bodyPr/>
+                    <a:lstStyle/>
+                    <a:p>
+                      <a:pPr marL="540385" algn="ctr">
+                        <a:spcBef>
+                          <a:spcPts val="1200"/>
+                        </a:spcBef>
+                        <a:spcAft>
+                          <a:spcPts val="0"/>
+                        </a:spcAft>
+                      </a:pPr>
+                      <a:endParaRPr lang="en-AU" sz="1200" dirty="0">
+                        <a:effectLst/>
+                        <a:latin typeface="Arial"/>
+                        <a:ea typeface="Times New Roman"/>
+                      </a:endParaRPr>
+                    </a:p>
+                  </a:txBody>
+                  <a:tcPr marL="68580" marR="68580" marT="0" marB="0">
+                    <a:lnL w="12700" cap="flat" cmpd="sng" algn="ctr">
+                      <a:noFill/>
+                      <a:prstDash val="solid"/>
+                      <a:round/>
+                      <a:headEnd type="none" w="med" len="med"/>
+                      <a:tailEnd type="none" w="med" len="med"/>
+                    </a:lnL>
+                    <a:lnR w="12700" cap="flat" cmpd="sng" algn="ctr">
+                      <a:noFill/>
+                      <a:prstDash val="solid"/>
+                      <a:round/>
+                      <a:headEnd type="none" w="med" len="med"/>
+                      <a:tailEnd type="none" w="med" len="med"/>
+                    </a:lnR>
+                    <a:lnT w="12700" cap="flat" cmpd="sng" algn="ctr">
+                      <a:noFill/>
+                      <a:prstDash val="solid"/>
+                      <a:round/>
+                      <a:headEnd type="none" w="med" len="med"/>
+                      <a:tailEnd type="none" w="med" len="med"/>
+                    </a:lnT>
+                    <a:lnB w="12700" cap="flat" cmpd="sng" algn="ctr">
+                      <a:solidFill>
+                        <a:schemeClr val="tx1"/>
+                      </a:solidFill>
+                      <a:prstDash val="solid"/>
+                      <a:round/>
+                      <a:headEnd type="none" w="med" len="med"/>
+                      <a:tailEnd type="none" w="med" len="med"/>
+                    </a:lnB>
+                    <a:lnTlToBr w="12700" cmpd="sng">
+                      <a:noFill/>
+                      <a:prstDash val="solid"/>
+                    </a:lnTlToBr>
+                    <a:lnBlToTr w="12700" cmpd="sng">
+                      <a:noFill/>
+                      <a:prstDash val="solid"/>
+                    </a:lnBlToTr>
+                    <a:noFill/>
+                  </a:tcPr>
+                </a:tc>
+                <a:tc>
+                  <a:txBody>
+                    <a:bodyPr/>
+                    <a:lstStyle/>
+                    <a:p>
+                      <a:pPr marL="540385" algn="ctr">
+                        <a:spcBef>
+                          <a:spcPts val="1200"/>
+                        </a:spcBef>
+                        <a:spcAft>
+                          <a:spcPts val="0"/>
+                        </a:spcAft>
+                      </a:pPr>
+                      <a:endParaRPr lang="en-AU" sz="1200" dirty="0">
+                        <a:effectLst/>
+                        <a:latin typeface="Arial"/>
+                        <a:ea typeface="Times New Roman"/>
+                      </a:endParaRPr>
+                    </a:p>
+                  </a:txBody>
+                  <a:tcPr marL="68580" marR="68580" marT="0" marB="0">
+                    <a:lnL w="12700" cap="flat" cmpd="sng" algn="ctr">
+                      <a:noFill/>
+                      <a:prstDash val="solid"/>
+                      <a:round/>
+                      <a:headEnd type="none" w="med" len="med"/>
+                      <a:tailEnd type="none" w="med" len="med"/>
+                    </a:lnL>
+                    <a:lnR w="12700" cap="flat" cmpd="sng" algn="ctr">
+                      <a:noFill/>
+                      <a:prstDash val="solid"/>
+                      <a:round/>
+                      <a:headEnd type="none" w="med" len="med"/>
+                      <a:tailEnd type="none" w="med" len="med"/>
+                    </a:lnR>
+                    <a:lnT w="12700" cap="flat" cmpd="sng" algn="ctr">
+                      <a:noFill/>
+                      <a:prstDash val="solid"/>
+                      <a:round/>
+                      <a:headEnd type="none" w="med" len="med"/>
+                      <a:tailEnd type="none" w="med" len="med"/>
+                    </a:lnT>
+                    <a:lnB w="12700" cap="flat" cmpd="sng" algn="ctr">
+                      <a:solidFill>
+                        <a:schemeClr val="tx1"/>
+                      </a:solidFill>
+                      <a:prstDash val="solid"/>
+                      <a:round/>
+                      <a:headEnd type="none" w="med" len="med"/>
+                      <a:tailEnd type="none" w="med" len="med"/>
+                    </a:lnB>
+                    <a:lnTlToBr w="12700" cmpd="sng">
+                      <a:noFill/>
+                      <a:prstDash val="solid"/>
+                    </a:lnTlToBr>
+                    <a:lnBlToTr w="12700" cmpd="sng">
+                      <a:noFill/>
+                      <a:prstDash val="solid"/>
+                    </a:lnBlToTr>
+                    <a:noFill/>
                   </a:tcPr>
                 </a:tc>
                 <a:extLst>
                   <a:ext uri="{0D108BD9-81ED-4DB2-BD59-A6C34878D82A}">
-                    <a16:rowId xmlns="" xmlns:a16="http://schemas.microsoft.com/office/drawing/2014/main" val="10007"/>
+                    <a16:rowId xmlns:a16="http://schemas.microsoft.com/office/drawing/2014/main" val="10005"/>
                   </a:ext>
                 </a:extLst>
               </a:tr>
@@ -11431,10 +11318,1546 @@
           </a:graphicData>
         </a:graphic>
       </p:graphicFrame>
+      <p:sp>
+        <p:nvSpPr>
+          <p:cNvPr id="3" name="Oval 2"/>
+          <p:cNvSpPr/>
+          <p:nvPr/>
+        </p:nvSpPr>
+        <p:spPr bwMode="auto">
+          <a:xfrm>
+            <a:off x="2144688" y="1484784"/>
+            <a:ext cx="864096" cy="792088"/>
+          </a:xfrm>
+          <a:prstGeom prst="ellipse">
+            <a:avLst/>
+          </a:prstGeom>
+          <a:solidFill>
+            <a:schemeClr val="accent3"/>
+          </a:solidFill>
+          <a:ln w="9525" cap="flat" cmpd="sng" algn="ctr">
+            <a:noFill/>
+            <a:prstDash val="solid"/>
+            <a:round/>
+            <a:headEnd type="none" w="med" len="med"/>
+            <a:tailEnd type="none" w="med" len="med"/>
+          </a:ln>
+          <a:effectLst/>
+        </p:spPr>
+        <p:txBody>
+          <a:bodyPr vert="horz" wrap="square" lIns="91440" tIns="45720" rIns="91440" bIns="45720" numCol="1" rtlCol="0" anchor="t" anchorCtr="0" compatLnSpc="1">
+            <a:prstTxWarp prst="textNoShape">
+              <a:avLst/>
+            </a:prstTxWarp>
+          </a:bodyPr>
+          <a:lstStyle/>
+          <a:p>
+            <a:pPr marL="0" marR="0" indent="0" algn="l" defTabSz="914400" rtl="0" eaLnBrk="0" fontAlgn="base" latinLnBrk="0" hangingPunct="0">
+              <a:lnSpc>
+                <a:spcPct val="100000"/>
+              </a:lnSpc>
+              <a:spcBef>
+                <a:spcPct val="0"/>
+              </a:spcBef>
+              <a:spcAft>
+                <a:spcPct val="0"/>
+              </a:spcAft>
+              <a:buClrTx/>
+              <a:buSzTx/>
+              <a:buFontTx/>
+              <a:buNone/>
+              <a:tabLst/>
+            </a:pPr>
+            <a:endParaRPr kumimoji="0" lang="en-AU" sz="2400" b="0" i="0" u="none" strike="noStrike" cap="none" normalizeH="0" baseline="0">
+              <a:ln>
+                <a:noFill/>
+              </a:ln>
+              <a:solidFill>
+                <a:schemeClr val="accent3"/>
+              </a:solidFill>
+              <a:effectLst/>
+              <a:latin typeface="Arial" charset="0"/>
+              <a:ea typeface="ＭＳ Ｐゴシック" pitchFamily="34" charset="-128"/>
+            </a:endParaRPr>
+          </a:p>
+        </p:txBody>
+      </p:sp>
+      <p:sp>
+        <p:nvSpPr>
+          <p:cNvPr id="5" name="Oval 4"/>
+          <p:cNvSpPr/>
+          <p:nvPr/>
+        </p:nvSpPr>
+        <p:spPr bwMode="auto">
+          <a:xfrm>
+            <a:off x="3728864" y="1486012"/>
+            <a:ext cx="864096" cy="792088"/>
+          </a:xfrm>
+          <a:prstGeom prst="ellipse">
+            <a:avLst/>
+          </a:prstGeom>
+          <a:solidFill>
+            <a:schemeClr val="accent3"/>
+          </a:solidFill>
+          <a:ln w="9525" cap="flat" cmpd="sng" algn="ctr">
+            <a:noFill/>
+            <a:prstDash val="solid"/>
+            <a:round/>
+            <a:headEnd type="none" w="med" len="med"/>
+            <a:tailEnd type="none" w="med" len="med"/>
+          </a:ln>
+          <a:effectLst/>
+        </p:spPr>
+        <p:txBody>
+          <a:bodyPr vert="horz" wrap="square" lIns="91440" tIns="45720" rIns="91440" bIns="45720" numCol="1" rtlCol="0" anchor="t" anchorCtr="0" compatLnSpc="1">
+            <a:prstTxWarp prst="textNoShape">
+              <a:avLst/>
+            </a:prstTxWarp>
+          </a:bodyPr>
+          <a:lstStyle/>
+          <a:p>
+            <a:pPr marL="0" marR="0" indent="0" algn="l" defTabSz="914400" rtl="0" eaLnBrk="0" fontAlgn="base" latinLnBrk="0" hangingPunct="0">
+              <a:lnSpc>
+                <a:spcPct val="100000"/>
+              </a:lnSpc>
+              <a:spcBef>
+                <a:spcPct val="0"/>
+              </a:spcBef>
+              <a:spcAft>
+                <a:spcPct val="0"/>
+              </a:spcAft>
+              <a:buClrTx/>
+              <a:buSzTx/>
+              <a:buFontTx/>
+              <a:buNone/>
+              <a:tabLst/>
+            </a:pPr>
+            <a:endParaRPr kumimoji="0" lang="en-AU" sz="2400" b="0" i="0" u="none" strike="noStrike" cap="none" normalizeH="0" baseline="0">
+              <a:ln>
+                <a:noFill/>
+              </a:ln>
+              <a:solidFill>
+                <a:schemeClr val="accent3"/>
+              </a:solidFill>
+              <a:effectLst/>
+              <a:latin typeface="Arial" charset="0"/>
+              <a:ea typeface="ＭＳ Ｐゴシック" pitchFamily="34" charset="-128"/>
+            </a:endParaRPr>
+          </a:p>
+        </p:txBody>
+      </p:sp>
+      <p:sp>
+        <p:nvSpPr>
+          <p:cNvPr id="6" name="Oval 5"/>
+          <p:cNvSpPr/>
+          <p:nvPr/>
+        </p:nvSpPr>
+        <p:spPr bwMode="auto">
+          <a:xfrm>
+            <a:off x="4953000" y="1486012"/>
+            <a:ext cx="864096" cy="792088"/>
+          </a:xfrm>
+          <a:prstGeom prst="ellipse">
+            <a:avLst/>
+          </a:prstGeom>
+          <a:solidFill>
+            <a:schemeClr val="accent3"/>
+          </a:solidFill>
+          <a:ln w="9525" cap="flat" cmpd="sng" algn="ctr">
+            <a:noFill/>
+            <a:prstDash val="solid"/>
+            <a:round/>
+            <a:headEnd type="none" w="med" len="med"/>
+            <a:tailEnd type="none" w="med" len="med"/>
+          </a:ln>
+          <a:effectLst/>
+        </p:spPr>
+        <p:txBody>
+          <a:bodyPr vert="horz" wrap="square" lIns="91440" tIns="45720" rIns="91440" bIns="45720" numCol="1" rtlCol="0" anchor="t" anchorCtr="0" compatLnSpc="1">
+            <a:prstTxWarp prst="textNoShape">
+              <a:avLst/>
+            </a:prstTxWarp>
+          </a:bodyPr>
+          <a:lstStyle/>
+          <a:p>
+            <a:pPr marL="0" marR="0" indent="0" algn="l" defTabSz="914400" rtl="0" eaLnBrk="0" fontAlgn="base" latinLnBrk="0" hangingPunct="0">
+              <a:lnSpc>
+                <a:spcPct val="100000"/>
+              </a:lnSpc>
+              <a:spcBef>
+                <a:spcPct val="0"/>
+              </a:spcBef>
+              <a:spcAft>
+                <a:spcPct val="0"/>
+              </a:spcAft>
+              <a:buClrTx/>
+              <a:buSzTx/>
+              <a:buFontTx/>
+              <a:buNone/>
+              <a:tabLst/>
+            </a:pPr>
+            <a:endParaRPr kumimoji="0" lang="en-AU" sz="2400" b="0" i="0" u="none" strike="noStrike" cap="none" normalizeH="0" baseline="0">
+              <a:ln>
+                <a:noFill/>
+              </a:ln>
+              <a:solidFill>
+                <a:schemeClr val="accent3"/>
+              </a:solidFill>
+              <a:effectLst/>
+              <a:latin typeface="Arial" charset="0"/>
+              <a:ea typeface="ＭＳ Ｐゴシック" pitchFamily="34" charset="-128"/>
+            </a:endParaRPr>
+          </a:p>
+        </p:txBody>
+      </p:sp>
+      <p:sp>
+        <p:nvSpPr>
+          <p:cNvPr id="7" name="Oval 6"/>
+          <p:cNvSpPr/>
+          <p:nvPr/>
+        </p:nvSpPr>
+        <p:spPr bwMode="auto">
+          <a:xfrm>
+            <a:off x="6177136" y="1484040"/>
+            <a:ext cx="864096" cy="792088"/>
+          </a:xfrm>
+          <a:prstGeom prst="ellipse">
+            <a:avLst/>
+          </a:prstGeom>
+          <a:solidFill>
+            <a:schemeClr val="accent3"/>
+          </a:solidFill>
+          <a:ln w="9525" cap="flat" cmpd="sng" algn="ctr">
+            <a:noFill/>
+            <a:prstDash val="solid"/>
+            <a:round/>
+            <a:headEnd type="none" w="med" len="med"/>
+            <a:tailEnd type="none" w="med" len="med"/>
+          </a:ln>
+          <a:effectLst/>
+        </p:spPr>
+        <p:txBody>
+          <a:bodyPr vert="horz" wrap="square" lIns="91440" tIns="45720" rIns="91440" bIns="45720" numCol="1" rtlCol="0" anchor="t" anchorCtr="0" compatLnSpc="1">
+            <a:prstTxWarp prst="textNoShape">
+              <a:avLst/>
+            </a:prstTxWarp>
+          </a:bodyPr>
+          <a:lstStyle/>
+          <a:p>
+            <a:pPr marL="0" marR="0" indent="0" algn="l" defTabSz="914400" rtl="0" eaLnBrk="0" fontAlgn="base" latinLnBrk="0" hangingPunct="0">
+              <a:lnSpc>
+                <a:spcPct val="100000"/>
+              </a:lnSpc>
+              <a:spcBef>
+                <a:spcPct val="0"/>
+              </a:spcBef>
+              <a:spcAft>
+                <a:spcPct val="0"/>
+              </a:spcAft>
+              <a:buClrTx/>
+              <a:buSzTx/>
+              <a:buFontTx/>
+              <a:buNone/>
+              <a:tabLst/>
+            </a:pPr>
+            <a:endParaRPr kumimoji="0" lang="en-AU" sz="2400" b="0" i="0" u="none" strike="noStrike" cap="none" normalizeH="0" baseline="0">
+              <a:ln>
+                <a:noFill/>
+              </a:ln>
+              <a:solidFill>
+                <a:schemeClr val="accent3"/>
+              </a:solidFill>
+              <a:effectLst/>
+              <a:latin typeface="Arial" charset="0"/>
+              <a:ea typeface="ＭＳ Ｐゴシック" pitchFamily="34" charset="-128"/>
+            </a:endParaRPr>
+          </a:p>
+        </p:txBody>
+      </p:sp>
+      <p:sp>
+        <p:nvSpPr>
+          <p:cNvPr id="8" name="Oval 7"/>
+          <p:cNvSpPr/>
+          <p:nvPr/>
+        </p:nvSpPr>
+        <p:spPr bwMode="auto">
+          <a:xfrm>
+            <a:off x="7401272" y="1484040"/>
+            <a:ext cx="864096" cy="792088"/>
+          </a:xfrm>
+          <a:prstGeom prst="ellipse">
+            <a:avLst/>
+          </a:prstGeom>
+          <a:solidFill>
+            <a:schemeClr val="accent3"/>
+          </a:solidFill>
+          <a:ln w="9525" cap="flat" cmpd="sng" algn="ctr">
+            <a:noFill/>
+            <a:prstDash val="solid"/>
+            <a:round/>
+            <a:headEnd type="none" w="med" len="med"/>
+            <a:tailEnd type="none" w="med" len="med"/>
+          </a:ln>
+          <a:effectLst/>
+        </p:spPr>
+        <p:txBody>
+          <a:bodyPr vert="horz" wrap="square" lIns="91440" tIns="45720" rIns="91440" bIns="45720" numCol="1" rtlCol="0" anchor="t" anchorCtr="0" compatLnSpc="1">
+            <a:prstTxWarp prst="textNoShape">
+              <a:avLst/>
+            </a:prstTxWarp>
+          </a:bodyPr>
+          <a:lstStyle/>
+          <a:p>
+            <a:pPr marL="0" marR="0" indent="0" algn="l" defTabSz="914400" rtl="0" eaLnBrk="0" fontAlgn="base" latinLnBrk="0" hangingPunct="0">
+              <a:lnSpc>
+                <a:spcPct val="100000"/>
+              </a:lnSpc>
+              <a:spcBef>
+                <a:spcPct val="0"/>
+              </a:spcBef>
+              <a:spcAft>
+                <a:spcPct val="0"/>
+              </a:spcAft>
+              <a:buClrTx/>
+              <a:buSzTx/>
+              <a:buFontTx/>
+              <a:buNone/>
+              <a:tabLst/>
+            </a:pPr>
+            <a:endParaRPr kumimoji="0" lang="en-AU" sz="2400" b="0" i="0" u="none" strike="noStrike" cap="none" normalizeH="0" baseline="0">
+              <a:ln>
+                <a:noFill/>
+              </a:ln>
+              <a:solidFill>
+                <a:schemeClr val="accent3"/>
+              </a:solidFill>
+              <a:effectLst/>
+              <a:latin typeface="Arial" charset="0"/>
+              <a:ea typeface="ＭＳ Ｐゴシック" pitchFamily="34" charset="-128"/>
+            </a:endParaRPr>
+          </a:p>
+        </p:txBody>
+      </p:sp>
+      <p:sp>
+        <p:nvSpPr>
+          <p:cNvPr id="9" name="Oval 8"/>
+          <p:cNvSpPr/>
+          <p:nvPr/>
+        </p:nvSpPr>
+        <p:spPr bwMode="auto">
+          <a:xfrm>
+            <a:off x="8697416" y="1486012"/>
+            <a:ext cx="864096" cy="792088"/>
+          </a:xfrm>
+          <a:prstGeom prst="ellipse">
+            <a:avLst/>
+          </a:prstGeom>
+          <a:solidFill>
+            <a:schemeClr val="accent3"/>
+          </a:solidFill>
+          <a:ln w="9525" cap="flat" cmpd="sng" algn="ctr">
+            <a:noFill/>
+            <a:prstDash val="solid"/>
+            <a:round/>
+            <a:headEnd type="none" w="med" len="med"/>
+            <a:tailEnd type="none" w="med" len="med"/>
+          </a:ln>
+          <a:effectLst/>
+        </p:spPr>
+        <p:txBody>
+          <a:bodyPr vert="horz" wrap="square" lIns="91440" tIns="45720" rIns="91440" bIns="45720" numCol="1" rtlCol="0" anchor="t" anchorCtr="0" compatLnSpc="1">
+            <a:prstTxWarp prst="textNoShape">
+              <a:avLst/>
+            </a:prstTxWarp>
+          </a:bodyPr>
+          <a:lstStyle/>
+          <a:p>
+            <a:pPr marL="0" marR="0" indent="0" algn="l" defTabSz="914400" rtl="0" eaLnBrk="0" fontAlgn="base" latinLnBrk="0" hangingPunct="0">
+              <a:lnSpc>
+                <a:spcPct val="100000"/>
+              </a:lnSpc>
+              <a:spcBef>
+                <a:spcPct val="0"/>
+              </a:spcBef>
+              <a:spcAft>
+                <a:spcPct val="0"/>
+              </a:spcAft>
+              <a:buClrTx/>
+              <a:buSzTx/>
+              <a:buFontTx/>
+              <a:buNone/>
+              <a:tabLst/>
+            </a:pPr>
+            <a:endParaRPr kumimoji="0" lang="en-AU" sz="2400" b="0" i="0" u="none" strike="noStrike" cap="none" normalizeH="0" baseline="0">
+              <a:ln>
+                <a:noFill/>
+              </a:ln>
+              <a:solidFill>
+                <a:schemeClr val="accent3"/>
+              </a:solidFill>
+              <a:effectLst/>
+              <a:latin typeface="Arial" charset="0"/>
+              <a:ea typeface="ＭＳ Ｐゴシック" pitchFamily="34" charset="-128"/>
+            </a:endParaRPr>
+          </a:p>
+        </p:txBody>
+      </p:sp>
+      <p:sp>
+        <p:nvSpPr>
+          <p:cNvPr id="10" name="Oval 9"/>
+          <p:cNvSpPr/>
+          <p:nvPr/>
+        </p:nvSpPr>
+        <p:spPr bwMode="auto">
+          <a:xfrm>
+            <a:off x="2126556" y="2419028"/>
+            <a:ext cx="864096" cy="792088"/>
+          </a:xfrm>
+          <a:prstGeom prst="ellipse">
+            <a:avLst/>
+          </a:prstGeom>
+          <a:solidFill>
+            <a:schemeClr val="accent3"/>
+          </a:solidFill>
+          <a:ln w="9525" cap="flat" cmpd="sng" algn="ctr">
+            <a:noFill/>
+            <a:prstDash val="solid"/>
+            <a:round/>
+            <a:headEnd type="none" w="med" len="med"/>
+            <a:tailEnd type="none" w="med" len="med"/>
+          </a:ln>
+          <a:effectLst/>
+        </p:spPr>
+        <p:txBody>
+          <a:bodyPr vert="horz" wrap="square" lIns="91440" tIns="45720" rIns="91440" bIns="45720" numCol="1" rtlCol="0" anchor="t" anchorCtr="0" compatLnSpc="1">
+            <a:prstTxWarp prst="textNoShape">
+              <a:avLst/>
+            </a:prstTxWarp>
+          </a:bodyPr>
+          <a:lstStyle/>
+          <a:p>
+            <a:pPr marL="0" marR="0" indent="0" algn="l" defTabSz="914400" rtl="0" eaLnBrk="0" fontAlgn="base" latinLnBrk="0" hangingPunct="0">
+              <a:lnSpc>
+                <a:spcPct val="100000"/>
+              </a:lnSpc>
+              <a:spcBef>
+                <a:spcPct val="0"/>
+              </a:spcBef>
+              <a:spcAft>
+                <a:spcPct val="0"/>
+              </a:spcAft>
+              <a:buClrTx/>
+              <a:buSzTx/>
+              <a:buFontTx/>
+              <a:buNone/>
+              <a:tabLst/>
+            </a:pPr>
+            <a:endParaRPr kumimoji="0" lang="en-AU" sz="2400" b="0" i="0" u="none" strike="noStrike" cap="none" normalizeH="0" baseline="0">
+              <a:ln>
+                <a:noFill/>
+              </a:ln>
+              <a:solidFill>
+                <a:schemeClr val="accent2"/>
+              </a:solidFill>
+              <a:effectLst/>
+              <a:latin typeface="Arial" charset="0"/>
+              <a:ea typeface="ＭＳ Ｐゴシック" pitchFamily="34" charset="-128"/>
+            </a:endParaRPr>
+          </a:p>
+        </p:txBody>
+      </p:sp>
+      <p:sp>
+        <p:nvSpPr>
+          <p:cNvPr id="11" name="Oval 10"/>
+          <p:cNvSpPr/>
+          <p:nvPr/>
+        </p:nvSpPr>
+        <p:spPr bwMode="auto">
+          <a:xfrm>
+            <a:off x="3710732" y="2420256"/>
+            <a:ext cx="864096" cy="792088"/>
+          </a:xfrm>
+          <a:prstGeom prst="ellipse">
+            <a:avLst/>
+          </a:prstGeom>
+          <a:solidFill>
+            <a:schemeClr val="accent3"/>
+          </a:solidFill>
+          <a:ln w="9525" cap="flat" cmpd="sng" algn="ctr">
+            <a:noFill/>
+            <a:prstDash val="solid"/>
+            <a:round/>
+            <a:headEnd type="none" w="med" len="med"/>
+            <a:tailEnd type="none" w="med" len="med"/>
+          </a:ln>
+          <a:effectLst/>
+        </p:spPr>
+        <p:txBody>
+          <a:bodyPr vert="horz" wrap="square" lIns="91440" tIns="45720" rIns="91440" bIns="45720" numCol="1" rtlCol="0" anchor="t" anchorCtr="0" compatLnSpc="1">
+            <a:prstTxWarp prst="textNoShape">
+              <a:avLst/>
+            </a:prstTxWarp>
+          </a:bodyPr>
+          <a:lstStyle/>
+          <a:p>
+            <a:pPr marL="0" marR="0" indent="0" algn="l" defTabSz="914400" rtl="0" eaLnBrk="0" fontAlgn="base" latinLnBrk="0" hangingPunct="0">
+              <a:lnSpc>
+                <a:spcPct val="100000"/>
+              </a:lnSpc>
+              <a:spcBef>
+                <a:spcPct val="0"/>
+              </a:spcBef>
+              <a:spcAft>
+                <a:spcPct val="0"/>
+              </a:spcAft>
+              <a:buClrTx/>
+              <a:buSzTx/>
+              <a:buFontTx/>
+              <a:buNone/>
+              <a:tabLst/>
+            </a:pPr>
+            <a:endParaRPr kumimoji="0" lang="en-AU" sz="2400" b="0" i="0" u="none" strike="noStrike" cap="none" normalizeH="0" baseline="0">
+              <a:ln>
+                <a:noFill/>
+              </a:ln>
+              <a:solidFill>
+                <a:schemeClr val="accent3"/>
+              </a:solidFill>
+              <a:effectLst/>
+              <a:latin typeface="Arial" charset="0"/>
+              <a:ea typeface="ＭＳ Ｐゴシック" pitchFamily="34" charset="-128"/>
+            </a:endParaRPr>
+          </a:p>
+        </p:txBody>
+      </p:sp>
+      <p:sp>
+        <p:nvSpPr>
+          <p:cNvPr id="12" name="Oval 11"/>
+          <p:cNvSpPr/>
+          <p:nvPr/>
+        </p:nvSpPr>
+        <p:spPr bwMode="auto">
+          <a:xfrm>
+            <a:off x="4934868" y="2420256"/>
+            <a:ext cx="864096" cy="792088"/>
+          </a:xfrm>
+          <a:prstGeom prst="ellipse">
+            <a:avLst/>
+          </a:prstGeom>
+          <a:solidFill>
+            <a:schemeClr val="accent2"/>
+          </a:solidFill>
+          <a:ln w="9525" cap="flat" cmpd="sng" algn="ctr">
+            <a:noFill/>
+            <a:prstDash val="solid"/>
+            <a:round/>
+            <a:headEnd type="none" w="med" len="med"/>
+            <a:tailEnd type="none" w="med" len="med"/>
+          </a:ln>
+          <a:effectLst/>
+        </p:spPr>
+        <p:txBody>
+          <a:bodyPr vert="horz" wrap="square" lIns="91440" tIns="45720" rIns="91440" bIns="45720" numCol="1" rtlCol="0" anchor="t" anchorCtr="0" compatLnSpc="1">
+            <a:prstTxWarp prst="textNoShape">
+              <a:avLst/>
+            </a:prstTxWarp>
+          </a:bodyPr>
+          <a:lstStyle/>
+          <a:p>
+            <a:pPr marL="0" marR="0" indent="0" algn="l" defTabSz="914400" rtl="0" eaLnBrk="0" fontAlgn="base" latinLnBrk="0" hangingPunct="0">
+              <a:lnSpc>
+                <a:spcPct val="100000"/>
+              </a:lnSpc>
+              <a:spcBef>
+                <a:spcPct val="0"/>
+              </a:spcBef>
+              <a:spcAft>
+                <a:spcPct val="0"/>
+              </a:spcAft>
+              <a:buClrTx/>
+              <a:buSzTx/>
+              <a:buFontTx/>
+              <a:buNone/>
+              <a:tabLst/>
+            </a:pPr>
+            <a:endParaRPr kumimoji="0" lang="en-AU" sz="2400" b="0" i="0" u="none" strike="noStrike" cap="none" normalizeH="0" baseline="0">
+              <a:ln>
+                <a:noFill/>
+              </a:ln>
+              <a:solidFill>
+                <a:schemeClr val="accent3"/>
+              </a:solidFill>
+              <a:effectLst/>
+              <a:latin typeface="Arial" charset="0"/>
+              <a:ea typeface="ＭＳ Ｐゴシック" pitchFamily="34" charset="-128"/>
+            </a:endParaRPr>
+          </a:p>
+        </p:txBody>
+      </p:sp>
+      <p:sp>
+        <p:nvSpPr>
+          <p:cNvPr id="13" name="Oval 12"/>
+          <p:cNvSpPr/>
+          <p:nvPr/>
+        </p:nvSpPr>
+        <p:spPr bwMode="auto">
+          <a:xfrm>
+            <a:off x="6159004" y="2418284"/>
+            <a:ext cx="864096" cy="792088"/>
+          </a:xfrm>
+          <a:prstGeom prst="ellipse">
+            <a:avLst/>
+          </a:prstGeom>
+          <a:solidFill>
+            <a:schemeClr val="accent3"/>
+          </a:solidFill>
+          <a:ln w="9525" cap="flat" cmpd="sng" algn="ctr">
+            <a:noFill/>
+            <a:prstDash val="solid"/>
+            <a:round/>
+            <a:headEnd type="none" w="med" len="med"/>
+            <a:tailEnd type="none" w="med" len="med"/>
+          </a:ln>
+          <a:effectLst/>
+        </p:spPr>
+        <p:txBody>
+          <a:bodyPr vert="horz" wrap="square" lIns="91440" tIns="45720" rIns="91440" bIns="45720" numCol="1" rtlCol="0" anchor="t" anchorCtr="0" compatLnSpc="1">
+            <a:prstTxWarp prst="textNoShape">
+              <a:avLst/>
+            </a:prstTxWarp>
+          </a:bodyPr>
+          <a:lstStyle/>
+          <a:p>
+            <a:pPr marL="0" marR="0" indent="0" algn="l" defTabSz="914400" rtl="0" eaLnBrk="0" fontAlgn="base" latinLnBrk="0" hangingPunct="0">
+              <a:lnSpc>
+                <a:spcPct val="100000"/>
+              </a:lnSpc>
+              <a:spcBef>
+                <a:spcPct val="0"/>
+              </a:spcBef>
+              <a:spcAft>
+                <a:spcPct val="0"/>
+              </a:spcAft>
+              <a:buClrTx/>
+              <a:buSzTx/>
+              <a:buFontTx/>
+              <a:buNone/>
+              <a:tabLst/>
+            </a:pPr>
+            <a:endParaRPr kumimoji="0" lang="en-AU" sz="2400" b="0" i="0" u="none" strike="noStrike" cap="none" normalizeH="0" baseline="0">
+              <a:ln>
+                <a:noFill/>
+              </a:ln>
+              <a:solidFill>
+                <a:schemeClr val="accent3"/>
+              </a:solidFill>
+              <a:effectLst/>
+              <a:latin typeface="Arial" charset="0"/>
+              <a:ea typeface="ＭＳ Ｐゴシック" pitchFamily="34" charset="-128"/>
+            </a:endParaRPr>
+          </a:p>
+        </p:txBody>
+      </p:sp>
+      <p:sp>
+        <p:nvSpPr>
+          <p:cNvPr id="14" name="Oval 13"/>
+          <p:cNvSpPr/>
+          <p:nvPr/>
+        </p:nvSpPr>
+        <p:spPr bwMode="auto">
+          <a:xfrm>
+            <a:off x="7383140" y="2418284"/>
+            <a:ext cx="864096" cy="792088"/>
+          </a:xfrm>
+          <a:prstGeom prst="ellipse">
+            <a:avLst/>
+          </a:prstGeom>
+          <a:solidFill>
+            <a:schemeClr val="accent2"/>
+          </a:solidFill>
+          <a:ln w="9525" cap="flat" cmpd="sng" algn="ctr">
+            <a:noFill/>
+            <a:prstDash val="solid"/>
+            <a:round/>
+            <a:headEnd type="none" w="med" len="med"/>
+            <a:tailEnd type="none" w="med" len="med"/>
+          </a:ln>
+          <a:effectLst/>
+        </p:spPr>
+        <p:txBody>
+          <a:bodyPr vert="horz" wrap="square" lIns="91440" tIns="45720" rIns="91440" bIns="45720" numCol="1" rtlCol="0" anchor="t" anchorCtr="0" compatLnSpc="1">
+            <a:prstTxWarp prst="textNoShape">
+              <a:avLst/>
+            </a:prstTxWarp>
+          </a:bodyPr>
+          <a:lstStyle/>
+          <a:p>
+            <a:pPr marL="0" marR="0" indent="0" algn="l" defTabSz="914400" rtl="0" eaLnBrk="0" fontAlgn="base" latinLnBrk="0" hangingPunct="0">
+              <a:lnSpc>
+                <a:spcPct val="100000"/>
+              </a:lnSpc>
+              <a:spcBef>
+                <a:spcPct val="0"/>
+              </a:spcBef>
+              <a:spcAft>
+                <a:spcPct val="0"/>
+              </a:spcAft>
+              <a:buClrTx/>
+              <a:buSzTx/>
+              <a:buFontTx/>
+              <a:buNone/>
+              <a:tabLst/>
+            </a:pPr>
+            <a:endParaRPr kumimoji="0" lang="en-AU" sz="2400" b="0" i="0" u="none" strike="noStrike" cap="none" normalizeH="0" baseline="0">
+              <a:ln>
+                <a:noFill/>
+              </a:ln>
+              <a:solidFill>
+                <a:schemeClr val="accent3"/>
+              </a:solidFill>
+              <a:effectLst/>
+              <a:latin typeface="Arial" charset="0"/>
+              <a:ea typeface="ＭＳ Ｐゴシック" pitchFamily="34" charset="-128"/>
+            </a:endParaRPr>
+          </a:p>
+        </p:txBody>
+      </p:sp>
+      <p:sp>
+        <p:nvSpPr>
+          <p:cNvPr id="15" name="Oval 14"/>
+          <p:cNvSpPr/>
+          <p:nvPr/>
+        </p:nvSpPr>
+        <p:spPr bwMode="auto">
+          <a:xfrm>
+            <a:off x="8679284" y="2420256"/>
+            <a:ext cx="864096" cy="792088"/>
+          </a:xfrm>
+          <a:prstGeom prst="ellipse">
+            <a:avLst/>
+          </a:prstGeom>
+          <a:solidFill>
+            <a:schemeClr val="accent2"/>
+          </a:solidFill>
+          <a:ln w="9525" cap="flat" cmpd="sng" algn="ctr">
+            <a:noFill/>
+            <a:prstDash val="solid"/>
+            <a:round/>
+            <a:headEnd type="none" w="med" len="med"/>
+            <a:tailEnd type="none" w="med" len="med"/>
+          </a:ln>
+          <a:effectLst/>
+        </p:spPr>
+        <p:txBody>
+          <a:bodyPr vert="horz" wrap="square" lIns="91440" tIns="45720" rIns="91440" bIns="45720" numCol="1" rtlCol="0" anchor="t" anchorCtr="0" compatLnSpc="1">
+            <a:prstTxWarp prst="textNoShape">
+              <a:avLst/>
+            </a:prstTxWarp>
+          </a:bodyPr>
+          <a:lstStyle/>
+          <a:p>
+            <a:pPr marL="0" marR="0" indent="0" algn="l" defTabSz="914400" rtl="0" eaLnBrk="0" fontAlgn="base" latinLnBrk="0" hangingPunct="0">
+              <a:lnSpc>
+                <a:spcPct val="100000"/>
+              </a:lnSpc>
+              <a:spcBef>
+                <a:spcPct val="0"/>
+              </a:spcBef>
+              <a:spcAft>
+                <a:spcPct val="0"/>
+              </a:spcAft>
+              <a:buClrTx/>
+              <a:buSzTx/>
+              <a:buFontTx/>
+              <a:buNone/>
+              <a:tabLst/>
+            </a:pPr>
+            <a:endParaRPr kumimoji="0" lang="en-AU" sz="2400" b="0" i="0" u="none" strike="noStrike" cap="none" normalizeH="0" baseline="0">
+              <a:ln>
+                <a:noFill/>
+              </a:ln>
+              <a:solidFill>
+                <a:schemeClr val="accent3"/>
+              </a:solidFill>
+              <a:effectLst/>
+              <a:latin typeface="Arial" charset="0"/>
+              <a:ea typeface="ＭＳ Ｐゴシック" pitchFamily="34" charset="-128"/>
+            </a:endParaRPr>
+          </a:p>
+        </p:txBody>
+      </p:sp>
+      <p:sp>
+        <p:nvSpPr>
+          <p:cNvPr id="16" name="Oval 15"/>
+          <p:cNvSpPr/>
+          <p:nvPr/>
+        </p:nvSpPr>
+        <p:spPr bwMode="auto">
+          <a:xfrm>
+            <a:off x="2126556" y="3320804"/>
+            <a:ext cx="864096" cy="792088"/>
+          </a:xfrm>
+          <a:prstGeom prst="ellipse">
+            <a:avLst/>
+          </a:prstGeom>
+          <a:solidFill>
+            <a:schemeClr val="accent2"/>
+          </a:solidFill>
+          <a:ln w="9525" cap="flat" cmpd="sng" algn="ctr">
+            <a:noFill/>
+            <a:prstDash val="solid"/>
+            <a:round/>
+            <a:headEnd type="none" w="med" len="med"/>
+            <a:tailEnd type="none" w="med" len="med"/>
+          </a:ln>
+          <a:effectLst/>
+        </p:spPr>
+        <p:txBody>
+          <a:bodyPr vert="horz" wrap="square" lIns="91440" tIns="45720" rIns="91440" bIns="45720" numCol="1" rtlCol="0" anchor="t" anchorCtr="0" compatLnSpc="1">
+            <a:prstTxWarp prst="textNoShape">
+              <a:avLst/>
+            </a:prstTxWarp>
+          </a:bodyPr>
+          <a:lstStyle/>
+          <a:p>
+            <a:pPr marL="0" marR="0" indent="0" algn="l" defTabSz="914400" rtl="0" eaLnBrk="0" fontAlgn="base" latinLnBrk="0" hangingPunct="0">
+              <a:lnSpc>
+                <a:spcPct val="100000"/>
+              </a:lnSpc>
+              <a:spcBef>
+                <a:spcPct val="0"/>
+              </a:spcBef>
+              <a:spcAft>
+                <a:spcPct val="0"/>
+              </a:spcAft>
+              <a:buClrTx/>
+              <a:buSzTx/>
+              <a:buFontTx/>
+              <a:buNone/>
+              <a:tabLst/>
+            </a:pPr>
+            <a:endParaRPr kumimoji="0" lang="en-AU" sz="2400" b="0" i="0" u="none" strike="noStrike" cap="none" normalizeH="0" baseline="0">
+              <a:ln>
+                <a:noFill/>
+              </a:ln>
+              <a:solidFill>
+                <a:schemeClr val="accent2"/>
+              </a:solidFill>
+              <a:effectLst/>
+              <a:latin typeface="Arial" charset="0"/>
+              <a:ea typeface="ＭＳ Ｐゴシック" pitchFamily="34" charset="-128"/>
+            </a:endParaRPr>
+          </a:p>
+        </p:txBody>
+      </p:sp>
+      <p:sp>
+        <p:nvSpPr>
+          <p:cNvPr id="17" name="Oval 16"/>
+          <p:cNvSpPr/>
+          <p:nvPr/>
+        </p:nvSpPr>
+        <p:spPr bwMode="auto">
+          <a:xfrm>
+            <a:off x="3710732" y="3322032"/>
+            <a:ext cx="864096" cy="792088"/>
+          </a:xfrm>
+          <a:prstGeom prst="ellipse">
+            <a:avLst/>
+          </a:prstGeom>
+          <a:solidFill>
+            <a:schemeClr val="accent2"/>
+          </a:solidFill>
+          <a:ln w="9525" cap="flat" cmpd="sng" algn="ctr">
+            <a:noFill/>
+            <a:prstDash val="solid"/>
+            <a:round/>
+            <a:headEnd type="none" w="med" len="med"/>
+            <a:tailEnd type="none" w="med" len="med"/>
+          </a:ln>
+          <a:effectLst/>
+        </p:spPr>
+        <p:txBody>
+          <a:bodyPr vert="horz" wrap="square" lIns="91440" tIns="45720" rIns="91440" bIns="45720" numCol="1" rtlCol="0" anchor="t" anchorCtr="0" compatLnSpc="1">
+            <a:prstTxWarp prst="textNoShape">
+              <a:avLst/>
+            </a:prstTxWarp>
+          </a:bodyPr>
+          <a:lstStyle/>
+          <a:p>
+            <a:pPr marL="0" marR="0" indent="0" algn="l" defTabSz="914400" rtl="0" eaLnBrk="0" fontAlgn="base" latinLnBrk="0" hangingPunct="0">
+              <a:lnSpc>
+                <a:spcPct val="100000"/>
+              </a:lnSpc>
+              <a:spcBef>
+                <a:spcPct val="0"/>
+              </a:spcBef>
+              <a:spcAft>
+                <a:spcPct val="0"/>
+              </a:spcAft>
+              <a:buClrTx/>
+              <a:buSzTx/>
+              <a:buFontTx/>
+              <a:buNone/>
+              <a:tabLst/>
+            </a:pPr>
+            <a:endParaRPr kumimoji="0" lang="en-AU" sz="2400" b="0" i="0" u="none" strike="noStrike" cap="none" normalizeH="0" baseline="0">
+              <a:ln>
+                <a:noFill/>
+              </a:ln>
+              <a:solidFill>
+                <a:schemeClr val="accent3"/>
+              </a:solidFill>
+              <a:effectLst/>
+              <a:latin typeface="Arial" charset="0"/>
+              <a:ea typeface="ＭＳ Ｐゴシック" pitchFamily="34" charset="-128"/>
+            </a:endParaRPr>
+          </a:p>
+        </p:txBody>
+      </p:sp>
+      <p:sp>
+        <p:nvSpPr>
+          <p:cNvPr id="18" name="Oval 17"/>
+          <p:cNvSpPr/>
+          <p:nvPr/>
+        </p:nvSpPr>
+        <p:spPr bwMode="auto">
+          <a:xfrm>
+            <a:off x="4934868" y="3322032"/>
+            <a:ext cx="864096" cy="792088"/>
+          </a:xfrm>
+          <a:prstGeom prst="ellipse">
+            <a:avLst/>
+          </a:prstGeom>
+          <a:solidFill>
+            <a:schemeClr val="accent1"/>
+          </a:solidFill>
+          <a:ln w="9525" cap="flat" cmpd="sng" algn="ctr">
+            <a:noFill/>
+            <a:prstDash val="solid"/>
+            <a:round/>
+            <a:headEnd type="none" w="med" len="med"/>
+            <a:tailEnd type="none" w="med" len="med"/>
+          </a:ln>
+          <a:effectLst/>
+        </p:spPr>
+        <p:txBody>
+          <a:bodyPr vert="horz" wrap="square" lIns="91440" tIns="45720" rIns="91440" bIns="45720" numCol="1" rtlCol="0" anchor="t" anchorCtr="0" compatLnSpc="1">
+            <a:prstTxWarp prst="textNoShape">
+              <a:avLst/>
+            </a:prstTxWarp>
+          </a:bodyPr>
+          <a:lstStyle/>
+          <a:p>
+            <a:pPr marL="0" marR="0" indent="0" algn="l" defTabSz="914400" rtl="0" eaLnBrk="0" fontAlgn="base" latinLnBrk="0" hangingPunct="0">
+              <a:lnSpc>
+                <a:spcPct val="100000"/>
+              </a:lnSpc>
+              <a:spcBef>
+                <a:spcPct val="0"/>
+              </a:spcBef>
+              <a:spcAft>
+                <a:spcPct val="0"/>
+              </a:spcAft>
+              <a:buClrTx/>
+              <a:buSzTx/>
+              <a:buFontTx/>
+              <a:buNone/>
+              <a:tabLst/>
+            </a:pPr>
+            <a:endParaRPr kumimoji="0" lang="en-AU" sz="2400" b="0" i="0" u="none" strike="noStrike" cap="none" normalizeH="0" baseline="0">
+              <a:ln>
+                <a:noFill/>
+              </a:ln>
+              <a:solidFill>
+                <a:schemeClr val="accent3"/>
+              </a:solidFill>
+              <a:effectLst/>
+              <a:latin typeface="Arial" charset="0"/>
+              <a:ea typeface="ＭＳ Ｐゴシック" pitchFamily="34" charset="-128"/>
+            </a:endParaRPr>
+          </a:p>
+        </p:txBody>
+      </p:sp>
+      <p:sp>
+        <p:nvSpPr>
+          <p:cNvPr id="19" name="Oval 18"/>
+          <p:cNvSpPr/>
+          <p:nvPr/>
+        </p:nvSpPr>
+        <p:spPr bwMode="auto">
+          <a:xfrm>
+            <a:off x="6159004" y="3320060"/>
+            <a:ext cx="864096" cy="792088"/>
+          </a:xfrm>
+          <a:prstGeom prst="ellipse">
+            <a:avLst/>
+          </a:prstGeom>
+          <a:solidFill>
+            <a:schemeClr val="accent3"/>
+          </a:solidFill>
+          <a:ln w="9525" cap="flat" cmpd="sng" algn="ctr">
+            <a:noFill/>
+            <a:prstDash val="solid"/>
+            <a:round/>
+            <a:headEnd type="none" w="med" len="med"/>
+            <a:tailEnd type="none" w="med" len="med"/>
+          </a:ln>
+          <a:effectLst/>
+        </p:spPr>
+        <p:txBody>
+          <a:bodyPr vert="horz" wrap="square" lIns="91440" tIns="45720" rIns="91440" bIns="45720" numCol="1" rtlCol="0" anchor="t" anchorCtr="0" compatLnSpc="1">
+            <a:prstTxWarp prst="textNoShape">
+              <a:avLst/>
+            </a:prstTxWarp>
+          </a:bodyPr>
+          <a:lstStyle/>
+          <a:p>
+            <a:pPr marL="0" marR="0" indent="0" algn="l" defTabSz="914400" rtl="0" eaLnBrk="0" fontAlgn="base" latinLnBrk="0" hangingPunct="0">
+              <a:lnSpc>
+                <a:spcPct val="100000"/>
+              </a:lnSpc>
+              <a:spcBef>
+                <a:spcPct val="0"/>
+              </a:spcBef>
+              <a:spcAft>
+                <a:spcPct val="0"/>
+              </a:spcAft>
+              <a:buClrTx/>
+              <a:buSzTx/>
+              <a:buFontTx/>
+              <a:buNone/>
+              <a:tabLst/>
+            </a:pPr>
+            <a:endParaRPr kumimoji="0" lang="en-AU" sz="2400" b="0" i="0" u="none" strike="noStrike" cap="none" normalizeH="0" baseline="0">
+              <a:ln>
+                <a:noFill/>
+              </a:ln>
+              <a:solidFill>
+                <a:schemeClr val="accent3"/>
+              </a:solidFill>
+              <a:effectLst/>
+              <a:latin typeface="Arial" charset="0"/>
+              <a:ea typeface="ＭＳ Ｐゴシック" pitchFamily="34" charset="-128"/>
+            </a:endParaRPr>
+          </a:p>
+        </p:txBody>
+      </p:sp>
+      <p:sp>
+        <p:nvSpPr>
+          <p:cNvPr id="20" name="Oval 19"/>
+          <p:cNvSpPr/>
+          <p:nvPr/>
+        </p:nvSpPr>
+        <p:spPr bwMode="auto">
+          <a:xfrm>
+            <a:off x="7383140" y="3320060"/>
+            <a:ext cx="864096" cy="792088"/>
+          </a:xfrm>
+          <a:prstGeom prst="ellipse">
+            <a:avLst/>
+          </a:prstGeom>
+          <a:solidFill>
+            <a:schemeClr val="accent1"/>
+          </a:solidFill>
+          <a:ln w="9525" cap="flat" cmpd="sng" algn="ctr">
+            <a:noFill/>
+            <a:prstDash val="solid"/>
+            <a:round/>
+            <a:headEnd type="none" w="med" len="med"/>
+            <a:tailEnd type="none" w="med" len="med"/>
+          </a:ln>
+          <a:effectLst/>
+        </p:spPr>
+        <p:txBody>
+          <a:bodyPr vert="horz" wrap="square" lIns="91440" tIns="45720" rIns="91440" bIns="45720" numCol="1" rtlCol="0" anchor="t" anchorCtr="0" compatLnSpc="1">
+            <a:prstTxWarp prst="textNoShape">
+              <a:avLst/>
+            </a:prstTxWarp>
+          </a:bodyPr>
+          <a:lstStyle/>
+          <a:p>
+            <a:pPr marL="0" marR="0" indent="0" algn="l" defTabSz="914400" rtl="0" eaLnBrk="0" fontAlgn="base" latinLnBrk="0" hangingPunct="0">
+              <a:lnSpc>
+                <a:spcPct val="100000"/>
+              </a:lnSpc>
+              <a:spcBef>
+                <a:spcPct val="0"/>
+              </a:spcBef>
+              <a:spcAft>
+                <a:spcPct val="0"/>
+              </a:spcAft>
+              <a:buClrTx/>
+              <a:buSzTx/>
+              <a:buFontTx/>
+              <a:buNone/>
+              <a:tabLst/>
+            </a:pPr>
+            <a:endParaRPr kumimoji="0" lang="en-AU" sz="2400" b="0" i="0" u="none" strike="noStrike" cap="none" normalizeH="0" baseline="0">
+              <a:ln>
+                <a:noFill/>
+              </a:ln>
+              <a:solidFill>
+                <a:schemeClr val="accent3"/>
+              </a:solidFill>
+              <a:effectLst/>
+              <a:latin typeface="Arial" charset="0"/>
+              <a:ea typeface="ＭＳ Ｐゴシック" pitchFamily="34" charset="-128"/>
+            </a:endParaRPr>
+          </a:p>
+        </p:txBody>
+      </p:sp>
+      <p:sp>
+        <p:nvSpPr>
+          <p:cNvPr id="21" name="Oval 20"/>
+          <p:cNvSpPr/>
+          <p:nvPr/>
+        </p:nvSpPr>
+        <p:spPr bwMode="auto">
+          <a:xfrm>
+            <a:off x="8679284" y="3322032"/>
+            <a:ext cx="864096" cy="792088"/>
+          </a:xfrm>
+          <a:prstGeom prst="ellipse">
+            <a:avLst/>
+          </a:prstGeom>
+          <a:solidFill>
+            <a:schemeClr val="accent2"/>
+          </a:solidFill>
+          <a:ln w="9525" cap="flat" cmpd="sng" algn="ctr">
+            <a:noFill/>
+            <a:prstDash val="solid"/>
+            <a:round/>
+            <a:headEnd type="none" w="med" len="med"/>
+            <a:tailEnd type="none" w="med" len="med"/>
+          </a:ln>
+          <a:effectLst/>
+        </p:spPr>
+        <p:txBody>
+          <a:bodyPr vert="horz" wrap="square" lIns="91440" tIns="45720" rIns="91440" bIns="45720" numCol="1" rtlCol="0" anchor="t" anchorCtr="0" compatLnSpc="1">
+            <a:prstTxWarp prst="textNoShape">
+              <a:avLst/>
+            </a:prstTxWarp>
+          </a:bodyPr>
+          <a:lstStyle/>
+          <a:p>
+            <a:pPr marL="0" marR="0" indent="0" algn="l" defTabSz="914400" rtl="0" eaLnBrk="0" fontAlgn="base" latinLnBrk="0" hangingPunct="0">
+              <a:lnSpc>
+                <a:spcPct val="100000"/>
+              </a:lnSpc>
+              <a:spcBef>
+                <a:spcPct val="0"/>
+              </a:spcBef>
+              <a:spcAft>
+                <a:spcPct val="0"/>
+              </a:spcAft>
+              <a:buClrTx/>
+              <a:buSzTx/>
+              <a:buFontTx/>
+              <a:buNone/>
+              <a:tabLst/>
+            </a:pPr>
+            <a:endParaRPr kumimoji="0" lang="en-AU" sz="2400" b="0" i="0" u="none" strike="noStrike" cap="none" normalizeH="0" baseline="0">
+              <a:ln>
+                <a:noFill/>
+              </a:ln>
+              <a:solidFill>
+                <a:schemeClr val="accent3"/>
+              </a:solidFill>
+              <a:effectLst/>
+              <a:latin typeface="Arial" charset="0"/>
+              <a:ea typeface="ＭＳ Ｐゴシック" pitchFamily="34" charset="-128"/>
+            </a:endParaRPr>
+          </a:p>
+        </p:txBody>
+      </p:sp>
+      <p:sp>
+        <p:nvSpPr>
+          <p:cNvPr id="36" name="Oval 35"/>
+          <p:cNvSpPr/>
+          <p:nvPr/>
+        </p:nvSpPr>
+        <p:spPr bwMode="auto">
+          <a:xfrm>
+            <a:off x="2126556" y="4266520"/>
+            <a:ext cx="864096" cy="792088"/>
+          </a:xfrm>
+          <a:prstGeom prst="ellipse">
+            <a:avLst/>
+          </a:prstGeom>
+          <a:solidFill>
+            <a:schemeClr val="accent2"/>
+          </a:solidFill>
+          <a:ln w="9525" cap="flat" cmpd="sng" algn="ctr">
+            <a:noFill/>
+            <a:prstDash val="solid"/>
+            <a:round/>
+            <a:headEnd type="none" w="med" len="med"/>
+            <a:tailEnd type="none" w="med" len="med"/>
+          </a:ln>
+          <a:effectLst/>
+        </p:spPr>
+        <p:txBody>
+          <a:bodyPr vert="horz" wrap="square" lIns="91440" tIns="45720" rIns="91440" bIns="45720" numCol="1" rtlCol="0" anchor="t" anchorCtr="0" compatLnSpc="1">
+            <a:prstTxWarp prst="textNoShape">
+              <a:avLst/>
+            </a:prstTxWarp>
+          </a:bodyPr>
+          <a:lstStyle/>
+          <a:p>
+            <a:pPr marL="0" marR="0" indent="0" algn="l" defTabSz="914400" rtl="0" eaLnBrk="0" fontAlgn="base" latinLnBrk="0" hangingPunct="0">
+              <a:lnSpc>
+                <a:spcPct val="100000"/>
+              </a:lnSpc>
+              <a:spcBef>
+                <a:spcPct val="0"/>
+              </a:spcBef>
+              <a:spcAft>
+                <a:spcPct val="0"/>
+              </a:spcAft>
+              <a:buClrTx/>
+              <a:buSzTx/>
+              <a:buFontTx/>
+              <a:buNone/>
+              <a:tabLst/>
+            </a:pPr>
+            <a:endParaRPr kumimoji="0" lang="en-AU" sz="2400" b="0" i="0" u="none" strike="noStrike" cap="none" normalizeH="0" baseline="0">
+              <a:ln>
+                <a:noFill/>
+              </a:ln>
+              <a:solidFill>
+                <a:schemeClr val="accent2"/>
+              </a:solidFill>
+              <a:effectLst/>
+              <a:latin typeface="Arial" charset="0"/>
+              <a:ea typeface="ＭＳ Ｐゴシック" pitchFamily="34" charset="-128"/>
+            </a:endParaRPr>
+          </a:p>
+        </p:txBody>
+      </p:sp>
+      <p:sp>
+        <p:nvSpPr>
+          <p:cNvPr id="37" name="Oval 36"/>
+          <p:cNvSpPr/>
+          <p:nvPr/>
+        </p:nvSpPr>
+        <p:spPr bwMode="auto">
+          <a:xfrm>
+            <a:off x="3710732" y="4267748"/>
+            <a:ext cx="864096" cy="792088"/>
+          </a:xfrm>
+          <a:prstGeom prst="ellipse">
+            <a:avLst/>
+          </a:prstGeom>
+          <a:solidFill>
+            <a:schemeClr val="accent2"/>
+          </a:solidFill>
+          <a:ln w="9525" cap="flat" cmpd="sng" algn="ctr">
+            <a:noFill/>
+            <a:prstDash val="solid"/>
+            <a:round/>
+            <a:headEnd type="none" w="med" len="med"/>
+            <a:tailEnd type="none" w="med" len="med"/>
+          </a:ln>
+          <a:effectLst/>
+        </p:spPr>
+        <p:txBody>
+          <a:bodyPr vert="horz" wrap="square" lIns="91440" tIns="45720" rIns="91440" bIns="45720" numCol="1" rtlCol="0" anchor="t" anchorCtr="0" compatLnSpc="1">
+            <a:prstTxWarp prst="textNoShape">
+              <a:avLst/>
+            </a:prstTxWarp>
+          </a:bodyPr>
+          <a:lstStyle/>
+          <a:p>
+            <a:pPr marL="0" marR="0" indent="0" algn="l" defTabSz="914400" rtl="0" eaLnBrk="0" fontAlgn="base" latinLnBrk="0" hangingPunct="0">
+              <a:lnSpc>
+                <a:spcPct val="100000"/>
+              </a:lnSpc>
+              <a:spcBef>
+                <a:spcPct val="0"/>
+              </a:spcBef>
+              <a:spcAft>
+                <a:spcPct val="0"/>
+              </a:spcAft>
+              <a:buClrTx/>
+              <a:buSzTx/>
+              <a:buFontTx/>
+              <a:buNone/>
+              <a:tabLst/>
+            </a:pPr>
+            <a:endParaRPr kumimoji="0" lang="en-AU" sz="2400" b="0" i="0" u="none" strike="noStrike" cap="none" normalizeH="0" baseline="0">
+              <a:ln>
+                <a:noFill/>
+              </a:ln>
+              <a:solidFill>
+                <a:schemeClr val="accent3"/>
+              </a:solidFill>
+              <a:effectLst/>
+              <a:latin typeface="Arial" charset="0"/>
+              <a:ea typeface="ＭＳ Ｐゴシック" pitchFamily="34" charset="-128"/>
+            </a:endParaRPr>
+          </a:p>
+        </p:txBody>
+      </p:sp>
+      <p:sp>
+        <p:nvSpPr>
+          <p:cNvPr id="38" name="Oval 37"/>
+          <p:cNvSpPr/>
+          <p:nvPr/>
+        </p:nvSpPr>
+        <p:spPr bwMode="auto">
+          <a:xfrm>
+            <a:off x="4934868" y="4267748"/>
+            <a:ext cx="864096" cy="792088"/>
+          </a:xfrm>
+          <a:prstGeom prst="ellipse">
+            <a:avLst/>
+          </a:prstGeom>
+          <a:solidFill>
+            <a:schemeClr val="accent2"/>
+          </a:solidFill>
+          <a:ln w="9525" cap="flat" cmpd="sng" algn="ctr">
+            <a:noFill/>
+            <a:prstDash val="solid"/>
+            <a:round/>
+            <a:headEnd type="none" w="med" len="med"/>
+            <a:tailEnd type="none" w="med" len="med"/>
+          </a:ln>
+          <a:effectLst/>
+        </p:spPr>
+        <p:txBody>
+          <a:bodyPr vert="horz" wrap="square" lIns="91440" tIns="45720" rIns="91440" bIns="45720" numCol="1" rtlCol="0" anchor="t" anchorCtr="0" compatLnSpc="1">
+            <a:prstTxWarp prst="textNoShape">
+              <a:avLst/>
+            </a:prstTxWarp>
+          </a:bodyPr>
+          <a:lstStyle/>
+          <a:p>
+            <a:pPr marL="0" marR="0" indent="0" algn="l" defTabSz="914400" rtl="0" eaLnBrk="0" fontAlgn="base" latinLnBrk="0" hangingPunct="0">
+              <a:lnSpc>
+                <a:spcPct val="100000"/>
+              </a:lnSpc>
+              <a:spcBef>
+                <a:spcPct val="0"/>
+              </a:spcBef>
+              <a:spcAft>
+                <a:spcPct val="0"/>
+              </a:spcAft>
+              <a:buClrTx/>
+              <a:buSzTx/>
+              <a:buFontTx/>
+              <a:buNone/>
+              <a:tabLst/>
+            </a:pPr>
+            <a:endParaRPr kumimoji="0" lang="en-AU" sz="2400" b="0" i="0" u="none" strike="noStrike" cap="none" normalizeH="0" baseline="0">
+              <a:ln>
+                <a:noFill/>
+              </a:ln>
+              <a:solidFill>
+                <a:schemeClr val="accent3"/>
+              </a:solidFill>
+              <a:effectLst/>
+              <a:latin typeface="Arial" charset="0"/>
+              <a:ea typeface="ＭＳ Ｐゴシック" pitchFamily="34" charset="-128"/>
+            </a:endParaRPr>
+          </a:p>
+        </p:txBody>
+      </p:sp>
+      <p:sp>
+        <p:nvSpPr>
+          <p:cNvPr id="39" name="Oval 38"/>
+          <p:cNvSpPr/>
+          <p:nvPr/>
+        </p:nvSpPr>
+        <p:spPr bwMode="auto">
+          <a:xfrm>
+            <a:off x="6159004" y="4265776"/>
+            <a:ext cx="864096" cy="792088"/>
+          </a:xfrm>
+          <a:prstGeom prst="ellipse">
+            <a:avLst/>
+          </a:prstGeom>
+          <a:solidFill>
+            <a:schemeClr val="accent2"/>
+          </a:solidFill>
+          <a:ln w="9525" cap="flat" cmpd="sng" algn="ctr">
+            <a:noFill/>
+            <a:prstDash val="solid"/>
+            <a:round/>
+            <a:headEnd type="none" w="med" len="med"/>
+            <a:tailEnd type="none" w="med" len="med"/>
+          </a:ln>
+          <a:effectLst/>
+        </p:spPr>
+        <p:txBody>
+          <a:bodyPr vert="horz" wrap="square" lIns="91440" tIns="45720" rIns="91440" bIns="45720" numCol="1" rtlCol="0" anchor="t" anchorCtr="0" compatLnSpc="1">
+            <a:prstTxWarp prst="textNoShape">
+              <a:avLst/>
+            </a:prstTxWarp>
+          </a:bodyPr>
+          <a:lstStyle/>
+          <a:p>
+            <a:pPr marL="0" marR="0" indent="0" algn="l" defTabSz="914400" rtl="0" eaLnBrk="0" fontAlgn="base" latinLnBrk="0" hangingPunct="0">
+              <a:lnSpc>
+                <a:spcPct val="100000"/>
+              </a:lnSpc>
+              <a:spcBef>
+                <a:spcPct val="0"/>
+              </a:spcBef>
+              <a:spcAft>
+                <a:spcPct val="0"/>
+              </a:spcAft>
+              <a:buClrTx/>
+              <a:buSzTx/>
+              <a:buFontTx/>
+              <a:buNone/>
+              <a:tabLst/>
+            </a:pPr>
+            <a:endParaRPr kumimoji="0" lang="en-AU" sz="2400" b="0" i="0" u="none" strike="noStrike" cap="none" normalizeH="0" baseline="0">
+              <a:ln>
+                <a:noFill/>
+              </a:ln>
+              <a:solidFill>
+                <a:schemeClr val="accent3"/>
+              </a:solidFill>
+              <a:effectLst/>
+              <a:latin typeface="Arial" charset="0"/>
+              <a:ea typeface="ＭＳ Ｐゴシック" pitchFamily="34" charset="-128"/>
+            </a:endParaRPr>
+          </a:p>
+        </p:txBody>
+      </p:sp>
+      <p:sp>
+        <p:nvSpPr>
+          <p:cNvPr id="40" name="Oval 39"/>
+          <p:cNvSpPr/>
+          <p:nvPr/>
+        </p:nvSpPr>
+        <p:spPr bwMode="auto">
+          <a:xfrm>
+            <a:off x="7383140" y="4265776"/>
+            <a:ext cx="864096" cy="792088"/>
+          </a:xfrm>
+          <a:prstGeom prst="ellipse">
+            <a:avLst/>
+          </a:prstGeom>
+          <a:solidFill>
+            <a:schemeClr val="accent1"/>
+          </a:solidFill>
+          <a:ln w="9525" cap="flat" cmpd="sng" algn="ctr">
+            <a:noFill/>
+            <a:prstDash val="solid"/>
+            <a:round/>
+            <a:headEnd type="none" w="med" len="med"/>
+            <a:tailEnd type="none" w="med" len="med"/>
+          </a:ln>
+          <a:effectLst/>
+        </p:spPr>
+        <p:txBody>
+          <a:bodyPr vert="horz" wrap="square" lIns="91440" tIns="45720" rIns="91440" bIns="45720" numCol="1" rtlCol="0" anchor="t" anchorCtr="0" compatLnSpc="1">
+            <a:prstTxWarp prst="textNoShape">
+              <a:avLst/>
+            </a:prstTxWarp>
+          </a:bodyPr>
+          <a:lstStyle/>
+          <a:p>
+            <a:pPr marL="0" marR="0" indent="0" algn="l" defTabSz="914400" rtl="0" eaLnBrk="0" fontAlgn="base" latinLnBrk="0" hangingPunct="0">
+              <a:lnSpc>
+                <a:spcPct val="100000"/>
+              </a:lnSpc>
+              <a:spcBef>
+                <a:spcPct val="0"/>
+              </a:spcBef>
+              <a:spcAft>
+                <a:spcPct val="0"/>
+              </a:spcAft>
+              <a:buClrTx/>
+              <a:buSzTx/>
+              <a:buFontTx/>
+              <a:buNone/>
+              <a:tabLst/>
+            </a:pPr>
+            <a:endParaRPr kumimoji="0" lang="en-AU" sz="2400" b="0" i="0" u="none" strike="noStrike" cap="none" normalizeH="0" baseline="0">
+              <a:ln>
+                <a:noFill/>
+              </a:ln>
+              <a:solidFill>
+                <a:schemeClr val="accent3"/>
+              </a:solidFill>
+              <a:effectLst/>
+              <a:latin typeface="Arial" charset="0"/>
+              <a:ea typeface="ＭＳ Ｐゴシック" pitchFamily="34" charset="-128"/>
+            </a:endParaRPr>
+          </a:p>
+        </p:txBody>
+      </p:sp>
+      <p:sp>
+        <p:nvSpPr>
+          <p:cNvPr id="41" name="Oval 40"/>
+          <p:cNvSpPr/>
+          <p:nvPr/>
+        </p:nvSpPr>
+        <p:spPr bwMode="auto">
+          <a:xfrm>
+            <a:off x="8679284" y="4267748"/>
+            <a:ext cx="864096" cy="792088"/>
+          </a:xfrm>
+          <a:prstGeom prst="ellipse">
+            <a:avLst/>
+          </a:prstGeom>
+          <a:solidFill>
+            <a:schemeClr val="accent3"/>
+          </a:solidFill>
+          <a:ln w="9525" cap="flat" cmpd="sng" algn="ctr">
+            <a:noFill/>
+            <a:prstDash val="solid"/>
+            <a:round/>
+            <a:headEnd type="none" w="med" len="med"/>
+            <a:tailEnd type="none" w="med" len="med"/>
+          </a:ln>
+          <a:effectLst/>
+        </p:spPr>
+        <p:txBody>
+          <a:bodyPr vert="horz" wrap="square" lIns="91440" tIns="45720" rIns="91440" bIns="45720" numCol="1" rtlCol="0" anchor="t" anchorCtr="0" compatLnSpc="1">
+            <a:prstTxWarp prst="textNoShape">
+              <a:avLst/>
+            </a:prstTxWarp>
+          </a:bodyPr>
+          <a:lstStyle/>
+          <a:p>
+            <a:pPr marL="0" marR="0" indent="0" algn="l" defTabSz="914400" rtl="0" eaLnBrk="0" fontAlgn="base" latinLnBrk="0" hangingPunct="0">
+              <a:lnSpc>
+                <a:spcPct val="100000"/>
+              </a:lnSpc>
+              <a:spcBef>
+                <a:spcPct val="0"/>
+              </a:spcBef>
+              <a:spcAft>
+                <a:spcPct val="0"/>
+              </a:spcAft>
+              <a:buClrTx/>
+              <a:buSzTx/>
+              <a:buFontTx/>
+              <a:buNone/>
+              <a:tabLst/>
+            </a:pPr>
+            <a:endParaRPr kumimoji="0" lang="en-AU" sz="2400" b="0" i="0" u="none" strike="noStrike" cap="none" normalizeH="0" baseline="0">
+              <a:ln>
+                <a:noFill/>
+              </a:ln>
+              <a:solidFill>
+                <a:schemeClr val="accent3"/>
+              </a:solidFill>
+              <a:effectLst/>
+              <a:latin typeface="Arial" charset="0"/>
+              <a:ea typeface="ＭＳ Ｐゴシック" pitchFamily="34" charset="-128"/>
+            </a:endParaRPr>
+          </a:p>
+        </p:txBody>
+      </p:sp>
     </p:spTree>
     <p:extLst>
       <p:ext uri="{BB962C8B-B14F-4D97-AF65-F5344CB8AC3E}">
-        <p14:creationId xmlns:p14="http://schemas.microsoft.com/office/powerpoint/2010/main" val="2526937938"/>
+        <p14:creationId xmlns:p14="http://schemas.microsoft.com/office/powerpoint/2010/main" val="1669534859"/>
       </p:ext>
     </p:extLst>
   </p:cSld>

--- a/atlas/AppendixCharts.pptx
+++ b/atlas/AppendixCharts.pptx
@@ -152,7 +152,7 @@
   </p:defaultTextStyle>
   <p:extLst>
     <p:ext uri="{EFAFB233-063F-42B5-8137-9DF3F51BA10A}">
-      <p15:sldGuideLst xmlns:p15="http://schemas.microsoft.com/office/powerpoint/2012/main" xmlns="">
+      <p15:sldGuideLst xmlns:p15="http://schemas.microsoft.com/office/powerpoint/2012/main">
         <p15:guide id="1" orient="horz" pos="4001">
           <p15:clr>
             <a:srgbClr val="A4A3A4"/>
@@ -171,7 +171,7 @@
       </p15:sldGuideLst>
     </p:ext>
     <p:ext uri="{2D200454-40CA-4A62-9FC3-DE9A4176ACB9}">
-      <p15:notesGuideLst xmlns:p15="http://schemas.microsoft.com/office/powerpoint/2012/main" xmlns="">
+      <p15:notesGuideLst xmlns:p15="http://schemas.microsoft.com/office/powerpoint/2012/main">
         <p15:guide id="1" orient="horz" pos="3131">
           <p15:clr>
             <a:srgbClr val="A4A3A4"/>
@@ -189,9 +189,9 @@
 </file>
 
 <file path=ppt/charts/chart1.xml><?xml version="1.0" encoding="utf-8"?>
-<c:chartSpace xmlns:c="http://schemas.openxmlformats.org/drawingml/2006/chart" xmlns:a="http://schemas.openxmlformats.org/drawingml/2006/main" xmlns:r="http://schemas.openxmlformats.org/officeDocument/2006/relationships">
+<c:chartSpace xmlns:c="http://schemas.openxmlformats.org/drawingml/2006/chart" xmlns:a="http://schemas.openxmlformats.org/drawingml/2006/main" xmlns:r="http://schemas.openxmlformats.org/officeDocument/2006/relationships" xmlns:c16r2="http://schemas.microsoft.com/office/drawing/2015/06/chart">
   <c:date1904 val="0"/>
-  <c:lang val="en-AU"/>
+  <c:lang val="en-US"/>
   <c:roundedCorners val="0"/>
   <mc:AlternateContent xmlns:mc="http://schemas.openxmlformats.org/markup-compatibility/2006">
     <mc:Choice xmlns:c14="http://schemas.microsoft.com/office/drawing/2007/8/2/chart" Requires="c14">
@@ -258,7 +258,7 @@
               </c:numCache>
             </c:numRef>
           </c:val>
-          <c:extLst xmlns:c16r2="http://schemas.microsoft.com/office/drawing/2015/06/chart">
+          <c:extLst>
             <c:ext xmlns:c16="http://schemas.microsoft.com/office/drawing/2014/chart" uri="{C3380CC4-5D6E-409C-BE32-E72D297353CC}">
               <c16:uniqueId val="{00000000-AA54-4E5A-B780-6B0C36017FC2}"/>
             </c:ext>
@@ -320,7 +320,7 @@
               </c:numCache>
             </c:numRef>
           </c:val>
-          <c:extLst xmlns:c16r2="http://schemas.microsoft.com/office/drawing/2015/06/chart">
+          <c:extLst>
             <c:ext xmlns:c16="http://schemas.microsoft.com/office/drawing/2014/chart" uri="{C3380CC4-5D6E-409C-BE32-E72D297353CC}">
               <c16:uniqueId val="{00000001-AA54-4E5A-B780-6B0C36017FC2}"/>
             </c:ext>
@@ -421,9 +421,9 @@
 </file>
 
 <file path=ppt/charts/chart2.xml><?xml version="1.0" encoding="utf-8"?>
-<c:chartSpace xmlns:c="http://schemas.openxmlformats.org/drawingml/2006/chart" xmlns:a="http://schemas.openxmlformats.org/drawingml/2006/main" xmlns:r="http://schemas.openxmlformats.org/officeDocument/2006/relationships">
+<c:chartSpace xmlns:c="http://schemas.openxmlformats.org/drawingml/2006/chart" xmlns:a="http://schemas.openxmlformats.org/drawingml/2006/main" xmlns:r="http://schemas.openxmlformats.org/officeDocument/2006/relationships" xmlns:c16r2="http://schemas.microsoft.com/office/drawing/2015/06/chart">
   <c:date1904 val="0"/>
-  <c:lang val="en-AU"/>
+  <c:lang val="en-US"/>
   <c:roundedCorners val="0"/>
   <mc:AlternateContent xmlns:mc="http://schemas.openxmlformats.org/markup-compatibility/2006">
     <mc:Choice xmlns:c14="http://schemas.microsoft.com/office/drawing/2007/8/2/chart" Requires="c14">
@@ -475,7 +475,7 @@
               </c:numCache>
             </c:numRef>
           </c:val>
-          <c:extLst xmlns:c16r2="http://schemas.microsoft.com/office/drawing/2015/06/chart">
+          <c:extLst>
             <c:ext xmlns:c16="http://schemas.microsoft.com/office/drawing/2014/chart" uri="{C3380CC4-5D6E-409C-BE32-E72D297353CC}">
               <c16:uniqueId val="{00000000-98DA-4AD5-BDF6-019FFEDAD103}"/>
             </c:ext>
@@ -522,7 +522,7 @@
               </c:numCache>
             </c:numRef>
           </c:val>
-          <c:extLst xmlns:c16r2="http://schemas.microsoft.com/office/drawing/2015/06/chart">
+          <c:extLst>
             <c:ext xmlns:c16="http://schemas.microsoft.com/office/drawing/2014/chart" uri="{C3380CC4-5D6E-409C-BE32-E72D297353CC}">
               <c16:uniqueId val="{00000001-98DA-4AD5-BDF6-019FFEDAD103}"/>
             </c:ext>
@@ -627,9 +627,9 @@
 </file>
 
 <file path=ppt/charts/chart3.xml><?xml version="1.0" encoding="utf-8"?>
-<c:chartSpace xmlns:c="http://schemas.openxmlformats.org/drawingml/2006/chart" xmlns:a="http://schemas.openxmlformats.org/drawingml/2006/main" xmlns:r="http://schemas.openxmlformats.org/officeDocument/2006/relationships">
+<c:chartSpace xmlns:c="http://schemas.openxmlformats.org/drawingml/2006/chart" xmlns:a="http://schemas.openxmlformats.org/drawingml/2006/main" xmlns:r="http://schemas.openxmlformats.org/officeDocument/2006/relationships" xmlns:c16r2="http://schemas.microsoft.com/office/drawing/2015/06/chart">
   <c:date1904 val="0"/>
-  <c:lang val="en-AU"/>
+  <c:lang val="en-US"/>
   <c:roundedCorners val="0"/>
   <mc:AlternateContent xmlns:mc="http://schemas.openxmlformats.org/markup-compatibility/2006">
     <mc:Choice xmlns:c14="http://schemas.microsoft.com/office/drawing/2007/8/2/chart" Requires="c14">
@@ -681,7 +681,7 @@
               </c:numCache>
             </c:numRef>
           </c:val>
-          <c:extLst xmlns:c16r2="http://schemas.microsoft.com/office/drawing/2015/06/chart">
+          <c:extLst>
             <c:ext xmlns:c16="http://schemas.microsoft.com/office/drawing/2014/chart" uri="{C3380CC4-5D6E-409C-BE32-E72D297353CC}">
               <c16:uniqueId val="{00000000-15D1-4886-8E15-404F727AADF7}"/>
             </c:ext>
@@ -728,7 +728,7 @@
               </c:numCache>
             </c:numRef>
           </c:val>
-          <c:extLst xmlns:c16r2="http://schemas.microsoft.com/office/drawing/2015/06/chart">
+          <c:extLst>
             <c:ext xmlns:c16="http://schemas.microsoft.com/office/drawing/2014/chart" uri="{C3380CC4-5D6E-409C-BE32-E72D297353CC}">
               <c16:uniqueId val="{00000001-15D1-4886-8E15-404F727AADF7}"/>
             </c:ext>
@@ -829,9 +829,9 @@
 </file>
 
 <file path=ppt/charts/chart4.xml><?xml version="1.0" encoding="utf-8"?>
-<c:chartSpace xmlns:c="http://schemas.openxmlformats.org/drawingml/2006/chart" xmlns:a="http://schemas.openxmlformats.org/drawingml/2006/main" xmlns:r="http://schemas.openxmlformats.org/officeDocument/2006/relationships">
+<c:chartSpace xmlns:c="http://schemas.openxmlformats.org/drawingml/2006/chart" xmlns:a="http://schemas.openxmlformats.org/drawingml/2006/main" xmlns:r="http://schemas.openxmlformats.org/officeDocument/2006/relationships" xmlns:c16r2="http://schemas.microsoft.com/office/drawing/2015/06/chart">
   <c:date1904 val="0"/>
-  <c:lang val="en-AU"/>
+  <c:lang val="en-US"/>
   <c:roundedCorners val="0"/>
   <mc:AlternateContent xmlns:mc="http://schemas.openxmlformats.org/markup-compatibility/2006">
     <mc:Choice xmlns:c14="http://schemas.microsoft.com/office/drawing/2007/8/2/chart" Requires="c14">
@@ -883,7 +883,7 @@
               </c:numCache>
             </c:numRef>
           </c:val>
-          <c:extLst xmlns:c16r2="http://schemas.microsoft.com/office/drawing/2015/06/chart">
+          <c:extLst>
             <c:ext xmlns:c16="http://schemas.microsoft.com/office/drawing/2014/chart" uri="{C3380CC4-5D6E-409C-BE32-E72D297353CC}">
               <c16:uniqueId val="{00000000-EDCD-4E1F-A002-2D923E9A4BB9}"/>
             </c:ext>
@@ -930,7 +930,7 @@
               </c:numCache>
             </c:numRef>
           </c:val>
-          <c:extLst xmlns:c16r2="http://schemas.microsoft.com/office/drawing/2015/06/chart">
+          <c:extLst>
             <c:ext xmlns:c16="http://schemas.microsoft.com/office/drawing/2014/chart" uri="{C3380CC4-5D6E-409C-BE32-E72D297353CC}">
               <c16:uniqueId val="{00000001-EDCD-4E1F-A002-2D923E9A4BB9}"/>
             </c:ext>
@@ -1035,9 +1035,9 @@
 </file>
 
 <file path=ppt/charts/chart5.xml><?xml version="1.0" encoding="utf-8"?>
-<c:chartSpace xmlns:c="http://schemas.openxmlformats.org/drawingml/2006/chart" xmlns:a="http://schemas.openxmlformats.org/drawingml/2006/main" xmlns:r="http://schemas.openxmlformats.org/officeDocument/2006/relationships">
+<c:chartSpace xmlns:c="http://schemas.openxmlformats.org/drawingml/2006/chart" xmlns:a="http://schemas.openxmlformats.org/drawingml/2006/main" xmlns:r="http://schemas.openxmlformats.org/officeDocument/2006/relationships" xmlns:c16r2="http://schemas.microsoft.com/office/drawing/2015/06/chart">
   <c:date1904 val="0"/>
-  <c:lang val="en-AU"/>
+  <c:lang val="en-US"/>
   <c:roundedCorners val="0"/>
   <mc:AlternateContent xmlns:mc="http://schemas.openxmlformats.org/markup-compatibility/2006">
     <mc:Choice xmlns:c14="http://schemas.microsoft.com/office/drawing/2007/8/2/chart" Requires="c14">
@@ -1144,7 +1144,7 @@
             </c:numRef>
           </c:val>
           <c:smooth val="0"/>
-          <c:extLst xmlns:c16r2="http://schemas.microsoft.com/office/drawing/2015/06/chart">
+          <c:extLst>
             <c:ext xmlns:c16="http://schemas.microsoft.com/office/drawing/2014/chart" uri="{C3380CC4-5D6E-409C-BE32-E72D297353CC}">
               <c16:uniqueId val="{00000000-72E9-403B-9EF6-26FB264A9E30}"/>
             </c:ext>
@@ -1226,7 +1226,7 @@
             </c:numRef>
           </c:val>
           <c:smooth val="0"/>
-          <c:extLst xmlns:c16r2="http://schemas.microsoft.com/office/drawing/2015/06/chart">
+          <c:extLst>
             <c:ext xmlns:c16="http://schemas.microsoft.com/office/drawing/2014/chart" uri="{C3380CC4-5D6E-409C-BE32-E72D297353CC}">
               <c16:uniqueId val="{00000001-72E9-403B-9EF6-26FB264A9E30}"/>
             </c:ext>
@@ -1351,9 +1351,9 @@
 </file>
 
 <file path=ppt/charts/chart6.xml><?xml version="1.0" encoding="utf-8"?>
-<c:chartSpace xmlns:c="http://schemas.openxmlformats.org/drawingml/2006/chart" xmlns:a="http://schemas.openxmlformats.org/drawingml/2006/main" xmlns:r="http://schemas.openxmlformats.org/officeDocument/2006/relationships">
+<c:chartSpace xmlns:c="http://schemas.openxmlformats.org/drawingml/2006/chart" xmlns:a="http://schemas.openxmlformats.org/drawingml/2006/main" xmlns:r="http://schemas.openxmlformats.org/officeDocument/2006/relationships" xmlns:c16r2="http://schemas.microsoft.com/office/drawing/2015/06/chart">
   <c:date1904 val="0"/>
-  <c:lang val="en-AU"/>
+  <c:lang val="en-US"/>
   <c:roundedCorners val="0"/>
   <mc:AlternateContent xmlns:mc="http://schemas.openxmlformats.org/markup-compatibility/2006">
     <mc:Choice xmlns:c14="http://schemas.microsoft.com/office/drawing/2007/8/2/chart" Requires="c14">
@@ -1438,7 +1438,7 @@
               </c:numCache>
             </c:numRef>
           </c:val>
-          <c:extLst xmlns:c16r2="http://schemas.microsoft.com/office/drawing/2015/06/chart">
+          <c:extLst>
             <c:ext xmlns:c16="http://schemas.microsoft.com/office/drawing/2014/chart" uri="{C3380CC4-5D6E-409C-BE32-E72D297353CC}">
               <c16:uniqueId val="{00000000-56E9-4536-9410-9A28D00DB853}"/>
             </c:ext>
@@ -1485,7 +1485,7 @@
               </a:ln>
               <a:effectLst/>
             </c:spPr>
-            <c:extLst xmlns:c16r2="http://schemas.microsoft.com/office/drawing/2015/06/chart">
+            <c:extLst>
               <c:ext xmlns:c16="http://schemas.microsoft.com/office/drawing/2014/chart" uri="{C3380CC4-5D6E-409C-BE32-E72D297353CC}">
                 <c16:uniqueId val="{00000002-56E9-4536-9410-9A28D00DB853}"/>
               </c:ext>
@@ -1506,7 +1506,7 @@
               </a:ln>
               <a:effectLst/>
             </c:spPr>
-            <c:extLst xmlns:c16r2="http://schemas.microsoft.com/office/drawing/2015/06/chart">
+            <c:extLst>
               <c:ext xmlns:c16="http://schemas.microsoft.com/office/drawing/2014/chart" uri="{C3380CC4-5D6E-409C-BE32-E72D297353CC}">
                 <c16:uniqueId val="{00000004-56E9-4536-9410-9A28D00DB853}"/>
               </c:ext>
@@ -1527,7 +1527,7 @@
               </a:ln>
               <a:effectLst/>
             </c:spPr>
-            <c:extLst xmlns:c16r2="http://schemas.microsoft.com/office/drawing/2015/06/chart">
+            <c:extLst>
               <c:ext xmlns:c16="http://schemas.microsoft.com/office/drawing/2014/chart" uri="{C3380CC4-5D6E-409C-BE32-E72D297353CC}">
                 <c16:uniqueId val="{00000006-56E9-4536-9410-9A28D00DB853}"/>
               </c:ext>
@@ -1537,7 +1537,7 @@
             <c:idx val="3"/>
             <c:invertIfNegative val="0"/>
             <c:bubble3D val="0"/>
-            <c:extLst xmlns:c16r2="http://schemas.microsoft.com/office/drawing/2015/06/chart">
+            <c:extLst>
               <c:ext xmlns:c16="http://schemas.microsoft.com/office/drawing/2014/chart" uri="{C3380CC4-5D6E-409C-BE32-E72D297353CC}">
                 <c16:uniqueId val="{00000008-56E9-4536-9410-9A28D00DB853}"/>
               </c:ext>
@@ -1558,12 +1558,10 @@
               <c:showSerName val="0"/>
               <c:showPercent val="0"/>
               <c:showBubbleSize val="0"/>
-              <c:extLst xmlns:c16r2="http://schemas.microsoft.com/office/drawing/2015/06/chart">
+              <c:extLst>
+                <c:ext xmlns:c15="http://schemas.microsoft.com/office/drawing/2012/chart" uri="{CE6537A1-D6FC-4f65-9D91-7224C49458BB}"/>
                 <c:ext xmlns:c16="http://schemas.microsoft.com/office/drawing/2014/chart" uri="{C3380CC4-5D6E-409C-BE32-E72D297353CC}">
                   <c16:uniqueId val="{00000004-56E9-4536-9410-9A28D00DB853}"/>
-                </c:ext>
-                <c:ext xmlns:c15="http://schemas.microsoft.com/office/drawing/2012/chart" uri="{CE6537A1-D6FC-4f65-9D91-7224C49458BB}">
-                  <c15:layout/>
                 </c:ext>
               </c:extLst>
             </c:dLbl>
@@ -1603,18 +1601,15 @@
               <c:showSerName val="0"/>
               <c:showPercent val="0"/>
               <c:showBubbleSize val="0"/>
-              <c:extLst xmlns:c16r2="http://schemas.microsoft.com/office/drawing/2015/06/chart">
+              <c:extLst>
+                <c:ext xmlns:c15="http://schemas.microsoft.com/office/drawing/2012/chart" uri="{CE6537A1-D6FC-4f65-9D91-7224C49458BB}"/>
                 <c:ext xmlns:c16="http://schemas.microsoft.com/office/drawing/2014/chart" uri="{C3380CC4-5D6E-409C-BE32-E72D297353CC}">
                   <c16:uniqueId val="{00000006-56E9-4536-9410-9A28D00DB853}"/>
-                </c:ext>
-                <c:ext xmlns:c15="http://schemas.microsoft.com/office/drawing/2012/chart" uri="{CE6537A1-D6FC-4f65-9D91-7224C49458BB}">
-                  <c15:layout/>
                 </c:ext>
               </c:extLst>
             </c:dLbl>
             <c:dLbl>
               <c:idx val="3"/>
-              <c:layout/>
               <c:tx>
                 <c:rich>
                   <a:bodyPr/>
@@ -1646,14 +1641,13 @@
               <c:showSerName val="0"/>
               <c:showPercent val="0"/>
               <c:showBubbleSize val="0"/>
-              <c:extLst xmlns:c16r2="http://schemas.microsoft.com/office/drawing/2015/06/chart">
+              <c:extLst>
+                <c:ext xmlns:c15="http://schemas.microsoft.com/office/drawing/2012/chart" uri="{CE6537A1-D6FC-4f65-9D91-7224C49458BB}">
+                  <c15:dlblFieldTable/>
+                  <c15:showDataLabelsRange val="0"/>
+                </c:ext>
                 <c:ext xmlns:c16="http://schemas.microsoft.com/office/drawing/2014/chart" uri="{C3380CC4-5D6E-409C-BE32-E72D297353CC}">
                   <c16:uniqueId val="{00000008-56E9-4536-9410-9A28D00DB853}"/>
-                </c:ext>
-                <c:ext xmlns:c15="http://schemas.microsoft.com/office/drawing/2012/chart" uri="{CE6537A1-D6FC-4f65-9D91-7224C49458BB}">
-                  <c15:layout/>
-                  <c15:dlblFieldTable/>
-                  <c15:showDataLabelsRange val="0"/>
                 </c:ext>
               </c:extLst>
             </c:dLbl>
@@ -1682,9 +1676,8 @@
             <c:showPercent val="0"/>
             <c:showBubbleSize val="0"/>
             <c:showLeaderLines val="0"/>
-            <c:extLst xmlns:c16r2="http://schemas.microsoft.com/office/drawing/2015/06/chart">
+            <c:extLst>
               <c:ext xmlns:c15="http://schemas.microsoft.com/office/drawing/2012/chart" uri="{CE6537A1-D6FC-4f65-9D91-7224C49458BB}">
-                <c15:layout/>
                 <c15:showLeaderLines val="0"/>
               </c:ext>
             </c:extLst>
@@ -1730,7 +1723,7 @@
               </c:numCache>
             </c:numRef>
           </c:val>
-          <c:extLst xmlns:c16r2="http://schemas.microsoft.com/office/drawing/2015/06/chart">
+          <c:extLst>
             <c:ext xmlns:c16="http://schemas.microsoft.com/office/drawing/2014/chart" uri="{C3380CC4-5D6E-409C-BE32-E72D297353CC}">
               <c16:uniqueId val="{00000009-56E9-4536-9410-9A28D00DB853}"/>
             </c:ext>
@@ -1769,7 +1762,7 @@
           <c:dPt>
             <c:idx val="0"/>
             <c:bubble3D val="0"/>
-            <c:extLst xmlns:c16r2="http://schemas.microsoft.com/office/drawing/2015/06/chart">
+            <c:extLst>
               <c:ext xmlns:c16="http://schemas.microsoft.com/office/drawing/2014/chart" uri="{C3380CC4-5D6E-409C-BE32-E72D297353CC}">
                 <c16:uniqueId val="{0000000B-56E9-4536-9410-9A28D00DB853}"/>
               </c:ext>
@@ -1778,7 +1771,7 @@
           <c:dPt>
             <c:idx val="1"/>
             <c:bubble3D val="0"/>
-            <c:extLst xmlns:c16r2="http://schemas.microsoft.com/office/drawing/2015/06/chart">
+            <c:extLst>
               <c:ext xmlns:c16="http://schemas.microsoft.com/office/drawing/2014/chart" uri="{C3380CC4-5D6E-409C-BE32-E72D297353CC}">
                 <c16:uniqueId val="{0000000D-56E9-4536-9410-9A28D00DB853}"/>
               </c:ext>
@@ -1787,7 +1780,7 @@
           <c:dPt>
             <c:idx val="2"/>
             <c:bubble3D val="0"/>
-            <c:extLst xmlns:c16r2="http://schemas.microsoft.com/office/drawing/2015/06/chart">
+            <c:extLst>
               <c:ext xmlns:c16="http://schemas.microsoft.com/office/drawing/2014/chart" uri="{C3380CC4-5D6E-409C-BE32-E72D297353CC}">
                 <c16:uniqueId val="{0000000F-56E9-4536-9410-9A28D00DB853}"/>
               </c:ext>
@@ -1842,7 +1835,7 @@
             </c:numRef>
           </c:yVal>
           <c:smooth val="0"/>
-          <c:extLst xmlns:c16r2="http://schemas.microsoft.com/office/drawing/2015/06/chart">
+          <c:extLst>
             <c:ext xmlns:c16="http://schemas.microsoft.com/office/drawing/2014/chart" uri="{C3380CC4-5D6E-409C-BE32-E72D297353CC}">
               <c16:uniqueId val="{00000010-56E9-4536-9410-9A28D00DB853}"/>
             </c:ext>
@@ -1947,9 +1940,9 @@
 </file>
 
 <file path=ppt/charts/chart7.xml><?xml version="1.0" encoding="utf-8"?>
-<c:chartSpace xmlns:c="http://schemas.openxmlformats.org/drawingml/2006/chart" xmlns:a="http://schemas.openxmlformats.org/drawingml/2006/main" xmlns:r="http://schemas.openxmlformats.org/officeDocument/2006/relationships">
+<c:chartSpace xmlns:c="http://schemas.openxmlformats.org/drawingml/2006/chart" xmlns:a="http://schemas.openxmlformats.org/drawingml/2006/main" xmlns:r="http://schemas.openxmlformats.org/officeDocument/2006/relationships" xmlns:c16r2="http://schemas.microsoft.com/office/drawing/2015/06/chart">
   <c:date1904 val="0"/>
-  <c:lang val="en-AU"/>
+  <c:lang val="en-US"/>
   <c:roundedCorners val="0"/>
   <mc:AlternateContent xmlns:mc="http://schemas.openxmlformats.org/markup-compatibility/2006">
     <mc:Choice xmlns:c14="http://schemas.microsoft.com/office/drawing/2007/8/2/chart" Requires="c14">
@@ -2034,7 +2027,7 @@
               </c:numCache>
             </c:numRef>
           </c:val>
-          <c:extLst xmlns:c16r2="http://schemas.microsoft.com/office/drawing/2015/06/chart">
+          <c:extLst>
             <c:ext xmlns:c16="http://schemas.microsoft.com/office/drawing/2014/chart" uri="{C3380CC4-5D6E-409C-BE32-E72D297353CC}">
               <c16:uniqueId val="{00000000-56E9-4536-9410-9A28D00DB853}"/>
             </c:ext>
@@ -2081,7 +2074,7 @@
               </a:ln>
               <a:effectLst/>
             </c:spPr>
-            <c:extLst xmlns:c16r2="http://schemas.microsoft.com/office/drawing/2015/06/chart">
+            <c:extLst>
               <c:ext xmlns:c16="http://schemas.microsoft.com/office/drawing/2014/chart" uri="{C3380CC4-5D6E-409C-BE32-E72D297353CC}">
                 <c16:uniqueId val="{00000002-56E9-4536-9410-9A28D00DB853}"/>
               </c:ext>
@@ -2102,7 +2095,7 @@
               </a:ln>
               <a:effectLst/>
             </c:spPr>
-            <c:extLst xmlns:c16r2="http://schemas.microsoft.com/office/drawing/2015/06/chart">
+            <c:extLst>
               <c:ext xmlns:c16="http://schemas.microsoft.com/office/drawing/2014/chart" uri="{C3380CC4-5D6E-409C-BE32-E72D297353CC}">
                 <c16:uniqueId val="{00000004-56E9-4536-9410-9A28D00DB853}"/>
               </c:ext>
@@ -2123,7 +2116,7 @@
               </a:ln>
               <a:effectLst/>
             </c:spPr>
-            <c:extLst xmlns:c16r2="http://schemas.microsoft.com/office/drawing/2015/06/chart">
+            <c:extLst>
               <c:ext xmlns:c16="http://schemas.microsoft.com/office/drawing/2014/chart" uri="{C3380CC4-5D6E-409C-BE32-E72D297353CC}">
                 <c16:uniqueId val="{00000006-56E9-4536-9410-9A28D00DB853}"/>
               </c:ext>
@@ -2133,7 +2126,7 @@
             <c:idx val="3"/>
             <c:invertIfNegative val="0"/>
             <c:bubble3D val="0"/>
-            <c:extLst xmlns:c16r2="http://schemas.microsoft.com/office/drawing/2015/06/chart">
+            <c:extLst>
               <c:ext xmlns:c16="http://schemas.microsoft.com/office/drawing/2014/chart" uri="{C3380CC4-5D6E-409C-BE32-E72D297353CC}">
                 <c16:uniqueId val="{00000008-56E9-4536-9410-9A28D00DB853}"/>
               </c:ext>
@@ -2154,12 +2147,10 @@
               <c:showSerName val="0"/>
               <c:showPercent val="0"/>
               <c:showBubbleSize val="0"/>
-              <c:extLst xmlns:c16r2="http://schemas.microsoft.com/office/drawing/2015/06/chart">
+              <c:extLst>
+                <c:ext xmlns:c15="http://schemas.microsoft.com/office/drawing/2012/chart" uri="{CE6537A1-D6FC-4f65-9D91-7224C49458BB}"/>
                 <c:ext xmlns:c16="http://schemas.microsoft.com/office/drawing/2014/chart" uri="{C3380CC4-5D6E-409C-BE32-E72D297353CC}">
                   <c16:uniqueId val="{00000004-56E9-4536-9410-9A28D00DB853}"/>
-                </c:ext>
-                <c:ext xmlns:c15="http://schemas.microsoft.com/office/drawing/2012/chart" uri="{CE6537A1-D6FC-4f65-9D91-7224C49458BB}">
-                  <c15:layout/>
                 </c:ext>
               </c:extLst>
             </c:dLbl>
@@ -2199,18 +2190,15 @@
               <c:showSerName val="0"/>
               <c:showPercent val="0"/>
               <c:showBubbleSize val="0"/>
-              <c:extLst xmlns:c16r2="http://schemas.microsoft.com/office/drawing/2015/06/chart">
+              <c:extLst>
+                <c:ext xmlns:c15="http://schemas.microsoft.com/office/drawing/2012/chart" uri="{CE6537A1-D6FC-4f65-9D91-7224C49458BB}"/>
                 <c:ext xmlns:c16="http://schemas.microsoft.com/office/drawing/2014/chart" uri="{C3380CC4-5D6E-409C-BE32-E72D297353CC}">
                   <c16:uniqueId val="{00000006-56E9-4536-9410-9A28D00DB853}"/>
-                </c:ext>
-                <c:ext xmlns:c15="http://schemas.microsoft.com/office/drawing/2012/chart" uri="{CE6537A1-D6FC-4f65-9D91-7224C49458BB}">
-                  <c15:layout/>
                 </c:ext>
               </c:extLst>
             </c:dLbl>
             <c:dLbl>
               <c:idx val="3"/>
-              <c:layout/>
               <c:tx>
                 <c:rich>
                   <a:bodyPr/>
@@ -2242,14 +2230,13 @@
               <c:showSerName val="0"/>
               <c:showPercent val="0"/>
               <c:showBubbleSize val="0"/>
-              <c:extLst xmlns:c16r2="http://schemas.microsoft.com/office/drawing/2015/06/chart">
+              <c:extLst>
+                <c:ext xmlns:c15="http://schemas.microsoft.com/office/drawing/2012/chart" uri="{CE6537A1-D6FC-4f65-9D91-7224C49458BB}">
+                  <c15:dlblFieldTable/>
+                  <c15:showDataLabelsRange val="0"/>
+                </c:ext>
                 <c:ext xmlns:c16="http://schemas.microsoft.com/office/drawing/2014/chart" uri="{C3380CC4-5D6E-409C-BE32-E72D297353CC}">
                   <c16:uniqueId val="{00000008-56E9-4536-9410-9A28D00DB853}"/>
-                </c:ext>
-                <c:ext xmlns:c15="http://schemas.microsoft.com/office/drawing/2012/chart" uri="{CE6537A1-D6FC-4f65-9D91-7224C49458BB}">
-                  <c15:layout/>
-                  <c15:dlblFieldTable/>
-                  <c15:showDataLabelsRange val="0"/>
                 </c:ext>
               </c:extLst>
             </c:dLbl>
@@ -2278,9 +2265,8 @@
             <c:showPercent val="0"/>
             <c:showBubbleSize val="0"/>
             <c:showLeaderLines val="0"/>
-            <c:extLst xmlns:c16r2="http://schemas.microsoft.com/office/drawing/2015/06/chart">
+            <c:extLst>
               <c:ext xmlns:c15="http://schemas.microsoft.com/office/drawing/2012/chart" uri="{CE6537A1-D6FC-4f65-9D91-7224C49458BB}">
-                <c15:layout/>
                 <c15:showLeaderLines val="0"/>
               </c:ext>
             </c:extLst>
@@ -2326,7 +2312,7 @@
               </c:numCache>
             </c:numRef>
           </c:val>
-          <c:extLst xmlns:c16r2="http://schemas.microsoft.com/office/drawing/2015/06/chart">
+          <c:extLst>
             <c:ext xmlns:c16="http://schemas.microsoft.com/office/drawing/2014/chart" uri="{C3380CC4-5D6E-409C-BE32-E72D297353CC}">
               <c16:uniqueId val="{00000009-56E9-4536-9410-9A28D00DB853}"/>
             </c:ext>
@@ -2365,7 +2351,7 @@
           <c:dPt>
             <c:idx val="0"/>
             <c:bubble3D val="0"/>
-            <c:extLst xmlns:c16r2="http://schemas.microsoft.com/office/drawing/2015/06/chart">
+            <c:extLst>
               <c:ext xmlns:c16="http://schemas.microsoft.com/office/drawing/2014/chart" uri="{C3380CC4-5D6E-409C-BE32-E72D297353CC}">
                 <c16:uniqueId val="{0000000B-56E9-4536-9410-9A28D00DB853}"/>
               </c:ext>
@@ -2374,7 +2360,7 @@
           <c:dPt>
             <c:idx val="1"/>
             <c:bubble3D val="0"/>
-            <c:extLst xmlns:c16r2="http://schemas.microsoft.com/office/drawing/2015/06/chart">
+            <c:extLst>
               <c:ext xmlns:c16="http://schemas.microsoft.com/office/drawing/2014/chart" uri="{C3380CC4-5D6E-409C-BE32-E72D297353CC}">
                 <c16:uniqueId val="{0000000D-56E9-4536-9410-9A28D00DB853}"/>
               </c:ext>
@@ -2383,7 +2369,7 @@
           <c:dPt>
             <c:idx val="2"/>
             <c:bubble3D val="0"/>
-            <c:extLst xmlns:c16r2="http://schemas.microsoft.com/office/drawing/2015/06/chart">
+            <c:extLst>
               <c:ext xmlns:c16="http://schemas.microsoft.com/office/drawing/2014/chart" uri="{C3380CC4-5D6E-409C-BE32-E72D297353CC}">
                 <c16:uniqueId val="{0000000F-56E9-4536-9410-9A28D00DB853}"/>
               </c:ext>
@@ -2438,7 +2424,7 @@
             </c:numRef>
           </c:yVal>
           <c:smooth val="0"/>
-          <c:extLst xmlns:c16r2="http://schemas.microsoft.com/office/drawing/2015/06/chart">
+          <c:extLst>
             <c:ext xmlns:c16="http://schemas.microsoft.com/office/drawing/2014/chart" uri="{C3380CC4-5D6E-409C-BE32-E72D297353CC}">
               <c16:uniqueId val="{00000010-56E9-4536-9410-9A28D00DB853}"/>
             </c:ext>
@@ -6584,7 +6570,7 @@
           <p:nvPr>
             <p:extLst>
               <p:ext uri="{D42A27DB-BD31-4B8C-83A1-F6EECF244321}">
-                <p14:modId xmlns:p14="http://schemas.microsoft.com/office/powerpoint/2010/main" val="1866148914"/>
+                <p14:modId xmlns:p14="http://schemas.microsoft.com/office/powerpoint/2010/main" val="2513401240"/>
               </p:ext>
             </p:extLst>
           </p:nvPr>
@@ -6603,42 +6589,42 @@
                 <a:gridCol w="920552">
                   <a:extLst>
                     <a:ext uri="{9D8B030D-6E8A-4147-A177-3AD203B41FA5}">
-                      <a16:colId xmlns:a16="http://schemas.microsoft.com/office/drawing/2014/main" xmlns="" val="20000"/>
+                      <a16:colId xmlns:a16="http://schemas.microsoft.com/office/drawing/2014/main" val="20000"/>
                     </a:ext>
                   </a:extLst>
                 </a:gridCol>
                 <a:gridCol w="1800200">
                   <a:extLst>
                     <a:ext uri="{9D8B030D-6E8A-4147-A177-3AD203B41FA5}">
-                      <a16:colId xmlns:a16="http://schemas.microsoft.com/office/drawing/2014/main" xmlns="" val="20001"/>
+                      <a16:colId xmlns:a16="http://schemas.microsoft.com/office/drawing/2014/main" val="20001"/>
                     </a:ext>
                   </a:extLst>
                 </a:gridCol>
                 <a:gridCol w="1512168">
                   <a:extLst>
                     <a:ext uri="{9D8B030D-6E8A-4147-A177-3AD203B41FA5}">
-                      <a16:colId xmlns:a16="http://schemas.microsoft.com/office/drawing/2014/main" xmlns="" val="20002"/>
+                      <a16:colId xmlns:a16="http://schemas.microsoft.com/office/drawing/2014/main" val="20002"/>
                     </a:ext>
                   </a:extLst>
                 </a:gridCol>
                 <a:gridCol w="1944216">
                   <a:extLst>
                     <a:ext uri="{9D8B030D-6E8A-4147-A177-3AD203B41FA5}">
-                      <a16:colId xmlns:a16="http://schemas.microsoft.com/office/drawing/2014/main" xmlns="" val="20003"/>
+                      <a16:colId xmlns:a16="http://schemas.microsoft.com/office/drawing/2014/main" val="20003"/>
                     </a:ext>
                   </a:extLst>
                 </a:gridCol>
                 <a:gridCol w="1728192">
                   <a:extLst>
                     <a:ext uri="{9D8B030D-6E8A-4147-A177-3AD203B41FA5}">
-                      <a16:colId xmlns:a16="http://schemas.microsoft.com/office/drawing/2014/main" xmlns="" val="20004"/>
+                      <a16:colId xmlns:a16="http://schemas.microsoft.com/office/drawing/2014/main" val="20004"/>
                     </a:ext>
                   </a:extLst>
                 </a:gridCol>
                 <a:gridCol w="2000672">
                   <a:extLst>
                     <a:ext uri="{9D8B030D-6E8A-4147-A177-3AD203B41FA5}">
-                      <a16:colId xmlns:a16="http://schemas.microsoft.com/office/drawing/2014/main" xmlns="" val="20005"/>
+                      <a16:colId xmlns:a16="http://schemas.microsoft.com/office/drawing/2014/main" val="20005"/>
                     </a:ext>
                   </a:extLst>
                 </a:gridCol>
@@ -6953,7 +6939,7 @@
                 </a:tc>
                 <a:extLst>
                   <a:ext uri="{0D108BD9-81ED-4DB2-BD59-A6C34878D82A}">
-                    <a16:rowId xmlns:a16="http://schemas.microsoft.com/office/drawing/2014/main" xmlns="" val="10000"/>
+                    <a16:rowId xmlns:a16="http://schemas.microsoft.com/office/drawing/2014/main" val="10000"/>
                   </a:ext>
                 </a:extLst>
               </a:tr>
@@ -7013,10 +6999,10 @@
                     <a:p>
                       <a:pPr marL="0" indent="0" algn="ctr">
                         <a:lnSpc>
-                          <a:spcPct val="115000"/>
+                          <a:spcPct val="100000"/>
                         </a:lnSpc>
                         <a:spcBef>
-                          <a:spcPts val="1200"/>
+                          <a:spcPts val="0"/>
                         </a:spcBef>
                         <a:spcAft>
                           <a:spcPts val="0"/>
@@ -7029,7 +7015,29 @@
                           </a:solidFill>
                           <a:effectLst/>
                         </a:rPr>
-                        <a:t>Mitigate avoidable risks</a:t>
+                        <a:t>Mitigate </a:t>
+                      </a:r>
+                    </a:p>
+                    <a:p>
+                      <a:pPr marL="0" indent="0" algn="ctr">
+                        <a:lnSpc>
+                          <a:spcPct val="100000"/>
+                        </a:lnSpc>
+                        <a:spcBef>
+                          <a:spcPts val="0"/>
+                        </a:spcBef>
+                        <a:spcAft>
+                          <a:spcPts val="0"/>
+                        </a:spcAft>
+                      </a:pPr>
+                      <a:r>
+                        <a:rPr lang="en-AU" sz="1400" dirty="0">
+                          <a:solidFill>
+                            <a:schemeClr val="tx1"/>
+                          </a:solidFill>
+                          <a:effectLst/>
+                        </a:rPr>
+                        <a:t>avoidable risks</a:t>
                       </a:r>
                       <a:endParaRPr lang="en-AU" sz="1400" dirty="0">
                         <a:solidFill>
@@ -7070,10 +7078,10 @@
                     <a:p>
                       <a:pPr marL="0" indent="0" algn="ctr">
                         <a:lnSpc>
-                          <a:spcPct val="115000"/>
+                          <a:spcPct val="100000"/>
                         </a:lnSpc>
                         <a:spcBef>
-                          <a:spcPts val="1200"/>
+                          <a:spcPts val="0"/>
                         </a:spcBef>
                         <a:spcAft>
                           <a:spcPts val="0"/>
@@ -7127,10 +7135,10 @@
                     <a:p>
                       <a:pPr marL="0" indent="0" algn="ctr">
                         <a:lnSpc>
-                          <a:spcPct val="115000"/>
+                          <a:spcPct val="100000"/>
                         </a:lnSpc>
                         <a:spcBef>
-                          <a:spcPts val="1200"/>
+                          <a:spcPts val="0"/>
                         </a:spcBef>
                         <a:spcAft>
                           <a:spcPts val="0"/>
@@ -7143,7 +7151,29 @@
                           </a:solidFill>
                           <a:effectLst/>
                         </a:rPr>
-                        <a:t>Measure the remaining risk</a:t>
+                        <a:t>Measure the </a:t>
+                      </a:r>
+                    </a:p>
+                    <a:p>
+                      <a:pPr marL="0" indent="0" algn="ctr">
+                        <a:lnSpc>
+                          <a:spcPct val="100000"/>
+                        </a:lnSpc>
+                        <a:spcBef>
+                          <a:spcPts val="0"/>
+                        </a:spcBef>
+                        <a:spcAft>
+                          <a:spcPts val="0"/>
+                        </a:spcAft>
+                      </a:pPr>
+                      <a:r>
+                        <a:rPr lang="en-AU" sz="1400" dirty="0">
+                          <a:solidFill>
+                            <a:schemeClr val="tx1"/>
+                          </a:solidFill>
+                          <a:effectLst/>
+                        </a:rPr>
+                        <a:t>remaining risk</a:t>
                       </a:r>
                       <a:endParaRPr lang="en-AU" sz="1400" dirty="0">
                         <a:solidFill>
@@ -7184,10 +7214,10 @@
                     <a:p>
                       <a:pPr marL="0" indent="0" algn="ctr">
                         <a:lnSpc>
-                          <a:spcPct val="115000"/>
+                          <a:spcPct val="100000"/>
                         </a:lnSpc>
                         <a:spcBef>
-                          <a:spcPts val="1200"/>
+                          <a:spcPts val="0"/>
                         </a:spcBef>
                         <a:spcAft>
                           <a:spcPts val="0"/>
@@ -7241,10 +7271,10 @@
                     <a:p>
                       <a:pPr marL="0" indent="0" algn="ctr">
                         <a:lnSpc>
-                          <a:spcPct val="115000"/>
+                          <a:spcPct val="100000"/>
                         </a:lnSpc>
                         <a:spcBef>
-                          <a:spcPts val="1200"/>
+                          <a:spcPts val="0"/>
                         </a:spcBef>
                         <a:spcAft>
                           <a:spcPts val="0"/>
@@ -7254,7 +7284,26 @@
                         <a:rPr lang="en-AU" sz="1400" dirty="0">
                           <a:effectLst/>
                         </a:rPr>
-                        <a:t>Manage risk throughout construction</a:t>
+                        <a:t>Manage risk </a:t>
+                      </a:r>
+                    </a:p>
+                    <a:p>
+                      <a:pPr marL="0" indent="0" algn="ctr">
+                        <a:lnSpc>
+                          <a:spcPct val="100000"/>
+                        </a:lnSpc>
+                        <a:spcBef>
+                          <a:spcPts val="0"/>
+                        </a:spcBef>
+                        <a:spcAft>
+                          <a:spcPts val="0"/>
+                        </a:spcAft>
+                      </a:pPr>
+                      <a:r>
+                        <a:rPr lang="en-AU" sz="1400" dirty="0">
+                          <a:effectLst/>
+                        </a:rPr>
+                        <a:t>throughout construction</a:t>
                       </a:r>
                       <a:endParaRPr lang="en-AU" sz="1400" dirty="0">
                         <a:effectLst/>
@@ -7287,7 +7336,7 @@
                 </a:tc>
                 <a:extLst>
                   <a:ext uri="{0D108BD9-81ED-4DB2-BD59-A6C34878D82A}">
-                    <a16:rowId xmlns:a16="http://schemas.microsoft.com/office/drawing/2014/main" xmlns="" val="10001"/>
+                    <a16:rowId xmlns:a16="http://schemas.microsoft.com/office/drawing/2014/main" val="10001"/>
                   </a:ext>
                 </a:extLst>
               </a:tr>
@@ -7525,7 +7574,7 @@
                 </a:tc>
                 <a:extLst>
                   <a:ext uri="{0D108BD9-81ED-4DB2-BD59-A6C34878D82A}">
-                    <a16:rowId xmlns:a16="http://schemas.microsoft.com/office/drawing/2014/main" xmlns="" val="10002"/>
+                    <a16:rowId xmlns:a16="http://schemas.microsoft.com/office/drawing/2014/main" val="10002"/>
                   </a:ext>
                 </a:extLst>
               </a:tr>
@@ -7547,7 +7596,7 @@
                         </a:spcAft>
                       </a:pPr>
                       <a:r>
-                        <a:rPr lang="en-AU" sz="1800" dirty="0" err="1" smtClean="0">
+                        <a:rPr lang="en-AU" sz="1800" dirty="0" err="1">
                           <a:solidFill>
                             <a:schemeClr val="tx1"/>
                           </a:solidFill>
@@ -7650,7 +7699,7 @@
                 </a:tc>
                 <a:extLst>
                   <a:ext uri="{0D108BD9-81ED-4DB2-BD59-A6C34878D82A}">
-                    <a16:rowId xmlns:a16="http://schemas.microsoft.com/office/drawing/2014/main" xmlns="" val="10003"/>
+                    <a16:rowId xmlns:a16="http://schemas.microsoft.com/office/drawing/2014/main" val="10003"/>
                   </a:ext>
                 </a:extLst>
               </a:tr>
@@ -7672,7 +7721,7 @@
                         </a:spcAft>
                       </a:pPr>
                       <a:r>
-                        <a:rPr lang="en-AU" sz="1800" dirty="0" smtClean="0">
+                        <a:rPr lang="en-AU" sz="1800" dirty="0">
                           <a:solidFill>
                             <a:schemeClr val="tx1"/>
                           </a:solidFill>
@@ -7746,7 +7795,7 @@
                 </a:tc>
                 <a:extLst>
                   <a:ext uri="{0D108BD9-81ED-4DB2-BD59-A6C34878D82A}">
-                    <a16:rowId xmlns:a16="http://schemas.microsoft.com/office/drawing/2014/main" xmlns="" val="10004"/>
+                    <a16:rowId xmlns:a16="http://schemas.microsoft.com/office/drawing/2014/main" val="10004"/>
                   </a:ext>
                 </a:extLst>
               </a:tr>
@@ -7768,7 +7817,7 @@
                         </a:spcAft>
                       </a:pPr>
                       <a:r>
-                        <a:rPr lang="en-AU" sz="1800" dirty="0" smtClean="0">
+                        <a:rPr lang="en-AU" sz="1800" dirty="0">
                           <a:solidFill>
                             <a:schemeClr val="tx1"/>
                           </a:solidFill>
@@ -7776,12 +7825,6 @@
                         </a:rPr>
                         <a:t>VIC</a:t>
                       </a:r>
-                      <a:endParaRPr lang="en-AU" sz="1800" dirty="0">
-                        <a:solidFill>
-                          <a:schemeClr val="tx1"/>
-                        </a:solidFill>
-                        <a:effectLst/>
-                      </a:endParaRPr>
                     </a:p>
                     <a:p>
                       <a:pPr marL="540385" algn="ctr">
@@ -7870,7 +7913,7 @@
                 </a:tc>
                 <a:extLst>
                   <a:ext uri="{0D108BD9-81ED-4DB2-BD59-A6C34878D82A}">
-                    <a16:rowId xmlns:a16="http://schemas.microsoft.com/office/drawing/2014/main" xmlns="" val="10005"/>
+                    <a16:rowId xmlns:a16="http://schemas.microsoft.com/office/drawing/2014/main" val="10005"/>
                   </a:ext>
                 </a:extLst>
               </a:tr>
@@ -7966,7 +8009,7 @@
                 </a:tc>
                 <a:extLst>
                   <a:ext uri="{0D108BD9-81ED-4DB2-BD59-A6C34878D82A}">
-                    <a16:rowId xmlns:a16="http://schemas.microsoft.com/office/drawing/2014/main" xmlns="" val="10006"/>
+                    <a16:rowId xmlns:a16="http://schemas.microsoft.com/office/drawing/2014/main" val="10006"/>
                   </a:ext>
                 </a:extLst>
               </a:tr>
@@ -8062,7 +8105,7 @@
                 </a:tc>
                 <a:extLst>
                   <a:ext uri="{0D108BD9-81ED-4DB2-BD59-A6C34878D82A}">
-                    <a16:rowId xmlns:a16="http://schemas.microsoft.com/office/drawing/2014/main" xmlns="" val="10007"/>
+                    <a16:rowId xmlns:a16="http://schemas.microsoft.com/office/drawing/2014/main" val="10007"/>
                   </a:ext>
                 </a:extLst>
               </a:tr>
@@ -8084,7 +8127,7 @@
                         </a:spcAft>
                       </a:pPr>
                       <a:r>
-                        <a:rPr lang="en-AU" sz="1800" dirty="0" smtClean="0">
+                        <a:rPr lang="en-AU" sz="1800" dirty="0">
                           <a:solidFill>
                             <a:schemeClr val="tx1"/>
                           </a:solidFill>
@@ -8167,7 +8210,7 @@
                 </a:tc>
                 <a:extLst>
                   <a:ext uri="{0D108BD9-81ED-4DB2-BD59-A6C34878D82A}">
-                    <a16:rowId xmlns:a16="http://schemas.microsoft.com/office/drawing/2014/main" xmlns="" val="10008"/>
+                    <a16:rowId xmlns:a16="http://schemas.microsoft.com/office/drawing/2014/main" val="10008"/>
                   </a:ext>
                 </a:extLst>
               </a:tr>
@@ -8680,35 +8723,35 @@
                 <a:gridCol w="1584176">
                   <a:extLst>
                     <a:ext uri="{9D8B030D-6E8A-4147-A177-3AD203B41FA5}">
-                      <a16:colId xmlns:a16="http://schemas.microsoft.com/office/drawing/2014/main" xmlns="" val="20000"/>
+                      <a16:colId xmlns:a16="http://schemas.microsoft.com/office/drawing/2014/main" val="20000"/>
                     </a:ext>
                   </a:extLst>
                 </a:gridCol>
                 <a:gridCol w="1890881">
                   <a:extLst>
                     <a:ext uri="{9D8B030D-6E8A-4147-A177-3AD203B41FA5}">
-                      <a16:colId xmlns:a16="http://schemas.microsoft.com/office/drawing/2014/main" xmlns="" val="20001"/>
+                      <a16:colId xmlns:a16="http://schemas.microsoft.com/office/drawing/2014/main" val="20001"/>
                     </a:ext>
                   </a:extLst>
                 </a:gridCol>
                 <a:gridCol w="1937289">
                   <a:extLst>
                     <a:ext uri="{9D8B030D-6E8A-4147-A177-3AD203B41FA5}">
-                      <a16:colId xmlns:a16="http://schemas.microsoft.com/office/drawing/2014/main" xmlns="" val="20002"/>
+                      <a16:colId xmlns:a16="http://schemas.microsoft.com/office/drawing/2014/main" val="20002"/>
                     </a:ext>
                   </a:extLst>
                 </a:gridCol>
                 <a:gridCol w="1937289">
                   <a:extLst>
                     <a:ext uri="{9D8B030D-6E8A-4147-A177-3AD203B41FA5}">
-                      <a16:colId xmlns:a16="http://schemas.microsoft.com/office/drawing/2014/main" xmlns="" val="20003"/>
+                      <a16:colId xmlns:a16="http://schemas.microsoft.com/office/drawing/2014/main" val="20003"/>
                     </a:ext>
                   </a:extLst>
                 </a:gridCol>
                 <a:gridCol w="2571918">
                   <a:extLst>
                     <a:ext uri="{9D8B030D-6E8A-4147-A177-3AD203B41FA5}">
-                      <a16:colId xmlns:a16="http://schemas.microsoft.com/office/drawing/2014/main" xmlns="" val="20004"/>
+                      <a16:colId xmlns:a16="http://schemas.microsoft.com/office/drawing/2014/main" val="20004"/>
                     </a:ext>
                   </a:extLst>
                 </a:gridCol>
@@ -8961,7 +9004,7 @@
                 </a:tc>
                 <a:extLst>
                   <a:ext uri="{0D108BD9-81ED-4DB2-BD59-A6C34878D82A}">
-                    <a16:rowId xmlns:a16="http://schemas.microsoft.com/office/drawing/2014/main" xmlns="" val="10000"/>
+                    <a16:rowId xmlns:a16="http://schemas.microsoft.com/office/drawing/2014/main" val="10000"/>
                   </a:ext>
                 </a:extLst>
               </a:tr>
@@ -9315,7 +9358,7 @@
                 </a:tc>
                 <a:extLst>
                   <a:ext uri="{0D108BD9-81ED-4DB2-BD59-A6C34878D82A}">
-                    <a16:rowId xmlns:a16="http://schemas.microsoft.com/office/drawing/2014/main" xmlns="" val="10001"/>
+                    <a16:rowId xmlns:a16="http://schemas.microsoft.com/office/drawing/2014/main" val="10001"/>
                   </a:ext>
                 </a:extLst>
               </a:tr>
@@ -9609,7 +9652,7 @@
                 </a:tc>
                 <a:extLst>
                   <a:ext uri="{0D108BD9-81ED-4DB2-BD59-A6C34878D82A}">
-                    <a16:rowId xmlns:a16="http://schemas.microsoft.com/office/drawing/2014/main" xmlns="" val="10002"/>
+                    <a16:rowId xmlns:a16="http://schemas.microsoft.com/office/drawing/2014/main" val="10002"/>
                   </a:ext>
                 </a:extLst>
               </a:tr>
@@ -9963,7 +10006,7 @@
                 </a:tc>
                 <a:extLst>
                   <a:ext uri="{0D108BD9-81ED-4DB2-BD59-A6C34878D82A}">
-                    <a16:rowId xmlns:a16="http://schemas.microsoft.com/office/drawing/2014/main" xmlns="" val="10003"/>
+                    <a16:rowId xmlns:a16="http://schemas.microsoft.com/office/drawing/2014/main" val="10003"/>
                   </a:ext>
                 </a:extLst>
               </a:tr>
@@ -10317,7 +10360,7 @@
                 </a:tc>
                 <a:extLst>
                   <a:ext uri="{0D108BD9-81ED-4DB2-BD59-A6C34878D82A}">
-                    <a16:rowId xmlns:a16="http://schemas.microsoft.com/office/drawing/2014/main" xmlns="" val="10004"/>
+                    <a16:rowId xmlns:a16="http://schemas.microsoft.com/office/drawing/2014/main" val="10004"/>
                   </a:ext>
                 </a:extLst>
               </a:tr>
@@ -10671,7 +10714,7 @@
                 </a:tc>
                 <a:extLst>
                   <a:ext uri="{0D108BD9-81ED-4DB2-BD59-A6C34878D82A}">
-                    <a16:rowId xmlns:a16="http://schemas.microsoft.com/office/drawing/2014/main" xmlns="" val="10005"/>
+                    <a16:rowId xmlns:a16="http://schemas.microsoft.com/office/drawing/2014/main" val="10005"/>
                   </a:ext>
                 </a:extLst>
               </a:tr>
@@ -11025,7 +11068,7 @@
                 </a:tc>
                 <a:extLst>
                   <a:ext uri="{0D108BD9-81ED-4DB2-BD59-A6C34878D82A}">
-                    <a16:rowId xmlns:a16="http://schemas.microsoft.com/office/drawing/2014/main" xmlns="" val="10006"/>
+                    <a16:rowId xmlns:a16="http://schemas.microsoft.com/office/drawing/2014/main" val="10006"/>
                   </a:ext>
                 </a:extLst>
               </a:tr>
@@ -11379,7 +11422,7 @@
                 </a:tc>
                 <a:extLst>
                   <a:ext uri="{0D108BD9-81ED-4DB2-BD59-A6C34878D82A}">
-                    <a16:rowId xmlns:a16="http://schemas.microsoft.com/office/drawing/2014/main" xmlns="" val="10007"/>
+                    <a16:rowId xmlns:a16="http://schemas.microsoft.com/office/drawing/2014/main" val="10007"/>
                   </a:ext>
                 </a:extLst>
               </a:tr>
